--- a/Electrofish data/LWD_analyses.pptx
+++ b/Electrofish data/LWD_analyses.pptx
@@ -211,7 +211,7 @@
           <a:p>
             <a:fld id="{2675EF98-215B-436D-B004-E8A0B0DA5F43}" type="datetimeFigureOut">
               <a:rPr lang="en-US" smtClean="0"/>
-              <a:t>2/16/2017</a:t>
+              <a:t>2/21/2017</a:t>
             </a:fld>
             <a:endParaRPr lang="en-US"/>
           </a:p>
@@ -1390,11 +1390,71 @@
           <a:bodyPr/>
           <a:lstStyle/>
           <a:p>
-            <a:endParaRPr lang="sv-SE" b="1" i="1" dirty="0" smtClean="0">
+            <a:pPr marL="171450" indent="-171450">
+              <a:buFont typeface="Arial" panose="020B0604020202020204" pitchFamily="34" charset="0"/>
+              <a:buChar char="•"/>
+            </a:pPr>
+            <a:r>
+              <a:rPr lang="sv-SE" b="0" i="0" dirty="0" smtClean="0">
+                <a:solidFill>
+                  <a:srgbClr val="FF0000"/>
+                </a:solidFill>
+              </a:rPr>
+              <a:t>Woody debris can create pool therefore can potentially affect </a:t>
+            </a:r>
+            <a:r>
+              <a:rPr lang="sv-SE" b="0" i="0" baseline="0" dirty="0" smtClean="0">
+                <a:solidFill>
+                  <a:srgbClr val="FF0000"/>
+                </a:solidFill>
+              </a:rPr>
+              <a:t> the depth and maybe the width  (</a:t>
+            </a:r>
+            <a:r>
+              <a:rPr lang="en-US" dirty="0" err="1" smtClean="0">
+                <a:effectLst/>
+              </a:rPr>
+              <a:t>Dahlström</a:t>
+            </a:r>
+            <a:r>
+              <a:rPr lang="en-US" dirty="0" smtClean="0">
+                <a:effectLst/>
+              </a:rPr>
+              <a:t> and Nilsson 2004)</a:t>
+            </a:r>
+            <a:r>
+              <a:rPr lang="sv-SE" b="0" i="0" baseline="0" dirty="0" smtClean="0">
+                <a:solidFill>
+                  <a:srgbClr val="FF0000"/>
+                </a:solidFill>
+              </a:rPr>
+              <a:t>. Talk to Erik. Maybe wetted width is less liikely to be affected by LWD, if not, exact area should be indipendent. Test: wetted width (or exact area) -&gt; LWD-&gt; depth</a:t>
+            </a:r>
+          </a:p>
+          <a:p>
+            <a:pPr marL="171450" indent="-171450">
+              <a:buFont typeface="Arial" panose="020B0604020202020204" pitchFamily="34" charset="0"/>
+              <a:buChar char="•"/>
+            </a:pPr>
+            <a:endParaRPr lang="sv-SE" b="0" i="0" baseline="0" dirty="0" smtClean="0">
               <a:solidFill>
                 <a:srgbClr val="FF0000"/>
               </a:solidFill>
             </a:endParaRPr>
+          </a:p>
+          <a:p>
+            <a:pPr marL="171450" indent="-171450">
+              <a:buFont typeface="Arial" panose="020B0604020202020204" pitchFamily="34" charset="0"/>
+              <a:buChar char="•"/>
+            </a:pPr>
+            <a:r>
+              <a:rPr lang="sv-SE" b="0" i="0" baseline="0" dirty="0" smtClean="0">
+                <a:solidFill>
+                  <a:srgbClr val="FF0000"/>
+                </a:solidFill>
+              </a:rPr>
+              <a:t>LWD: test interaction with predtaors or abiotic such as wetted width (Erik’s graph suggests there may be an interaction)</a:t>
+            </a:r>
           </a:p>
         </p:txBody>
       </p:sp>
@@ -1649,7 +1709,7 @@
           <a:p>
             <a:fld id="{0A749960-2F21-4EF5-964C-3B1D5B1C7214}" type="datetimeFigureOut">
               <a:rPr lang="en-US" smtClean="0"/>
-              <a:t>2/16/2017</a:t>
+              <a:t>2/21/2017</a:t>
             </a:fld>
             <a:endParaRPr lang="en-US"/>
           </a:p>
@@ -1819,7 +1879,7 @@
           <a:p>
             <a:fld id="{0A749960-2F21-4EF5-964C-3B1D5B1C7214}" type="datetimeFigureOut">
               <a:rPr lang="en-US" smtClean="0"/>
-              <a:t>2/16/2017</a:t>
+              <a:t>2/21/2017</a:t>
             </a:fld>
             <a:endParaRPr lang="en-US"/>
           </a:p>
@@ -1999,7 +2059,7 @@
           <a:p>
             <a:fld id="{0A749960-2F21-4EF5-964C-3B1D5B1C7214}" type="datetimeFigureOut">
               <a:rPr lang="en-US" smtClean="0"/>
-              <a:t>2/16/2017</a:t>
+              <a:t>2/21/2017</a:t>
             </a:fld>
             <a:endParaRPr lang="en-US"/>
           </a:p>
@@ -2169,7 +2229,7 @@
           <a:p>
             <a:fld id="{0A749960-2F21-4EF5-964C-3B1D5B1C7214}" type="datetimeFigureOut">
               <a:rPr lang="en-US" smtClean="0"/>
-              <a:t>2/16/2017</a:t>
+              <a:t>2/21/2017</a:t>
             </a:fld>
             <a:endParaRPr lang="en-US"/>
           </a:p>
@@ -2415,7 +2475,7 @@
           <a:p>
             <a:fld id="{0A749960-2F21-4EF5-964C-3B1D5B1C7214}" type="datetimeFigureOut">
               <a:rPr lang="en-US" smtClean="0"/>
-              <a:t>2/16/2017</a:t>
+              <a:t>2/21/2017</a:t>
             </a:fld>
             <a:endParaRPr lang="en-US"/>
           </a:p>
@@ -2647,7 +2707,7 @@
           <a:p>
             <a:fld id="{0A749960-2F21-4EF5-964C-3B1D5B1C7214}" type="datetimeFigureOut">
               <a:rPr lang="en-US" smtClean="0"/>
-              <a:t>2/16/2017</a:t>
+              <a:t>2/21/2017</a:t>
             </a:fld>
             <a:endParaRPr lang="en-US"/>
           </a:p>
@@ -3014,7 +3074,7 @@
           <a:p>
             <a:fld id="{0A749960-2F21-4EF5-964C-3B1D5B1C7214}" type="datetimeFigureOut">
               <a:rPr lang="en-US" smtClean="0"/>
-              <a:t>2/16/2017</a:t>
+              <a:t>2/21/2017</a:t>
             </a:fld>
             <a:endParaRPr lang="en-US"/>
           </a:p>
@@ -3132,7 +3192,7 @@
           <a:p>
             <a:fld id="{0A749960-2F21-4EF5-964C-3B1D5B1C7214}" type="datetimeFigureOut">
               <a:rPr lang="en-US" smtClean="0"/>
-              <a:t>2/16/2017</a:t>
+              <a:t>2/21/2017</a:t>
             </a:fld>
             <a:endParaRPr lang="en-US"/>
           </a:p>
@@ -3227,7 +3287,7 @@
           <a:p>
             <a:fld id="{0A749960-2F21-4EF5-964C-3B1D5B1C7214}" type="datetimeFigureOut">
               <a:rPr lang="en-US" smtClean="0"/>
-              <a:t>2/16/2017</a:t>
+              <a:t>2/21/2017</a:t>
             </a:fld>
             <a:endParaRPr lang="en-US"/>
           </a:p>
@@ -3504,7 +3564,7 @@
           <a:p>
             <a:fld id="{0A749960-2F21-4EF5-964C-3B1D5B1C7214}" type="datetimeFigureOut">
               <a:rPr lang="en-US" smtClean="0"/>
-              <a:t>2/16/2017</a:t>
+              <a:t>2/21/2017</a:t>
             </a:fld>
             <a:endParaRPr lang="en-US"/>
           </a:p>
@@ -3757,7 +3817,7 @@
           <a:p>
             <a:fld id="{0A749960-2F21-4EF5-964C-3B1D5B1C7214}" type="datetimeFigureOut">
               <a:rPr lang="en-US" smtClean="0"/>
-              <a:t>2/16/2017</a:t>
+              <a:t>2/21/2017</a:t>
             </a:fld>
             <a:endParaRPr lang="en-US"/>
           </a:p>
@@ -3970,7 +4030,7 @@
           <a:p>
             <a:fld id="{0A749960-2F21-4EF5-964C-3B1D5B1C7214}" type="datetimeFigureOut">
               <a:rPr lang="en-US" smtClean="0"/>
-              <a:t>2/16/2017</a:t>
+              <a:t>2/21/2017</a:t>
             </a:fld>
             <a:endParaRPr lang="en-US"/>
           </a:p>
@@ -7148,11 +7208,7 @@
           <a:p>
             <a:r>
               <a:rPr lang="sv-SE" dirty="0" smtClean="0"/>
-              <a:t>Correlated </a:t>
-            </a:r>
-            <a:r>
-              <a:rPr lang="sv-SE" dirty="0" smtClean="0"/>
-              <a:t>and contributing most to PC1 </a:t>
+              <a:t>Correlated and contributing most to PC1 </a:t>
             </a:r>
             <a:r>
               <a:rPr lang="sv-SE" dirty="0"/>
@@ -7170,11 +7226,7 @@
             </a:r>
             <a:r>
               <a:rPr lang="sv-SE" i="1" dirty="0" smtClean="0"/>
-              <a:t>Avg </a:t>
-            </a:r>
-            <a:r>
-              <a:rPr lang="sv-SE" i="1" dirty="0" smtClean="0"/>
-              <a:t>air temp ~~ </a:t>
+              <a:t>Avg air temp ~~ </a:t>
             </a:r>
             <a:r>
               <a:rPr lang="sv-SE" b="1" i="1" dirty="0" smtClean="0"/>
@@ -7184,7 +7236,6 @@
               <a:rPr lang="sv-SE" i="1" dirty="0" smtClean="0"/>
               <a:t> and long ~ altitude </a:t>
             </a:r>
-            <a:endParaRPr lang="sv-SE" i="1" dirty="0" smtClean="0"/>
           </a:p>
           <a:p>
             <a:r>
@@ -7193,11 +7244,7 @@
             </a:r>
             <a:r>
               <a:rPr lang="sv-SE" b="1" i="1" dirty="0" smtClean="0"/>
-              <a:t>distance </a:t>
-            </a:r>
-            <a:r>
-              <a:rPr lang="sv-SE" b="1" i="1" dirty="0" smtClean="0"/>
-              <a:t>to sea</a:t>
+              <a:t>distance to sea</a:t>
             </a:r>
           </a:p>
           <a:p>
@@ -7233,33 +7280,16 @@
             </a:r>
             <a:r>
               <a:rPr lang="sv-SE" i="1" dirty="0" smtClean="0"/>
-              <a:t>: Avg </a:t>
+              <a:t>: Avg depth ~</a:t>
+            </a:r>
+            <a:r>
+              <a:rPr lang="sv-SE" b="1" i="1" dirty="0" smtClean="0"/>
+              <a:t>wetted width </a:t>
             </a:r>
             <a:r>
               <a:rPr lang="sv-SE" i="1" dirty="0" smtClean="0"/>
-              <a:t>depth </a:t>
-            </a:r>
-            <a:r>
-              <a:rPr lang="sv-SE" i="1" dirty="0" smtClean="0"/>
-              <a:t>~</a:t>
-            </a:r>
-            <a:r>
-              <a:rPr lang="sv-SE" b="1" i="1" dirty="0" smtClean="0"/>
-              <a:t>wetted </a:t>
-            </a:r>
-            <a:r>
-              <a:rPr lang="sv-SE" b="1" i="1" dirty="0" smtClean="0"/>
-              <a:t>width </a:t>
-            </a:r>
-            <a:r>
-              <a:rPr lang="sv-SE" i="1" dirty="0" smtClean="0"/>
-              <a:t>~ max </a:t>
-            </a:r>
-            <a:r>
-              <a:rPr lang="sv-SE" i="1" dirty="0" smtClean="0"/>
-              <a:t>depth~exact area</a:t>
-            </a:r>
-            <a:endParaRPr lang="sv-SE" i="1" dirty="0" smtClean="0"/>
+              <a:t>~ max depth~exact area</a:t>
+            </a:r>
           </a:p>
           <a:p>
             <a:r>
@@ -7301,7 +7331,6 @@
               <a:rPr lang="sv-SE" b="1" i="1" dirty="0" smtClean="0"/>
               <a:t>LWD</a:t>
             </a:r>
-            <a:endParaRPr lang="sv-SE" b="1" i="1" dirty="0" smtClean="0"/>
           </a:p>
           <a:p>
             <a:r>
@@ -7314,19 +7343,11 @@
             </a:r>
             <a:r>
               <a:rPr lang="sv-SE" b="1" i="1" dirty="0" smtClean="0"/>
-              <a:t>: Julian </a:t>
-            </a:r>
-            <a:r>
-              <a:rPr lang="sv-SE" b="1" i="1" dirty="0" smtClean="0"/>
-              <a:t>date </a:t>
+              <a:t>: Julian date </a:t>
             </a:r>
             <a:r>
               <a:rPr lang="sv-SE" i="1" dirty="0" smtClean="0"/>
-              <a:t>~</a:t>
-            </a:r>
-            <a:r>
-              <a:rPr lang="sv-SE" i="1" dirty="0" smtClean="0"/>
-              <a:t>month </a:t>
+              <a:t>~month </a:t>
             </a:r>
             <a:r>
               <a:rPr lang="sv-SE" dirty="0" smtClean="0"/>
@@ -7559,8 +7580,13 @@
             </a:pPr>
             <a:r>
               <a:rPr lang="sv-SE" dirty="0" smtClean="0"/>
-              <a:t>Individual species abundances: binary or numerical?</a:t>
-            </a:r>
+              <a:t>Individual species abundances: binary or </a:t>
+            </a:r>
+            <a:r>
+              <a:rPr lang="sv-SE" dirty="0" smtClean="0"/>
+              <a:t>continuous?</a:t>
+            </a:r>
+            <a:endParaRPr lang="sv-SE" dirty="0" smtClean="0"/>
           </a:p>
           <a:p>
             <a:pPr marL="285750" indent="-285750">
@@ -7637,14 +7663,106 @@
       </p:grpSpPr>
       <p:sp>
         <p:nvSpPr>
+          <p:cNvPr id="45" name="Rectangle 44"/>
+          <p:cNvSpPr/>
+          <p:nvPr/>
+        </p:nvSpPr>
+        <p:spPr>
+          <a:xfrm>
+            <a:off x="253295" y="3750810"/>
+            <a:ext cx="5285012" cy="3019756"/>
+          </a:xfrm>
+          <a:prstGeom prst="rect">
+            <a:avLst/>
+          </a:prstGeom>
+          <a:solidFill>
+            <a:schemeClr val="accent6">
+              <a:lumMod val="20000"/>
+              <a:lumOff val="80000"/>
+            </a:schemeClr>
+          </a:solidFill>
+        </p:spPr>
+        <p:style>
+          <a:lnRef idx="2">
+            <a:schemeClr val="accent1">
+              <a:shade val="50000"/>
+            </a:schemeClr>
+          </a:lnRef>
+          <a:fillRef idx="1">
+            <a:schemeClr val="accent1"/>
+          </a:fillRef>
+          <a:effectRef idx="0">
+            <a:schemeClr val="accent1"/>
+          </a:effectRef>
+          <a:fontRef idx="minor">
+            <a:schemeClr val="lt1"/>
+          </a:fontRef>
+        </p:style>
+        <p:txBody>
+          <a:bodyPr rtlCol="0" anchor="ctr"/>
+          <a:lstStyle/>
+          <a:p>
+            <a:pPr algn="ctr"/>
+            <a:endParaRPr lang="en-US"/>
+          </a:p>
+        </p:txBody>
+      </p:sp>
+      <p:sp>
+        <p:nvSpPr>
+          <p:cNvPr id="28" name="Rectangle 27"/>
+          <p:cNvSpPr/>
+          <p:nvPr/>
+        </p:nvSpPr>
+        <p:spPr>
+          <a:xfrm>
+            <a:off x="257175" y="88826"/>
+            <a:ext cx="5254844" cy="3531636"/>
+          </a:xfrm>
+          <a:prstGeom prst="rect">
+            <a:avLst/>
+          </a:prstGeom>
+          <a:solidFill>
+            <a:schemeClr val="accent2">
+              <a:lumMod val="20000"/>
+              <a:lumOff val="80000"/>
+            </a:schemeClr>
+          </a:solidFill>
+        </p:spPr>
+        <p:style>
+          <a:lnRef idx="2">
+            <a:schemeClr val="accent1">
+              <a:shade val="50000"/>
+            </a:schemeClr>
+          </a:lnRef>
+          <a:fillRef idx="1">
+            <a:schemeClr val="accent1"/>
+          </a:fillRef>
+          <a:effectRef idx="0">
+            <a:schemeClr val="accent1"/>
+          </a:effectRef>
+          <a:fontRef idx="minor">
+            <a:schemeClr val="lt1"/>
+          </a:fontRef>
+        </p:style>
+        <p:txBody>
+          <a:bodyPr rtlCol="0" anchor="ctr"/>
+          <a:lstStyle/>
+          <a:p>
+            <a:pPr algn="ctr"/>
+            <a:endParaRPr lang="en-US"/>
+          </a:p>
+        </p:txBody>
+      </p:sp>
+      <p:sp>
+        <p:nvSpPr>
           <p:cNvPr id="2" name="TextBox 1"/>
           <p:cNvSpPr txBox="1"/>
           <p:nvPr/>
         </p:nvSpPr>
         <p:spPr>
           <a:xfrm>
-            <a:off x="0" y="88826"/>
-            <a:ext cx="12047456" cy="369332"/>
+            <a:off x="6287423" y="-56118"/>
+            <a:ext cx="1561884" cy="369332"/>
           </a:xfrm>
           <a:prstGeom prst="rect">
             <a:avLst/>
@@ -7788,7 +7906,7 @@
         </p:nvSpPr>
         <p:spPr>
           <a:xfrm>
-            <a:off x="773287" y="2862766"/>
+            <a:off x="1059716" y="2692514"/>
             <a:ext cx="2698045" cy="646331"/>
           </a:xfrm>
           <a:prstGeom prst="rect">
@@ -7827,7 +7945,7 @@
         <p:spPr>
           <a:xfrm>
             <a:off x="688621" y="3775902"/>
-            <a:ext cx="2867379" cy="923330"/>
+            <a:ext cx="2931280" cy="923330"/>
           </a:xfrm>
           <a:prstGeom prst="rect">
             <a:avLst/>
@@ -7867,13 +7985,33 @@
             </a:r>
             <a:r>
               <a:rPr lang="sv-SE" i="1" dirty="0"/>
-              <a:t>~ max depth~exact </a:t>
+              <a:t>~ </a:t>
             </a:r>
             <a:r>
               <a:rPr lang="sv-SE" i="1" dirty="0" smtClean="0"/>
-              <a:t>area)</a:t>
-            </a:r>
-            <a:endParaRPr lang="sv-SE" dirty="0"/>
+              <a:t>max </a:t>
+            </a:r>
+            <a:r>
+              <a:rPr lang="sv-SE" i="1" dirty="0"/>
+              <a:t>depth~exact </a:t>
+            </a:r>
+            <a:r>
+              <a:rPr lang="sv-SE" i="1" dirty="0" smtClean="0"/>
+              <a:t>area) </a:t>
+            </a:r>
+            <a:r>
+              <a:rPr lang="sv-SE" i="1" dirty="0" smtClean="0">
+                <a:solidFill>
+                  <a:srgbClr val="FF0000"/>
+                </a:solidFill>
+              </a:rPr>
+              <a:t>*</a:t>
+            </a:r>
+            <a:endParaRPr lang="sv-SE" dirty="0">
+              <a:solidFill>
+                <a:srgbClr val="FF0000"/>
+              </a:solidFill>
+            </a:endParaRPr>
           </a:p>
         </p:txBody>
       </p:sp>
@@ -7885,7 +8023,7 @@
         </p:nvSpPr>
         <p:spPr>
           <a:xfrm>
-            <a:off x="158045" y="4914835"/>
+            <a:off x="158045" y="4829110"/>
             <a:ext cx="4052712" cy="2031325"/>
           </a:xfrm>
           <a:prstGeom prst="rect">
@@ -8027,7 +8165,7 @@
         </p:nvSpPr>
         <p:spPr>
           <a:xfrm>
-            <a:off x="9708445" y="297788"/>
+            <a:off x="9426283" y="80363"/>
             <a:ext cx="2339011" cy="923330"/>
           </a:xfrm>
           <a:prstGeom prst="rect">
@@ -8106,8 +8244,8 @@
         </p:nvCxnSpPr>
         <p:spPr>
           <a:xfrm>
-            <a:off x="10877951" y="1221118"/>
-            <a:ext cx="0" cy="1772985"/>
+            <a:off x="10595789" y="1003693"/>
+            <a:ext cx="282162" cy="1990410"/>
           </a:xfrm>
           <a:prstGeom prst="straightConnector1">
             <a:avLst/>
@@ -8381,8 +8519,8 @@
         </p:nvCxnSpPr>
         <p:spPr>
           <a:xfrm flipV="1">
-            <a:off x="3556000" y="3608262"/>
-            <a:ext cx="2991555" cy="629305"/>
+            <a:off x="3619901" y="3608263"/>
+            <a:ext cx="2927654" cy="629304"/>
           </a:xfrm>
           <a:prstGeom prst="straightConnector1">
             <a:avLst/>
@@ -8416,8 +8554,8 @@
         </p:nvCxnSpPr>
         <p:spPr>
           <a:xfrm flipV="1">
-            <a:off x="3556000" y="3679681"/>
-            <a:ext cx="6150175" cy="557886"/>
+            <a:off x="3619901" y="3679681"/>
+            <a:ext cx="6086274" cy="557886"/>
           </a:xfrm>
           <a:prstGeom prst="straightConnector1">
             <a:avLst/>
@@ -8482,8 +8620,8 @@
         </p:nvCxnSpPr>
         <p:spPr>
           <a:xfrm flipV="1">
-            <a:off x="3262489" y="3795838"/>
-            <a:ext cx="6688668" cy="2630212"/>
+            <a:off x="3201196" y="3795838"/>
+            <a:ext cx="6749961" cy="2538287"/>
           </a:xfrm>
           <a:prstGeom prst="straightConnector1">
             <a:avLst/>
@@ -8548,8 +8686,8 @@
         </p:nvCxnSpPr>
         <p:spPr>
           <a:xfrm>
-            <a:off x="3262489" y="3101905"/>
-            <a:ext cx="6299200" cy="249343"/>
+            <a:off x="3113871" y="2882450"/>
+            <a:ext cx="6447818" cy="468798"/>
           </a:xfrm>
           <a:prstGeom prst="straightConnector1">
             <a:avLst/>
@@ -8620,7 +8758,7 @@
         <p:spPr>
           <a:xfrm>
             <a:off x="2984583" y="44208"/>
-            <a:ext cx="2527436" cy="1754326"/>
+            <a:ext cx="2527436" cy="2031325"/>
           </a:xfrm>
           <a:prstGeom prst="rect">
             <a:avLst/>
@@ -8658,6 +8796,10 @@
             <a:endParaRPr lang="sv-SE" dirty="0"/>
           </a:p>
           <a:p>
+            <a:endParaRPr lang="sv-SE" dirty="0" smtClean="0"/>
+          </a:p>
+          <a:p>
+            <a:pPr algn="ctr"/>
             <a:endParaRPr lang="sv-SE" dirty="0" smtClean="0"/>
           </a:p>
           <a:p>
@@ -8743,8 +8885,8 @@
         </p:nvCxnSpPr>
         <p:spPr>
           <a:xfrm>
-            <a:off x="5109882" y="1595718"/>
-            <a:ext cx="4841275" cy="1506187"/>
+            <a:off x="5016908" y="1831428"/>
+            <a:ext cx="4934249" cy="1270477"/>
           </a:xfrm>
           <a:prstGeom prst="straightConnector1">
             <a:avLst/>
@@ -8847,7 +8989,7 @@
         </p:nvSpPr>
         <p:spPr>
           <a:xfrm>
-            <a:off x="692510" y="726001"/>
+            <a:off x="365133" y="747530"/>
             <a:ext cx="2032666" cy="923330"/>
           </a:xfrm>
           <a:prstGeom prst="rect">
@@ -8875,6 +9017,438 @@
           </a:p>
         </p:txBody>
       </p:sp>
+      <p:sp>
+        <p:nvSpPr>
+          <p:cNvPr id="6" name="TextBox 5"/>
+          <p:cNvSpPr txBox="1"/>
+          <p:nvPr/>
+        </p:nvSpPr>
+        <p:spPr>
+          <a:xfrm>
+            <a:off x="8991670" y="1468548"/>
+            <a:ext cx="1819275" cy="369332"/>
+          </a:xfrm>
+          <a:prstGeom prst="rect">
+            <a:avLst/>
+          </a:prstGeom>
+          <a:noFill/>
+        </p:spPr>
+        <p:txBody>
+          <a:bodyPr wrap="square" rtlCol="0">
+            <a:spAutoFit/>
+          </a:bodyPr>
+          <a:lstStyle/>
+          <a:p>
+            <a:r>
+              <a:rPr lang="sv-SE" dirty="0" smtClean="0">
+                <a:solidFill>
+                  <a:srgbClr val="FF0000"/>
+                </a:solidFill>
+              </a:rPr>
+              <a:t>LWD* Predators</a:t>
+            </a:r>
+            <a:endParaRPr lang="en-US" dirty="0">
+              <a:solidFill>
+                <a:srgbClr val="FF0000"/>
+              </a:solidFill>
+            </a:endParaRPr>
+          </a:p>
+        </p:txBody>
+      </p:sp>
+      <p:cxnSp>
+        <p:nvCxnSpPr>
+          <p:cNvPr id="14" name="Straight Arrow Connector 13"/>
+          <p:cNvCxnSpPr>
+            <a:stCxn id="6" idx="2"/>
+          </p:cNvCxnSpPr>
+          <p:nvPr/>
+        </p:nvCxnSpPr>
+        <p:spPr>
+          <a:xfrm>
+            <a:off x="9901308" y="1837880"/>
+            <a:ext cx="694481" cy="1113200"/>
+          </a:xfrm>
+          <a:prstGeom prst="straightConnector1">
+            <a:avLst/>
+          </a:prstGeom>
+          <a:ln>
+            <a:tailEnd type="triangle"/>
+          </a:ln>
+        </p:spPr>
+        <p:style>
+          <a:lnRef idx="1">
+            <a:schemeClr val="accent1"/>
+          </a:lnRef>
+          <a:fillRef idx="0">
+            <a:schemeClr val="accent1"/>
+          </a:fillRef>
+          <a:effectRef idx="0">
+            <a:schemeClr val="accent1"/>
+          </a:effectRef>
+          <a:fontRef idx="minor">
+            <a:schemeClr val="tx1"/>
+          </a:fontRef>
+        </p:style>
+      </p:cxnSp>
+      <p:sp>
+        <p:nvSpPr>
+          <p:cNvPr id="24" name="TextBox 23"/>
+          <p:cNvSpPr txBox="1"/>
+          <p:nvPr/>
+        </p:nvSpPr>
+        <p:spPr>
+          <a:xfrm>
+            <a:off x="208598" y="2940486"/>
+            <a:ext cx="749515" cy="646331"/>
+          </a:xfrm>
+          <a:prstGeom prst="rect">
+            <a:avLst/>
+          </a:prstGeom>
+          <a:noFill/>
+        </p:spPr>
+        <p:txBody>
+          <a:bodyPr wrap="square" rtlCol="0">
+            <a:spAutoFit/>
+          </a:bodyPr>
+          <a:lstStyle/>
+          <a:p>
+            <a:r>
+              <a:rPr lang="sv-SE" dirty="0" smtClean="0">
+                <a:solidFill>
+                  <a:schemeClr val="accent2">
+                    <a:lumMod val="75000"/>
+                  </a:schemeClr>
+                </a:solidFill>
+              </a:rPr>
+              <a:t>Large -scale</a:t>
+            </a:r>
+            <a:endParaRPr lang="en-US" dirty="0">
+              <a:solidFill>
+                <a:schemeClr val="accent2">
+                  <a:lumMod val="75000"/>
+                </a:schemeClr>
+              </a:solidFill>
+            </a:endParaRPr>
+          </a:p>
+        </p:txBody>
+      </p:sp>
+      <p:sp>
+        <p:nvSpPr>
+          <p:cNvPr id="42" name="TextBox 41"/>
+          <p:cNvSpPr txBox="1"/>
+          <p:nvPr/>
+        </p:nvSpPr>
+        <p:spPr>
+          <a:xfrm>
+            <a:off x="235256" y="6090590"/>
+            <a:ext cx="749515" cy="646331"/>
+          </a:xfrm>
+          <a:prstGeom prst="rect">
+            <a:avLst/>
+          </a:prstGeom>
+          <a:noFill/>
+        </p:spPr>
+        <p:txBody>
+          <a:bodyPr wrap="square" rtlCol="0">
+            <a:spAutoFit/>
+          </a:bodyPr>
+          <a:lstStyle/>
+          <a:p>
+            <a:r>
+              <a:rPr lang="sv-SE" dirty="0" smtClean="0">
+                <a:solidFill>
+                  <a:schemeClr val="accent6">
+                    <a:lumMod val="75000"/>
+                  </a:schemeClr>
+                </a:solidFill>
+              </a:rPr>
+              <a:t>Small-scale</a:t>
+            </a:r>
+            <a:endParaRPr lang="en-US" dirty="0">
+              <a:solidFill>
+                <a:schemeClr val="accent6">
+                  <a:lumMod val="75000"/>
+                </a:schemeClr>
+              </a:solidFill>
+            </a:endParaRPr>
+          </a:p>
+        </p:txBody>
+      </p:sp>
+      <p:sp>
+        <p:nvSpPr>
+          <p:cNvPr id="8" name="TextBox 7"/>
+          <p:cNvSpPr txBox="1"/>
+          <p:nvPr/>
+        </p:nvSpPr>
+        <p:spPr>
+          <a:xfrm>
+            <a:off x="2458499" y="671218"/>
+            <a:ext cx="1816850" cy="646331"/>
+          </a:xfrm>
+          <a:prstGeom prst="rect">
+            <a:avLst/>
+          </a:prstGeom>
+          <a:noFill/>
+          <a:ln>
+            <a:solidFill>
+              <a:srgbClr val="FF0000"/>
+            </a:solidFill>
+            <a:prstDash val="dash"/>
+          </a:ln>
+        </p:spPr>
+        <p:txBody>
+          <a:bodyPr wrap="square" rtlCol="0">
+            <a:spAutoFit/>
+          </a:bodyPr>
+          <a:lstStyle/>
+          <a:p>
+            <a:r>
+              <a:rPr lang="sv-SE" dirty="0" smtClean="0"/>
+              <a:t>Precipitation, annual discharge</a:t>
+            </a:r>
+            <a:endParaRPr lang="en-US" dirty="0"/>
+          </a:p>
+        </p:txBody>
+      </p:sp>
+      <p:cxnSp>
+        <p:nvCxnSpPr>
+          <p:cNvPr id="26" name="Straight Arrow Connector 25"/>
+          <p:cNvCxnSpPr/>
+          <p:nvPr/>
+        </p:nvCxnSpPr>
+        <p:spPr>
+          <a:xfrm>
+            <a:off x="3113871" y="1329073"/>
+            <a:ext cx="223903" cy="304784"/>
+          </a:xfrm>
+          <a:prstGeom prst="straightConnector1">
+            <a:avLst/>
+          </a:prstGeom>
+          <a:ln>
+            <a:tailEnd type="triangle"/>
+          </a:ln>
+        </p:spPr>
+        <p:style>
+          <a:lnRef idx="1">
+            <a:schemeClr val="accent1"/>
+          </a:lnRef>
+          <a:fillRef idx="0">
+            <a:schemeClr val="accent1"/>
+          </a:fillRef>
+          <a:effectRef idx="0">
+            <a:schemeClr val="accent1"/>
+          </a:effectRef>
+          <a:fontRef idx="minor">
+            <a:schemeClr val="tx1"/>
+          </a:fontRef>
+        </p:style>
+      </p:cxnSp>
+      <p:sp>
+        <p:nvSpPr>
+          <p:cNvPr id="30" name="TextBox 29"/>
+          <p:cNvSpPr txBox="1"/>
+          <p:nvPr/>
+        </p:nvSpPr>
+        <p:spPr>
+          <a:xfrm>
+            <a:off x="4038600" y="5143500"/>
+            <a:ext cx="1114425" cy="369332"/>
+          </a:xfrm>
+          <a:prstGeom prst="rect">
+            <a:avLst/>
+          </a:prstGeom>
+          <a:noFill/>
+          <a:ln>
+            <a:solidFill>
+              <a:srgbClr val="FF0000"/>
+            </a:solidFill>
+            <a:prstDash val="dash"/>
+          </a:ln>
+        </p:spPr>
+        <p:txBody>
+          <a:bodyPr wrap="square" rtlCol="0">
+            <a:spAutoFit/>
+          </a:bodyPr>
+          <a:lstStyle/>
+          <a:p>
+            <a:r>
+              <a:rPr lang="sv-SE" dirty="0" smtClean="0"/>
+              <a:t>Tree spp.</a:t>
+            </a:r>
+            <a:endParaRPr lang="en-US" dirty="0"/>
+          </a:p>
+        </p:txBody>
+      </p:sp>
+      <p:cxnSp>
+        <p:nvCxnSpPr>
+          <p:cNvPr id="34" name="Straight Arrow Connector 33"/>
+          <p:cNvCxnSpPr/>
+          <p:nvPr/>
+        </p:nvCxnSpPr>
+        <p:spPr>
+          <a:xfrm flipV="1">
+            <a:off x="4978400" y="3775902"/>
+            <a:ext cx="1823156" cy="1488872"/>
+          </a:xfrm>
+          <a:prstGeom prst="straightConnector1">
+            <a:avLst/>
+          </a:prstGeom>
+          <a:ln>
+            <a:tailEnd type="triangle"/>
+          </a:ln>
+        </p:spPr>
+        <p:style>
+          <a:lnRef idx="1">
+            <a:schemeClr val="accent1"/>
+          </a:lnRef>
+          <a:fillRef idx="0">
+            <a:schemeClr val="accent1"/>
+          </a:fillRef>
+          <a:effectRef idx="0">
+            <a:schemeClr val="accent1"/>
+          </a:effectRef>
+          <a:fontRef idx="minor">
+            <a:schemeClr val="tx1"/>
+          </a:fontRef>
+        </p:style>
+      </p:cxnSp>
+      <p:sp>
+        <p:nvSpPr>
+          <p:cNvPr id="16" name="TextBox 15"/>
+          <p:cNvSpPr txBox="1"/>
+          <p:nvPr/>
+        </p:nvSpPr>
+        <p:spPr>
+          <a:xfrm>
+            <a:off x="3182962" y="6477485"/>
+            <a:ext cx="1262303" cy="369332"/>
+          </a:xfrm>
+          <a:prstGeom prst="rect">
+            <a:avLst/>
+          </a:prstGeom>
+          <a:noFill/>
+          <a:ln>
+            <a:solidFill>
+              <a:srgbClr val="FF0000"/>
+            </a:solidFill>
+            <a:prstDash val="dash"/>
+          </a:ln>
+        </p:spPr>
+        <p:txBody>
+          <a:bodyPr wrap="square" rtlCol="0">
+            <a:spAutoFit/>
+          </a:bodyPr>
+          <a:lstStyle/>
+          <a:p>
+            <a:r>
+              <a:rPr lang="sv-SE" dirty="0" smtClean="0"/>
+              <a:t>vegetation</a:t>
+            </a:r>
+            <a:endParaRPr lang="en-US" dirty="0"/>
+          </a:p>
+        </p:txBody>
+      </p:sp>
+      <p:cxnSp>
+        <p:nvCxnSpPr>
+          <p:cNvPr id="20" name="Straight Arrow Connector 19"/>
+          <p:cNvCxnSpPr/>
+          <p:nvPr/>
+        </p:nvCxnSpPr>
+        <p:spPr>
+          <a:xfrm flipV="1">
+            <a:off x="4445265" y="3822150"/>
+            <a:ext cx="5670285" cy="2686088"/>
+          </a:xfrm>
+          <a:prstGeom prst="straightConnector1">
+            <a:avLst/>
+          </a:prstGeom>
+          <a:ln>
+            <a:tailEnd type="triangle"/>
+          </a:ln>
+        </p:spPr>
+        <p:style>
+          <a:lnRef idx="1">
+            <a:schemeClr val="accent1"/>
+          </a:lnRef>
+          <a:fillRef idx="0">
+            <a:schemeClr val="accent1"/>
+          </a:fillRef>
+          <a:effectRef idx="0">
+            <a:schemeClr val="accent1"/>
+          </a:effectRef>
+          <a:fontRef idx="minor">
+            <a:schemeClr val="tx1"/>
+          </a:fontRef>
+        </p:style>
+      </p:cxnSp>
+      <p:cxnSp>
+        <p:nvCxnSpPr>
+          <p:cNvPr id="41" name="Straight Arrow Connector 40"/>
+          <p:cNvCxnSpPr/>
+          <p:nvPr/>
+        </p:nvCxnSpPr>
+        <p:spPr>
+          <a:xfrm flipH="1">
+            <a:off x="7068365" y="1039402"/>
+            <a:ext cx="2632109" cy="2208856"/>
+          </a:xfrm>
+          <a:prstGeom prst="straightConnector1">
+            <a:avLst/>
+          </a:prstGeom>
+          <a:ln>
+            <a:tailEnd type="triangle"/>
+          </a:ln>
+        </p:spPr>
+        <p:style>
+          <a:lnRef idx="1">
+            <a:schemeClr val="accent1"/>
+          </a:lnRef>
+          <a:fillRef idx="0">
+            <a:schemeClr val="accent1"/>
+          </a:fillRef>
+          <a:effectRef idx="0">
+            <a:schemeClr val="accent1"/>
+          </a:effectRef>
+          <a:fontRef idx="minor">
+            <a:schemeClr val="tx1"/>
+          </a:fontRef>
+        </p:style>
+      </p:cxnSp>
+      <p:cxnSp>
+        <p:nvCxnSpPr>
+          <p:cNvPr id="46" name="Straight Arrow Connector 45"/>
+          <p:cNvCxnSpPr>
+            <a:endCxn id="3" idx="1"/>
+          </p:cNvCxnSpPr>
+          <p:nvPr/>
+        </p:nvCxnSpPr>
+        <p:spPr>
+          <a:xfrm>
+            <a:off x="3225822" y="2951080"/>
+            <a:ext cx="3156125" cy="504688"/>
+          </a:xfrm>
+          <a:prstGeom prst="straightConnector1">
+            <a:avLst/>
+          </a:prstGeom>
+          <a:ln>
+            <a:tailEnd type="triangle"/>
+          </a:ln>
+        </p:spPr>
+        <p:style>
+          <a:lnRef idx="1">
+            <a:schemeClr val="accent1"/>
+          </a:lnRef>
+          <a:fillRef idx="0">
+            <a:schemeClr val="accent1"/>
+          </a:fillRef>
+          <a:effectRef idx="0">
+            <a:schemeClr val="accent1"/>
+          </a:effectRef>
+          <a:fontRef idx="minor">
+            <a:schemeClr val="tx1"/>
+          </a:fontRef>
+        </p:style>
+      </p:cxnSp>
     </p:spTree>
     <p:extLst>
       <p:ext uri="{BB962C8B-B14F-4D97-AF65-F5344CB8AC3E}">
@@ -8913,8 +9487,8 @@
         </p:nvSpPr>
         <p:spPr>
           <a:xfrm>
-            <a:off x="116541" y="159586"/>
-            <a:ext cx="6786282" cy="923330"/>
+            <a:off x="0" y="0"/>
+            <a:ext cx="12039600" cy="7478970"/>
           </a:xfrm>
           <a:prstGeom prst="rect">
             <a:avLst/>
@@ -8929,7 +9503,7 @@
           <a:p>
             <a:r>
               <a:rPr lang="sv-SE" dirty="0" smtClean="0"/>
-              <a:t>Links supported by literature:</a:t>
+              <a:t>Links supported by literature</a:t>
             </a:r>
           </a:p>
           <a:p>
@@ -8937,10 +9511,378 @@
           </a:p>
           <a:p>
             <a:r>
-              <a:rPr lang="sv-SE" dirty="0" smtClean="0"/>
-              <a:t>Woody debris enhance trout abundance (Sievers et al. 2017)</a:t>
-            </a:r>
-            <a:endParaRPr lang="sv-SE" dirty="0"/>
+              <a:rPr lang="sv-SE" sz="1200" u="sng" dirty="0" smtClean="0"/>
+              <a:t>Effects on fish:</a:t>
+            </a:r>
+          </a:p>
+          <a:p>
+            <a:endParaRPr lang="sv-SE" sz="1200" dirty="0"/>
+          </a:p>
+          <a:p>
+            <a:r>
+              <a:rPr lang="sv-SE" sz="1200" dirty="0" smtClean="0"/>
+              <a:t>Woody debris enhance trout abundance (Sievers et al. 2017, Degerman et al. 2004, Roni et al. 2008, 2015 and ref therein). Also, </a:t>
+            </a:r>
+            <a:r>
+              <a:rPr lang="sv-SE" sz="1200" dirty="0"/>
+              <a:t>max lentgh increases while avg size of juv decreases due to density dependence (Degerman et al. </a:t>
+            </a:r>
+            <a:r>
+              <a:rPr lang="sv-SE" sz="1200" dirty="0" smtClean="0"/>
+              <a:t>2004)</a:t>
+            </a:r>
+          </a:p>
+          <a:p>
+            <a:r>
+              <a:rPr lang="sv-SE" sz="1200" dirty="0" smtClean="0"/>
+              <a:t>Wood debris may be especially important as shelter in presence of predators (e.g. pikes, burbots. Enefalk et al. 2016). But also: nesting and feeding ground (Dolloff and Warren 2003). </a:t>
+            </a:r>
+            <a:r>
+              <a:rPr lang="en-US" sz="1200" dirty="0" smtClean="0"/>
+              <a:t>three </a:t>
+            </a:r>
+            <a:r>
+              <a:rPr lang="en-US" sz="1200" dirty="0"/>
+              <a:t>main </a:t>
+            </a:r>
+            <a:r>
+              <a:rPr lang="en-US" sz="1200" dirty="0" smtClean="0"/>
+              <a:t>functions: overhead </a:t>
+            </a:r>
+            <a:r>
+              <a:rPr lang="en-US" sz="1200" dirty="0"/>
+              <a:t>cover that decreases predation risk both vertically </a:t>
+            </a:r>
+            <a:r>
+              <a:rPr lang="en-US" sz="1200" dirty="0" smtClean="0"/>
+              <a:t>and horizontally</a:t>
+            </a:r>
+            <a:r>
+              <a:rPr lang="en-US" sz="1200" dirty="0"/>
+              <a:t>; horizontal visual isolation that reduces contact between fish; and velocity refuge which </a:t>
+            </a:r>
+            <a:r>
+              <a:rPr lang="en-US" sz="1200" dirty="0" smtClean="0"/>
+              <a:t>minimizes </a:t>
+            </a:r>
+            <a:r>
+              <a:rPr lang="en-US" sz="1200" dirty="0"/>
+              <a:t>energetic </a:t>
+            </a:r>
+            <a:r>
+              <a:rPr lang="en-US" sz="1200" dirty="0" smtClean="0"/>
+              <a:t>costs. </a:t>
+            </a:r>
+            <a:r>
+              <a:rPr lang="en-US" sz="1200" dirty="0"/>
+              <a:t>It </a:t>
+            </a:r>
+            <a:r>
+              <a:rPr lang="en-US" sz="1200" dirty="0" smtClean="0"/>
+              <a:t>may </a:t>
+            </a:r>
+            <a:r>
+              <a:rPr lang="en-US" sz="1200" dirty="0"/>
+              <a:t>modify predator–prey interactions, </a:t>
+            </a:r>
+            <a:r>
+              <a:rPr lang="en-US" sz="1200" dirty="0" smtClean="0"/>
+              <a:t>and provides </a:t>
+            </a:r>
+            <a:r>
+              <a:rPr lang="en-US" sz="1200" dirty="0"/>
+              <a:t>spatial reference points </a:t>
+            </a:r>
+            <a:r>
+              <a:rPr lang="en-US" sz="1200" dirty="0" smtClean="0"/>
+              <a:t>(Crooks and Robertson 1999).</a:t>
+            </a:r>
+            <a:endParaRPr lang="sv-SE" sz="1200" dirty="0" smtClean="0"/>
+          </a:p>
+          <a:p>
+            <a:r>
+              <a:rPr lang="sv-SE" sz="1200" dirty="0" smtClean="0"/>
+              <a:t>Create pools and change morphology of the channel, thus affecting fish. </a:t>
+            </a:r>
+            <a:r>
+              <a:rPr lang="en-US" sz="1200" dirty="0"/>
+              <a:t>Most positive responses reported were for juvenile and adult </a:t>
+            </a:r>
+            <a:r>
+              <a:rPr lang="en-US" sz="1200" dirty="0" smtClean="0"/>
+              <a:t>salmonids, </a:t>
+            </a:r>
+            <a:r>
+              <a:rPr lang="en-US" sz="1200" dirty="0"/>
+              <a:t>with results for non-salmonid fishes being equivocal.</a:t>
+            </a:r>
+            <a:r>
+              <a:rPr lang="sv-SE" sz="1200" dirty="0" smtClean="0"/>
+              <a:t> (</a:t>
+            </a:r>
+            <a:r>
+              <a:rPr lang="sv-SE" sz="1200" dirty="0"/>
+              <a:t>Roni et al. </a:t>
+            </a:r>
+            <a:r>
+              <a:rPr lang="sv-SE" sz="1200" dirty="0" smtClean="0"/>
+              <a:t>2014 and ref therein, Langford et al. 2012)</a:t>
+            </a:r>
+          </a:p>
+          <a:p>
+            <a:endParaRPr lang="sv-SE" sz="1200" dirty="0"/>
+          </a:p>
+          <a:p>
+            <a:r>
+              <a:rPr lang="sv-SE" sz="1200" dirty="0"/>
+              <a:t>Land use (</a:t>
+            </a:r>
+            <a:r>
+              <a:rPr lang="en-US" sz="1200" dirty="0"/>
+              <a:t>land clearing, forestry and </a:t>
+            </a:r>
+            <a:r>
+              <a:rPr lang="en-US" sz="1200" dirty="0" smtClean="0"/>
+              <a:t>agriculture) influence trout abundance and size (</a:t>
+            </a:r>
+            <a:r>
+              <a:rPr lang="en-US" sz="1200" dirty="0" err="1" smtClean="0"/>
+              <a:t>Sievers</a:t>
+            </a:r>
+            <a:r>
+              <a:rPr lang="en-US" sz="1200" dirty="0" smtClean="0"/>
+              <a:t> et al. 2017)</a:t>
+            </a:r>
+          </a:p>
+          <a:p>
+            <a:endParaRPr lang="sv-SE" sz="1200" dirty="0"/>
+          </a:p>
+          <a:p>
+            <a:r>
+              <a:rPr lang="sv-SE" sz="1200" dirty="0" smtClean="0"/>
+              <a:t>Stream width affects fish </a:t>
+            </a:r>
+            <a:r>
+              <a:rPr lang="sv-SE" sz="1200" dirty="0"/>
+              <a:t>abundance </a:t>
+            </a:r>
+            <a:r>
+              <a:rPr lang="sv-SE" sz="1200" dirty="0" smtClean="0"/>
+              <a:t>(positive response for trout Degerman </a:t>
+            </a:r>
+            <a:r>
+              <a:rPr lang="sv-SE" sz="1200" dirty="0"/>
+              <a:t>et al. </a:t>
+            </a:r>
+            <a:r>
+              <a:rPr lang="sv-SE" sz="1200" dirty="0" smtClean="0"/>
+              <a:t>2004, </a:t>
+            </a:r>
+            <a:r>
+              <a:rPr lang="sv-SE" sz="1200" dirty="0"/>
+              <a:t>variable </a:t>
+            </a:r>
+            <a:r>
+              <a:rPr lang="sv-SE" sz="1200" dirty="0" smtClean="0"/>
+              <a:t>response for fish </a:t>
+            </a:r>
+            <a:r>
+              <a:rPr lang="sv-SE" sz="1200" dirty="0"/>
+              <a:t>Trigal </a:t>
+            </a:r>
+            <a:r>
+              <a:rPr lang="sv-SE" sz="1200" dirty="0" smtClean="0"/>
+              <a:t>and Degerman 2015)</a:t>
+            </a:r>
+          </a:p>
+          <a:p>
+            <a:endParaRPr lang="sv-SE" sz="1200" dirty="0"/>
+          </a:p>
+          <a:p>
+            <a:r>
+              <a:rPr lang="sv-SE" sz="1200" dirty="0" smtClean="0"/>
+              <a:t>Connectivity: distance to sea or lakes (variable response, Trigal </a:t>
+            </a:r>
+            <a:r>
+              <a:rPr lang="sv-SE" sz="1200" dirty="0"/>
+              <a:t>and Degerman 2015</a:t>
+            </a:r>
+            <a:r>
+              <a:rPr lang="sv-SE" sz="1200" dirty="0" smtClean="0"/>
+              <a:t>)</a:t>
+            </a:r>
+          </a:p>
+          <a:p>
+            <a:endParaRPr lang="sv-SE" sz="1200" dirty="0"/>
+          </a:p>
+          <a:p>
+            <a:r>
+              <a:rPr lang="sv-SE" sz="1200" dirty="0" smtClean="0"/>
+              <a:t>Water temperature, positive response (Trigal and Degerman 2015)</a:t>
+            </a:r>
+          </a:p>
+          <a:p>
+            <a:endParaRPr lang="sv-SE" sz="1200" dirty="0"/>
+          </a:p>
+          <a:p>
+            <a:r>
+              <a:rPr lang="sv-SE" sz="1200" dirty="0" smtClean="0"/>
+              <a:t>Water discharge, </a:t>
+            </a:r>
+            <a:r>
+              <a:rPr lang="sv-SE" sz="1200" dirty="0"/>
+              <a:t>positive response</a:t>
+            </a:r>
+            <a:r>
+              <a:rPr lang="sv-SE" sz="1200" dirty="0" smtClean="0"/>
+              <a:t> </a:t>
+            </a:r>
+            <a:r>
+              <a:rPr lang="sv-SE" sz="1200" dirty="0"/>
+              <a:t>(Trigal and Degerman 2015</a:t>
+            </a:r>
+            <a:r>
+              <a:rPr lang="sv-SE" sz="1200" dirty="0" smtClean="0"/>
+              <a:t>)</a:t>
+            </a:r>
+          </a:p>
+          <a:p>
+            <a:endParaRPr lang="sv-SE" sz="1200" dirty="0"/>
+          </a:p>
+          <a:p>
+            <a:r>
+              <a:rPr lang="sv-SE" sz="1200" dirty="0" smtClean="0"/>
+              <a:t>Substrate </a:t>
+            </a:r>
+            <a:r>
+              <a:rPr lang="sv-SE" sz="1200" dirty="0"/>
+              <a:t>affects fish abundance </a:t>
+            </a:r>
+            <a:r>
+              <a:rPr lang="sv-SE" sz="1200" dirty="0" smtClean="0"/>
+              <a:t>(</a:t>
+            </a:r>
+            <a:r>
+              <a:rPr lang="sv-SE" sz="1200" dirty="0"/>
+              <a:t>Trigal and Degerman 2015</a:t>
+            </a:r>
+            <a:r>
+              <a:rPr lang="sv-SE" sz="1200" dirty="0" smtClean="0"/>
+              <a:t>)</a:t>
+            </a:r>
+          </a:p>
+          <a:p>
+            <a:endParaRPr lang="sv-SE" sz="1200" dirty="0"/>
+          </a:p>
+          <a:p>
+            <a:endParaRPr lang="sv-SE" sz="1200" dirty="0"/>
+          </a:p>
+          <a:p>
+            <a:r>
+              <a:rPr lang="sv-SE" sz="1200" u="sng" dirty="0"/>
+              <a:t>Effects </a:t>
+            </a:r>
+            <a:r>
+              <a:rPr lang="sv-SE" sz="1200" u="sng" dirty="0" smtClean="0"/>
+              <a:t>on LWD:</a:t>
+            </a:r>
+          </a:p>
+          <a:p>
+            <a:endParaRPr lang="sv-SE" sz="1200" dirty="0" smtClean="0"/>
+          </a:p>
+          <a:p>
+            <a:r>
+              <a:rPr lang="sv-SE" sz="1200" dirty="0" smtClean="0"/>
+              <a:t>Channel slope, channel size, tree species (affecting decay rate, Roni et al. 2014)</a:t>
+            </a:r>
+          </a:p>
+          <a:p>
+            <a:endParaRPr lang="sv-SE" sz="1200" dirty="0"/>
+          </a:p>
+          <a:p>
+            <a:r>
+              <a:rPr lang="sv-SE" sz="1200" u="sng" dirty="0" smtClean="0"/>
+              <a:t>LWD affect stream functions:</a:t>
+            </a:r>
+          </a:p>
+          <a:p>
+            <a:endParaRPr lang="sv-SE" sz="1200" dirty="0" smtClean="0"/>
+          </a:p>
+          <a:p>
+            <a:r>
+              <a:rPr lang="sv-SE" sz="1200" dirty="0" smtClean="0"/>
+              <a:t>Obs: Potential feedbacks? Wood creates pool, increases retention of OM and nutrients, affect bed load transport and sediment at the bottom, increases availability of </a:t>
+            </a:r>
+            <a:r>
+              <a:rPr lang="sv-SE" sz="1200" dirty="0"/>
+              <a:t>spawning </a:t>
+            </a:r>
+            <a:r>
+              <a:rPr lang="sv-SE" sz="1200" dirty="0" smtClean="0"/>
+              <a:t>area, </a:t>
+            </a:r>
+            <a:r>
+              <a:rPr lang="sv-SE" sz="1200" dirty="0"/>
+              <a:t>increases </a:t>
+            </a:r>
+            <a:endParaRPr lang="en-US" sz="1200" dirty="0"/>
+          </a:p>
+          <a:p>
+            <a:r>
+              <a:rPr lang="en-US" sz="1200" dirty="0" err="1"/>
+              <a:t>periphyton</a:t>
+            </a:r>
+            <a:r>
+              <a:rPr lang="en-US" sz="1200" dirty="0"/>
+              <a:t> and invertebrate production, </a:t>
+            </a:r>
+            <a:r>
+              <a:rPr lang="en-US" sz="1200" dirty="0" smtClean="0"/>
+              <a:t>improves </a:t>
+            </a:r>
+            <a:r>
+              <a:rPr lang="en-US" sz="1200" dirty="0"/>
+              <a:t>habitat complexity </a:t>
+            </a:r>
+            <a:r>
+              <a:rPr lang="sv-SE" sz="1200" dirty="0" smtClean="0"/>
+              <a:t>(</a:t>
+            </a:r>
+            <a:r>
+              <a:rPr lang="sv-SE" sz="1200" dirty="0"/>
+              <a:t>Roni et al. </a:t>
+            </a:r>
+            <a:r>
+              <a:rPr lang="sv-SE" sz="1200" dirty="0" smtClean="0"/>
+              <a:t>2014)</a:t>
+            </a:r>
+          </a:p>
+          <a:p>
+            <a:endParaRPr lang="sv-SE" sz="1200" dirty="0"/>
+          </a:p>
+          <a:p>
+            <a:endParaRPr lang="sv-SE" sz="1200" dirty="0"/>
+          </a:p>
+          <a:p>
+            <a:endParaRPr lang="sv-SE" sz="1200" dirty="0" smtClean="0"/>
+          </a:p>
+          <a:p>
+            <a:endParaRPr lang="sv-SE" sz="1200" dirty="0"/>
+          </a:p>
+          <a:p>
+            <a:r>
+              <a:rPr lang="sv-SE" sz="1200" dirty="0" smtClean="0">
+                <a:solidFill>
+                  <a:srgbClr val="FF0000"/>
+                </a:solidFill>
+              </a:rPr>
+              <a:t>Check also: Friberg et al., and Harmon et al. 1986</a:t>
+            </a:r>
+            <a:endParaRPr lang="sv-SE" sz="1200" dirty="0">
+              <a:solidFill>
+                <a:srgbClr val="FF0000"/>
+              </a:solidFill>
+            </a:endParaRPr>
           </a:p>
         </p:txBody>
       </p:sp>
@@ -13504,15 +14446,7 @@
           <a:p>
             <a:r>
               <a:rPr lang="en-US" dirty="0" smtClean="0"/>
-              <a:t>2) Quick modeling also indicates correlation within </a:t>
-            </a:r>
-            <a:r>
-              <a:rPr lang="en-US" dirty="0" smtClean="0"/>
-              <a:t>catchments</a:t>
-            </a:r>
-            <a:r>
-              <a:rPr lang="en-US" dirty="0" smtClean="0"/>
-              <a:t>:</a:t>
+              <a:t>2) Quick modeling also indicates correlation within catchments:</a:t>
             </a:r>
           </a:p>
           <a:p>

--- a/Electrofish data/LWD_analyses.pptx
+++ b/Electrofish data/LWD_analyses.pptx
@@ -5,7 +5,7 @@
     <p:sldMasterId id="2147483648" r:id="rId1"/>
   </p:sldMasterIdLst>
   <p:notesMasterIdLst>
-    <p:notesMasterId r:id="rId17"/>
+    <p:notesMasterId r:id="rId22"/>
   </p:notesMasterIdLst>
   <p:sldIdLst>
     <p:sldId id="257" r:id="rId2"/>
@@ -22,7 +22,12 @@
     <p:sldId id="274" r:id="rId13"/>
     <p:sldId id="275" r:id="rId14"/>
     <p:sldId id="276" r:id="rId15"/>
-    <p:sldId id="265" r:id="rId16"/>
+    <p:sldId id="277" r:id="rId16"/>
+    <p:sldId id="278" r:id="rId17"/>
+    <p:sldId id="279" r:id="rId18"/>
+    <p:sldId id="280" r:id="rId19"/>
+    <p:sldId id="281" r:id="rId20"/>
+    <p:sldId id="265" r:id="rId21"/>
   </p:sldIdLst>
   <p:sldSz cx="12192000" cy="6858000"/>
   <p:notesSz cx="6858000" cy="9144000"/>
@@ -211,7 +216,7 @@
           <a:p>
             <a:fld id="{2675EF98-215B-436D-B004-E8A0B0DA5F43}" type="datetimeFigureOut">
               <a:rPr lang="en-US" smtClean="0"/>
-              <a:t>2/21/2017</a:t>
+              <a:t>2/22/2017</a:t>
             </a:fld>
             <a:endParaRPr lang="en-US"/>
           </a:p>
@@ -1538,7 +1543,503 @@
           <a:bodyPr/>
           <a:lstStyle/>
           <a:p>
-            <a:endParaRPr lang="en-US" dirty="0"/>
+            <a:r>
+              <a:rPr lang="sv-SE" dirty="0" smtClean="0"/>
+              <a:t>Playing with predictors:</a:t>
+            </a:r>
+            <a:r>
+              <a:rPr lang="sv-SE" baseline="0" dirty="0" smtClean="0"/>
+              <a:t> </a:t>
+            </a:r>
+          </a:p>
+          <a:p>
+            <a:r>
+              <a:rPr lang="sv-SE" baseline="0" dirty="0" smtClean="0"/>
+              <a:t>CIMATIC: when avg air temp is replaced with lat in both repsonse variable models, results are very similar (only slightly different R2, see next slide). With altitude instead, fit is worse.</a:t>
+            </a:r>
+          </a:p>
+          <a:p>
+            <a:r>
+              <a:rPr lang="sv-SE" baseline="0" dirty="0" smtClean="0"/>
+              <a:t>STREAM SIZE: exakt area is not significant when including wetted widht and avg depth. When using max depth  instead of avg depth, max depth only explain öring but not LWD and R squared are slightly lower.</a:t>
+            </a:r>
+          </a:p>
+          <a:p>
+            <a:r>
+              <a:rPr lang="en-US" dirty="0" smtClean="0"/>
+              <a:t>LOCAL</a:t>
+            </a:r>
+            <a:r>
+              <a:rPr lang="en-US" baseline="0" dirty="0" smtClean="0"/>
+              <a:t> FEATURES: </a:t>
+            </a:r>
+            <a:r>
+              <a:rPr lang="en-US" dirty="0" smtClean="0"/>
+              <a:t>velocity for LWD: not </a:t>
+            </a:r>
+            <a:r>
+              <a:rPr lang="en-US" dirty="0" err="1" smtClean="0"/>
+              <a:t>signif</a:t>
+            </a:r>
+            <a:r>
+              <a:rPr lang="en-US" dirty="0" smtClean="0"/>
+              <a:t>. </a:t>
+            </a:r>
+            <a:r>
+              <a:rPr lang="en-US" dirty="0" err="1" smtClean="0"/>
+              <a:t>Slope_percent</a:t>
+            </a:r>
+            <a:r>
+              <a:rPr lang="en-US" dirty="0" smtClean="0"/>
+              <a:t> for LWD: yes, but also a link to </a:t>
+            </a:r>
+            <a:r>
+              <a:rPr lang="en-US" dirty="0" err="1" smtClean="0"/>
+              <a:t>Öring</a:t>
+            </a:r>
+            <a:r>
+              <a:rPr lang="en-US" dirty="0" smtClean="0"/>
+              <a:t> is suggested, links are positive in both cases, R2 are higher, but are the links supported by</a:t>
+            </a:r>
+            <a:r>
+              <a:rPr lang="en-US" baseline="0" dirty="0" smtClean="0"/>
+              <a:t> theory?</a:t>
+            </a:r>
+          </a:p>
+          <a:p>
+            <a:r>
+              <a:rPr lang="en-US" baseline="0" dirty="0" smtClean="0"/>
+              <a:t>SEASONALITY: month or Julian date are </a:t>
+            </a:r>
+            <a:r>
+              <a:rPr lang="en-US" baseline="0" dirty="0" err="1" smtClean="0"/>
+              <a:t>signif</a:t>
+            </a:r>
+            <a:r>
+              <a:rPr lang="en-US" baseline="0" dirty="0" smtClean="0"/>
+              <a:t> for both responses, R2 increase (more with Julian date)</a:t>
+            </a:r>
+          </a:p>
+          <a:p>
+            <a:r>
+              <a:rPr lang="en-US" baseline="0" dirty="0" smtClean="0"/>
+              <a:t>BIOTIC INTERACTIONS: </a:t>
+            </a:r>
+            <a:r>
+              <a:rPr lang="en-US" baseline="0" dirty="0" err="1" smtClean="0"/>
+              <a:t>GEdda+Lampetra+Sticklebacks+LaxTOT+Abbor+Lake+Cottus_spp</a:t>
+            </a:r>
+            <a:r>
+              <a:rPr lang="en-US" baseline="0" dirty="0" smtClean="0"/>
+              <a:t> were </a:t>
+            </a:r>
+            <a:r>
+              <a:rPr lang="en-US" baseline="0" dirty="0" err="1" smtClean="0"/>
+              <a:t>signif</a:t>
+            </a:r>
+            <a:r>
+              <a:rPr lang="en-US" baseline="0" dirty="0" smtClean="0"/>
+              <a:t> (see below), but overall fit not good</a:t>
+            </a:r>
+          </a:p>
+          <a:p>
+            <a:r>
+              <a:rPr lang="en-US" baseline="0" dirty="0" smtClean="0"/>
+              <a:t># talk to Erik to know what makes sense. For now I keep only </a:t>
+            </a:r>
+            <a:r>
+              <a:rPr lang="en-US" baseline="0" dirty="0" err="1" smtClean="0"/>
+              <a:t>Gedda</a:t>
+            </a:r>
+            <a:endParaRPr lang="en-US" baseline="0" dirty="0" smtClean="0"/>
+          </a:p>
+          <a:p>
+            <a:r>
+              <a:rPr lang="en-US" baseline="0" dirty="0" smtClean="0"/>
+              <a:t>&gt; </a:t>
+            </a:r>
+            <a:r>
+              <a:rPr lang="en-US" baseline="0" dirty="0" err="1" smtClean="0"/>
+              <a:t>sem.coefs</a:t>
+            </a:r>
+            <a:r>
+              <a:rPr lang="en-US" baseline="0" dirty="0" smtClean="0"/>
+              <a:t>(M2,AV2)</a:t>
+            </a:r>
+          </a:p>
+          <a:p>
+            <a:r>
+              <a:rPr lang="en-US" baseline="0" dirty="0" smtClean="0"/>
+              <a:t>            response               predictor     estimate    </a:t>
+            </a:r>
+            <a:r>
+              <a:rPr lang="en-US" baseline="0" dirty="0" err="1" smtClean="0"/>
+              <a:t>std.error</a:t>
+            </a:r>
+            <a:r>
+              <a:rPr lang="en-US" baseline="0" dirty="0" smtClean="0"/>
+              <a:t> </a:t>
+            </a:r>
+            <a:r>
+              <a:rPr lang="en-US" baseline="0" dirty="0" err="1" smtClean="0"/>
+              <a:t>p.value</a:t>
+            </a:r>
+            <a:endParaRPr lang="en-US" baseline="0" dirty="0" smtClean="0"/>
+          </a:p>
+          <a:p>
+            <a:r>
+              <a:rPr lang="en-US" baseline="0" dirty="0" smtClean="0"/>
+              <a:t>4  log(</a:t>
+            </a:r>
+            <a:r>
+              <a:rPr lang="en-US" baseline="0" dirty="0" err="1" smtClean="0"/>
+              <a:t>OringTOT</a:t>
+            </a:r>
+            <a:r>
+              <a:rPr lang="en-US" baseline="0" dirty="0" smtClean="0"/>
+              <a:t> + 1)                </a:t>
+            </a:r>
+            <a:r>
+              <a:rPr lang="en-US" baseline="0" dirty="0" err="1" smtClean="0"/>
+              <a:t>Av_depth</a:t>
+            </a:r>
+            <a:r>
+              <a:rPr lang="en-US" baseline="0" dirty="0" smtClean="0"/>
+              <a:t> -2.055590693 0.1554829375  0.0000</a:t>
+            </a:r>
+          </a:p>
+          <a:p>
+            <a:r>
+              <a:rPr lang="en-US" baseline="0" dirty="0" smtClean="0"/>
+              <a:t>3  log(</a:t>
+            </a:r>
+            <a:r>
+              <a:rPr lang="en-US" baseline="0" dirty="0" err="1" smtClean="0"/>
+              <a:t>OringTOT</a:t>
+            </a:r>
+            <a:r>
+              <a:rPr lang="en-US" baseline="0" dirty="0" smtClean="0"/>
+              <a:t> + 1)            </a:t>
+            </a:r>
+            <a:r>
+              <a:rPr lang="en-US" baseline="0" dirty="0" err="1" smtClean="0"/>
+              <a:t>Wetted_width</a:t>
+            </a:r>
+            <a:r>
+              <a:rPr lang="en-US" baseline="0" dirty="0" smtClean="0"/>
+              <a:t> -0.073083904 0.0076255206  0.0000</a:t>
+            </a:r>
+          </a:p>
+          <a:p>
+            <a:r>
+              <a:rPr lang="en-US" baseline="0" dirty="0" smtClean="0"/>
+              <a:t>14 log(</a:t>
+            </a:r>
+            <a:r>
+              <a:rPr lang="en-US" baseline="0" dirty="0" err="1" smtClean="0"/>
+              <a:t>OringTOT</a:t>
+            </a:r>
+            <a:r>
+              <a:rPr lang="en-US" baseline="0" dirty="0" smtClean="0"/>
+              <a:t> + 1)              </a:t>
+            </a:r>
+            <a:r>
+              <a:rPr lang="en-US" baseline="0" dirty="0" err="1" smtClean="0"/>
+              <a:t>Cottus_spp</a:t>
+            </a:r>
+            <a:r>
+              <a:rPr lang="en-US" baseline="0" dirty="0" smtClean="0"/>
+              <a:t>  0.003920483 0.0006336577  0.0000</a:t>
+            </a:r>
+          </a:p>
+          <a:p>
+            <a:r>
+              <a:rPr lang="en-US" baseline="0" dirty="0" smtClean="0"/>
+              <a:t>7  log(</a:t>
+            </a:r>
+            <a:r>
+              <a:rPr lang="en-US" baseline="0" dirty="0" err="1" smtClean="0"/>
+              <a:t>OringTOT</a:t>
+            </a:r>
+            <a:r>
+              <a:rPr lang="en-US" baseline="0" dirty="0" smtClean="0"/>
+              <a:t> + 1)             </a:t>
+            </a:r>
+            <a:r>
+              <a:rPr lang="en-US" baseline="0" dirty="0" err="1" smtClean="0"/>
+              <a:t>Julian_date</a:t>
+            </a:r>
+            <a:r>
+              <a:rPr lang="en-US" baseline="0" dirty="0" smtClean="0"/>
+              <a:t> -0.004058484 0.0006592314  0.0000</a:t>
+            </a:r>
+          </a:p>
+          <a:p>
+            <a:r>
+              <a:rPr lang="en-US" baseline="0" dirty="0" smtClean="0"/>
+              <a:t>13 log(</a:t>
+            </a:r>
+            <a:r>
+              <a:rPr lang="en-US" baseline="0" dirty="0" err="1" smtClean="0"/>
+              <a:t>OringTOT</a:t>
+            </a:r>
+            <a:r>
+              <a:rPr lang="en-US" baseline="0" dirty="0" smtClean="0"/>
+              <a:t> + 1)                    Lake -0.044322901 0.0082402212  0.0000</a:t>
+            </a:r>
+          </a:p>
+          <a:p>
+            <a:r>
+              <a:rPr lang="en-US" baseline="0" dirty="0" smtClean="0"/>
+              <a:t>6  log(</a:t>
+            </a:r>
+            <a:r>
+              <a:rPr lang="en-US" baseline="0" dirty="0" err="1" smtClean="0"/>
+              <a:t>OringTOT</a:t>
+            </a:r>
+            <a:r>
+              <a:rPr lang="en-US" baseline="0" dirty="0" smtClean="0"/>
+              <a:t> + 1)                    SUB1  0.100477837 0.0197948401  0.0000</a:t>
+            </a:r>
+          </a:p>
+          <a:p>
+            <a:r>
+              <a:rPr lang="en-US" baseline="0" dirty="0" smtClean="0"/>
+              <a:t>8  log(</a:t>
+            </a:r>
+            <a:r>
+              <a:rPr lang="en-US" baseline="0" dirty="0" err="1" smtClean="0"/>
+              <a:t>OringTOT</a:t>
+            </a:r>
+            <a:r>
+              <a:rPr lang="en-US" baseline="0" dirty="0" smtClean="0"/>
+              <a:t> + 1)                   </a:t>
+            </a:r>
+            <a:r>
+              <a:rPr lang="en-US" baseline="0" dirty="0" err="1" smtClean="0"/>
+              <a:t>GEdda</a:t>
+            </a:r>
+            <a:r>
+              <a:rPr lang="en-US" baseline="0" dirty="0" smtClean="0"/>
+              <a:t> -0.080355621 0.0168033968  0.0000</a:t>
+            </a:r>
+          </a:p>
+          <a:p>
+            <a:r>
+              <a:rPr lang="en-US" baseline="0" dirty="0" smtClean="0"/>
+              <a:t>1  log(</a:t>
+            </a:r>
+            <a:r>
+              <a:rPr lang="en-US" baseline="0" dirty="0" err="1" smtClean="0"/>
+              <a:t>OringTOT</a:t>
+            </a:r>
+            <a:r>
+              <a:rPr lang="en-US" baseline="0" dirty="0" smtClean="0"/>
+              <a:t> + 1) </a:t>
+            </a:r>
+            <a:r>
+              <a:rPr lang="en-US" baseline="0" dirty="0" err="1" smtClean="0"/>
+              <a:t>Average_air_temperature</a:t>
+            </a:r>
+            <a:r>
+              <a:rPr lang="en-US" baseline="0" dirty="0" smtClean="0"/>
+              <a:t>  0.102528677 0.0215576316  0.0000</a:t>
+            </a:r>
+          </a:p>
+          <a:p>
+            <a:r>
+              <a:rPr lang="en-US" baseline="0" dirty="0" smtClean="0"/>
+              <a:t>2  log(</a:t>
+            </a:r>
+            <a:r>
+              <a:rPr lang="en-US" baseline="0" dirty="0" err="1" smtClean="0"/>
+              <a:t>OringTOT</a:t>
+            </a:r>
+            <a:r>
+              <a:rPr lang="en-US" baseline="0" dirty="0" smtClean="0"/>
+              <a:t> + 1)         </a:t>
+            </a:r>
+            <a:r>
+              <a:rPr lang="en-US" baseline="0" dirty="0" err="1" smtClean="0"/>
+              <a:t>Distance_to_sea</a:t>
+            </a:r>
+            <a:r>
+              <a:rPr lang="en-US" baseline="0" dirty="0" smtClean="0"/>
+              <a:t> -0.003140073 0.0006913931  0.0000</a:t>
+            </a:r>
+          </a:p>
+          <a:p>
+            <a:r>
+              <a:rPr lang="en-US" baseline="0" dirty="0" smtClean="0"/>
+              <a:t>5  log(</a:t>
+            </a:r>
+            <a:r>
+              <a:rPr lang="en-US" baseline="0" dirty="0" err="1" smtClean="0"/>
+              <a:t>OringTOT</a:t>
+            </a:r>
+            <a:r>
+              <a:rPr lang="en-US" baseline="0" dirty="0" smtClean="0"/>
+              <a:t> + 1)            log(LWD + 1)  0.085107344 0.0195263661  0.0000</a:t>
+            </a:r>
+          </a:p>
+          <a:p>
+            <a:r>
+              <a:rPr lang="en-US" baseline="0" dirty="0" smtClean="0"/>
+              <a:t>10 log(</a:t>
+            </a:r>
+            <a:r>
+              <a:rPr lang="en-US" baseline="0" dirty="0" err="1" smtClean="0"/>
+              <a:t>OringTOT</a:t>
+            </a:r>
+            <a:r>
+              <a:rPr lang="en-US" baseline="0" dirty="0" smtClean="0"/>
+              <a:t> + 1)            Sticklebacks -0.003169144 0.0007614131  0.0000</a:t>
+            </a:r>
+          </a:p>
+          <a:p>
+            <a:r>
+              <a:rPr lang="en-US" baseline="0" dirty="0" smtClean="0"/>
+              <a:t>12 log(</a:t>
+            </a:r>
+            <a:r>
+              <a:rPr lang="en-US" baseline="0" dirty="0" err="1" smtClean="0"/>
+              <a:t>OringTOT</a:t>
+            </a:r>
+            <a:r>
+              <a:rPr lang="en-US" baseline="0" dirty="0" smtClean="0"/>
+              <a:t> + 1)                   </a:t>
+            </a:r>
+            <a:r>
+              <a:rPr lang="en-US" baseline="0" dirty="0" err="1" smtClean="0"/>
+              <a:t>Abbor</a:t>
+            </a:r>
+            <a:r>
+              <a:rPr lang="en-US" baseline="0" dirty="0" smtClean="0"/>
+              <a:t> -0.011688403 0.0036358854  0.0013</a:t>
+            </a:r>
+          </a:p>
+          <a:p>
+            <a:r>
+              <a:rPr lang="en-US" baseline="0" dirty="0" smtClean="0"/>
+              <a:t>9  log(</a:t>
+            </a:r>
+            <a:r>
+              <a:rPr lang="en-US" baseline="0" dirty="0" err="1" smtClean="0"/>
+              <a:t>OringTOT</a:t>
+            </a:r>
+            <a:r>
+              <a:rPr lang="en-US" baseline="0" dirty="0" smtClean="0"/>
+              <a:t> + 1)                </a:t>
+            </a:r>
+            <a:r>
+              <a:rPr lang="en-US" baseline="0" dirty="0" err="1" smtClean="0"/>
+              <a:t>Lampetra</a:t>
+            </a:r>
+            <a:r>
+              <a:rPr lang="en-US" baseline="0" dirty="0" smtClean="0"/>
+              <a:t>  0.004391320 0.0015543489  0.0047</a:t>
+            </a:r>
+          </a:p>
+          <a:p>
+            <a:r>
+              <a:rPr lang="en-US" baseline="0" dirty="0" smtClean="0"/>
+              <a:t>11 log(</a:t>
+            </a:r>
+            <a:r>
+              <a:rPr lang="en-US" baseline="0" dirty="0" err="1" smtClean="0"/>
+              <a:t>OringTOT</a:t>
+            </a:r>
+            <a:r>
+              <a:rPr lang="en-US" baseline="0" dirty="0" smtClean="0"/>
+              <a:t> + 1)                  </a:t>
+            </a:r>
+            <a:r>
+              <a:rPr lang="en-US" baseline="0" dirty="0" err="1" smtClean="0"/>
+              <a:t>LaxTOT</a:t>
+            </a:r>
+            <a:r>
+              <a:rPr lang="en-US" baseline="0" dirty="0" smtClean="0"/>
+              <a:t>  0.001755352 0.0007746250  0.0235</a:t>
+            </a:r>
+          </a:p>
+          <a:p>
+            <a:r>
+              <a:rPr lang="en-US" baseline="0" dirty="0" smtClean="0"/>
+              <a:t>18      log(LWD + 1)            </a:t>
+            </a:r>
+            <a:r>
+              <a:rPr lang="en-US" baseline="0" dirty="0" err="1" smtClean="0"/>
+              <a:t>Wetted_width</a:t>
+            </a:r>
+            <a:r>
+              <a:rPr lang="en-US" baseline="0" dirty="0" smtClean="0"/>
+              <a:t> -0.053860393 0.0045734869  0.0000</a:t>
+            </a:r>
+          </a:p>
+          <a:p>
+            <a:r>
+              <a:rPr lang="en-US" baseline="0" dirty="0" smtClean="0"/>
+              <a:t>15      log(LWD + 1) </a:t>
+            </a:r>
+            <a:r>
+              <a:rPr lang="en-US" baseline="0" dirty="0" err="1" smtClean="0"/>
+              <a:t>Average_air_temperature</a:t>
+            </a:r>
+            <a:r>
+              <a:rPr lang="en-US" baseline="0" dirty="0" smtClean="0"/>
+              <a:t> -0.093366739 0.0110073457  0.0000</a:t>
+            </a:r>
+          </a:p>
+          <a:p>
+            <a:r>
+              <a:rPr lang="en-US" baseline="0" dirty="0" smtClean="0"/>
+              <a:t>19      log(LWD + 1)                    Year  0.014844441 0.0024975949  0.0000</a:t>
+            </a:r>
+          </a:p>
+          <a:p>
+            <a:r>
+              <a:rPr lang="en-US" baseline="0" dirty="0" smtClean="0"/>
+              <a:t>16      log(LWD + 1)         </a:t>
+            </a:r>
+            <a:r>
+              <a:rPr lang="en-US" baseline="0" dirty="0" err="1" smtClean="0"/>
+              <a:t>Distance_to_sea</a:t>
+            </a:r>
+            <a:r>
+              <a:rPr lang="en-US" baseline="0" dirty="0" smtClean="0"/>
+              <a:t> -0.002111485 0.0003655278  0.0000</a:t>
+            </a:r>
+          </a:p>
+          <a:p>
+            <a:r>
+              <a:rPr lang="en-US" baseline="0" dirty="0" smtClean="0"/>
+              <a:t>17      log(LWD + 1)                </a:t>
+            </a:r>
+            <a:r>
+              <a:rPr lang="en-US" baseline="0" dirty="0" err="1" smtClean="0"/>
+              <a:t>Av_depth</a:t>
+            </a:r>
+            <a:r>
+              <a:rPr lang="en-US" baseline="0" dirty="0" smtClean="0"/>
+              <a:t> -0.521459989 0.1047526216  0.0000</a:t>
+            </a:r>
+          </a:p>
+          <a:p>
+            <a:r>
+              <a:rPr lang="en-US" baseline="0" dirty="0" smtClean="0"/>
+              <a:t>20      log(LWD + 1)             </a:t>
+            </a:r>
+            <a:r>
+              <a:rPr lang="en-US" baseline="0" dirty="0" err="1" smtClean="0"/>
+              <a:t>Julian_date</a:t>
+            </a:r>
+            <a:r>
+              <a:rPr lang="en-US" baseline="0" dirty="0" smtClean="0"/>
+              <a:t> -0.001066235 0.0004439064  0.0164</a:t>
+            </a:r>
+          </a:p>
+          <a:p>
+            <a:endParaRPr lang="sv-SE" dirty="0"/>
           </a:p>
         </p:txBody>
       </p:sp>
@@ -1559,7 +2060,91 @@
           <a:p>
             <a:fld id="{6AA51494-B860-491D-BDAB-7AAC977A0DD8}" type="slidenum">
               <a:rPr lang="en-US" smtClean="0"/>
-              <a:t>15</a:t>
+              <a:t>16</a:t>
+            </a:fld>
+            <a:endParaRPr lang="en-US"/>
+          </a:p>
+        </p:txBody>
+      </p:sp>
+    </p:spTree>
+    <p:extLst>
+      <p:ext uri="{BB962C8B-B14F-4D97-AF65-F5344CB8AC3E}">
+        <p14:creationId xmlns:p14="http://schemas.microsoft.com/office/powerpoint/2010/main" val="1714959221"/>
+      </p:ext>
+    </p:extLst>
+  </p:cSld>
+  <p:clrMapOvr>
+    <a:masterClrMapping/>
+  </p:clrMapOvr>
+</p:notes>
+</file>
+
+<file path=ppt/notesSlides/notesSlide9.xml><?xml version="1.0" encoding="utf-8"?>
+<p:notes xmlns:a="http://schemas.openxmlformats.org/drawingml/2006/main" xmlns:r="http://schemas.openxmlformats.org/officeDocument/2006/relationships" xmlns:p="http://schemas.openxmlformats.org/presentationml/2006/main">
+  <p:cSld>
+    <p:spTree>
+      <p:nvGrpSpPr>
+        <p:cNvPr id="1" name=""/>
+        <p:cNvGrpSpPr/>
+        <p:nvPr/>
+      </p:nvGrpSpPr>
+      <p:grpSpPr>
+        <a:xfrm>
+          <a:off x="0" y="0"/>
+          <a:ext cx="0" cy="0"/>
+          <a:chOff x="0" y="0"/>
+          <a:chExt cx="0" cy="0"/>
+        </a:xfrm>
+      </p:grpSpPr>
+      <p:sp>
+        <p:nvSpPr>
+          <p:cNvPr id="2" name="Slide Image Placeholder 1"/>
+          <p:cNvSpPr>
+            <a:spLocks noGrp="1" noRot="1" noChangeAspect="1"/>
+          </p:cNvSpPr>
+          <p:nvPr>
+            <p:ph type="sldImg"/>
+          </p:nvPr>
+        </p:nvSpPr>
+        <p:spPr/>
+      </p:sp>
+      <p:sp>
+        <p:nvSpPr>
+          <p:cNvPr id="3" name="Notes Placeholder 2"/>
+          <p:cNvSpPr>
+            <a:spLocks noGrp="1"/>
+          </p:cNvSpPr>
+          <p:nvPr>
+            <p:ph type="body" idx="1"/>
+          </p:nvPr>
+        </p:nvSpPr>
+        <p:spPr/>
+        <p:txBody>
+          <a:bodyPr/>
+          <a:lstStyle/>
+          <a:p>
+            <a:endParaRPr lang="en-US" dirty="0"/>
+          </a:p>
+        </p:txBody>
+      </p:sp>
+      <p:sp>
+        <p:nvSpPr>
+          <p:cNvPr id="4" name="Slide Number Placeholder 3"/>
+          <p:cNvSpPr>
+            <a:spLocks noGrp="1"/>
+          </p:cNvSpPr>
+          <p:nvPr>
+            <p:ph type="sldNum" sz="quarter" idx="10"/>
+          </p:nvPr>
+        </p:nvSpPr>
+        <p:spPr/>
+        <p:txBody>
+          <a:bodyPr/>
+          <a:lstStyle/>
+          <a:p>
+            <a:fld id="{6AA51494-B860-491D-BDAB-7AAC977A0DD8}" type="slidenum">
+              <a:rPr lang="en-US" smtClean="0"/>
+              <a:t>20</a:t>
             </a:fld>
             <a:endParaRPr lang="en-US"/>
           </a:p>
@@ -1709,7 +2294,7 @@
           <a:p>
             <a:fld id="{0A749960-2F21-4EF5-964C-3B1D5B1C7214}" type="datetimeFigureOut">
               <a:rPr lang="en-US" smtClean="0"/>
-              <a:t>2/21/2017</a:t>
+              <a:t>2/22/2017</a:t>
             </a:fld>
             <a:endParaRPr lang="en-US"/>
           </a:p>
@@ -1879,7 +2464,7 @@
           <a:p>
             <a:fld id="{0A749960-2F21-4EF5-964C-3B1D5B1C7214}" type="datetimeFigureOut">
               <a:rPr lang="en-US" smtClean="0"/>
-              <a:t>2/21/2017</a:t>
+              <a:t>2/22/2017</a:t>
             </a:fld>
             <a:endParaRPr lang="en-US"/>
           </a:p>
@@ -2059,7 +2644,7 @@
           <a:p>
             <a:fld id="{0A749960-2F21-4EF5-964C-3B1D5B1C7214}" type="datetimeFigureOut">
               <a:rPr lang="en-US" smtClean="0"/>
-              <a:t>2/21/2017</a:t>
+              <a:t>2/22/2017</a:t>
             </a:fld>
             <a:endParaRPr lang="en-US"/>
           </a:p>
@@ -2229,7 +2814,7 @@
           <a:p>
             <a:fld id="{0A749960-2F21-4EF5-964C-3B1D5B1C7214}" type="datetimeFigureOut">
               <a:rPr lang="en-US" smtClean="0"/>
-              <a:t>2/21/2017</a:t>
+              <a:t>2/22/2017</a:t>
             </a:fld>
             <a:endParaRPr lang="en-US"/>
           </a:p>
@@ -2475,7 +3060,7 @@
           <a:p>
             <a:fld id="{0A749960-2F21-4EF5-964C-3B1D5B1C7214}" type="datetimeFigureOut">
               <a:rPr lang="en-US" smtClean="0"/>
-              <a:t>2/21/2017</a:t>
+              <a:t>2/22/2017</a:t>
             </a:fld>
             <a:endParaRPr lang="en-US"/>
           </a:p>
@@ -2707,7 +3292,7 @@
           <a:p>
             <a:fld id="{0A749960-2F21-4EF5-964C-3B1D5B1C7214}" type="datetimeFigureOut">
               <a:rPr lang="en-US" smtClean="0"/>
-              <a:t>2/21/2017</a:t>
+              <a:t>2/22/2017</a:t>
             </a:fld>
             <a:endParaRPr lang="en-US"/>
           </a:p>
@@ -3074,7 +3659,7 @@
           <a:p>
             <a:fld id="{0A749960-2F21-4EF5-964C-3B1D5B1C7214}" type="datetimeFigureOut">
               <a:rPr lang="en-US" smtClean="0"/>
-              <a:t>2/21/2017</a:t>
+              <a:t>2/22/2017</a:t>
             </a:fld>
             <a:endParaRPr lang="en-US"/>
           </a:p>
@@ -3192,7 +3777,7 @@
           <a:p>
             <a:fld id="{0A749960-2F21-4EF5-964C-3B1D5B1C7214}" type="datetimeFigureOut">
               <a:rPr lang="en-US" smtClean="0"/>
-              <a:t>2/21/2017</a:t>
+              <a:t>2/22/2017</a:t>
             </a:fld>
             <a:endParaRPr lang="en-US"/>
           </a:p>
@@ -3287,7 +3872,7 @@
           <a:p>
             <a:fld id="{0A749960-2F21-4EF5-964C-3B1D5B1C7214}" type="datetimeFigureOut">
               <a:rPr lang="en-US" smtClean="0"/>
-              <a:t>2/21/2017</a:t>
+              <a:t>2/22/2017</a:t>
             </a:fld>
             <a:endParaRPr lang="en-US"/>
           </a:p>
@@ -3564,7 +4149,7 @@
           <a:p>
             <a:fld id="{0A749960-2F21-4EF5-964C-3B1D5B1C7214}" type="datetimeFigureOut">
               <a:rPr lang="en-US" smtClean="0"/>
-              <a:t>2/21/2017</a:t>
+              <a:t>2/22/2017</a:t>
             </a:fld>
             <a:endParaRPr lang="en-US"/>
           </a:p>
@@ -3817,7 +4402,7 @@
           <a:p>
             <a:fld id="{0A749960-2F21-4EF5-964C-3B1D5B1C7214}" type="datetimeFigureOut">
               <a:rPr lang="en-US" smtClean="0"/>
-              <a:t>2/21/2017</a:t>
+              <a:t>2/22/2017</a:t>
             </a:fld>
             <a:endParaRPr lang="en-US"/>
           </a:p>
@@ -4030,7 +4615,7 @@
           <a:p>
             <a:fld id="{0A749960-2F21-4EF5-964C-3B1D5B1C7214}" type="datetimeFigureOut">
               <a:rPr lang="en-US" smtClean="0"/>
-              <a:t>2/21/2017</a:t>
+              <a:t>2/22/2017</a:t>
             </a:fld>
             <a:endParaRPr lang="en-US"/>
           </a:p>
@@ -7019,6 +7604,13 @@
   <p:clrMapOvr>
     <a:masterClrMapping/>
   </p:clrMapOvr>
+  <p:timing>
+    <p:tnLst>
+      <p:par>
+        <p:cTn id="1" dur="indefinite" restart="never" nodeType="tmRoot"/>
+      </p:par>
+    </p:tnLst>
+  </p:timing>
 </p:sld>
 </file>
 
@@ -7523,6 +8115,13 @@
   <p:clrMapOvr>
     <a:masterClrMapping/>
   </p:clrMapOvr>
+  <p:timing>
+    <p:tnLst>
+      <p:par>
+        <p:cTn id="1" dur="indefinite" restart="never" nodeType="tmRoot"/>
+      </p:par>
+    </p:tnLst>
+  </p:timing>
 </p:sld>
 </file>
 
@@ -7580,13 +8179,8 @@
             </a:pPr>
             <a:r>
               <a:rPr lang="sv-SE" dirty="0" smtClean="0"/>
-              <a:t>Individual species abundances: binary or </a:t>
-            </a:r>
-            <a:r>
-              <a:rPr lang="sv-SE" dirty="0" smtClean="0"/>
-              <a:t>continuous?</a:t>
-            </a:r>
-            <a:endParaRPr lang="sv-SE" dirty="0" smtClean="0"/>
+              <a:t>Individual species abundances: binary or continuous?</a:t>
+            </a:r>
           </a:p>
           <a:p>
             <a:pPr marL="285750" indent="-285750">
@@ -7641,6 +8235,13 @@
   <p:clrMapOvr>
     <a:masterClrMapping/>
   </p:clrMapOvr>
+  <p:timing>
+    <p:tnLst>
+      <p:par>
+        <p:cTn id="1" dur="indefinite" restart="never" nodeType="tmRoot"/>
+      </p:par>
+    </p:tnLst>
+  </p:timing>
 </p:sld>
 </file>
 
@@ -9918,14 +10519,14 @@
       </p:grpSpPr>
       <p:sp>
         <p:nvSpPr>
-          <p:cNvPr id="4" name="TextBox 3"/>
+          <p:cNvPr id="3" name="TextBox 2"/>
           <p:cNvSpPr txBox="1"/>
           <p:nvPr/>
         </p:nvSpPr>
         <p:spPr>
           <a:xfrm>
-            <a:off x="407504" y="1590261"/>
-            <a:ext cx="6231835" cy="3416320"/>
+            <a:off x="69573" y="168965"/>
+            <a:ext cx="7076662" cy="6047809"/>
           </a:xfrm>
           <a:prstGeom prst="rect">
             <a:avLst/>
@@ -9938,111 +10539,2287 @@
           </a:bodyPr>
           <a:lstStyle/>
           <a:p>
-            <a:endParaRPr lang="en-US" dirty="0"/>
-          </a:p>
-          <a:p>
-            <a:r>
-              <a:rPr lang="en-US" dirty="0"/>
-              <a:t># next step is to consider binary vs not binary variables and start serious modeling</a:t>
-            </a:r>
-          </a:p>
-          <a:p>
-            <a:endParaRPr lang="en-US" dirty="0"/>
-          </a:p>
-          <a:p>
-            <a:endParaRPr lang="sv-SE" dirty="0" smtClean="0"/>
-          </a:p>
-          <a:p>
-            <a:r>
-              <a:rPr lang="sv-SE" dirty="0" err="1" smtClean="0"/>
-              <a:t>Binary</a:t>
-            </a:r>
+            <a:r>
+              <a:rPr lang="sv-SE" sz="900" dirty="0"/>
+              <a:t>&gt; M2 = list(</a:t>
+            </a:r>
+          </a:p>
+          <a:p>
+            <a:r>
+              <a:rPr lang="sv-SE" sz="900" dirty="0"/>
+              <a:t>+   glmer(OringTOT_KLASS~log(LWD+1)+Av_depth+Wetted_width+Year</a:t>
+            </a:r>
+          </a:p>
+          <a:p>
+            <a:r>
+              <a:rPr lang="sv-SE" sz="900" dirty="0"/>
+              <a:t>+             +(1|Catchment_number/River_name),family=binomial,data=AV2),</a:t>
+            </a:r>
+          </a:p>
+          <a:p>
+            <a:r>
+              <a:rPr lang="sv-SE" sz="900" dirty="0"/>
+              <a:t>+   lme(log(LWD+1)~Distance_to_sea+Average_air_temperature+Av_depth+Wetted_width+Year,</a:t>
+            </a:r>
+          </a:p>
+          <a:p>
+            <a:r>
+              <a:rPr lang="sv-SE" sz="900" dirty="0"/>
+              <a:t>+       random=~1|River_name/Catchment_number, corAR1(form=~Year),data=AV2))</a:t>
+            </a:r>
+          </a:p>
+          <a:p>
+            <a:r>
+              <a:rPr lang="sv-SE" sz="900" dirty="0">
+                <a:solidFill>
+                  <a:srgbClr val="FF0000"/>
+                </a:solidFill>
+              </a:rPr>
+              <a:t>Warning messages:</a:t>
+            </a:r>
+          </a:p>
+          <a:p>
+            <a:r>
+              <a:rPr lang="sv-SE" sz="900" dirty="0">
+                <a:solidFill>
+                  <a:srgbClr val="FF0000"/>
+                </a:solidFill>
+              </a:rPr>
+              <a:t>1: In checkConv(attr(opt, "derivs"), opt$par, ctrl = control$checkConv,  :</a:t>
+            </a:r>
+          </a:p>
+          <a:p>
+            <a:r>
+              <a:rPr lang="sv-SE" sz="900" dirty="0">
+                <a:solidFill>
+                  <a:srgbClr val="FF0000"/>
+                </a:solidFill>
+              </a:rPr>
+              <a:t>  Model failed to converge with max|grad| = 0.837533 (tol = 0.001, component 1)</a:t>
+            </a:r>
+          </a:p>
+          <a:p>
+            <a:r>
+              <a:rPr lang="sv-SE" sz="900" dirty="0">
+                <a:solidFill>
+                  <a:srgbClr val="FF0000"/>
+                </a:solidFill>
+              </a:rPr>
+              <a:t>2: In checkConv(attr(opt, "derivs"), opt$par, ctrl = control$checkConv,  :</a:t>
+            </a:r>
+          </a:p>
+          <a:p>
+            <a:r>
+              <a:rPr lang="sv-SE" sz="900" dirty="0">
+                <a:solidFill>
+                  <a:srgbClr val="FF0000"/>
+                </a:solidFill>
+              </a:rPr>
+              <a:t>  Model is nearly unidentifiable: very large eigenvalue</a:t>
+            </a:r>
+          </a:p>
+          <a:p>
+            <a:r>
+              <a:rPr lang="sv-SE" sz="900" dirty="0">
+                <a:solidFill>
+                  <a:srgbClr val="FF0000"/>
+                </a:solidFill>
+              </a:rPr>
+              <a:t> - Rescale variables?;Model is nearly unidentifiable: large eigenvalue ratio</a:t>
+            </a:r>
+          </a:p>
+          <a:p>
+            <a:r>
+              <a:rPr lang="sv-SE" sz="900" dirty="0">
+                <a:solidFill>
+                  <a:srgbClr val="FF0000"/>
+                </a:solidFill>
+              </a:rPr>
+              <a:t> - Rescale variables?</a:t>
+            </a:r>
+          </a:p>
+          <a:p>
+            <a:r>
+              <a:rPr lang="sv-SE" sz="900" dirty="0"/>
+              <a:t>&gt; sem.fit(M2,AV2)</a:t>
+            </a:r>
+          </a:p>
+          <a:p>
+            <a:r>
+              <a:rPr lang="sv-SE" sz="900" dirty="0"/>
+              <a:t>  |==============================================================================================================| 100%</a:t>
+            </a:r>
+          </a:p>
+          <a:p>
+            <a:r>
+              <a:rPr lang="sv-SE" sz="900" dirty="0"/>
+              <a:t>Conditional variables have been omitted from output table for clarity (or use argument conditional = T)</a:t>
+            </a:r>
+          </a:p>
+          <a:p>
+            <a:r>
+              <a:rPr lang="sv-SE" sz="900" dirty="0"/>
+              <a:t>$missing.paths</a:t>
+            </a:r>
+          </a:p>
+          <a:p>
+            <a:r>
+              <a:rPr lang="sv-SE" sz="900" dirty="0"/>
+              <a:t>                                    missing.path estimate std.error df crit.value p.value</a:t>
+            </a:r>
+          </a:p>
+          <a:p>
+            <a:r>
+              <a:rPr lang="sv-SE" sz="900" dirty="0"/>
+              <a:t>1         OringTOT_KLASS ~ Distance_to_sea + ...  -0.0057    0.0032 NA    -1.7518  0.0798</a:t>
+            </a:r>
+          </a:p>
+          <a:p>
+            <a:r>
+              <a:rPr lang="sv-SE" sz="900" dirty="0"/>
+              <a:t>2 OringTOT_KLASS ~ Average_air_temperature + ...   0.0886    0.1053 NA     0.8419  0.3998</a:t>
+            </a:r>
+          </a:p>
+          <a:p>
+            <a:endParaRPr lang="sv-SE" sz="900" dirty="0"/>
+          </a:p>
+          <a:p>
+            <a:r>
+              <a:rPr lang="sv-SE" sz="900" dirty="0"/>
+              <a:t>$Fisher.C</a:t>
+            </a:r>
+          </a:p>
+          <a:p>
+            <a:r>
+              <a:rPr lang="sv-SE" sz="900" dirty="0"/>
+              <a:t>  fisher.c df p.value</a:t>
+            </a:r>
+          </a:p>
+          <a:p>
+            <a:r>
+              <a:rPr lang="sv-SE" sz="900" dirty="0"/>
+              <a:t>1     6.89  4   0.142</a:t>
+            </a:r>
+          </a:p>
+          <a:p>
+            <a:endParaRPr lang="sv-SE" sz="900" dirty="0"/>
+          </a:p>
+          <a:p>
+            <a:r>
+              <a:rPr lang="sv-SE" sz="900" dirty="0"/>
+              <a:t>$AIC</a:t>
+            </a:r>
+          </a:p>
+          <a:p>
+            <a:r>
+              <a:rPr lang="sv-SE" sz="900" dirty="0"/>
+              <a:t>    AIC   AICc  K    n</a:t>
+            </a:r>
+          </a:p>
+          <a:p>
+            <a:r>
+              <a:rPr lang="sv-SE" sz="900" dirty="0"/>
+              <a:t>1 40.89 41.007 17 5263</a:t>
+            </a:r>
+          </a:p>
+          <a:p>
+            <a:endParaRPr lang="sv-SE" sz="900" dirty="0"/>
+          </a:p>
+          <a:p>
+            <a:r>
+              <a:rPr lang="sv-SE" sz="900" dirty="0"/>
+              <a:t>&gt; sem.coefs(M2,AV2)</a:t>
+            </a:r>
+          </a:p>
+          <a:p>
+            <a:r>
+              <a:rPr lang="sv-SE" sz="900" dirty="0"/>
+              <a:t>        response               predictor     estimate    std.error p.value</a:t>
+            </a:r>
+          </a:p>
+          <a:p>
+            <a:r>
+              <a:rPr lang="sv-SE" sz="900" dirty="0"/>
+              <a:t>2 OringTOT_KLASS                Av_depth -4.822304071 1.1593256133  0.0000</a:t>
+            </a:r>
+          </a:p>
+          <a:p>
+            <a:r>
+              <a:rPr lang="sv-SE" sz="900" dirty="0"/>
+              <a:t>3 OringTOT_KLASS            Wetted_width  0.153714210 0.0555047735  0.0056</a:t>
+            </a:r>
+          </a:p>
+          <a:p>
+            <a:r>
+              <a:rPr lang="sv-SE" sz="900" dirty="0"/>
+              <a:t>1 OringTOT_KLASS            log(LWD + 1)  0.439002754 0.1603767704  0.0062</a:t>
+            </a:r>
+          </a:p>
+          <a:p>
+            <a:r>
+              <a:rPr lang="sv-SE" sz="900" dirty="0"/>
+              <a:t>4 OringTOT_KLASS                    Year  0.012105996 0.0051706757  0.0192</a:t>
+            </a:r>
+          </a:p>
+          <a:p>
+            <a:r>
+              <a:rPr lang="sv-SE" sz="900" dirty="0"/>
+              <a:t>8   log(LWD + 1)            Wetted_width -0.053638484 0.0045812919  0.0000</a:t>
+            </a:r>
+          </a:p>
+          <a:p>
+            <a:r>
+              <a:rPr lang="sv-SE" sz="900" dirty="0"/>
+              <a:t>6   log(LWD + 1) Average_air_temperature -0.095535325 0.0110119517  0.0000</a:t>
+            </a:r>
+          </a:p>
+          <a:p>
+            <a:r>
+              <a:rPr lang="sv-SE" sz="900" dirty="0"/>
+              <a:t>9   log(LWD + 1)                    Year  0.015163769 0.0024948585  0.0000</a:t>
+            </a:r>
+          </a:p>
+          <a:p>
+            <a:r>
+              <a:rPr lang="sv-SE" sz="900" dirty="0"/>
+              <a:t>5   log(LWD + 1)         Distance_to_sea -0.002102436 0.0003668393  0.0000</a:t>
+            </a:r>
+          </a:p>
+          <a:p>
+            <a:r>
+              <a:rPr lang="sv-SE" sz="900" dirty="0"/>
+              <a:t>7   log(LWD + 1)                Av_depth -0.541866923 0.1043790679  0.0000</a:t>
+            </a:r>
+          </a:p>
+          <a:p>
+            <a:r>
+              <a:rPr lang="sv-SE" sz="900" dirty="0"/>
+              <a:t>&gt; sem.model.fits(M2)</a:t>
+            </a:r>
+          </a:p>
+          <a:p>
+            <a:r>
+              <a:rPr lang="sv-SE" sz="900" dirty="0"/>
+              <a:t>     Class   Family     Link    N    Marginal Conditional</a:t>
+            </a:r>
+          </a:p>
+          <a:p>
+            <a:r>
+              <a:rPr lang="sv-SE" sz="900" dirty="0"/>
+              <a:t>1 glmerMod binomial    logit 5263 0.002319134   0.9832784</a:t>
+            </a:r>
+          </a:p>
+          <a:p>
+            <a:r>
+              <a:rPr lang="sv-SE" sz="900" dirty="0"/>
+              <a:t>2      lme gaussian identity 5263 0.097951003   0.5145529</a:t>
+            </a:r>
+          </a:p>
+        </p:txBody>
+      </p:sp>
+      <p:pic>
+        <p:nvPicPr>
+          <p:cNvPr id="2" name="Picture 1"/>
+          <p:cNvPicPr>
+            <a:picLocks noChangeAspect="1"/>
+          </p:cNvPicPr>
+          <p:nvPr/>
+        </p:nvPicPr>
+        <p:blipFill>
+          <a:blip r:embed="rId2"/>
+          <a:stretch>
+            <a:fillRect/>
+          </a:stretch>
+        </p:blipFill>
+        <p:spPr>
+          <a:xfrm>
+            <a:off x="4970885" y="340917"/>
+            <a:ext cx="6806984" cy="4555544"/>
+          </a:xfrm>
+          <a:prstGeom prst="rect">
+            <a:avLst/>
+          </a:prstGeom>
+        </p:spPr>
+      </p:pic>
+      <p:sp>
+        <p:nvSpPr>
+          <p:cNvPr id="4" name="TextBox 3"/>
+          <p:cNvSpPr txBox="1"/>
+          <p:nvPr/>
+        </p:nvSpPr>
+        <p:spPr>
+          <a:xfrm>
+            <a:off x="7225748" y="4731026"/>
+            <a:ext cx="4283765" cy="1200329"/>
+          </a:xfrm>
+          <a:prstGeom prst="rect">
+            <a:avLst/>
+          </a:prstGeom>
+          <a:noFill/>
+        </p:spPr>
+        <p:txBody>
+          <a:bodyPr wrap="square" rtlCol="0">
+            <a:spAutoFit/>
+          </a:bodyPr>
+          <a:lstStyle/>
+          <a:p>
             <a:r>
               <a:rPr lang="sv-SE" dirty="0" smtClean="0"/>
-              <a:t> or </a:t>
-            </a:r>
-            <a:r>
-              <a:rPr lang="sv-SE" dirty="0" err="1" smtClean="0"/>
-              <a:t>continuous</a:t>
-            </a:r>
+              <a:t>Besides warning msg, one problem is that I could not model temp correlation for öring</a:t>
+            </a:r>
+          </a:p>
+          <a:p>
+            <a:endParaRPr lang="sv-SE" dirty="0"/>
+          </a:p>
+          <a:p>
             <a:r>
               <a:rPr lang="sv-SE" dirty="0" smtClean="0"/>
-              <a:t>?</a:t>
-            </a:r>
-          </a:p>
-          <a:p>
+              <a:t>NB: reduced dataset without NAs</a:t>
+            </a:r>
             <a:endParaRPr lang="sv-SE" dirty="0"/>
           </a:p>
-          <a:p>
+        </p:txBody>
+      </p:sp>
+      <p:sp>
+        <p:nvSpPr>
+          <p:cNvPr id="5" name="TextBox 4"/>
+          <p:cNvSpPr txBox="1"/>
+          <p:nvPr/>
+        </p:nvSpPr>
+        <p:spPr>
+          <a:xfrm>
+            <a:off x="7682948" y="168965"/>
+            <a:ext cx="4094921" cy="369332"/>
+          </a:xfrm>
+          <a:prstGeom prst="rect">
+            <a:avLst/>
+          </a:prstGeom>
+          <a:noFill/>
+        </p:spPr>
+        <p:txBody>
+          <a:bodyPr wrap="square" rtlCol="0">
+            <a:spAutoFit/>
+          </a:bodyPr>
+          <a:lstStyle/>
+          <a:p>
+            <a:r>
+              <a:rPr lang="sv-SE" dirty="0" smtClean="0"/>
+              <a:t>Öring binary</a:t>
+            </a:r>
             <a:endParaRPr lang="sv-SE" dirty="0"/>
-          </a:p>
-          <a:p>
-            <a:endParaRPr lang="sv-SE" dirty="0" smtClean="0"/>
-          </a:p>
-          <a:p>
-            <a:endParaRPr lang="sv-SE" dirty="0"/>
-          </a:p>
-          <a:p>
-            <a:r>
-              <a:rPr lang="sv-SE" dirty="0" err="1" smtClean="0"/>
-              <a:t>Remember</a:t>
-            </a:r>
-            <a:r>
-              <a:rPr lang="sv-SE" dirty="0" smtClean="0"/>
-              <a:t> </a:t>
-            </a:r>
-            <a:r>
-              <a:rPr lang="sv-SE" dirty="0" err="1" smtClean="0"/>
-              <a:t>also</a:t>
-            </a:r>
-            <a:r>
-              <a:rPr lang="sv-SE" dirty="0" smtClean="0"/>
-              <a:t> to </a:t>
-            </a:r>
-            <a:r>
-              <a:rPr lang="sv-SE" dirty="0" err="1" smtClean="0"/>
-              <a:t>say</a:t>
-            </a:r>
-            <a:r>
-              <a:rPr lang="sv-SE" dirty="0" smtClean="0"/>
-              <a:t> </a:t>
-            </a:r>
-            <a:r>
-              <a:rPr lang="sv-SE" dirty="0" err="1" smtClean="0"/>
-              <a:t>something</a:t>
-            </a:r>
-            <a:r>
-              <a:rPr lang="sv-SE" dirty="0" smtClean="0"/>
-              <a:t> </a:t>
-            </a:r>
-            <a:r>
-              <a:rPr lang="sv-SE" dirty="0" err="1" smtClean="0"/>
-              <a:t>about</a:t>
-            </a:r>
-            <a:r>
-              <a:rPr lang="sv-SE" dirty="0" smtClean="0"/>
-              <a:t> </a:t>
-            </a:r>
-            <a:r>
-              <a:rPr lang="sv-SE" dirty="0" err="1" smtClean="0"/>
-              <a:t>possible</a:t>
-            </a:r>
-            <a:r>
-              <a:rPr lang="sv-SE" dirty="0" smtClean="0"/>
-              <a:t> sampling </a:t>
-            </a:r>
-            <a:r>
-              <a:rPr lang="sv-SE" dirty="0" err="1" smtClean="0"/>
-              <a:t>artifacts</a:t>
-            </a:r>
-            <a:endParaRPr lang="en-US" dirty="0"/>
           </a:p>
         </p:txBody>
       </p:sp>
     </p:spTree>
     <p:extLst>
       <p:ext uri="{BB962C8B-B14F-4D97-AF65-F5344CB8AC3E}">
-        <p14:creationId xmlns:p14="http://schemas.microsoft.com/office/powerpoint/2010/main" val="1954371870"/>
+        <p14:creationId xmlns:p14="http://schemas.microsoft.com/office/powerpoint/2010/main" val="1460831455"/>
+      </p:ext>
+    </p:extLst>
+  </p:cSld>
+  <p:clrMapOvr>
+    <a:masterClrMapping/>
+  </p:clrMapOvr>
+</p:sld>
+</file>
+
+<file path=ppt/slides/slide16.xml><?xml version="1.0" encoding="utf-8"?>
+<p:sld xmlns:a="http://schemas.openxmlformats.org/drawingml/2006/main" xmlns:r="http://schemas.openxmlformats.org/officeDocument/2006/relationships" xmlns:p="http://schemas.openxmlformats.org/presentationml/2006/main">
+  <p:cSld>
+    <p:spTree>
+      <p:nvGrpSpPr>
+        <p:cNvPr id="1" name=""/>
+        <p:cNvGrpSpPr/>
+        <p:nvPr/>
+      </p:nvGrpSpPr>
+      <p:grpSpPr>
+        <a:xfrm>
+          <a:off x="0" y="0"/>
+          <a:ext cx="0" cy="0"/>
+          <a:chOff x="0" y="0"/>
+          <a:chExt cx="0" cy="0"/>
+        </a:xfrm>
+      </p:grpSpPr>
+      <p:pic>
+        <p:nvPicPr>
+          <p:cNvPr id="2" name="Picture 1"/>
+          <p:cNvPicPr>
+            <a:picLocks noChangeAspect="1"/>
+          </p:cNvPicPr>
+          <p:nvPr/>
+        </p:nvPicPr>
+        <p:blipFill>
+          <a:blip r:embed="rId3"/>
+          <a:stretch>
+            <a:fillRect/>
+          </a:stretch>
+        </p:blipFill>
+        <p:spPr>
+          <a:xfrm>
+            <a:off x="5338096" y="1603730"/>
+            <a:ext cx="6455017" cy="4319992"/>
+          </a:xfrm>
+          <a:prstGeom prst="rect">
+            <a:avLst/>
+          </a:prstGeom>
+        </p:spPr>
+      </p:pic>
+      <p:sp>
+        <p:nvSpPr>
+          <p:cNvPr id="3" name="TextBox 2"/>
+          <p:cNvSpPr txBox="1"/>
+          <p:nvPr/>
+        </p:nvSpPr>
+        <p:spPr>
+          <a:xfrm>
+            <a:off x="119270" y="129208"/>
+            <a:ext cx="7593495" cy="6401753"/>
+          </a:xfrm>
+          <a:prstGeom prst="rect">
+            <a:avLst/>
+          </a:prstGeom>
+          <a:noFill/>
+        </p:spPr>
+        <p:txBody>
+          <a:bodyPr wrap="square" rtlCol="0">
+            <a:spAutoFit/>
+          </a:bodyPr>
+          <a:lstStyle/>
+          <a:p>
+            <a:r>
+              <a:rPr lang="sv-SE" sz="1000" dirty="0"/>
+              <a:t>&gt; M2 = list(</a:t>
+            </a:r>
+          </a:p>
+          <a:p>
+            <a:r>
+              <a:rPr lang="sv-SE" sz="1000" dirty="0"/>
+              <a:t>+   lme(log(OringTOT+1)~log(LWD+1)+Av_depth+Wetted_width+Distance_to_sea+Average_air_temperature+SUB1+GEdda,</a:t>
+            </a:r>
+          </a:p>
+          <a:p>
+            <a:r>
+              <a:rPr lang="sv-SE" sz="1000" dirty="0"/>
+              <a:t>+       random=~1|River_name/Catchment_number, corAR1(form=~Year),data=AV2),</a:t>
+            </a:r>
+          </a:p>
+          <a:p>
+            <a:r>
+              <a:rPr lang="sv-SE" sz="1000" dirty="0"/>
+              <a:t>+   lme(log(LWD+1)~Distance_to_sea+Average_air_temperature+Av_depth+Wetted_width+Year,</a:t>
+            </a:r>
+          </a:p>
+          <a:p>
+            <a:r>
+              <a:rPr lang="sv-SE" sz="1000" dirty="0"/>
+              <a:t>+       random=~1|River_name/Catchment_number, corAR1(form=~Year),data=AV2))</a:t>
+            </a:r>
+          </a:p>
+          <a:p>
+            <a:r>
+              <a:rPr lang="sv-SE" sz="1000" dirty="0"/>
+              <a:t>&gt; sem.fit(M2,AV2)</a:t>
+            </a:r>
+          </a:p>
+          <a:p>
+            <a:r>
+              <a:rPr lang="sv-SE" sz="1000" dirty="0"/>
+              <a:t>  |==============================================================================================================| 100%</a:t>
+            </a:r>
+          </a:p>
+          <a:p>
+            <a:r>
+              <a:rPr lang="sv-SE" sz="1000" dirty="0"/>
+              <a:t>Conditional variables have been omitted from output table for clarity (or use argument conditional = T)</a:t>
+            </a:r>
+          </a:p>
+          <a:p>
+            <a:r>
+              <a:rPr lang="sv-SE" sz="1000" dirty="0"/>
+              <a:t>$missing.paths</a:t>
+            </a:r>
+          </a:p>
+          <a:p>
+            <a:r>
+              <a:rPr lang="sv-SE" sz="1000" dirty="0"/>
+              <a:t>                    missing.path estimate std.error   df crit.value p.value</a:t>
+            </a:r>
+          </a:p>
+          <a:p>
+            <a:r>
+              <a:rPr lang="sv-SE" sz="1000" dirty="0"/>
+              <a:t>1      log(LWD + 1) ~ SUB1 + ...   0.0023    0.0132 4075     0.1726  0.8630</a:t>
+            </a:r>
+          </a:p>
+          <a:p>
+            <a:r>
+              <a:rPr lang="sv-SE" sz="1000" dirty="0"/>
+              <a:t>2     log(LWD + 1) ~ GEdda + ...  -0.0166    0.0110 4075    -1.5085  0.1315</a:t>
+            </a:r>
+          </a:p>
+          <a:p>
+            <a:r>
+              <a:rPr lang="sv-SE" sz="1000" dirty="0"/>
+              <a:t>3 log(OringTOT + 1) ~ Year + ...   0.0050    0.0027 4073     1.8350  0.0666</a:t>
+            </a:r>
+          </a:p>
+          <a:p>
+            <a:endParaRPr lang="sv-SE" sz="1000" dirty="0"/>
+          </a:p>
+          <a:p>
+            <a:r>
+              <a:rPr lang="sv-SE" sz="1000" dirty="0"/>
+              <a:t>$Fisher.C</a:t>
+            </a:r>
+          </a:p>
+          <a:p>
+            <a:r>
+              <a:rPr lang="sv-SE" sz="1000" dirty="0"/>
+              <a:t>  fisher.c df p.value</a:t>
+            </a:r>
+          </a:p>
+          <a:p>
+            <a:r>
+              <a:rPr lang="sv-SE" sz="1000" dirty="0"/>
+              <a:t>1     9.77  6   0.135</a:t>
+            </a:r>
+          </a:p>
+          <a:p>
+            <a:endParaRPr lang="sv-SE" sz="1000" dirty="0"/>
+          </a:p>
+          <a:p>
+            <a:r>
+              <a:rPr lang="sv-SE" sz="1000" dirty="0"/>
+              <a:t>$AIC</a:t>
+            </a:r>
+          </a:p>
+          <a:p>
+            <a:r>
+              <a:rPr lang="sv-SE" sz="1000" dirty="0"/>
+              <a:t>    AIC   AICc  K    n</a:t>
+            </a:r>
+          </a:p>
+          <a:p>
+            <a:r>
+              <a:rPr lang="sv-SE" sz="1000" dirty="0"/>
+              <a:t>1 53.77 53.963 22 5263</a:t>
+            </a:r>
+          </a:p>
+          <a:p>
+            <a:endParaRPr lang="sv-SE" sz="1000" dirty="0"/>
+          </a:p>
+          <a:p>
+            <a:r>
+              <a:rPr lang="sv-SE" sz="1000" dirty="0"/>
+              <a:t>&gt; sem.coefs(M2,AV2)</a:t>
+            </a:r>
+          </a:p>
+          <a:p>
+            <a:r>
+              <a:rPr lang="sv-SE" sz="1000" dirty="0"/>
+              <a:t>            response               predictor     estimate    std.error p.value</a:t>
+            </a:r>
+          </a:p>
+          <a:p>
+            <a:r>
+              <a:rPr lang="sv-SE" sz="1000" dirty="0"/>
+              <a:t>2  log(OringTOT + 1)                Av_depth -2.175563985 0.1555555370   0e+00</a:t>
+            </a:r>
+          </a:p>
+          <a:p>
+            <a:r>
+              <a:rPr lang="sv-SE" sz="1000" dirty="0"/>
+              <a:t>3  log(OringTOT + 1)            Wetted_width -0.072270102 0.0077301974   0e+00</a:t>
+            </a:r>
+          </a:p>
+          <a:p>
+            <a:r>
+              <a:rPr lang="sv-SE" sz="1000" dirty="0"/>
+              <a:t>6  log(OringTOT + 1)                    SUB1  0.108400432 0.0199657725   0e+00</a:t>
+            </a:r>
+          </a:p>
+          <a:p>
+            <a:r>
+              <a:rPr lang="sv-SE" sz="1000" dirty="0"/>
+              <a:t>4  log(OringTOT + 1)         Distance_to_sea -0.003387130 0.0007079608   0e+00</a:t>
+            </a:r>
+          </a:p>
+          <a:p>
+            <a:r>
+              <a:rPr lang="sv-SE" sz="1000" dirty="0"/>
+              <a:t>1  log(OringTOT + 1)            log(LWD + 1)  </a:t>
+            </a:r>
+            <a:r>
+              <a:rPr lang="sv-SE" sz="1000" b="1" dirty="0"/>
+              <a:t>0.093209435 0.0196335787   0e+00</a:t>
+            </a:r>
+          </a:p>
+          <a:p>
+            <a:r>
+              <a:rPr lang="sv-SE" sz="1000" dirty="0"/>
+              <a:t>7  log(OringTOT + 1)                   GEdda -0.078657484 0.0169988672   0e+00</a:t>
+            </a:r>
+          </a:p>
+          <a:p>
+            <a:r>
+              <a:rPr lang="sv-SE" sz="1000" dirty="0"/>
+              <a:t>5  log(OringTOT + 1) Average_air_temperature  0.081597394 0.0220290488   2e-04</a:t>
+            </a:r>
+          </a:p>
+          <a:p>
+            <a:r>
+              <a:rPr lang="sv-SE" sz="1000" dirty="0"/>
+              <a:t>11      log(LWD + 1)            Wetted_width -0.053638484 0.0045812919   0e+00</a:t>
+            </a:r>
+          </a:p>
+          <a:p>
+            <a:r>
+              <a:rPr lang="sv-SE" sz="1000" dirty="0"/>
+              <a:t>9       log(LWD + 1) Average_air_temperature -0.095535325 0.0110119517   0e+00</a:t>
+            </a:r>
+          </a:p>
+          <a:p>
+            <a:r>
+              <a:rPr lang="sv-SE" sz="1000" dirty="0"/>
+              <a:t>12      log(LWD + 1)                    Year  0.015163769 0.0024948585   0e+00</a:t>
+            </a:r>
+          </a:p>
+          <a:p>
+            <a:r>
+              <a:rPr lang="sv-SE" sz="1000" dirty="0"/>
+              <a:t>8       log(LWD + 1)         Distance_to_sea -0.002102436 0.0003668393   0e+00</a:t>
+            </a:r>
+          </a:p>
+          <a:p>
+            <a:r>
+              <a:rPr lang="sv-SE" sz="1000" dirty="0"/>
+              <a:t>10      log(LWD + 1)                Av_depth -0.541866923 0.1043790679   0e+00</a:t>
+            </a:r>
+          </a:p>
+          <a:p>
+            <a:r>
+              <a:rPr lang="sv-SE" sz="1000" dirty="0"/>
+              <a:t>&gt; sem.model.fits(M2)</a:t>
+            </a:r>
+          </a:p>
+          <a:p>
+            <a:r>
+              <a:rPr lang="sv-SE" sz="1000" dirty="0"/>
+              <a:t>  Class   Family     Link    N  Marginal Conditional</a:t>
+            </a:r>
+          </a:p>
+          <a:p>
+            <a:r>
+              <a:rPr lang="sv-SE" sz="1000" dirty="0"/>
+              <a:t>1   lme gaussian identity 5263 0.0970524   0.8003521</a:t>
+            </a:r>
+          </a:p>
+          <a:p>
+            <a:r>
+              <a:rPr lang="sv-SE" sz="1000" dirty="0"/>
+              <a:t>2   lme gaussian identity 5263 0.0979510   0.5145529</a:t>
+            </a:r>
+          </a:p>
+        </p:txBody>
+      </p:sp>
+      <p:sp>
+        <p:nvSpPr>
+          <p:cNvPr id="4" name="TextBox 3"/>
+          <p:cNvSpPr txBox="1"/>
+          <p:nvPr/>
+        </p:nvSpPr>
+        <p:spPr>
+          <a:xfrm>
+            <a:off x="8637104" y="228600"/>
+            <a:ext cx="3329609" cy="367748"/>
+          </a:xfrm>
+          <a:prstGeom prst="rect">
+            <a:avLst/>
+          </a:prstGeom>
+          <a:noFill/>
+        </p:spPr>
+        <p:txBody>
+          <a:bodyPr wrap="square" rtlCol="0">
+            <a:spAutoFit/>
+          </a:bodyPr>
+          <a:lstStyle/>
+          <a:p>
+            <a:r>
+              <a:rPr lang="sv-SE" dirty="0" smtClean="0"/>
+              <a:t>Öring continuous</a:t>
+            </a:r>
+            <a:endParaRPr lang="sv-SE" dirty="0"/>
+          </a:p>
+        </p:txBody>
+      </p:sp>
+      <p:sp>
+        <p:nvSpPr>
+          <p:cNvPr id="5" name="5-Point Star 4"/>
+          <p:cNvSpPr/>
+          <p:nvPr/>
+        </p:nvSpPr>
+        <p:spPr>
+          <a:xfrm>
+            <a:off x="11430000" y="490654"/>
+            <a:ext cx="363113" cy="446048"/>
+          </a:xfrm>
+          <a:prstGeom prst="star5">
+            <a:avLst/>
+          </a:prstGeom>
+        </p:spPr>
+        <p:style>
+          <a:lnRef idx="2">
+            <a:schemeClr val="accent1">
+              <a:shade val="50000"/>
+            </a:schemeClr>
+          </a:lnRef>
+          <a:fillRef idx="1">
+            <a:schemeClr val="accent1"/>
+          </a:fillRef>
+          <a:effectRef idx="0">
+            <a:schemeClr val="accent1"/>
+          </a:effectRef>
+          <a:fontRef idx="minor">
+            <a:schemeClr val="lt1"/>
+          </a:fontRef>
+        </p:style>
+        <p:txBody>
+          <a:bodyPr rtlCol="0" anchor="ctr"/>
+          <a:lstStyle/>
+          <a:p>
+            <a:pPr algn="ctr"/>
+            <a:endParaRPr lang="sv-SE"/>
+          </a:p>
+        </p:txBody>
+      </p:sp>
+    </p:spTree>
+    <p:extLst>
+      <p:ext uri="{BB962C8B-B14F-4D97-AF65-F5344CB8AC3E}">
+        <p14:creationId xmlns:p14="http://schemas.microsoft.com/office/powerpoint/2010/main" val="272536862"/>
+      </p:ext>
+    </p:extLst>
+  </p:cSld>
+  <p:clrMapOvr>
+    <a:masterClrMapping/>
+  </p:clrMapOvr>
+</p:sld>
+</file>
+
+<file path=ppt/slides/slide17.xml><?xml version="1.0" encoding="utf-8"?>
+<p:sld xmlns:a="http://schemas.openxmlformats.org/drawingml/2006/main" xmlns:r="http://schemas.openxmlformats.org/officeDocument/2006/relationships" xmlns:p="http://schemas.openxmlformats.org/presentationml/2006/main">
+  <p:cSld>
+    <p:spTree>
+      <p:nvGrpSpPr>
+        <p:cNvPr id="1" name=""/>
+        <p:cNvGrpSpPr/>
+        <p:nvPr/>
+      </p:nvGrpSpPr>
+      <p:grpSpPr>
+        <a:xfrm>
+          <a:off x="0" y="0"/>
+          <a:ext cx="0" cy="0"/>
+          <a:chOff x="0" y="0"/>
+          <a:chExt cx="0" cy="0"/>
+        </a:xfrm>
+      </p:grpSpPr>
+      <p:sp>
+        <p:nvSpPr>
+          <p:cNvPr id="2" name="TextBox 1"/>
+          <p:cNvSpPr txBox="1"/>
+          <p:nvPr/>
+        </p:nvSpPr>
+        <p:spPr>
+          <a:xfrm>
+            <a:off x="8637104" y="228600"/>
+            <a:ext cx="3329609" cy="367748"/>
+          </a:xfrm>
+          <a:prstGeom prst="rect">
+            <a:avLst/>
+          </a:prstGeom>
+          <a:noFill/>
+        </p:spPr>
+        <p:txBody>
+          <a:bodyPr wrap="square" rtlCol="0">
+            <a:spAutoFit/>
+          </a:bodyPr>
+          <a:lstStyle/>
+          <a:p>
+            <a:r>
+              <a:rPr lang="sv-SE" dirty="0" smtClean="0"/>
+              <a:t>Öring continuous</a:t>
+            </a:r>
+            <a:endParaRPr lang="sv-SE" dirty="0"/>
+          </a:p>
+        </p:txBody>
+      </p:sp>
+      <p:pic>
+        <p:nvPicPr>
+          <p:cNvPr id="3" name="Picture 2"/>
+          <p:cNvPicPr>
+            <a:picLocks noChangeAspect="1"/>
+          </p:cNvPicPr>
+          <p:nvPr/>
+        </p:nvPicPr>
+        <p:blipFill>
+          <a:blip r:embed="rId2"/>
+          <a:stretch>
+            <a:fillRect/>
+          </a:stretch>
+        </p:blipFill>
+        <p:spPr>
+          <a:xfrm>
+            <a:off x="5174527" y="1363494"/>
+            <a:ext cx="6627072" cy="4435139"/>
+          </a:xfrm>
+          <a:prstGeom prst="rect">
+            <a:avLst/>
+          </a:prstGeom>
+        </p:spPr>
+      </p:pic>
+      <p:sp>
+        <p:nvSpPr>
+          <p:cNvPr id="4" name="TextBox 3"/>
+          <p:cNvSpPr txBox="1"/>
+          <p:nvPr/>
+        </p:nvSpPr>
+        <p:spPr>
+          <a:xfrm>
+            <a:off x="124649" y="228600"/>
+            <a:ext cx="8363414" cy="6401753"/>
+          </a:xfrm>
+          <a:prstGeom prst="rect">
+            <a:avLst/>
+          </a:prstGeom>
+          <a:noFill/>
+        </p:spPr>
+        <p:txBody>
+          <a:bodyPr wrap="square" rtlCol="0">
+            <a:spAutoFit/>
+          </a:bodyPr>
+          <a:lstStyle/>
+          <a:p>
+            <a:r>
+              <a:rPr lang="sv-SE" sz="1000"/>
+              <a:t>M2 = list(</a:t>
+            </a:r>
+          </a:p>
+          <a:p>
+            <a:r>
+              <a:rPr lang="sv-SE" sz="1000"/>
+              <a:t>+   lme(log(OringTOT+1)~Lat+Distance_to_sea+Wetted_width+Av_depth+log(LWD+1)+SUB1+GEdda,</a:t>
+            </a:r>
+          </a:p>
+          <a:p>
+            <a:r>
+              <a:rPr lang="sv-SE" sz="1000"/>
+              <a:t>+       random=~1|River_name/Catchment_number, corAR1(form=~Year),data=AV2),</a:t>
+            </a:r>
+          </a:p>
+          <a:p>
+            <a:r>
+              <a:rPr lang="sv-SE" sz="1000"/>
+              <a:t>+   lme(log(LWD+1)~Distance_to_sea+Lat+Av_depth+Wetted_width+Year,</a:t>
+            </a:r>
+          </a:p>
+          <a:p>
+            <a:r>
+              <a:rPr lang="sv-SE" sz="1000"/>
+              <a:t>+       random=~1|River_name/Catchment_number, corAR1(form=~Year),data=AV2))</a:t>
+            </a:r>
+          </a:p>
+          <a:p>
+            <a:r>
+              <a:rPr lang="sv-SE" sz="1000"/>
+              <a:t>&gt; sem.fit(M2,AV2)</a:t>
+            </a:r>
+          </a:p>
+          <a:p>
+            <a:r>
+              <a:rPr lang="sv-SE" sz="1000"/>
+              <a:t>  |==============================================================================================================| 100%</a:t>
+            </a:r>
+          </a:p>
+          <a:p>
+            <a:r>
+              <a:rPr lang="sv-SE" sz="1000"/>
+              <a:t>Conditional variables have been omitted from output table for clarity (or use argument conditional = T)</a:t>
+            </a:r>
+          </a:p>
+          <a:p>
+            <a:r>
+              <a:rPr lang="sv-SE" sz="1000"/>
+              <a:t>$missing.paths</a:t>
+            </a:r>
+          </a:p>
+          <a:p>
+            <a:r>
+              <a:rPr lang="sv-SE" sz="1000"/>
+              <a:t>                    missing.path estimate std.error   df crit.value p.value</a:t>
+            </a:r>
+          </a:p>
+          <a:p>
+            <a:r>
+              <a:rPr lang="sv-SE" sz="1000"/>
+              <a:t>1      log(LWD + 1) ~ SUB1 + ...   0.0034    0.0132 4075     0.2575  0.7968</a:t>
+            </a:r>
+          </a:p>
+          <a:p>
+            <a:r>
+              <a:rPr lang="sv-SE" sz="1000"/>
+              <a:t>2     log(LWD + 1) ~ GEdda + ...  -0.0154    0.0110 4075    -1.4005  0.1614</a:t>
+            </a:r>
+          </a:p>
+          <a:p>
+            <a:r>
+              <a:rPr lang="sv-SE" sz="1000"/>
+              <a:t>3 log(OringTOT + 1) ~ Year + ...   0.0051    0.0027 4073     1.8614  0.0628</a:t>
+            </a:r>
+          </a:p>
+          <a:p>
+            <a:endParaRPr lang="sv-SE" sz="1000"/>
+          </a:p>
+          <a:p>
+            <a:r>
+              <a:rPr lang="sv-SE" sz="1000"/>
+              <a:t>$Fisher.C</a:t>
+            </a:r>
+          </a:p>
+          <a:p>
+            <a:r>
+              <a:rPr lang="sv-SE" sz="1000"/>
+              <a:t>  fisher.c df p.value</a:t>
+            </a:r>
+          </a:p>
+          <a:p>
+            <a:r>
+              <a:rPr lang="sv-SE" sz="1000"/>
+              <a:t>1     9.64  6   0.141</a:t>
+            </a:r>
+          </a:p>
+          <a:p>
+            <a:endParaRPr lang="sv-SE" sz="1000"/>
+          </a:p>
+          <a:p>
+            <a:r>
+              <a:rPr lang="sv-SE" sz="1000"/>
+              <a:t>$AIC</a:t>
+            </a:r>
+          </a:p>
+          <a:p>
+            <a:r>
+              <a:rPr lang="sv-SE" sz="1000"/>
+              <a:t>    AIC   AICc  K    n</a:t>
+            </a:r>
+          </a:p>
+          <a:p>
+            <a:r>
+              <a:rPr lang="sv-SE" sz="1000"/>
+              <a:t>1 53.64 53.833 22 5263</a:t>
+            </a:r>
+          </a:p>
+          <a:p>
+            <a:endParaRPr lang="sv-SE" sz="1000"/>
+          </a:p>
+          <a:p>
+            <a:r>
+              <a:rPr lang="sv-SE" sz="1000"/>
+              <a:t>&gt; sem.coefs(M2,AV2)</a:t>
+            </a:r>
+          </a:p>
+          <a:p>
+            <a:r>
+              <a:rPr lang="sv-SE" sz="1000"/>
+              <a:t>            response       predictor     estimate    std.error p.value</a:t>
+            </a:r>
+          </a:p>
+          <a:p>
+            <a:r>
+              <a:rPr lang="sv-SE" sz="1000"/>
+              <a:t>4  log(OringTOT + 1)        Av_depth -2.177356947 0.1555823428   0e+00</a:t>
+            </a:r>
+          </a:p>
+          <a:p>
+            <a:r>
+              <a:rPr lang="sv-SE" sz="1000"/>
+              <a:t>3  log(OringTOT + 1)    Wetted_width -0.072667097 0.0077287742   0e+00</a:t>
+            </a:r>
+          </a:p>
+          <a:p>
+            <a:r>
+              <a:rPr lang="sv-SE" sz="1000"/>
+              <a:t>2  log(OringTOT + 1) Distance_to_sea -0.003738785 0.0006818281   0e+00</a:t>
+            </a:r>
+          </a:p>
+          <a:p>
+            <a:r>
+              <a:rPr lang="sv-SE" sz="1000"/>
+              <a:t>6  log(OringTOT + 1)            SUB1  0.107306114 0.0199565395   0e+00</a:t>
+            </a:r>
+          </a:p>
+          <a:p>
+            <a:r>
+              <a:rPr lang="sv-SE" sz="1000"/>
+              <a:t>5  log(OringTOT + 1)    log(LWD + 1)  0.092985531 0.0196436241   0e+00</a:t>
+            </a:r>
+          </a:p>
+          <a:p>
+            <a:r>
+              <a:rPr lang="sv-SE" sz="1000"/>
+              <a:t>7  log(OringTOT + 1)           GEdda -0.079281020 0.0170031468   0e+00</a:t>
+            </a:r>
+          </a:p>
+          <a:p>
+            <a:r>
+              <a:rPr lang="sv-SE" sz="1000"/>
+              <a:t>1  log(OringTOT + 1)             Lat -0.050594068 0.0147669570   6e-04</a:t>
+            </a:r>
+          </a:p>
+          <a:p>
+            <a:r>
+              <a:rPr lang="sv-SE" sz="1000"/>
+              <a:t>11      log(LWD + 1)    Wetted_width -0.053428568 0.0045695549   0e+00</a:t>
+            </a:r>
+          </a:p>
+          <a:p>
+            <a:r>
+              <a:rPr lang="sv-SE" sz="1000"/>
+              <a:t>9       log(LWD + 1)             Lat  0.065436918 0.0073224292   0e+00</a:t>
+            </a:r>
+          </a:p>
+          <a:p>
+            <a:r>
+              <a:rPr lang="sv-SE" sz="1000"/>
+              <a:t>12      log(LWD + 1)            Year  0.014959421 0.0024947004   0e+00</a:t>
+            </a:r>
+          </a:p>
+          <a:p>
+            <a:r>
+              <a:rPr lang="sv-SE" sz="1000"/>
+              <a:t>10      log(LWD + 1)        Av_depth -0.537123117 0.1043543168   0e+00</a:t>
+            </a:r>
+          </a:p>
+          <a:p>
+            <a:r>
+              <a:rPr lang="sv-SE" sz="1000"/>
+              <a:t>8       log(LWD + 1) Distance_to_sea -0.001774232 0.0003540409   0e+00</a:t>
+            </a:r>
+          </a:p>
+          <a:p>
+            <a:r>
+              <a:rPr lang="sv-SE" sz="1000"/>
+              <a:t>&gt; sem.model.fits(M2)</a:t>
+            </a:r>
+          </a:p>
+          <a:p>
+            <a:r>
+              <a:rPr lang="sv-SE" sz="1000"/>
+              <a:t>  Class   Family     Link    N   Marginal Conditional</a:t>
+            </a:r>
+          </a:p>
+          <a:p>
+            <a:r>
+              <a:rPr lang="sv-SE" sz="1000"/>
+              <a:t>1   lme gaussian identity 5263 0.09539722   0.8000731</a:t>
+            </a:r>
+          </a:p>
+          <a:p>
+            <a:r>
+              <a:rPr lang="sv-SE" sz="1000"/>
+              <a:t>2   lme gaussian identity 5263 0.10236969   0.5158832</a:t>
+            </a:r>
+          </a:p>
+          <a:p>
+            <a:r>
+              <a:rPr lang="sv-SE" sz="1000"/>
+              <a:t>&gt; sem.plot(M2, AV)</a:t>
+            </a:r>
+            <a:endParaRPr lang="sv-SE" sz="1000" dirty="0"/>
+          </a:p>
+        </p:txBody>
+      </p:sp>
+      <p:sp>
+        <p:nvSpPr>
+          <p:cNvPr id="5" name="TextBox 4"/>
+          <p:cNvSpPr txBox="1"/>
+          <p:nvPr/>
+        </p:nvSpPr>
+        <p:spPr>
+          <a:xfrm>
+            <a:off x="5441795" y="5798633"/>
+            <a:ext cx="6750205" cy="369332"/>
+          </a:xfrm>
+          <a:prstGeom prst="rect">
+            <a:avLst/>
+          </a:prstGeom>
+          <a:noFill/>
+        </p:spPr>
+        <p:txBody>
+          <a:bodyPr wrap="square" rtlCol="0">
+            <a:spAutoFit/>
+          </a:bodyPr>
+          <a:lstStyle/>
+          <a:p>
+            <a:r>
+              <a:rPr lang="sv-SE" dirty="0" smtClean="0"/>
+              <a:t>With Lat instead of avg air temp</a:t>
+            </a:r>
+            <a:endParaRPr lang="sv-SE" dirty="0"/>
+          </a:p>
+        </p:txBody>
+      </p:sp>
+    </p:spTree>
+    <p:extLst>
+      <p:ext uri="{BB962C8B-B14F-4D97-AF65-F5344CB8AC3E}">
+        <p14:creationId xmlns:p14="http://schemas.microsoft.com/office/powerpoint/2010/main" val="3737774758"/>
+      </p:ext>
+    </p:extLst>
+  </p:cSld>
+  <p:clrMapOvr>
+    <a:masterClrMapping/>
+  </p:clrMapOvr>
+</p:sld>
+</file>
+
+<file path=ppt/slides/slide18.xml><?xml version="1.0" encoding="utf-8"?>
+<p:sld xmlns:a="http://schemas.openxmlformats.org/drawingml/2006/main" xmlns:r="http://schemas.openxmlformats.org/officeDocument/2006/relationships" xmlns:p="http://schemas.openxmlformats.org/presentationml/2006/main">
+  <p:cSld>
+    <p:spTree>
+      <p:nvGrpSpPr>
+        <p:cNvPr id="1" name=""/>
+        <p:cNvGrpSpPr/>
+        <p:nvPr/>
+      </p:nvGrpSpPr>
+      <p:grpSpPr>
+        <a:xfrm>
+          <a:off x="0" y="0"/>
+          <a:ext cx="0" cy="0"/>
+          <a:chOff x="0" y="0"/>
+          <a:chExt cx="0" cy="0"/>
+        </a:xfrm>
+      </p:grpSpPr>
+      <p:pic>
+        <p:nvPicPr>
+          <p:cNvPr id="2" name="Picture 1"/>
+          <p:cNvPicPr>
+            <a:picLocks noChangeAspect="1"/>
+          </p:cNvPicPr>
+          <p:nvPr/>
+        </p:nvPicPr>
+        <p:blipFill>
+          <a:blip r:embed="rId2"/>
+          <a:stretch>
+            <a:fillRect/>
+          </a:stretch>
+        </p:blipFill>
+        <p:spPr>
+          <a:xfrm>
+            <a:off x="7705600" y="1486158"/>
+            <a:ext cx="3939881" cy="2636748"/>
+          </a:xfrm>
+          <a:prstGeom prst="rect">
+            <a:avLst/>
+          </a:prstGeom>
+        </p:spPr>
+      </p:pic>
+      <p:sp>
+        <p:nvSpPr>
+          <p:cNvPr id="3" name="TextBox 2"/>
+          <p:cNvSpPr txBox="1"/>
+          <p:nvPr/>
+        </p:nvSpPr>
+        <p:spPr>
+          <a:xfrm>
+            <a:off x="0" y="167268"/>
+            <a:ext cx="8697951" cy="6555641"/>
+          </a:xfrm>
+          <a:prstGeom prst="rect">
+            <a:avLst/>
+          </a:prstGeom>
+          <a:noFill/>
+        </p:spPr>
+        <p:txBody>
+          <a:bodyPr wrap="square" rtlCol="0">
+            <a:spAutoFit/>
+          </a:bodyPr>
+          <a:lstStyle/>
+          <a:p>
+            <a:r>
+              <a:rPr lang="sv-SE" sz="1000" dirty="0"/>
+              <a:t>&gt; M2 = list(</a:t>
+            </a:r>
+          </a:p>
+          <a:p>
+            <a:r>
+              <a:rPr lang="sv-SE" sz="1000" dirty="0"/>
+              <a:t>+   lme(log(OringTOT+1)~Average_air_temperature+Distance_to_sea+Wetted_width+Av_depth+log(LWD+1)+Slope_percent+SUB1+GEdda,</a:t>
+            </a:r>
+          </a:p>
+          <a:p>
+            <a:r>
+              <a:rPr lang="sv-SE" sz="1000" dirty="0"/>
+              <a:t>+       random=~1|River_name/Catchment_number, corAR1(form=~Year),data=AV2),</a:t>
+            </a:r>
+          </a:p>
+          <a:p>
+            <a:r>
+              <a:rPr lang="sv-SE" sz="1000" dirty="0"/>
+              <a:t>+   lme(log(LWD+1)~Average_air_temperature+Distance_to_sea+Av_depth+Wetted_width+Year+Slope_percent,</a:t>
+            </a:r>
+          </a:p>
+          <a:p>
+            <a:r>
+              <a:rPr lang="sv-SE" sz="1000" dirty="0"/>
+              <a:t>+       random=~1|River_name/Catchment_number, corAR1(form=~Year),data=AV2))</a:t>
+            </a:r>
+          </a:p>
+          <a:p>
+            <a:r>
+              <a:rPr lang="sv-SE" sz="1000" dirty="0"/>
+              <a:t>&gt; sem.fit(M2,AV2)</a:t>
+            </a:r>
+          </a:p>
+          <a:p>
+            <a:r>
+              <a:rPr lang="sv-SE" sz="1000" dirty="0"/>
+              <a:t>  |==============================================================================================================| 100%</a:t>
+            </a:r>
+          </a:p>
+          <a:p>
+            <a:r>
+              <a:rPr lang="sv-SE" sz="1000" dirty="0"/>
+              <a:t>Conditional variables have been omitted from output table for clarity (or use argument conditional = T)</a:t>
+            </a:r>
+          </a:p>
+          <a:p>
+            <a:r>
+              <a:rPr lang="sv-SE" sz="1000" dirty="0"/>
+              <a:t>$missing.paths</a:t>
+            </a:r>
+          </a:p>
+          <a:p>
+            <a:r>
+              <a:rPr lang="sv-SE" sz="1000" dirty="0"/>
+              <a:t>                    missing.path estimate std.error   df crit.value p.value</a:t>
+            </a:r>
+          </a:p>
+          <a:p>
+            <a:r>
+              <a:rPr lang="sv-SE" sz="1000" dirty="0"/>
+              <a:t>1      log(LWD + 1) ~ SUB1 + ...  -0.0033    0.0132 4074    -0.2515  0.8014</a:t>
+            </a:r>
+          </a:p>
+          <a:p>
+            <a:r>
+              <a:rPr lang="sv-SE" sz="1000" dirty="0"/>
+              <a:t>2     log(LWD + 1) ~ GEdda + ...  -0.0130    0.0110 4074    -1.1819  0.2373</a:t>
+            </a:r>
+          </a:p>
+          <a:p>
+            <a:r>
+              <a:rPr lang="sv-SE" sz="1000" dirty="0"/>
+              <a:t>3 log(OringTOT + 1) ~ Year + ...   0.0051    0.0027 4072     1.8605  0.0629</a:t>
+            </a:r>
+          </a:p>
+          <a:p>
+            <a:endParaRPr lang="sv-SE" sz="1000" dirty="0"/>
+          </a:p>
+          <a:p>
+            <a:r>
+              <a:rPr lang="sv-SE" sz="1000" dirty="0"/>
+              <a:t>$Fisher.C</a:t>
+            </a:r>
+          </a:p>
+          <a:p>
+            <a:r>
+              <a:rPr lang="sv-SE" sz="1000" dirty="0"/>
+              <a:t>  fisher.c df p.value</a:t>
+            </a:r>
+          </a:p>
+          <a:p>
+            <a:r>
+              <a:rPr lang="sv-SE" sz="1000" dirty="0"/>
+              <a:t>1     8.85  6   0.182</a:t>
+            </a:r>
+          </a:p>
+          <a:p>
+            <a:endParaRPr lang="sv-SE" sz="1000" dirty="0"/>
+          </a:p>
+          <a:p>
+            <a:r>
+              <a:rPr lang="sv-SE" sz="1000" dirty="0"/>
+              <a:t>$AIC</a:t>
+            </a:r>
+          </a:p>
+          <a:p>
+            <a:r>
+              <a:rPr lang="sv-SE" sz="1000" dirty="0"/>
+              <a:t>    AIC   AICc  K    n</a:t>
+            </a:r>
+          </a:p>
+          <a:p>
+            <a:r>
+              <a:rPr lang="sv-SE" sz="1000" dirty="0"/>
+              <a:t>1 56.85 57.079 24 5263</a:t>
+            </a:r>
+          </a:p>
+          <a:p>
+            <a:endParaRPr lang="sv-SE" sz="1000" dirty="0"/>
+          </a:p>
+          <a:p>
+            <a:r>
+              <a:rPr lang="sv-SE" sz="1000" dirty="0"/>
+              <a:t>&gt; sem.coefs(M2,AV2)</a:t>
+            </a:r>
+          </a:p>
+          <a:p>
+            <a:r>
+              <a:rPr lang="sv-SE" sz="1000" dirty="0"/>
+              <a:t>            response               predictor     estimate    std.error p.value</a:t>
+            </a:r>
+          </a:p>
+          <a:p>
+            <a:r>
+              <a:rPr lang="sv-SE" sz="1000" dirty="0"/>
+              <a:t>4  log(OringTOT + 1)                Av_depth -2.151537045 0.1556548534  0.0000</a:t>
+            </a:r>
+          </a:p>
+          <a:p>
+            <a:r>
+              <a:rPr lang="sv-SE" sz="1000" dirty="0"/>
+              <a:t>3  log(OringTOT + 1)            Wetted_width -0.070365969 0.0077560392  0.0000</a:t>
+            </a:r>
+          </a:p>
+          <a:p>
+            <a:r>
+              <a:rPr lang="sv-SE" sz="1000" dirty="0"/>
+              <a:t>7  log(OringTOT + 1)                    SUB1  0.104541756 0.0199989323  0.0000</a:t>
+            </a:r>
+          </a:p>
+          <a:p>
+            <a:r>
+              <a:rPr lang="sv-SE" sz="1000" dirty="0"/>
+              <a:t>2  log(OringTOT + 1)         Distance_to_sea -0.003283858 0.0007090272  0.0000</a:t>
+            </a:r>
+          </a:p>
+          <a:p>
+            <a:r>
+              <a:rPr lang="sv-SE" sz="1000" dirty="0"/>
+              <a:t>5  log(OringTOT + 1)            log(LWD + 1)  0.090353169 0.0196479373  0.0000</a:t>
+            </a:r>
+          </a:p>
+          <a:p>
+            <a:r>
+              <a:rPr lang="sv-SE" sz="1000" dirty="0"/>
+              <a:t>8  log(OringTOT + 1)                   GEdda -0.075745838 0.0170110027  0.0000</a:t>
+            </a:r>
+          </a:p>
+          <a:p>
+            <a:r>
+              <a:rPr lang="sv-SE" sz="1000" dirty="0"/>
+              <a:t>1  log(OringTOT + 1) Average_air_temperature  0.087212710 0.0221248570  0.0001</a:t>
+            </a:r>
+          </a:p>
+          <a:p>
+            <a:r>
+              <a:rPr lang="sv-SE" sz="1000" dirty="0"/>
+              <a:t>6  log(OringTOT + 1)           Slope_percent  0.057848536 0.0205260836  0.0049</a:t>
+            </a:r>
+          </a:p>
+          <a:p>
+            <a:r>
+              <a:rPr lang="sv-SE" sz="1000" dirty="0"/>
+              <a:t>12      log(LWD + 1)            Wetted_width -0.051088874 0.0045860759  0.0000</a:t>
+            </a:r>
+          </a:p>
+          <a:p>
+            <a:r>
+              <a:rPr lang="sv-SE" sz="1000" dirty="0"/>
+              <a:t>9       log(LWD + 1) Average_air_temperature -0.088521418 0.0109813921  0.0000</a:t>
+            </a:r>
+          </a:p>
+          <a:p>
+            <a:r>
+              <a:rPr lang="sv-SE" sz="1000" dirty="0"/>
+              <a:t>13      log(LWD + 1)                    Year  0.015004313 0.0024903165  0.0000</a:t>
+            </a:r>
+          </a:p>
+          <a:p>
+            <a:r>
+              <a:rPr lang="sv-SE" sz="1000" dirty="0"/>
+              <a:t>10      log(LWD + 1)         Distance_to_sea -0.002001481 0.0003637716  0.0000</a:t>
+            </a:r>
+          </a:p>
+          <a:p>
+            <a:r>
+              <a:rPr lang="sv-SE" sz="1000" dirty="0"/>
+              <a:t>14      log(LWD + 1)           Slope_percent  0.061086977 0.0115639868  0.0000</a:t>
+            </a:r>
+          </a:p>
+          <a:p>
+            <a:r>
+              <a:rPr lang="sv-SE" sz="1000" dirty="0"/>
+              <a:t>11      log(LWD + 1)                Av_depth -0.506157091 0.1044539289  0.0000</a:t>
+            </a:r>
+          </a:p>
+          <a:p>
+            <a:r>
+              <a:rPr lang="sv-SE" sz="1000" dirty="0"/>
+              <a:t>&gt; sem.model.fits(M2)</a:t>
+            </a:r>
+          </a:p>
+          <a:p>
+            <a:r>
+              <a:rPr lang="sv-SE" sz="1000" dirty="0"/>
+              <a:t>  Class   Family     Link    N  Marginal Conditional</a:t>
+            </a:r>
+          </a:p>
+          <a:p>
+            <a:r>
+              <a:rPr lang="sv-SE" sz="1000" dirty="0"/>
+              <a:t>1   lme gaussian identity 5263 0.1024969   0.8018843</a:t>
+            </a:r>
+          </a:p>
+          <a:p>
+            <a:r>
+              <a:rPr lang="sv-SE" sz="1000" dirty="0"/>
+              <a:t>2   lme gaussian identity 5263 0.1118796   0.5148663</a:t>
+            </a:r>
+          </a:p>
+        </p:txBody>
+      </p:sp>
+      <p:sp>
+        <p:nvSpPr>
+          <p:cNvPr id="4" name="5-Point Star 3"/>
+          <p:cNvSpPr/>
+          <p:nvPr/>
+        </p:nvSpPr>
+        <p:spPr>
+          <a:xfrm>
+            <a:off x="11318488" y="167268"/>
+            <a:ext cx="423746" cy="490654"/>
+          </a:xfrm>
+          <a:prstGeom prst="star5">
+            <a:avLst/>
+          </a:prstGeom>
+        </p:spPr>
+        <p:style>
+          <a:lnRef idx="2">
+            <a:schemeClr val="accent1">
+              <a:shade val="50000"/>
+            </a:schemeClr>
+          </a:lnRef>
+          <a:fillRef idx="1">
+            <a:schemeClr val="accent1"/>
+          </a:fillRef>
+          <a:effectRef idx="0">
+            <a:schemeClr val="accent1"/>
+          </a:effectRef>
+          <a:fontRef idx="minor">
+            <a:schemeClr val="lt1"/>
+          </a:fontRef>
+        </p:style>
+        <p:txBody>
+          <a:bodyPr rtlCol="0" anchor="ctr"/>
+          <a:lstStyle/>
+          <a:p>
+            <a:pPr algn="ctr"/>
+            <a:endParaRPr lang="sv-SE"/>
+          </a:p>
+        </p:txBody>
+      </p:sp>
+      <p:sp>
+        <p:nvSpPr>
+          <p:cNvPr id="6" name="TextBox 5"/>
+          <p:cNvSpPr txBox="1"/>
+          <p:nvPr/>
+        </p:nvSpPr>
+        <p:spPr>
+          <a:xfrm>
+            <a:off x="6177776" y="4973444"/>
+            <a:ext cx="5742878" cy="923330"/>
+          </a:xfrm>
+          <a:prstGeom prst="rect">
+            <a:avLst/>
+          </a:prstGeom>
+          <a:noFill/>
+        </p:spPr>
+        <p:txBody>
+          <a:bodyPr wrap="square" rtlCol="0">
+            <a:spAutoFit/>
+          </a:bodyPr>
+          <a:lstStyle/>
+          <a:p>
+            <a:r>
+              <a:rPr lang="sv-SE" dirty="0" smtClean="0"/>
+              <a:t>Slope has been added. Support for both (positive) links??</a:t>
+            </a:r>
+          </a:p>
+          <a:p>
+            <a:endParaRPr lang="sv-SE" dirty="0"/>
+          </a:p>
+          <a:p>
+            <a:r>
+              <a:rPr lang="sv-SE" dirty="0" smtClean="0"/>
+              <a:t>I go on without meanwhile..</a:t>
+            </a:r>
+            <a:endParaRPr lang="sv-SE" dirty="0"/>
+          </a:p>
+        </p:txBody>
+      </p:sp>
+    </p:spTree>
+    <p:extLst>
+      <p:ext uri="{BB962C8B-B14F-4D97-AF65-F5344CB8AC3E}">
+        <p14:creationId xmlns:p14="http://schemas.microsoft.com/office/powerpoint/2010/main" val="2273730953"/>
+      </p:ext>
+    </p:extLst>
+  </p:cSld>
+  <p:clrMapOvr>
+    <a:masterClrMapping/>
+  </p:clrMapOvr>
+</p:sld>
+</file>
+
+<file path=ppt/slides/slide19.xml><?xml version="1.0" encoding="utf-8"?>
+<p:sld xmlns:a="http://schemas.openxmlformats.org/drawingml/2006/main" xmlns:r="http://schemas.openxmlformats.org/officeDocument/2006/relationships" xmlns:p="http://schemas.openxmlformats.org/presentationml/2006/main">
+  <p:cSld>
+    <p:spTree>
+      <p:nvGrpSpPr>
+        <p:cNvPr id="1" name=""/>
+        <p:cNvGrpSpPr/>
+        <p:nvPr/>
+      </p:nvGrpSpPr>
+      <p:grpSpPr>
+        <a:xfrm>
+          <a:off x="0" y="0"/>
+          <a:ext cx="0" cy="0"/>
+          <a:chOff x="0" y="0"/>
+          <a:chExt cx="0" cy="0"/>
+        </a:xfrm>
+      </p:grpSpPr>
+      <p:sp>
+        <p:nvSpPr>
+          <p:cNvPr id="7" name="TextBox 6"/>
+          <p:cNvSpPr txBox="1"/>
+          <p:nvPr/>
+        </p:nvSpPr>
+        <p:spPr>
+          <a:xfrm>
+            <a:off x="4917687" y="329683"/>
+            <a:ext cx="4449338" cy="6001643"/>
+          </a:xfrm>
+          <a:prstGeom prst="rect">
+            <a:avLst/>
+          </a:prstGeom>
+          <a:noFill/>
+        </p:spPr>
+        <p:txBody>
+          <a:bodyPr wrap="square" rtlCol="0">
+            <a:spAutoFit/>
+          </a:bodyPr>
+          <a:lstStyle/>
+          <a:p>
+            <a:r>
+              <a:rPr lang="sv-SE" sz="800" dirty="0"/>
+              <a:t>&gt; M2 = list(</a:t>
+            </a:r>
+          </a:p>
+          <a:p>
+            <a:r>
+              <a:rPr lang="sv-SE" sz="800" dirty="0"/>
+              <a:t>+   lme(log(OringTOT+1)~Average_air_temperature+Distance_to_sea+Wetted_width+Av_depth+log(LWD+1)+SUB1+GEdda+Julian_date,</a:t>
+            </a:r>
+          </a:p>
+          <a:p>
+            <a:r>
+              <a:rPr lang="sv-SE" sz="800" dirty="0"/>
+              <a:t>+       random=~1|River_name/Catchment_number, corAR1(form=~Year),data=AV2),</a:t>
+            </a:r>
+          </a:p>
+          <a:p>
+            <a:r>
+              <a:rPr lang="sv-SE" sz="800" dirty="0"/>
+              <a:t>+   lme(log(LWD+1)~Average_air_temperature+Distance_to_sea+Av_depth+Wetted_width+Year+Julian_date,</a:t>
+            </a:r>
+          </a:p>
+          <a:p>
+            <a:r>
+              <a:rPr lang="sv-SE" sz="800" dirty="0"/>
+              <a:t>+       random=~1|River_name/Catchment_number, corAR1(form=~Year),data=AV2))</a:t>
+            </a:r>
+          </a:p>
+          <a:p>
+            <a:r>
+              <a:rPr lang="sv-SE" sz="800" dirty="0"/>
+              <a:t>&gt; sem.fit(M2,AV2)</a:t>
+            </a:r>
+          </a:p>
+          <a:p>
+            <a:r>
+              <a:rPr lang="sv-SE" sz="800" dirty="0"/>
+              <a:t>  |==============================================================================================================| 100%</a:t>
+            </a:r>
+          </a:p>
+          <a:p>
+            <a:r>
+              <a:rPr lang="sv-SE" sz="800" dirty="0"/>
+              <a:t>Conditional variables have been omitted from output table for clarity (or use argument conditional = T)</a:t>
+            </a:r>
+          </a:p>
+          <a:p>
+            <a:r>
+              <a:rPr lang="sv-SE" sz="800" dirty="0"/>
+              <a:t>$missing.paths</a:t>
+            </a:r>
+          </a:p>
+          <a:p>
+            <a:r>
+              <a:rPr lang="sv-SE" sz="800" dirty="0"/>
+              <a:t>                    missing.path estimate std.error   df crit.value p.value</a:t>
+            </a:r>
+          </a:p>
+          <a:p>
+            <a:r>
+              <a:rPr lang="sv-SE" sz="800" dirty="0"/>
+              <a:t>1      log(LWD + 1) ~ SUB1 + ...   0.0011    0.0132 4074     0.0851  0.9322</a:t>
+            </a:r>
+          </a:p>
+          <a:p>
+            <a:r>
+              <a:rPr lang="sv-SE" sz="800" dirty="0"/>
+              <a:t>2     log(LWD + 1) ~ GEdda + ...  -0.0167    0.0110 4074    -1.5144  0.1300</a:t>
+            </a:r>
+          </a:p>
+          <a:p>
+            <a:r>
+              <a:rPr lang="sv-SE" sz="800" dirty="0"/>
+              <a:t>3 log(OringTOT + 1) ~ Year + ...   0.0035    0.0027 4072     1.2736  0.2029</a:t>
+            </a:r>
+          </a:p>
+          <a:p>
+            <a:endParaRPr lang="sv-SE" sz="800" dirty="0"/>
+          </a:p>
+          <a:p>
+            <a:r>
+              <a:rPr lang="sv-SE" sz="800" dirty="0"/>
+              <a:t>$Fisher.C</a:t>
+            </a:r>
+          </a:p>
+          <a:p>
+            <a:r>
+              <a:rPr lang="sv-SE" sz="800" dirty="0"/>
+              <a:t>  fisher.c df p.value</a:t>
+            </a:r>
+          </a:p>
+          <a:p>
+            <a:r>
+              <a:rPr lang="sv-SE" sz="800" dirty="0"/>
+              <a:t>1     7.41  6   0.284</a:t>
+            </a:r>
+          </a:p>
+          <a:p>
+            <a:endParaRPr lang="sv-SE" sz="800" dirty="0"/>
+          </a:p>
+          <a:p>
+            <a:r>
+              <a:rPr lang="sv-SE" sz="800" dirty="0"/>
+              <a:t>$AIC</a:t>
+            </a:r>
+          </a:p>
+          <a:p>
+            <a:r>
+              <a:rPr lang="sv-SE" sz="800" dirty="0"/>
+              <a:t>    AIC   AICc  K    n</a:t>
+            </a:r>
+          </a:p>
+          <a:p>
+            <a:r>
+              <a:rPr lang="sv-SE" sz="800" dirty="0"/>
+              <a:t>1 55.41 55.639 24 5263</a:t>
+            </a:r>
+          </a:p>
+          <a:p>
+            <a:endParaRPr lang="sv-SE" sz="800" dirty="0"/>
+          </a:p>
+          <a:p>
+            <a:r>
+              <a:rPr lang="sv-SE" sz="800" dirty="0"/>
+              <a:t>&gt; sem.coefs(M2,AV2)</a:t>
+            </a:r>
+          </a:p>
+          <a:p>
+            <a:r>
+              <a:rPr lang="sv-SE" sz="800" dirty="0"/>
+              <a:t>            response               predictor     estimate    std.error p.value</a:t>
+            </a:r>
+          </a:p>
+          <a:p>
+            <a:r>
+              <a:rPr lang="sv-SE" sz="800" dirty="0"/>
+              <a:t>4  log(OringTOT + 1)                Av_depth -2.106714665 0.1553597636  0.0000</a:t>
+            </a:r>
+          </a:p>
+          <a:p>
+            <a:r>
+              <a:rPr lang="sv-SE" sz="800" dirty="0"/>
+              <a:t>3  log(OringTOT + 1)            Wetted_width -0.072748606 0.0077037313  0.0000</a:t>
+            </a:r>
+          </a:p>
+          <a:p>
+            <a:r>
+              <a:rPr lang="sv-SE" sz="800" dirty="0"/>
+              <a:t>8  log(OringTOT + 1)             Julian_date -0.004113608 0.0006591749  0.0000</a:t>
+            </a:r>
+          </a:p>
+          <a:p>
+            <a:r>
+              <a:rPr lang="sv-SE" sz="800" dirty="0"/>
+              <a:t>6  log(OringTOT + 1)                    SUB1  0.104686994 0.0198996192  0.0000</a:t>
+            </a:r>
+          </a:p>
+          <a:p>
+            <a:r>
+              <a:rPr lang="sv-SE" sz="800" dirty="0"/>
+              <a:t>2  log(OringTOT + 1)         Distance_to_sea -0.003430614 0.0007058658  0.0000</a:t>
+            </a:r>
+          </a:p>
+          <a:p>
+            <a:r>
+              <a:rPr lang="sv-SE" sz="800" dirty="0"/>
+              <a:t>7  log(OringTOT + 1)                   GEdda -0.079364454 0.0169394461  0.0000</a:t>
+            </a:r>
+          </a:p>
+          <a:p>
+            <a:r>
+              <a:rPr lang="sv-SE" sz="800" dirty="0"/>
+              <a:t>5  log(OringTOT + 1)            log(LWD + 1)  0.090051687 0.0195609164  0.0000</a:t>
+            </a:r>
+          </a:p>
+          <a:p>
+            <a:r>
+              <a:rPr lang="sv-SE" sz="800" dirty="0"/>
+              <a:t>1  log(OringTOT + 1) Average_air_temperature  0.088852826 0.0219955689  0.0001</a:t>
+            </a:r>
+          </a:p>
+          <a:p>
+            <a:r>
+              <a:rPr lang="sv-SE" sz="800" dirty="0"/>
+              <a:t>12      log(LWD + 1)            Wetted_width -0.053860393 0.0045734869  0.0000</a:t>
+            </a:r>
+          </a:p>
+          <a:p>
+            <a:r>
+              <a:rPr lang="sv-SE" sz="800" dirty="0"/>
+              <a:t>9       log(LWD + 1) Average_air_temperature -0.093366739 0.0110073457  0.0000</a:t>
+            </a:r>
+          </a:p>
+          <a:p>
+            <a:r>
+              <a:rPr lang="sv-SE" sz="800" dirty="0"/>
+              <a:t>13      log(LWD + 1)                    Year  0.014844441 0.0024975949  0.0000</a:t>
+            </a:r>
+          </a:p>
+          <a:p>
+            <a:r>
+              <a:rPr lang="sv-SE" sz="800" dirty="0"/>
+              <a:t>10      log(LWD + 1)         Distance_to_sea -0.002111485 0.0003655278  0.0000</a:t>
+            </a:r>
+          </a:p>
+          <a:p>
+            <a:r>
+              <a:rPr lang="sv-SE" sz="800" dirty="0"/>
+              <a:t>11      log(LWD + 1)                Av_depth -0.521459989 0.1047526216  0.0000</a:t>
+            </a:r>
+          </a:p>
+          <a:p>
+            <a:r>
+              <a:rPr lang="sv-SE" sz="800" dirty="0"/>
+              <a:t>14      log(LWD + 1)             Julian_date -0.001066235 0.0004439064  0.0164</a:t>
+            </a:r>
+          </a:p>
+          <a:p>
+            <a:r>
+              <a:rPr lang="sv-SE" sz="800" dirty="0"/>
+              <a:t>&gt; sem.model.fits(M2)</a:t>
+            </a:r>
+          </a:p>
+          <a:p>
+            <a:r>
+              <a:rPr lang="sv-SE" sz="800" dirty="0"/>
+              <a:t>  Class   Family     Link    N   Marginal Conditional</a:t>
+            </a:r>
+          </a:p>
+          <a:p>
+            <a:r>
+              <a:rPr lang="sv-SE" sz="800" dirty="0"/>
+              <a:t>1   lme gaussian identity 5263 0.09986461   0.8014699</a:t>
+            </a:r>
+          </a:p>
+          <a:p>
+            <a:r>
+              <a:rPr lang="sv-SE" sz="800" dirty="0"/>
+              <a:t>2   lme gaussian identity 5263 0.09997273   0.5124213</a:t>
+            </a:r>
+          </a:p>
+        </p:txBody>
+      </p:sp>
+      <p:sp>
+        <p:nvSpPr>
+          <p:cNvPr id="2" name="TextBox 1"/>
+          <p:cNvSpPr txBox="1"/>
+          <p:nvPr/>
+        </p:nvSpPr>
+        <p:spPr>
+          <a:xfrm>
+            <a:off x="0" y="133815"/>
+            <a:ext cx="4873083" cy="5755422"/>
+          </a:xfrm>
+          <a:prstGeom prst="rect">
+            <a:avLst/>
+          </a:prstGeom>
+          <a:noFill/>
+        </p:spPr>
+        <p:txBody>
+          <a:bodyPr wrap="square" rtlCol="0">
+            <a:spAutoFit/>
+          </a:bodyPr>
+          <a:lstStyle/>
+          <a:p>
+            <a:r>
+              <a:rPr lang="sv-SE" sz="800" dirty="0"/>
+              <a:t>&gt; M2 = list(</a:t>
+            </a:r>
+          </a:p>
+          <a:p>
+            <a:r>
+              <a:rPr lang="sv-SE" sz="800" dirty="0"/>
+              <a:t>+   lme(log(OringTOT+1)~Average_air_temperature+Distance_to_sea+Wetted_width+Av_depth+log(LWD+1)+SUB1+GEdda+Month,</a:t>
+            </a:r>
+          </a:p>
+          <a:p>
+            <a:r>
+              <a:rPr lang="sv-SE" sz="800" dirty="0"/>
+              <a:t>+       random=~1|River_name/Catchment_number, corAR1(form=~Year),data=AV2),</a:t>
+            </a:r>
+          </a:p>
+          <a:p>
+            <a:r>
+              <a:rPr lang="sv-SE" sz="800" dirty="0"/>
+              <a:t>+   lme(log(LWD+1)~Average_air_temperature+Distance_to_sea+Av_depth+Wetted_width+Year+Month,</a:t>
+            </a:r>
+          </a:p>
+          <a:p>
+            <a:r>
+              <a:rPr lang="sv-SE" sz="800" dirty="0"/>
+              <a:t>+       random=~1|River_name/Catchment_number, corAR1(form=~Year),data=AV2))</a:t>
+            </a:r>
+          </a:p>
+          <a:p>
+            <a:r>
+              <a:rPr lang="sv-SE" sz="800" dirty="0"/>
+              <a:t>&gt; sem.fit(M2,AV2)</a:t>
+            </a:r>
+          </a:p>
+          <a:p>
+            <a:r>
+              <a:rPr lang="sv-SE" sz="800" dirty="0"/>
+              <a:t>  |==============================================================================================================| 100%</a:t>
+            </a:r>
+          </a:p>
+          <a:p>
+            <a:r>
+              <a:rPr lang="sv-SE" sz="800" dirty="0"/>
+              <a:t>Conditional variables have been omitted from output table for clarity (or use argument conditional = T)</a:t>
+            </a:r>
+          </a:p>
+          <a:p>
+            <a:r>
+              <a:rPr lang="sv-SE" sz="800" dirty="0"/>
+              <a:t>$missing.paths</a:t>
+            </a:r>
+          </a:p>
+          <a:p>
+            <a:r>
+              <a:rPr lang="sv-SE" sz="800" dirty="0"/>
+              <a:t>                    missing.path estimate std.error   df crit.value p.value</a:t>
+            </a:r>
+          </a:p>
+          <a:p>
+            <a:r>
+              <a:rPr lang="sv-SE" sz="800" dirty="0"/>
+              <a:t>1      log(LWD + 1) ~ SUB1 + ...   0.0010    0.0132 4074     0.0752  0.9400</a:t>
+            </a:r>
+          </a:p>
+          <a:p>
+            <a:r>
+              <a:rPr lang="sv-SE" sz="800" dirty="0"/>
+              <a:t>2     log(LWD + 1) ~ GEdda + ...  -0.0166    0.0110 4074    -1.5063  0.1321</a:t>
+            </a:r>
+          </a:p>
+          <a:p>
+            <a:r>
+              <a:rPr lang="sv-SE" sz="800" dirty="0"/>
+              <a:t>3 log(OringTOT + 1) ~ Year + ...   0.0038    0.0027 4072     1.3935  0.1635</a:t>
+            </a:r>
+          </a:p>
+          <a:p>
+            <a:endParaRPr lang="sv-SE" sz="800" dirty="0"/>
+          </a:p>
+          <a:p>
+            <a:r>
+              <a:rPr lang="sv-SE" sz="800" dirty="0"/>
+              <a:t>$Fisher.C</a:t>
+            </a:r>
+          </a:p>
+          <a:p>
+            <a:r>
+              <a:rPr lang="sv-SE" sz="800" dirty="0"/>
+              <a:t>  fisher.c df p.value</a:t>
+            </a:r>
+          </a:p>
+          <a:p>
+            <a:r>
+              <a:rPr lang="sv-SE" sz="800" dirty="0"/>
+              <a:t>1     7.79  6   0.254</a:t>
+            </a:r>
+          </a:p>
+          <a:p>
+            <a:endParaRPr lang="sv-SE" sz="800" dirty="0"/>
+          </a:p>
+          <a:p>
+            <a:r>
+              <a:rPr lang="sv-SE" sz="800" dirty="0"/>
+              <a:t>$AIC</a:t>
+            </a:r>
+          </a:p>
+          <a:p>
+            <a:r>
+              <a:rPr lang="sv-SE" sz="800" dirty="0"/>
+              <a:t>    AIC   AICc  K    n</a:t>
+            </a:r>
+          </a:p>
+          <a:p>
+            <a:r>
+              <a:rPr lang="sv-SE" sz="800" dirty="0"/>
+              <a:t>1 55.79 56.019 24 5263</a:t>
+            </a:r>
+          </a:p>
+          <a:p>
+            <a:endParaRPr lang="sv-SE" sz="800" dirty="0"/>
+          </a:p>
+          <a:p>
+            <a:r>
+              <a:rPr lang="sv-SE" sz="800" dirty="0"/>
+              <a:t>&gt; sem.coefs(M2,AV2)</a:t>
+            </a:r>
+          </a:p>
+          <a:p>
+            <a:r>
+              <a:rPr lang="sv-SE" sz="800" dirty="0"/>
+              <a:t>            response               predictor     estimate    std.error p.value</a:t>
+            </a:r>
+          </a:p>
+          <a:p>
+            <a:r>
+              <a:rPr lang="sv-SE" sz="800" dirty="0"/>
+              <a:t>4  log(OringTOT + 1)                Av_depth -2.123457964 0.1553845708  0.0000</a:t>
+            </a:r>
+          </a:p>
+          <a:p>
+            <a:r>
+              <a:rPr lang="sv-SE" sz="800" dirty="0"/>
+              <a:t>3  log(OringTOT + 1)            Wetted_width -0.072188601 0.0077090553  0.0000</a:t>
+            </a:r>
+          </a:p>
+          <a:p>
+            <a:r>
+              <a:rPr lang="sv-SE" sz="800" dirty="0"/>
+              <a:t>8  log(OringTOT + 1)                   Month -0.102395914 0.0184601615  0.0000</a:t>
+            </a:r>
+          </a:p>
+          <a:p>
+            <a:r>
+              <a:rPr lang="sv-SE" sz="800" dirty="0"/>
+              <a:t>6  log(OringTOT + 1)                    SUB1  0.104632042 0.0199207815  0.0000</a:t>
+            </a:r>
+          </a:p>
+          <a:p>
+            <a:r>
+              <a:rPr lang="sv-SE" sz="800" dirty="0"/>
+              <a:t>2  log(OringTOT + 1)         Distance_to_sea -0.003419526 0.0007063042  0.0000</a:t>
+            </a:r>
+          </a:p>
+          <a:p>
+            <a:r>
+              <a:rPr lang="sv-SE" sz="800" dirty="0"/>
+              <a:t>7  log(OringTOT + 1)                   GEdda -0.079020273 0.0169487716  0.0000</a:t>
+            </a:r>
+          </a:p>
+          <a:p>
+            <a:r>
+              <a:rPr lang="sv-SE" sz="800" dirty="0"/>
+              <a:t>5  log(OringTOT + 1)            log(LWD + 1)  0.090363130 0.0195845685  0.0000</a:t>
+            </a:r>
+          </a:p>
+          <a:p>
+            <a:r>
+              <a:rPr lang="sv-SE" sz="800" dirty="0"/>
+              <a:t>1  log(OringTOT + 1) Average_air_temperature  0.087076110 0.0220000727  0.0001</a:t>
+            </a:r>
+          </a:p>
+          <a:p>
+            <a:r>
+              <a:rPr lang="sv-SE" sz="800" dirty="0"/>
+              <a:t>12      log(LWD + 1)            Wetted_width -0.053697428 0.0045744769  0.0000</a:t>
+            </a:r>
+          </a:p>
+          <a:p>
+            <a:r>
+              <a:rPr lang="sv-SE" sz="800" dirty="0"/>
+              <a:t>9       log(LWD + 1) Average_air_temperature -0.093743473 0.0110052253  0.0000</a:t>
+            </a:r>
+          </a:p>
+          <a:p>
+            <a:r>
+              <a:rPr lang="sv-SE" sz="800" dirty="0"/>
+              <a:t>13      log(LWD + 1)                    Year  0.014907180 0.0024966377  0.0000</a:t>
+            </a:r>
+          </a:p>
+          <a:p>
+            <a:r>
+              <a:rPr lang="sv-SE" sz="800" dirty="0"/>
+              <a:t>10      log(LWD + 1)         Distance_to_sea -0.002107773 0.0003657262  0.0000</a:t>
+            </a:r>
+          </a:p>
+          <a:p>
+            <a:r>
+              <a:rPr lang="sv-SE" sz="800" dirty="0"/>
+              <a:t>11      log(LWD + 1)                Av_depth -0.524463598 0.1046830989  0.0000</a:t>
+            </a:r>
+          </a:p>
+          <a:p>
+            <a:r>
+              <a:rPr lang="sv-SE" sz="800" dirty="0"/>
+              <a:t>14      log(LWD + 1)                   Month -0.028135379 0.0124138580  0.0235</a:t>
+            </a:r>
+          </a:p>
+          <a:p>
+            <a:r>
+              <a:rPr lang="sv-SE" sz="800" dirty="0"/>
+              <a:t>&gt; sem.model.fits(M2)</a:t>
+            </a:r>
+          </a:p>
+          <a:p>
+            <a:r>
+              <a:rPr lang="sv-SE" sz="800" dirty="0"/>
+              <a:t>  Class   Family     Link    N   Marginal Conditional</a:t>
+            </a:r>
+          </a:p>
+          <a:p>
+            <a:r>
+              <a:rPr lang="sv-SE" sz="800" dirty="0"/>
+              <a:t>1   lme gaussian identity 5263 0.09890504   0.8009744</a:t>
+            </a:r>
+          </a:p>
+          <a:p>
+            <a:r>
+              <a:rPr lang="sv-SE" sz="800" dirty="0"/>
+              <a:t>2   lme gaussian identity 5263 0.09951162   0.5127268</a:t>
+            </a:r>
+          </a:p>
+        </p:txBody>
+      </p:sp>
+      <p:pic>
+        <p:nvPicPr>
+          <p:cNvPr id="3" name="Picture 2"/>
+          <p:cNvPicPr>
+            <a:picLocks noChangeAspect="1"/>
+          </p:cNvPicPr>
+          <p:nvPr/>
+        </p:nvPicPr>
+        <p:blipFill>
+          <a:blip r:embed="rId2"/>
+          <a:stretch>
+            <a:fillRect/>
+          </a:stretch>
+        </p:blipFill>
+        <p:spPr>
+          <a:xfrm>
+            <a:off x="223133" y="2631870"/>
+            <a:ext cx="3939881" cy="2636748"/>
+          </a:xfrm>
+          <a:prstGeom prst="rect">
+            <a:avLst/>
+          </a:prstGeom>
+        </p:spPr>
+      </p:pic>
+      <p:sp>
+        <p:nvSpPr>
+          <p:cNvPr id="4" name="TextBox 3"/>
+          <p:cNvSpPr txBox="1"/>
+          <p:nvPr/>
+        </p:nvSpPr>
+        <p:spPr>
+          <a:xfrm>
+            <a:off x="1616927" y="76717"/>
+            <a:ext cx="1438507" cy="369332"/>
+          </a:xfrm>
+          <a:prstGeom prst="rect">
+            <a:avLst/>
+          </a:prstGeom>
+          <a:noFill/>
+        </p:spPr>
+        <p:txBody>
+          <a:bodyPr wrap="square" rtlCol="0">
+            <a:spAutoFit/>
+          </a:bodyPr>
+          <a:lstStyle/>
+          <a:p>
+            <a:r>
+              <a:rPr lang="sv-SE" dirty="0" smtClean="0"/>
+              <a:t>With month</a:t>
+            </a:r>
+            <a:endParaRPr lang="sv-SE" dirty="0"/>
+          </a:p>
+        </p:txBody>
+      </p:sp>
+      <p:sp>
+        <p:nvSpPr>
+          <p:cNvPr id="5" name="5-Point Star 4"/>
+          <p:cNvSpPr/>
+          <p:nvPr/>
+        </p:nvSpPr>
+        <p:spPr>
+          <a:xfrm>
+            <a:off x="9946888" y="133815"/>
+            <a:ext cx="847492" cy="747131"/>
+          </a:xfrm>
+          <a:prstGeom prst="star5">
+            <a:avLst/>
+          </a:prstGeom>
+        </p:spPr>
+        <p:style>
+          <a:lnRef idx="2">
+            <a:schemeClr val="accent1">
+              <a:shade val="50000"/>
+            </a:schemeClr>
+          </a:lnRef>
+          <a:fillRef idx="1">
+            <a:schemeClr val="accent1"/>
+          </a:fillRef>
+          <a:effectRef idx="0">
+            <a:schemeClr val="accent1"/>
+          </a:effectRef>
+          <a:fontRef idx="minor">
+            <a:schemeClr val="lt1"/>
+          </a:fontRef>
+        </p:style>
+        <p:txBody>
+          <a:bodyPr rtlCol="0" anchor="ctr"/>
+          <a:lstStyle/>
+          <a:p>
+            <a:pPr algn="ctr"/>
+            <a:endParaRPr lang="sv-SE" dirty="0"/>
+          </a:p>
+        </p:txBody>
+      </p:sp>
+      <p:sp>
+        <p:nvSpPr>
+          <p:cNvPr id="6" name="5-Point Star 5"/>
+          <p:cNvSpPr/>
+          <p:nvPr/>
+        </p:nvSpPr>
+        <p:spPr>
+          <a:xfrm>
+            <a:off x="11028556" y="0"/>
+            <a:ext cx="780585" cy="892098"/>
+          </a:xfrm>
+          <a:prstGeom prst="star5">
+            <a:avLst/>
+          </a:prstGeom>
+        </p:spPr>
+        <p:style>
+          <a:lnRef idx="2">
+            <a:schemeClr val="accent1">
+              <a:shade val="50000"/>
+            </a:schemeClr>
+          </a:lnRef>
+          <a:fillRef idx="1">
+            <a:schemeClr val="accent1"/>
+          </a:fillRef>
+          <a:effectRef idx="0">
+            <a:schemeClr val="accent1"/>
+          </a:effectRef>
+          <a:fontRef idx="minor">
+            <a:schemeClr val="lt1"/>
+          </a:fontRef>
+        </p:style>
+        <p:txBody>
+          <a:bodyPr rtlCol="0" anchor="ctr"/>
+          <a:lstStyle/>
+          <a:p>
+            <a:pPr algn="ctr"/>
+            <a:endParaRPr lang="sv-SE"/>
+          </a:p>
+        </p:txBody>
+      </p:sp>
+      <p:sp>
+        <p:nvSpPr>
+          <p:cNvPr id="9" name="TextBox 8"/>
+          <p:cNvSpPr txBox="1"/>
+          <p:nvPr/>
+        </p:nvSpPr>
+        <p:spPr>
+          <a:xfrm>
+            <a:off x="7075450" y="0"/>
+            <a:ext cx="1711711" cy="369332"/>
+          </a:xfrm>
+          <a:prstGeom prst="rect">
+            <a:avLst/>
+          </a:prstGeom>
+          <a:noFill/>
+        </p:spPr>
+        <p:txBody>
+          <a:bodyPr wrap="square" rtlCol="0">
+            <a:spAutoFit/>
+          </a:bodyPr>
+          <a:lstStyle/>
+          <a:p>
+            <a:r>
+              <a:rPr lang="sv-SE" dirty="0" smtClean="0"/>
+              <a:t>With julian date</a:t>
+            </a:r>
+            <a:endParaRPr lang="sv-SE" dirty="0"/>
+          </a:p>
+        </p:txBody>
+      </p:sp>
+      <p:pic>
+        <p:nvPicPr>
+          <p:cNvPr id="10" name="Picture 9"/>
+          <p:cNvPicPr>
+            <a:picLocks noChangeAspect="1"/>
+          </p:cNvPicPr>
+          <p:nvPr/>
+        </p:nvPicPr>
+        <p:blipFill>
+          <a:blip r:embed="rId3"/>
+          <a:stretch>
+            <a:fillRect/>
+          </a:stretch>
+        </p:blipFill>
+        <p:spPr>
+          <a:xfrm>
+            <a:off x="8553094" y="3761006"/>
+            <a:ext cx="3939881" cy="2636748"/>
+          </a:xfrm>
+          <a:prstGeom prst="rect">
+            <a:avLst/>
+          </a:prstGeom>
+        </p:spPr>
+      </p:pic>
+    </p:spTree>
+    <p:extLst>
+      <p:ext uri="{BB962C8B-B14F-4D97-AF65-F5344CB8AC3E}">
+        <p14:creationId xmlns:p14="http://schemas.microsoft.com/office/powerpoint/2010/main" val="4171279861"/>
       </p:ext>
     </p:extLst>
   </p:cSld>
@@ -11352,10 +14129,193 @@
           </a:fontRef>
         </p:style>
       </p:cxnSp>
+      <p:sp>
+        <p:nvSpPr>
+          <p:cNvPr id="11" name="TextBox 10"/>
+          <p:cNvSpPr txBox="1"/>
+          <p:nvPr/>
+        </p:nvSpPr>
+        <p:spPr>
+          <a:xfrm>
+            <a:off x="7066722" y="3906078"/>
+            <a:ext cx="4989443" cy="646331"/>
+          </a:xfrm>
+          <a:prstGeom prst="rect">
+            <a:avLst/>
+          </a:prstGeom>
+          <a:noFill/>
+        </p:spPr>
+        <p:txBody>
+          <a:bodyPr wrap="square" rtlCol="0">
+            <a:spAutoFit/>
+          </a:bodyPr>
+          <a:lstStyle/>
+          <a:p>
+            <a:r>
+              <a:rPr lang="sv-SE" dirty="0" smtClean="0"/>
+              <a:t>Problem: some rivers belong to more than 1 catchment: why? How many?</a:t>
+            </a:r>
+            <a:endParaRPr lang="sv-SE" dirty="0"/>
+          </a:p>
+        </p:txBody>
+      </p:sp>
     </p:spTree>
     <p:extLst>
       <p:ext uri="{BB962C8B-B14F-4D97-AF65-F5344CB8AC3E}">
         <p14:creationId xmlns:p14="http://schemas.microsoft.com/office/powerpoint/2010/main" val="679713843"/>
+      </p:ext>
+    </p:extLst>
+  </p:cSld>
+  <p:clrMapOvr>
+    <a:masterClrMapping/>
+  </p:clrMapOvr>
+</p:sld>
+</file>
+
+<file path=ppt/slides/slide20.xml><?xml version="1.0" encoding="utf-8"?>
+<p:sld xmlns:a="http://schemas.openxmlformats.org/drawingml/2006/main" xmlns:r="http://schemas.openxmlformats.org/officeDocument/2006/relationships" xmlns:p="http://schemas.openxmlformats.org/presentationml/2006/main">
+  <p:cSld>
+    <p:spTree>
+      <p:nvGrpSpPr>
+        <p:cNvPr id="1" name=""/>
+        <p:cNvGrpSpPr/>
+        <p:nvPr/>
+      </p:nvGrpSpPr>
+      <p:grpSpPr>
+        <a:xfrm>
+          <a:off x="0" y="0"/>
+          <a:ext cx="0" cy="0"/>
+          <a:chOff x="0" y="0"/>
+          <a:chExt cx="0" cy="0"/>
+        </a:xfrm>
+      </p:grpSpPr>
+      <p:sp>
+        <p:nvSpPr>
+          <p:cNvPr id="4" name="TextBox 3"/>
+          <p:cNvSpPr txBox="1"/>
+          <p:nvPr/>
+        </p:nvSpPr>
+        <p:spPr>
+          <a:xfrm>
+            <a:off x="407504" y="1590261"/>
+            <a:ext cx="6231835" cy="3416320"/>
+          </a:xfrm>
+          <a:prstGeom prst="rect">
+            <a:avLst/>
+          </a:prstGeom>
+          <a:noFill/>
+        </p:spPr>
+        <p:txBody>
+          <a:bodyPr wrap="square" rtlCol="0">
+            <a:spAutoFit/>
+          </a:bodyPr>
+          <a:lstStyle/>
+          <a:p>
+            <a:endParaRPr lang="en-US" dirty="0"/>
+          </a:p>
+          <a:p>
+            <a:r>
+              <a:rPr lang="en-US" dirty="0"/>
+              <a:t># next step is to consider binary vs not binary variables and start serious modeling</a:t>
+            </a:r>
+          </a:p>
+          <a:p>
+            <a:endParaRPr lang="en-US" dirty="0"/>
+          </a:p>
+          <a:p>
+            <a:endParaRPr lang="sv-SE" dirty="0" smtClean="0"/>
+          </a:p>
+          <a:p>
+            <a:r>
+              <a:rPr lang="sv-SE" dirty="0" err="1" smtClean="0"/>
+              <a:t>Binary</a:t>
+            </a:r>
+            <a:r>
+              <a:rPr lang="sv-SE" dirty="0" smtClean="0"/>
+              <a:t> or </a:t>
+            </a:r>
+            <a:r>
+              <a:rPr lang="sv-SE" dirty="0" err="1" smtClean="0"/>
+              <a:t>continuous</a:t>
+            </a:r>
+            <a:r>
+              <a:rPr lang="sv-SE" dirty="0" smtClean="0"/>
+              <a:t>?</a:t>
+            </a:r>
+          </a:p>
+          <a:p>
+            <a:endParaRPr lang="sv-SE" dirty="0"/>
+          </a:p>
+          <a:p>
+            <a:endParaRPr lang="sv-SE" dirty="0"/>
+          </a:p>
+          <a:p>
+            <a:endParaRPr lang="sv-SE" dirty="0" smtClean="0"/>
+          </a:p>
+          <a:p>
+            <a:endParaRPr lang="sv-SE" dirty="0"/>
+          </a:p>
+          <a:p>
+            <a:r>
+              <a:rPr lang="sv-SE" dirty="0" err="1" smtClean="0"/>
+              <a:t>Remember</a:t>
+            </a:r>
+            <a:r>
+              <a:rPr lang="sv-SE" dirty="0" smtClean="0"/>
+              <a:t> </a:t>
+            </a:r>
+            <a:r>
+              <a:rPr lang="sv-SE" dirty="0" err="1" smtClean="0"/>
+              <a:t>also</a:t>
+            </a:r>
+            <a:r>
+              <a:rPr lang="sv-SE" dirty="0" smtClean="0"/>
+              <a:t> to </a:t>
+            </a:r>
+            <a:r>
+              <a:rPr lang="sv-SE" dirty="0" err="1" smtClean="0"/>
+              <a:t>say</a:t>
+            </a:r>
+            <a:r>
+              <a:rPr lang="sv-SE" dirty="0" smtClean="0"/>
+              <a:t> </a:t>
+            </a:r>
+            <a:r>
+              <a:rPr lang="sv-SE" dirty="0" err="1" smtClean="0"/>
+              <a:t>something</a:t>
+            </a:r>
+            <a:r>
+              <a:rPr lang="sv-SE" dirty="0" smtClean="0"/>
+              <a:t> </a:t>
+            </a:r>
+            <a:r>
+              <a:rPr lang="sv-SE" dirty="0" err="1" smtClean="0"/>
+              <a:t>about</a:t>
+            </a:r>
+            <a:r>
+              <a:rPr lang="sv-SE" dirty="0" smtClean="0"/>
+              <a:t> </a:t>
+            </a:r>
+            <a:r>
+              <a:rPr lang="sv-SE" dirty="0" err="1" smtClean="0"/>
+              <a:t>possible</a:t>
+            </a:r>
+            <a:r>
+              <a:rPr lang="sv-SE" dirty="0" smtClean="0"/>
+              <a:t> sampling </a:t>
+            </a:r>
+            <a:r>
+              <a:rPr lang="sv-SE" dirty="0" err="1" smtClean="0"/>
+              <a:t>artifacts</a:t>
+            </a:r>
+            <a:endParaRPr lang="en-US" dirty="0"/>
+          </a:p>
+        </p:txBody>
+      </p:sp>
+    </p:spTree>
+    <p:extLst>
+      <p:ext uri="{BB962C8B-B14F-4D97-AF65-F5344CB8AC3E}">
+        <p14:creationId xmlns:p14="http://schemas.microsoft.com/office/powerpoint/2010/main" val="1954371870"/>
       </p:ext>
     </p:extLst>
   </p:cSld>

--- a/Electrofish data/LWD_analyses.pptx
+++ b/Electrofish data/LWD_analyses.pptx
@@ -5,7 +5,7 @@
     <p:sldMasterId id="2147483648" r:id="rId1"/>
   </p:sldMasterIdLst>
   <p:notesMasterIdLst>
-    <p:notesMasterId r:id="rId59"/>
+    <p:notesMasterId r:id="rId60"/>
   </p:notesMasterIdLst>
   <p:sldIdLst>
     <p:sldId id="257" r:id="rId2"/>
@@ -31,40 +31,41 @@
     <p:sldId id="344" r:id="rId22"/>
     <p:sldId id="337" r:id="rId23"/>
     <p:sldId id="332" r:id="rId24"/>
-    <p:sldId id="333" r:id="rId25"/>
-    <p:sldId id="340" r:id="rId26"/>
-    <p:sldId id="321" r:id="rId27"/>
-    <p:sldId id="320" r:id="rId28"/>
-    <p:sldId id="329" r:id="rId29"/>
-    <p:sldId id="341" r:id="rId30"/>
-    <p:sldId id="345" r:id="rId31"/>
-    <p:sldId id="314" r:id="rId32"/>
-    <p:sldId id="301" r:id="rId33"/>
-    <p:sldId id="309" r:id="rId34"/>
-    <p:sldId id="302" r:id="rId35"/>
-    <p:sldId id="319" r:id="rId36"/>
-    <p:sldId id="325" r:id="rId37"/>
-    <p:sldId id="326" r:id="rId38"/>
-    <p:sldId id="327" r:id="rId39"/>
-    <p:sldId id="322" r:id="rId40"/>
-    <p:sldId id="323" r:id="rId41"/>
-    <p:sldId id="303" r:id="rId42"/>
-    <p:sldId id="304" r:id="rId43"/>
-    <p:sldId id="305" r:id="rId44"/>
-    <p:sldId id="306" r:id="rId45"/>
-    <p:sldId id="307" r:id="rId46"/>
-    <p:sldId id="308" r:id="rId47"/>
-    <p:sldId id="297" r:id="rId48"/>
-    <p:sldId id="298" r:id="rId49"/>
-    <p:sldId id="290" r:id="rId50"/>
-    <p:sldId id="291" r:id="rId51"/>
-    <p:sldId id="280" r:id="rId52"/>
-    <p:sldId id="278" r:id="rId53"/>
-    <p:sldId id="279" r:id="rId54"/>
-    <p:sldId id="288" r:id="rId55"/>
-    <p:sldId id="284" r:id="rId56"/>
-    <p:sldId id="283" r:id="rId57"/>
-    <p:sldId id="265" r:id="rId58"/>
+    <p:sldId id="346" r:id="rId25"/>
+    <p:sldId id="333" r:id="rId26"/>
+    <p:sldId id="340" r:id="rId27"/>
+    <p:sldId id="321" r:id="rId28"/>
+    <p:sldId id="320" r:id="rId29"/>
+    <p:sldId id="329" r:id="rId30"/>
+    <p:sldId id="341" r:id="rId31"/>
+    <p:sldId id="345" r:id="rId32"/>
+    <p:sldId id="314" r:id="rId33"/>
+    <p:sldId id="301" r:id="rId34"/>
+    <p:sldId id="309" r:id="rId35"/>
+    <p:sldId id="302" r:id="rId36"/>
+    <p:sldId id="319" r:id="rId37"/>
+    <p:sldId id="325" r:id="rId38"/>
+    <p:sldId id="326" r:id="rId39"/>
+    <p:sldId id="327" r:id="rId40"/>
+    <p:sldId id="322" r:id="rId41"/>
+    <p:sldId id="323" r:id="rId42"/>
+    <p:sldId id="303" r:id="rId43"/>
+    <p:sldId id="304" r:id="rId44"/>
+    <p:sldId id="305" r:id="rId45"/>
+    <p:sldId id="306" r:id="rId46"/>
+    <p:sldId id="307" r:id="rId47"/>
+    <p:sldId id="308" r:id="rId48"/>
+    <p:sldId id="297" r:id="rId49"/>
+    <p:sldId id="298" r:id="rId50"/>
+    <p:sldId id="290" r:id="rId51"/>
+    <p:sldId id="291" r:id="rId52"/>
+    <p:sldId id="280" r:id="rId53"/>
+    <p:sldId id="278" r:id="rId54"/>
+    <p:sldId id="279" r:id="rId55"/>
+    <p:sldId id="288" r:id="rId56"/>
+    <p:sldId id="284" r:id="rId57"/>
+    <p:sldId id="283" r:id="rId58"/>
+    <p:sldId id="265" r:id="rId59"/>
   </p:sldIdLst>
   <p:sldSz cx="12192000" cy="6858000"/>
   <p:notesSz cx="6858000" cy="9144000"/>
@@ -203,6 +204,7 @@
             <p14:sldId id="344"/>
             <p14:sldId id="337"/>
             <p14:sldId id="332"/>
+            <p14:sldId id="346"/>
             <p14:sldId id="333"/>
             <p14:sldId id="340"/>
             <p14:sldId id="321"/>
@@ -338,7 +340,7 @@
           <a:p>
             <a:fld id="{2675EF98-215B-436D-B004-E8A0B0DA5F43}" type="datetimeFigureOut">
               <a:rPr lang="en-US" smtClean="0"/>
-              <a:t>6/8/2017</a:t>
+              <a:t>7/25/2017</a:t>
             </a:fld>
             <a:endParaRPr lang="en-US"/>
           </a:p>
@@ -927,7 +929,7 @@
           <a:p>
             <a:fld id="{6AA51494-B860-491D-BDAB-7AAC977A0DD8}" type="slidenum">
               <a:rPr lang="en-US" smtClean="0"/>
-              <a:t>25</a:t>
+              <a:t>26</a:t>
             </a:fld>
             <a:endParaRPr lang="en-US"/>
           </a:p>
@@ -1011,7 +1013,7 @@
           <a:p>
             <a:fld id="{6AA51494-B860-491D-BDAB-7AAC977A0DD8}" type="slidenum">
               <a:rPr lang="en-US" smtClean="0"/>
-              <a:t>26</a:t>
+              <a:t>27</a:t>
             </a:fld>
             <a:endParaRPr lang="en-US"/>
           </a:p>
@@ -1115,7 +1117,7 @@
           <a:p>
             <a:fld id="{6AA51494-B860-491D-BDAB-7AAC977A0DD8}" type="slidenum">
               <a:rPr lang="en-US" smtClean="0"/>
-              <a:t>28</a:t>
+              <a:t>29</a:t>
             </a:fld>
             <a:endParaRPr lang="en-US"/>
           </a:p>
@@ -1199,7 +1201,7 @@
           <a:p>
             <a:fld id="{6AA51494-B860-491D-BDAB-7AAC977A0DD8}" type="slidenum">
               <a:rPr lang="en-US" smtClean="0"/>
-              <a:t>29</a:t>
+              <a:t>30</a:t>
             </a:fld>
             <a:endParaRPr lang="en-US"/>
           </a:p>
@@ -1324,7 +1326,7 @@
           <a:p>
             <a:fld id="{6AA51494-B860-491D-BDAB-7AAC977A0DD8}" type="slidenum">
               <a:rPr lang="en-US" smtClean="0"/>
-              <a:t>32</a:t>
+              <a:t>33</a:t>
             </a:fld>
             <a:endParaRPr lang="en-US"/>
           </a:p>
@@ -1425,7 +1427,7 @@
           <a:p>
             <a:fld id="{6AA51494-B860-491D-BDAB-7AAC977A0DD8}" type="slidenum">
               <a:rPr lang="en-US" smtClean="0"/>
-              <a:t>35</a:t>
+              <a:t>36</a:t>
             </a:fld>
             <a:endParaRPr lang="en-US"/>
           </a:p>
@@ -1545,7 +1547,7 @@
           <a:p>
             <a:fld id="{6AA51494-B860-491D-BDAB-7AAC977A0DD8}" type="slidenum">
               <a:rPr lang="en-US" smtClean="0"/>
-              <a:t>36</a:t>
+              <a:t>37</a:t>
             </a:fld>
             <a:endParaRPr lang="en-US"/>
           </a:p>
@@ -1737,7 +1739,7 @@
           <a:p>
             <a:fld id="{6AA51494-B860-491D-BDAB-7AAC977A0DD8}" type="slidenum">
               <a:rPr lang="en-US" smtClean="0"/>
-              <a:t>38</a:t>
+              <a:t>39</a:t>
             </a:fld>
             <a:endParaRPr lang="en-US"/>
           </a:p>
@@ -2107,7 +2109,7 @@
           <a:p>
             <a:fld id="{6AA51494-B860-491D-BDAB-7AAC977A0DD8}" type="slidenum">
               <a:rPr lang="en-US" smtClean="0"/>
-              <a:t>39</a:t>
+              <a:t>40</a:t>
             </a:fld>
             <a:endParaRPr lang="en-US"/>
           </a:p>
@@ -2602,7 +2604,7 @@
           <a:p>
             <a:fld id="{6AA51494-B860-491D-BDAB-7AAC977A0DD8}" type="slidenum">
               <a:rPr lang="en-US" smtClean="0"/>
-              <a:t>42</a:t>
+              <a:t>43</a:t>
             </a:fld>
             <a:endParaRPr lang="en-US"/>
           </a:p>
@@ -2750,7 +2752,7 @@
           <a:p>
             <a:fld id="{6AA51494-B860-491D-BDAB-7AAC977A0DD8}" type="slidenum">
               <a:rPr lang="en-US" smtClean="0"/>
-              <a:t>43</a:t>
+              <a:t>44</a:t>
             </a:fld>
             <a:endParaRPr lang="en-US"/>
           </a:p>
@@ -2834,7 +2836,7 @@
           <a:p>
             <a:fld id="{6AA51494-B860-491D-BDAB-7AAC977A0DD8}" type="slidenum">
               <a:rPr lang="en-US" smtClean="0"/>
-              <a:t>47</a:t>
+              <a:t>48</a:t>
             </a:fld>
             <a:endParaRPr lang="en-US"/>
           </a:p>
@@ -2929,7 +2931,7 @@
           <a:p>
             <a:fld id="{6AA51494-B860-491D-BDAB-7AAC977A0DD8}" type="slidenum">
               <a:rPr lang="en-US" smtClean="0"/>
-              <a:t>49</a:t>
+              <a:t>50</a:t>
             </a:fld>
             <a:endParaRPr lang="en-US"/>
           </a:p>
@@ -3025,7 +3027,7 @@
           <a:p>
             <a:fld id="{6AA51494-B860-491D-BDAB-7AAC977A0DD8}" type="slidenum">
               <a:rPr lang="en-US" smtClean="0"/>
-              <a:t>51</a:t>
+              <a:t>52</a:t>
             </a:fld>
             <a:endParaRPr lang="en-US"/>
           </a:p>
@@ -3614,7 +3616,7 @@
           <a:p>
             <a:fld id="{6AA51494-B860-491D-BDAB-7AAC977A0DD8}" type="slidenum">
               <a:rPr lang="en-US" smtClean="0"/>
-              <a:t>52</a:t>
+              <a:t>53</a:t>
             </a:fld>
             <a:endParaRPr lang="en-US"/>
           </a:p>
@@ -3749,7 +3751,7 @@
           <a:p>
             <a:fld id="{6AA51494-B860-491D-BDAB-7AAC977A0DD8}" type="slidenum">
               <a:rPr lang="en-US" smtClean="0"/>
-              <a:t>56</a:t>
+              <a:t>57</a:t>
             </a:fld>
             <a:endParaRPr lang="en-US"/>
           </a:p>
@@ -3833,7 +3835,7 @@
           <a:p>
             <a:fld id="{6AA51494-B860-491D-BDAB-7AAC977A0DD8}" type="slidenum">
               <a:rPr lang="en-US" smtClean="0"/>
-              <a:t>57</a:t>
+              <a:t>58</a:t>
             </a:fld>
             <a:endParaRPr lang="en-US"/>
           </a:p>
@@ -4857,7 +4859,7 @@
           <a:p>
             <a:fld id="{0A749960-2F21-4EF5-964C-3B1D5B1C7214}" type="datetimeFigureOut">
               <a:rPr lang="en-US" smtClean="0"/>
-              <a:t>6/8/2017</a:t>
+              <a:t>7/25/2017</a:t>
             </a:fld>
             <a:endParaRPr lang="en-US"/>
           </a:p>
@@ -5027,7 +5029,7 @@
           <a:p>
             <a:fld id="{0A749960-2F21-4EF5-964C-3B1D5B1C7214}" type="datetimeFigureOut">
               <a:rPr lang="en-US" smtClean="0"/>
-              <a:t>6/8/2017</a:t>
+              <a:t>7/25/2017</a:t>
             </a:fld>
             <a:endParaRPr lang="en-US"/>
           </a:p>
@@ -5207,7 +5209,7 @@
           <a:p>
             <a:fld id="{0A749960-2F21-4EF5-964C-3B1D5B1C7214}" type="datetimeFigureOut">
               <a:rPr lang="en-US" smtClean="0"/>
-              <a:t>6/8/2017</a:t>
+              <a:t>7/25/2017</a:t>
             </a:fld>
             <a:endParaRPr lang="en-US"/>
           </a:p>
@@ -5377,7 +5379,7 @@
           <a:p>
             <a:fld id="{0A749960-2F21-4EF5-964C-3B1D5B1C7214}" type="datetimeFigureOut">
               <a:rPr lang="en-US" smtClean="0"/>
-              <a:t>6/8/2017</a:t>
+              <a:t>7/25/2017</a:t>
             </a:fld>
             <a:endParaRPr lang="en-US"/>
           </a:p>
@@ -5623,7 +5625,7 @@
           <a:p>
             <a:fld id="{0A749960-2F21-4EF5-964C-3B1D5B1C7214}" type="datetimeFigureOut">
               <a:rPr lang="en-US" smtClean="0"/>
-              <a:t>6/8/2017</a:t>
+              <a:t>7/25/2017</a:t>
             </a:fld>
             <a:endParaRPr lang="en-US"/>
           </a:p>
@@ -5855,7 +5857,7 @@
           <a:p>
             <a:fld id="{0A749960-2F21-4EF5-964C-3B1D5B1C7214}" type="datetimeFigureOut">
               <a:rPr lang="en-US" smtClean="0"/>
-              <a:t>6/8/2017</a:t>
+              <a:t>7/25/2017</a:t>
             </a:fld>
             <a:endParaRPr lang="en-US"/>
           </a:p>
@@ -6222,7 +6224,7 @@
           <a:p>
             <a:fld id="{0A749960-2F21-4EF5-964C-3B1D5B1C7214}" type="datetimeFigureOut">
               <a:rPr lang="en-US" smtClean="0"/>
-              <a:t>6/8/2017</a:t>
+              <a:t>7/25/2017</a:t>
             </a:fld>
             <a:endParaRPr lang="en-US"/>
           </a:p>
@@ -6340,7 +6342,7 @@
           <a:p>
             <a:fld id="{0A749960-2F21-4EF5-964C-3B1D5B1C7214}" type="datetimeFigureOut">
               <a:rPr lang="en-US" smtClean="0"/>
-              <a:t>6/8/2017</a:t>
+              <a:t>7/25/2017</a:t>
             </a:fld>
             <a:endParaRPr lang="en-US"/>
           </a:p>
@@ -6435,7 +6437,7 @@
           <a:p>
             <a:fld id="{0A749960-2F21-4EF5-964C-3B1D5B1C7214}" type="datetimeFigureOut">
               <a:rPr lang="en-US" smtClean="0"/>
-              <a:t>6/8/2017</a:t>
+              <a:t>7/25/2017</a:t>
             </a:fld>
             <a:endParaRPr lang="en-US"/>
           </a:p>
@@ -6712,7 +6714,7 @@
           <a:p>
             <a:fld id="{0A749960-2F21-4EF5-964C-3B1D5B1C7214}" type="datetimeFigureOut">
               <a:rPr lang="en-US" smtClean="0"/>
-              <a:t>6/8/2017</a:t>
+              <a:t>7/25/2017</a:t>
             </a:fld>
             <a:endParaRPr lang="en-US"/>
           </a:p>
@@ -6965,7 +6967,7 @@
           <a:p>
             <a:fld id="{0A749960-2F21-4EF5-964C-3B1D5B1C7214}" type="datetimeFigureOut">
               <a:rPr lang="en-US" smtClean="0"/>
-              <a:t>6/8/2017</a:t>
+              <a:t>7/25/2017</a:t>
             </a:fld>
             <a:endParaRPr lang="en-US"/>
           </a:p>
@@ -7178,7 +7180,7 @@
           <a:p>
             <a:fld id="{0A749960-2F21-4EF5-964C-3B1D5B1C7214}" type="datetimeFigureOut">
               <a:rPr lang="en-US" smtClean="0"/>
-              <a:t>6/8/2017</a:t>
+              <a:t>7/25/2017</a:t>
             </a:fld>
             <a:endParaRPr lang="en-US"/>
           </a:p>
@@ -15770,7 +15772,7 @@
         <p:spPr>
           <a:xfrm>
             <a:off x="0" y="-28136"/>
-            <a:ext cx="12121662" cy="7017306"/>
+            <a:ext cx="12121662" cy="7294305"/>
           </a:xfrm>
           <a:prstGeom prst="rect">
             <a:avLst/>
@@ -15977,8 +15979,107 @@
           <a:p>
             <a:r>
               <a:rPr lang="en-US" dirty="0"/>
-              <a:t># include VIX? not for now, preliminary results not promising (see below)</a:t>
-            </a:r>
+              <a:t># include VIX? not for now, preliminary results not promising (see below</a:t>
+            </a:r>
+            <a:r>
+              <a:rPr lang="en-US" dirty="0" smtClean="0"/>
+              <a:t>)</a:t>
+            </a:r>
+          </a:p>
+          <a:p>
+            <a:r>
+              <a:rPr lang="en-US" dirty="0" smtClean="0">
+                <a:solidFill>
+                  <a:schemeClr val="accent6"/>
+                </a:solidFill>
+              </a:rPr>
+              <a:t>#ref for competition between salmon and </a:t>
+            </a:r>
+            <a:r>
+              <a:rPr lang="en-US" dirty="0" err="1" smtClean="0">
+                <a:solidFill>
+                  <a:schemeClr val="accent6"/>
+                </a:solidFill>
+              </a:rPr>
+              <a:t>cottus</a:t>
+            </a:r>
+            <a:r>
+              <a:rPr lang="en-US" dirty="0" smtClean="0">
+                <a:solidFill>
+                  <a:schemeClr val="accent6"/>
+                </a:solidFill>
+              </a:rPr>
+              <a:t>: </a:t>
+            </a:r>
+            <a:r>
+              <a:rPr lang="en-US" dirty="0" err="1" smtClean="0">
+                <a:solidFill>
+                  <a:schemeClr val="accent6"/>
+                </a:solidFill>
+              </a:rPr>
+              <a:t>Amudsen</a:t>
+            </a:r>
+            <a:r>
+              <a:rPr lang="en-US" dirty="0" smtClean="0">
+                <a:solidFill>
+                  <a:schemeClr val="accent6"/>
+                </a:solidFill>
+              </a:rPr>
+              <a:t> and </a:t>
+            </a:r>
+            <a:r>
+              <a:rPr lang="en-US" dirty="0" err="1" smtClean="0">
+                <a:solidFill>
+                  <a:schemeClr val="accent6"/>
+                </a:solidFill>
+              </a:rPr>
+              <a:t>Gabler</a:t>
+            </a:r>
+            <a:r>
+              <a:rPr lang="en-US" dirty="0" smtClean="0">
+                <a:solidFill>
+                  <a:schemeClr val="accent6"/>
+                </a:solidFill>
+              </a:rPr>
+              <a:t> 2008 and </a:t>
+            </a:r>
+            <a:r>
+              <a:rPr lang="en-US" dirty="0" err="1" smtClean="0">
+                <a:solidFill>
+                  <a:schemeClr val="accent6"/>
+                </a:solidFill>
+              </a:rPr>
+              <a:t>Gabler</a:t>
+            </a:r>
+            <a:r>
+              <a:rPr lang="en-US" dirty="0" smtClean="0">
+                <a:solidFill>
+                  <a:schemeClr val="accent6"/>
+                </a:solidFill>
+              </a:rPr>
+              <a:t> and </a:t>
+            </a:r>
+            <a:r>
+              <a:rPr lang="en-US" dirty="0" err="1" smtClean="0">
+                <a:solidFill>
+                  <a:schemeClr val="accent6"/>
+                </a:solidFill>
+              </a:rPr>
+              <a:t>Amudsen</a:t>
+            </a:r>
+            <a:r>
+              <a:rPr lang="en-US" dirty="0" smtClean="0">
+                <a:solidFill>
+                  <a:schemeClr val="accent6"/>
+                </a:solidFill>
+              </a:rPr>
+              <a:t> 1999</a:t>
+            </a:r>
+            <a:endParaRPr lang="en-US" dirty="0">
+              <a:solidFill>
+                <a:schemeClr val="accent6"/>
+              </a:solidFill>
+            </a:endParaRPr>
           </a:p>
           <a:p>
             <a:endParaRPr lang="sv-SE" dirty="0" smtClean="0"/>
@@ -20804,11 +20905,7 @@
                 <a:pPr algn="ctr"/>
                 <a:r>
                   <a:rPr lang="sv-SE" sz="2400" dirty="0" smtClean="0"/>
-                  <a:t>BROWN </a:t>
-                </a:r>
-                <a:r>
-                  <a:rPr lang="sv-SE" sz="2400" dirty="0" smtClean="0"/>
-                  <a:t>TROUT</a:t>
+                  <a:t>BROWN TROUT</a:t>
                 </a:r>
               </a:p>
               <a:p>
@@ -20817,7 +20914,6 @@
                   <a:rPr lang="sv-SE" sz="2400" dirty="0" smtClean="0"/>
                   <a:t>ABUNDANCE</a:t>
                 </a:r>
-                <a:endParaRPr lang="sv-SE" sz="2400" dirty="0" smtClean="0"/>
               </a:p>
             </p:txBody>
           </p:sp>
@@ -21719,11 +21815,7 @@
                 </a:r>
                 <a:r>
                   <a:rPr lang="sv-SE" sz="1400" dirty="0" smtClean="0"/>
-                  <a:t>= </a:t>
-                </a:r>
-                <a:r>
-                  <a:rPr lang="sv-SE" sz="1400" dirty="0" smtClean="0"/>
-                  <a:t>0.20</a:t>
+                  <a:t>= 0.20</a:t>
                 </a:r>
               </a:p>
               <a:p>
@@ -21749,11 +21841,7 @@
                 </a:r>
                 <a:r>
                   <a:rPr lang="sv-SE" sz="1400" dirty="0" smtClean="0"/>
-                  <a:t>= </a:t>
-                </a:r>
-                <a:r>
-                  <a:rPr lang="sv-SE" sz="1400" dirty="0" smtClean="0"/>
-                  <a:t>0.79 </a:t>
+                  <a:t>= 0.79 </a:t>
                 </a:r>
                 <a:endParaRPr lang="sv-SE" sz="1400" dirty="0"/>
               </a:p>
@@ -21799,11 +21887,7 @@
                 </a:r>
                 <a:r>
                   <a:rPr lang="sv-SE" sz="1400" dirty="0" smtClean="0"/>
-                  <a:t>= </a:t>
-                </a:r>
-                <a:r>
-                  <a:rPr lang="sv-SE" sz="1400" dirty="0" smtClean="0"/>
-                  <a:t>0.14</a:t>
+                  <a:t>= 0.14</a:t>
                 </a:r>
               </a:p>
               <a:p>
@@ -21821,11 +21905,7 @@
                 </a:r>
                 <a:r>
                   <a:rPr lang="sv-SE" sz="1400" dirty="0" smtClean="0"/>
-                  <a:t>= </a:t>
-                </a:r>
-                <a:r>
-                  <a:rPr lang="sv-SE" sz="1400" dirty="0" smtClean="0"/>
-                  <a:t>0.52 </a:t>
+                  <a:t>= 0.52 </a:t>
                 </a:r>
                 <a:endParaRPr lang="sv-SE" sz="1400" dirty="0"/>
               </a:p>
@@ -23135,6 +23215,742 @@
           <a:chExt cx="0" cy="0"/>
         </a:xfrm>
       </p:grpSpPr>
+      <p:pic>
+        <p:nvPicPr>
+          <p:cNvPr id="5" name="Picture 4"/>
+          <p:cNvPicPr>
+            <a:picLocks noChangeAspect="1"/>
+          </p:cNvPicPr>
+          <p:nvPr/>
+        </p:nvPicPr>
+        <p:blipFill>
+          <a:blip r:embed="rId2"/>
+          <a:stretch>
+            <a:fillRect/>
+          </a:stretch>
+        </p:blipFill>
+        <p:spPr>
+          <a:xfrm>
+            <a:off x="7627054" y="0"/>
+            <a:ext cx="4876190" cy="4238095"/>
+          </a:xfrm>
+          <a:prstGeom prst="rect">
+            <a:avLst/>
+          </a:prstGeom>
+        </p:spPr>
+      </p:pic>
+      <p:sp>
+        <p:nvSpPr>
+          <p:cNvPr id="2" name="TextBox 1"/>
+          <p:cNvSpPr txBox="1"/>
+          <p:nvPr/>
+        </p:nvSpPr>
+        <p:spPr>
+          <a:xfrm>
+            <a:off x="311499" y="0"/>
+            <a:ext cx="11078552" cy="646331"/>
+          </a:xfrm>
+          <a:prstGeom prst="rect">
+            <a:avLst/>
+          </a:prstGeom>
+          <a:noFill/>
+        </p:spPr>
+        <p:txBody>
+          <a:bodyPr wrap="square" rtlCol="0">
+            <a:spAutoFit/>
+          </a:bodyPr>
+          <a:lstStyle/>
+          <a:p>
+            <a:pPr algn="r"/>
+            <a:r>
+              <a:rPr lang="sv-SE" sz="3600" dirty="0" smtClean="0"/>
+              <a:t>SALMON 2 (subset: only migrating)</a:t>
+            </a:r>
+            <a:endParaRPr lang="en-US" sz="3600" dirty="0"/>
+          </a:p>
+        </p:txBody>
+      </p:sp>
+      <p:sp>
+        <p:nvSpPr>
+          <p:cNvPr id="3" name="TextBox 2"/>
+          <p:cNvSpPr txBox="1"/>
+          <p:nvPr/>
+        </p:nvSpPr>
+        <p:spPr>
+          <a:xfrm>
+            <a:off x="188843" y="178904"/>
+            <a:ext cx="5605670" cy="5878532"/>
+          </a:xfrm>
+          <a:prstGeom prst="rect">
+            <a:avLst/>
+          </a:prstGeom>
+          <a:noFill/>
+        </p:spPr>
+        <p:txBody>
+          <a:bodyPr wrap="square" rtlCol="0">
+            <a:spAutoFit/>
+          </a:bodyPr>
+          <a:lstStyle/>
+          <a:p>
+            <a:r>
+              <a:rPr lang="sv-SE" sz="800" dirty="0"/>
+              <a:t>&gt; M2 = list(</a:t>
+            </a:r>
+          </a:p>
+          <a:p>
+            <a:r>
+              <a:rPr lang="sv-SE" sz="800" dirty="0"/>
+              <a:t>+   lme(log_LaxTOT~Av_depth+Wetted_width+Julian_date+Altitude+Year+Velocity,</a:t>
+            </a:r>
+          </a:p>
+          <a:p>
+            <a:r>
+              <a:rPr lang="sv-SE" sz="800" dirty="0"/>
+              <a:t>+       random=~1|River_name/Catchment_number, corAR1(form=~Year),data=AV_narrow2),</a:t>
+            </a:r>
+          </a:p>
+          <a:p>
+            <a:r>
+              <a:rPr lang="sv-SE" sz="800" dirty="0"/>
+              <a:t>+   lme(log_LWD~Average_air_temperature+Av_depth+Wetted_width+Year+Slope_percent+Altitude+Forest_age+Forest_coverage,</a:t>
+            </a:r>
+          </a:p>
+          <a:p>
+            <a:r>
+              <a:rPr lang="sv-SE" sz="800" dirty="0"/>
+              <a:t>+       random=~1|River_name/Catchment_number, corAR1(form=~Year),data=AV_narrow2))</a:t>
+            </a:r>
+          </a:p>
+          <a:p>
+            <a:r>
+              <a:rPr lang="sv-SE" sz="800" dirty="0"/>
+              <a:t>&gt; sem.fit(M2,AV_narrow2,corr.errors = c("log_LaxTOT~~Forest_age","Forest_coverage~~log_LaxTOT"))</a:t>
+            </a:r>
+          </a:p>
+          <a:p>
+            <a:r>
+              <a:rPr lang="sv-SE" sz="800" dirty="0"/>
+              <a:t>  |===============================================================================================================| 100%</a:t>
+            </a:r>
+          </a:p>
+          <a:p>
+            <a:r>
+              <a:rPr lang="sv-SE" sz="800" dirty="0"/>
+              <a:t>Conditional variables have been omitted from output table for clarity (or use argument conditional = T)</a:t>
+            </a:r>
+          </a:p>
+          <a:p>
+            <a:r>
+              <a:rPr lang="sv-SE" sz="800" dirty="0"/>
+              <a:t>$missing.paths</a:t>
+            </a:r>
+          </a:p>
+          <a:p>
+            <a:r>
+              <a:rPr lang="sv-SE" sz="800" dirty="0"/>
+              <a:t>                                missing.path estimate std.error   df crit.value p.value </a:t>
+            </a:r>
+          </a:p>
+          <a:p>
+            <a:r>
+              <a:rPr lang="sv-SE" sz="800" dirty="0"/>
+              <a:t>1                log_LWD ~ Julian_date + ...  -0.0005    0.0004 4908    -1.2023  0.2293 </a:t>
+            </a:r>
+          </a:p>
+          <a:p>
+            <a:r>
+              <a:rPr lang="sv-SE" sz="800" dirty="0"/>
+              <a:t>2                   log_LWD ~ Velocity + ...  -0.0036    0.0192 4908    -0.1899  0.8494 </a:t>
+            </a:r>
+          </a:p>
+          <a:p>
+            <a:r>
+              <a:rPr lang="sv-SE" sz="800" dirty="0"/>
+              <a:t>3 log_LaxTOT ~ Average_air_temperature + ...   0.0207    0.0158 4910     1.3119  0.1896 </a:t>
+            </a:r>
+          </a:p>
+          <a:p>
+            <a:r>
+              <a:rPr lang="sv-SE" sz="800" dirty="0"/>
+              <a:t>4           log_LaxTOT ~ Slope_percent + ...  -0.0197    0.0110 4910    -1.7831  0.0746 </a:t>
+            </a:r>
+          </a:p>
+          <a:p>
+            <a:r>
+              <a:rPr lang="sv-SE" sz="800" dirty="0"/>
+              <a:t>5                 log_LWD ~ log_LaxTOT + ...   0.0204    0.0119 4906     1.7156  0.0863 </a:t>
+            </a:r>
+          </a:p>
+          <a:p>
+            <a:endParaRPr lang="sv-SE" sz="800" dirty="0"/>
+          </a:p>
+          <a:p>
+            <a:r>
+              <a:rPr lang="sv-SE" sz="800" dirty="0"/>
+              <a:t>$Fisher.C</a:t>
+            </a:r>
+          </a:p>
+          <a:p>
+            <a:r>
+              <a:rPr lang="sv-SE" sz="800" dirty="0"/>
+              <a:t>  fisher.c df p.value</a:t>
+            </a:r>
+          </a:p>
+          <a:p>
+            <a:r>
+              <a:rPr lang="sv-SE" sz="800" dirty="0"/>
+              <a:t>1    16.69 10   0.082</a:t>
+            </a:r>
+          </a:p>
+          <a:p>
+            <a:endParaRPr lang="sv-SE" sz="800" dirty="0"/>
+          </a:p>
+          <a:p>
+            <a:r>
+              <a:rPr lang="sv-SE" sz="800" dirty="0"/>
+              <a:t>$AIC</a:t>
+            </a:r>
+          </a:p>
+          <a:p>
+            <a:r>
+              <a:rPr lang="sv-SE" sz="800" dirty="0"/>
+              <a:t>    AIC   AICc  K    n</a:t>
+            </a:r>
+          </a:p>
+          <a:p>
+            <a:r>
+              <a:rPr lang="sv-SE" sz="800" dirty="0"/>
+              <a:t>1 64.69 64.887 24 6122</a:t>
+            </a:r>
+          </a:p>
+          <a:p>
+            <a:endParaRPr lang="sv-SE" sz="800" dirty="0"/>
+          </a:p>
+          <a:p>
+            <a:r>
+              <a:rPr lang="sv-SE" sz="800" dirty="0"/>
+              <a:t>&gt; sem.coefs(M2,AV_narrow2)</a:t>
+            </a:r>
+          </a:p>
+          <a:p>
+            <a:r>
+              <a:rPr lang="sv-SE" sz="800" dirty="0"/>
+              <a:t>     response               predictor      estimate    std.error p.value    </a:t>
+            </a:r>
+          </a:p>
+          <a:p>
+            <a:r>
+              <a:rPr lang="sv-SE" sz="800" dirty="0"/>
+              <a:t>1  log_LaxTOT                Altitude -0.0013637367 0.0001720574  0.0000 ***</a:t>
+            </a:r>
+          </a:p>
+          <a:p>
+            <a:r>
+              <a:rPr lang="sv-SE" sz="800" dirty="0"/>
+              <a:t>2  log_LaxTOT                    Year  0.0136407740 0.0021187245  0.0000 ***</a:t>
+            </a:r>
+          </a:p>
+          <a:p>
+            <a:r>
+              <a:rPr lang="sv-SE" sz="800" dirty="0"/>
+              <a:t>3  log_LaxTOT            Wetted_width  0.0245850379 0.0047471107  0.0000 ***</a:t>
+            </a:r>
+          </a:p>
+          <a:p>
+            <a:r>
+              <a:rPr lang="sv-SE" sz="800" dirty="0"/>
+              <a:t>4  log_LaxTOT             Julian_date -0.0018865302 0.0003924110  0.0000 ***</a:t>
+            </a:r>
+          </a:p>
+          <a:p>
+            <a:r>
+              <a:rPr lang="sv-SE" sz="800" dirty="0"/>
+              <a:t>5  log_LaxTOT                Velocity  0.0931905159 0.0197520800  0.0000 ***</a:t>
+            </a:r>
+          </a:p>
+          <a:p>
+            <a:r>
+              <a:rPr lang="sv-SE" sz="800" dirty="0"/>
+              <a:t>6  log_LaxTOT                Av_depth -0.4285214451 0.1055879114  0.0001 ***</a:t>
+            </a:r>
+          </a:p>
+          <a:p>
+            <a:r>
+              <a:rPr lang="sv-SE" sz="800" dirty="0"/>
+              <a:t>7     log_LWD            Wetted_width -0.0568535528 0.0042284030  0.0000 ***</a:t>
+            </a:r>
+          </a:p>
+          <a:p>
+            <a:r>
+              <a:rPr lang="sv-SE" sz="800" dirty="0"/>
+              <a:t>8     log_LWD                    Year  0.0156956647 0.0023679303  0.0000 ***</a:t>
+            </a:r>
+          </a:p>
+          <a:p>
+            <a:r>
+              <a:rPr lang="sv-SE" sz="800" dirty="0"/>
+              <a:t>9     log_LWD         Forest_coverage  0.0032115218 0.0005046072  0.0000 ***</a:t>
+            </a:r>
+          </a:p>
+          <a:p>
+            <a:r>
+              <a:rPr lang="sv-SE" sz="800" dirty="0"/>
+              <a:t>10    log_LWD                Altitude -0.0009808459 0.0001874837  0.0000 ***</a:t>
+            </a:r>
+          </a:p>
+          <a:p>
+            <a:r>
+              <a:rPr lang="sv-SE" sz="800" dirty="0"/>
+              <a:t>11    log_LWD           Slope_percent  0.0483712155 0.0094444194  0.0000 ***</a:t>
+            </a:r>
+          </a:p>
+          <a:p>
+            <a:r>
+              <a:rPr lang="sv-SE" sz="800" dirty="0"/>
+              <a:t>12    log_LWD                Av_depth -0.4201879491 0.1000820910  0.0000 ***</a:t>
+            </a:r>
+          </a:p>
+          <a:p>
+            <a:r>
+              <a:rPr lang="sv-SE" sz="800" dirty="0"/>
+              <a:t>13    log_LWD Average_air_temperature -0.0459127154 0.0130109795  0.0004 ***</a:t>
+            </a:r>
+          </a:p>
+          <a:p>
+            <a:r>
+              <a:rPr lang="sv-SE" sz="800" dirty="0"/>
+              <a:t>14    log_LWD              Forest_age -0.0021657119 0.0009832114  0.0277   *</a:t>
+            </a:r>
+          </a:p>
+          <a:p>
+            <a:r>
+              <a:rPr lang="sv-SE" sz="800" dirty="0"/>
+              <a:t>&gt; sem.model.fits(M2)</a:t>
+            </a:r>
+          </a:p>
+          <a:p>
+            <a:r>
+              <a:rPr lang="sv-SE" sz="800" b="1" dirty="0"/>
+              <a:t>  Class   Family     Link    n   Marginal Conditional</a:t>
+            </a:r>
+          </a:p>
+          <a:p>
+            <a:r>
+              <a:rPr lang="sv-SE" sz="800" b="1" dirty="0"/>
+              <a:t>1   lme gaussian identity 6122 0.04813618   0.7113922</a:t>
+            </a:r>
+          </a:p>
+          <a:p>
+            <a:r>
+              <a:rPr lang="sv-SE" sz="800" b="1" dirty="0"/>
+              <a:t>2   lme gaussian identity 6122 0.12064962   0.5297636</a:t>
+            </a:r>
+            <a:endParaRPr lang="sv-SE" sz="800" b="1" dirty="0"/>
+          </a:p>
+        </p:txBody>
+      </p:sp>
+      <p:sp>
+        <p:nvSpPr>
+          <p:cNvPr id="4" name="TextBox 3"/>
+          <p:cNvSpPr txBox="1"/>
+          <p:nvPr/>
+        </p:nvSpPr>
+        <p:spPr>
+          <a:xfrm>
+            <a:off x="4942283" y="1473725"/>
+            <a:ext cx="4641574" cy="4893647"/>
+          </a:xfrm>
+          <a:prstGeom prst="rect">
+            <a:avLst/>
+          </a:prstGeom>
+          <a:noFill/>
+        </p:spPr>
+        <p:txBody>
+          <a:bodyPr wrap="square" rtlCol="0">
+            <a:spAutoFit/>
+          </a:bodyPr>
+          <a:lstStyle/>
+          <a:p>
+            <a:r>
+              <a:rPr lang="sv-SE" sz="800"/>
+              <a:t>&gt; sem.coefs(M2,AV_narrow2,standardize = "scale")</a:t>
+            </a:r>
+          </a:p>
+          <a:p>
+            <a:r>
+              <a:rPr lang="sv-SE" sz="800"/>
+              <a:t>     response               predictor    estimate   std.error p.value    </a:t>
+            </a:r>
+          </a:p>
+          <a:p>
+            <a:r>
+              <a:rPr lang="sv-SE" sz="800"/>
+              <a:t>1  log_LaxTOT                Altitude -0.13602420 0.018909848  0.0000 ***</a:t>
+            </a:r>
+          </a:p>
+          <a:p>
+            <a:r>
+              <a:rPr lang="sv-SE" sz="800"/>
+              <a:t>2  log_LaxTOT                Velocity  0.03285650 0.007221356  0.0000 ***</a:t>
+            </a:r>
+          </a:p>
+          <a:p>
+            <a:r>
+              <a:rPr lang="sv-SE" sz="800"/>
+              <a:t>3  log_LaxTOT                Av_depth -0.03459999 0.007697983  0.0000 ***</a:t>
+            </a:r>
+          </a:p>
+          <a:p>
+            <a:r>
+              <a:rPr lang="sv-SE" sz="800"/>
+              <a:t>4  log_LaxTOT             Julian_date -0.03139199 0.007255649  0.0000 ***</a:t>
+            </a:r>
+          </a:p>
+          <a:p>
+            <a:r>
+              <a:rPr lang="sv-SE" sz="800"/>
+              <a:t>5  log_LaxTOT            Wetted_width  0.05959259 0.013944562  0.0000 ***</a:t>
+            </a:r>
+          </a:p>
+          <a:p>
+            <a:r>
+              <a:rPr lang="sv-SE" sz="800"/>
+              <a:t>6  log_LaxTOT                    Year  0.03196591 0.011435652  0.0052  **</a:t>
+            </a:r>
+          </a:p>
+          <a:p>
+            <a:r>
+              <a:rPr lang="sv-SE" sz="800"/>
+              <a:t>7     log_LWD            Wetted_width -0.25647298 0.019574055  0.0000 ***</a:t>
+            </a:r>
+          </a:p>
+          <a:p>
+            <a:r>
+              <a:rPr lang="sv-SE" sz="800"/>
+              <a:t>8     log_LWD         Forest_coverage  0.14347911 0.025505464  0.0000 ***</a:t>
+            </a:r>
+          </a:p>
+          <a:p>
+            <a:r>
+              <a:rPr lang="sv-SE" sz="800"/>
+              <a:t>9     log_LWD                    Year  0.08151046 0.015946645  0.0000 ***</a:t>
+            </a:r>
+          </a:p>
+          <a:p>
+            <a:r>
+              <a:rPr lang="sv-SE" sz="800"/>
+              <a:t>10    log_LWD           Slope_percent  0.08801285 0.018782050  0.0000 ***</a:t>
+            </a:r>
+          </a:p>
+          <a:p>
+            <a:r>
+              <a:rPr lang="sv-SE" sz="800"/>
+              <a:t>11    log_LWD                Altitude -0.14972688 0.033690328  0.0000 ***</a:t>
+            </a:r>
+          </a:p>
+          <a:p>
+            <a:r>
+              <a:rPr lang="sv-SE" sz="800"/>
+              <a:t>12    log_LWD                Av_depth -0.04311915 0.011160807  0.0001 ***</a:t>
+            </a:r>
+          </a:p>
+          <a:p>
+            <a:r>
+              <a:rPr lang="sv-SE" sz="800"/>
+              <a:t>13    log_LWD Average_air_temperature -0.10229940 0.037217765  0.0060  **</a:t>
+            </a:r>
+          </a:p>
+          <a:p>
+            <a:r>
+              <a:rPr lang="sv-SE" sz="800"/>
+              <a:t>14    log_LWD              Forest_age -0.05310769 0.020038184  0.0081  **</a:t>
+            </a:r>
+          </a:p>
+          <a:p>
+            <a:r>
+              <a:rPr lang="sv-SE" sz="800"/>
+              <a:t>Warning messages:</a:t>
+            </a:r>
+          </a:p>
+          <a:p>
+            <a:r>
+              <a:rPr lang="sv-SE" sz="800"/>
+              <a:t>1: In if (grepl("cbind", deparse(formula(x)))) all.vars(formula(x))[-c(1:2)] else all.vars(formula(x)) :</a:t>
+            </a:r>
+          </a:p>
+          <a:p>
+            <a:r>
+              <a:rPr lang="sv-SE" sz="800"/>
+              <a:t>  the condition has length &gt; 1 and only the first element will be used</a:t>
+            </a:r>
+          </a:p>
+          <a:p>
+            <a:r>
+              <a:rPr lang="sv-SE" sz="800"/>
+              <a:t>2: In if (grepl("cbind", deparse(formula(x)))) all.vars(formula(x))[-c(1:2)] else all.vars(formula(x)) :</a:t>
+            </a:r>
+          </a:p>
+          <a:p>
+            <a:r>
+              <a:rPr lang="sv-SE" sz="800"/>
+              <a:t>  the condition has length &gt; 1 and only the first element will be used</a:t>
+            </a:r>
+          </a:p>
+          <a:p>
+            <a:r>
+              <a:rPr lang="sv-SE" sz="800"/>
+              <a:t>&gt; sem.coefs(M2,AV_narrow2,standardize = "range") # gives problm with temp correlation. If I delete it: it works</a:t>
+            </a:r>
+          </a:p>
+          <a:p>
+            <a:r>
+              <a:rPr lang="sv-SE" sz="800"/>
+              <a:t>     response               predictor    estimate   std.error p.value    </a:t>
+            </a:r>
+          </a:p>
+          <a:p>
+            <a:r>
+              <a:rPr lang="sv-SE" sz="800"/>
+              <a:t>1  log_LaxTOT                Altitude -0.17992095 0.025121843  0.0000 ***</a:t>
+            </a:r>
+          </a:p>
+          <a:p>
+            <a:r>
+              <a:rPr lang="sv-SE" sz="800"/>
+              <a:t>2  log_LaxTOT            Wetted_width  0.10364938 0.023545854  0.0000 ***</a:t>
+            </a:r>
+          </a:p>
+          <a:p>
+            <a:r>
+              <a:rPr lang="sv-SE" sz="800"/>
+              <a:t>3  log_LaxTOT                Velocity  0.02592244 0.006399408  0.0001 ***</a:t>
+            </a:r>
+          </a:p>
+          <a:p>
+            <a:r>
+              <a:rPr lang="sv-SE" sz="800"/>
+              <a:t>4  log_LaxTOT                Av_depth -0.06510652 0.016216891  0.0001 ***</a:t>
+            </a:r>
+          </a:p>
+          <a:p>
+            <a:r>
+              <a:rPr lang="sv-SE" sz="800"/>
+              <a:t>5  log_LaxTOT             Julian_date -0.06669957 0.017730292  0.0002 ***</a:t>
+            </a:r>
+          </a:p>
+          <a:p>
+            <a:r>
+              <a:rPr lang="sv-SE" sz="800"/>
+              <a:t>6  log_LaxTOT                    Year  0.01135176 0.009704940  0.2422    </a:t>
+            </a:r>
+          </a:p>
+          <a:p>
+            <a:r>
+              <a:rPr lang="sv-SE" sz="800"/>
+              <a:t>7     log_LWD            Wetted_width -0.33350732 0.026608096  0.0000 ***</a:t>
+            </a:r>
+          </a:p>
+          <a:p>
+            <a:r>
+              <a:rPr lang="sv-SE" sz="800"/>
+              <a:t>8     log_LWD                    Year  0.08086361 0.014518094  0.0000 ***</a:t>
+            </a:r>
+          </a:p>
+          <a:p>
+            <a:r>
+              <a:rPr lang="sv-SE" sz="800"/>
+              <a:t>9     log_LWD         Forest_coverage  0.08204314 0.016345636  0.0000 ***</a:t>
+            </a:r>
+          </a:p>
+          <a:p>
+            <a:r>
+              <a:rPr lang="sv-SE" sz="800"/>
+              <a:t>10    log_LWD           Slope_percent  0.07659290 0.019777452  0.0001 ***</a:t>
+            </a:r>
+          </a:p>
+          <a:p>
+            <a:r>
+              <a:rPr lang="sv-SE" sz="800"/>
+              <a:t>11    log_LWD                Altitude -0.13573730 0.038458532  0.0004 ***</a:t>
+            </a:r>
+          </a:p>
+          <a:p>
+            <a:r>
+              <a:rPr lang="sv-SE" sz="800"/>
+              <a:t>12    log_LWD                Av_depth -0.05667779 0.017931871  0.0016  **</a:t>
+            </a:r>
+          </a:p>
+          <a:p>
+            <a:r>
+              <a:rPr lang="sv-SE" sz="800"/>
+              <a:t>13    log_LWD              Forest_age -0.07505554 0.029297448  0.0104   *</a:t>
+            </a:r>
+          </a:p>
+          <a:p>
+            <a:r>
+              <a:rPr lang="sv-SE" sz="800"/>
+              <a:t>14    log_LWD Average_air_temperature -0.07406934 0.029443897  0.0119   *</a:t>
+            </a:r>
+          </a:p>
+          <a:p>
+            <a:r>
+              <a:rPr lang="sv-SE" sz="800"/>
+              <a:t>Warning messages:</a:t>
+            </a:r>
+            <a:endParaRPr lang="sv-SE" sz="800" dirty="0"/>
+          </a:p>
+        </p:txBody>
+      </p:sp>
+      <p:sp>
+        <p:nvSpPr>
+          <p:cNvPr id="6" name="5-Point Star 5"/>
+          <p:cNvSpPr/>
+          <p:nvPr/>
+        </p:nvSpPr>
+        <p:spPr>
+          <a:xfrm>
+            <a:off x="10731236" y="6080257"/>
+            <a:ext cx="502064" cy="539971"/>
+          </a:xfrm>
+          <a:prstGeom prst="star5">
+            <a:avLst/>
+          </a:prstGeom>
+        </p:spPr>
+        <p:style>
+          <a:lnRef idx="2">
+            <a:schemeClr val="accent1">
+              <a:shade val="50000"/>
+            </a:schemeClr>
+          </a:lnRef>
+          <a:fillRef idx="1">
+            <a:schemeClr val="accent1"/>
+          </a:fillRef>
+          <a:effectRef idx="0">
+            <a:schemeClr val="accent1"/>
+          </a:effectRef>
+          <a:fontRef idx="minor">
+            <a:schemeClr val="lt1"/>
+          </a:fontRef>
+        </p:style>
+        <p:txBody>
+          <a:bodyPr rtlCol="0" anchor="ctr"/>
+          <a:lstStyle/>
+          <a:p>
+            <a:pPr algn="ctr"/>
+            <a:endParaRPr lang="sv-SE" dirty="0"/>
+          </a:p>
+        </p:txBody>
+      </p:sp>
+      <p:sp>
+        <p:nvSpPr>
+          <p:cNvPr id="7" name="5-Point Star 6"/>
+          <p:cNvSpPr/>
+          <p:nvPr/>
+        </p:nvSpPr>
+        <p:spPr>
+          <a:xfrm>
+            <a:off x="11396550" y="6080257"/>
+            <a:ext cx="502064" cy="539971"/>
+          </a:xfrm>
+          <a:prstGeom prst="star5">
+            <a:avLst/>
+          </a:prstGeom>
+        </p:spPr>
+        <p:style>
+          <a:lnRef idx="2">
+            <a:schemeClr val="accent1">
+              <a:shade val="50000"/>
+            </a:schemeClr>
+          </a:lnRef>
+          <a:fillRef idx="1">
+            <a:schemeClr val="accent1"/>
+          </a:fillRef>
+          <a:effectRef idx="0">
+            <a:schemeClr val="accent1"/>
+          </a:effectRef>
+          <a:fontRef idx="minor">
+            <a:schemeClr val="lt1"/>
+          </a:fontRef>
+        </p:style>
+        <p:txBody>
+          <a:bodyPr rtlCol="0" anchor="ctr"/>
+          <a:lstStyle/>
+          <a:p>
+            <a:pPr algn="ctr"/>
+            <a:endParaRPr lang="sv-SE" dirty="0"/>
+          </a:p>
+        </p:txBody>
+      </p:sp>
+      <p:sp>
+        <p:nvSpPr>
+          <p:cNvPr id="8" name="5-Point Star 7"/>
+          <p:cNvSpPr/>
+          <p:nvPr/>
+        </p:nvSpPr>
+        <p:spPr>
+          <a:xfrm>
+            <a:off x="10065922" y="6080257"/>
+            <a:ext cx="502064" cy="539971"/>
+          </a:xfrm>
+          <a:prstGeom prst="star5">
+            <a:avLst/>
+          </a:prstGeom>
+        </p:spPr>
+        <p:style>
+          <a:lnRef idx="2">
+            <a:schemeClr val="accent1">
+              <a:shade val="50000"/>
+            </a:schemeClr>
+          </a:lnRef>
+          <a:fillRef idx="1">
+            <a:schemeClr val="accent1"/>
+          </a:fillRef>
+          <a:effectRef idx="0">
+            <a:schemeClr val="accent1"/>
+          </a:effectRef>
+          <a:fontRef idx="minor">
+            <a:schemeClr val="lt1"/>
+          </a:fontRef>
+        </p:style>
+        <p:txBody>
+          <a:bodyPr rtlCol="0" anchor="ctr"/>
+          <a:lstStyle/>
+          <a:p>
+            <a:pPr algn="ctr"/>
+            <a:endParaRPr lang="sv-SE" dirty="0"/>
+          </a:p>
+        </p:txBody>
+      </p:sp>
+    </p:spTree>
+    <p:extLst>
+      <p:ext uri="{BB962C8B-B14F-4D97-AF65-F5344CB8AC3E}">
+        <p14:creationId xmlns:p14="http://schemas.microsoft.com/office/powerpoint/2010/main" val="514706667"/>
+      </p:ext>
+    </p:extLst>
+  </p:cSld>
+  <p:clrMapOvr>
+    <a:masterClrMapping/>
+  </p:clrMapOvr>
+</p:sld>
+</file>
+
+<file path=ppt/slides/slide25.xml><?xml version="1.0" encoding="utf-8"?>
+<p:sld xmlns:a="http://schemas.openxmlformats.org/drawingml/2006/main" xmlns:r="http://schemas.openxmlformats.org/officeDocument/2006/relationships" xmlns:p="http://schemas.openxmlformats.org/presentationml/2006/main">
+  <p:cSld>
+    <p:spTree>
+      <p:nvGrpSpPr>
+        <p:cNvPr id="1" name=""/>
+        <p:cNvGrpSpPr/>
+        <p:nvPr/>
+      </p:nvGrpSpPr>
+      <p:grpSpPr>
+        <a:xfrm>
+          <a:off x="0" y="0"/>
+          <a:ext cx="0" cy="0"/>
+          <a:chOff x="0" y="0"/>
+          <a:chExt cx="0" cy="0"/>
+        </a:xfrm>
+      </p:grpSpPr>
       <p:sp>
         <p:nvSpPr>
           <p:cNvPr id="2" name="TextBox 1"/>
@@ -23249,7 +24065,7 @@
 </p:sld>
 </file>
 
-<file path=ppt/slides/slide25.xml><?xml version="1.0" encoding="utf-8"?>
+<file path=ppt/slides/slide26.xml><?xml version="1.0" encoding="utf-8"?>
 <p:sld xmlns:a="http://schemas.openxmlformats.org/drawingml/2006/main" xmlns:r="http://schemas.openxmlformats.org/officeDocument/2006/relationships" xmlns:p="http://schemas.openxmlformats.org/presentationml/2006/main">
   <p:cSld>
     <p:spTree>
@@ -23799,7 +24615,6 @@
                 <a:rPr lang="sv-SE" sz="2400" dirty="0" smtClean="0"/>
                 <a:t>ABUNDANCE</a:t>
               </a:r>
-              <a:endParaRPr lang="sv-SE" sz="2400" dirty="0" smtClean="0"/>
             </a:p>
           </p:txBody>
         </p:sp>
@@ -24480,7 +25295,6 @@
                 <a:rPr lang="sv-SE" sz="1400" dirty="0" smtClean="0"/>
                 <a:t>= 0.06</a:t>
               </a:r>
-              <a:endParaRPr lang="sv-SE" sz="1400" dirty="0" smtClean="0"/>
             </a:p>
             <a:p>
               <a:r>
@@ -24551,11 +25365,7 @@
               </a:r>
               <a:r>
                 <a:rPr lang="sv-SE" sz="1400" dirty="0" smtClean="0"/>
-                <a:t>= </a:t>
-              </a:r>
-              <a:r>
-                <a:rPr lang="sv-SE" sz="1400" dirty="0" smtClean="0"/>
-                <a:t>0.14</a:t>
+                <a:t>= 0.14</a:t>
               </a:r>
             </a:p>
             <a:p>
@@ -24573,11 +25383,7 @@
               </a:r>
               <a:r>
                 <a:rPr lang="sv-SE" sz="1400" dirty="0" smtClean="0"/>
-                <a:t>= </a:t>
-              </a:r>
-              <a:r>
-                <a:rPr lang="sv-SE" sz="1400" dirty="0" smtClean="0"/>
-                <a:t>0.52 </a:t>
+                <a:t>= 0.52 </a:t>
               </a:r>
               <a:endParaRPr lang="sv-SE" sz="1400" dirty="0"/>
             </a:p>
@@ -24918,7 +25724,7 @@
 </p:sld>
 </file>
 
-<file path=ppt/slides/slide26.xml><?xml version="1.0" encoding="utf-8"?>
+<file path=ppt/slides/slide27.xml><?xml version="1.0" encoding="utf-8"?>
 <p:sld xmlns:a="http://schemas.openxmlformats.org/drawingml/2006/main" xmlns:r="http://schemas.openxmlformats.org/officeDocument/2006/relationships" xmlns:p="http://schemas.openxmlformats.org/presentationml/2006/main" show="0">
   <p:cSld>
     <p:spTree>
@@ -25307,7 +26113,7 @@
 </p:sld>
 </file>
 
-<file path=ppt/slides/slide27.xml><?xml version="1.0" encoding="utf-8"?>
+<file path=ppt/slides/slide28.xml><?xml version="1.0" encoding="utf-8"?>
 <p:sld xmlns:a="http://schemas.openxmlformats.org/drawingml/2006/main" xmlns:r="http://schemas.openxmlformats.org/officeDocument/2006/relationships" xmlns:p="http://schemas.openxmlformats.org/presentationml/2006/main">
   <p:cSld>
     <p:spTree>
@@ -25884,7 +26690,7 @@
 </p:sld>
 </file>
 
-<file path=ppt/slides/slide28.xml><?xml version="1.0" encoding="utf-8"?>
+<file path=ppt/slides/slide29.xml><?xml version="1.0" encoding="utf-8"?>
 <p:sld xmlns:a="http://schemas.openxmlformats.org/drawingml/2006/main" xmlns:r="http://schemas.openxmlformats.org/officeDocument/2006/relationships" xmlns:p="http://schemas.openxmlformats.org/presentationml/2006/main">
   <p:cSld>
     <p:spTree>
@@ -27444,7 +28250,1222 @@
 </p:sld>
 </file>
 
-<file path=ppt/slides/slide29.xml><?xml version="1.0" encoding="utf-8"?>
+<file path=ppt/slides/slide3.xml><?xml version="1.0" encoding="utf-8"?>
+<p:sld xmlns:a="http://schemas.openxmlformats.org/drawingml/2006/main" xmlns:r="http://schemas.openxmlformats.org/officeDocument/2006/relationships" xmlns:p="http://schemas.openxmlformats.org/presentationml/2006/main">
+  <p:cSld>
+    <p:spTree>
+      <p:nvGrpSpPr>
+        <p:cNvPr id="1" name=""/>
+        <p:cNvGrpSpPr/>
+        <p:nvPr/>
+      </p:nvGrpSpPr>
+      <p:grpSpPr>
+        <a:xfrm>
+          <a:off x="0" y="0"/>
+          <a:ext cx="0" cy="0"/>
+          <a:chOff x="0" y="0"/>
+          <a:chExt cx="0" cy="0"/>
+        </a:xfrm>
+      </p:grpSpPr>
+      <p:sp>
+        <p:nvSpPr>
+          <p:cNvPr id="2" name="TextBox 1"/>
+          <p:cNvSpPr txBox="1"/>
+          <p:nvPr/>
+        </p:nvSpPr>
+        <p:spPr>
+          <a:xfrm>
+            <a:off x="5103342" y="221745"/>
+            <a:ext cx="1606379" cy="369332"/>
+          </a:xfrm>
+          <a:prstGeom prst="rect">
+            <a:avLst/>
+          </a:prstGeom>
+          <a:noFill/>
+        </p:spPr>
+        <p:txBody>
+          <a:bodyPr wrap="square" rtlCol="0">
+            <a:spAutoFit/>
+          </a:bodyPr>
+          <a:lstStyle/>
+          <a:p>
+            <a:pPr algn="ctr"/>
+            <a:r>
+              <a:rPr lang="sv-SE" dirty="0" smtClean="0"/>
+              <a:t>Catchment</a:t>
+            </a:r>
+            <a:endParaRPr lang="en-US" dirty="0"/>
+          </a:p>
+        </p:txBody>
+      </p:sp>
+      <p:sp>
+        <p:nvSpPr>
+          <p:cNvPr id="3" name="TextBox 2"/>
+          <p:cNvSpPr txBox="1"/>
+          <p:nvPr/>
+        </p:nvSpPr>
+        <p:spPr>
+          <a:xfrm>
+            <a:off x="1824679" y="1452265"/>
+            <a:ext cx="1606379" cy="369332"/>
+          </a:xfrm>
+          <a:prstGeom prst="rect">
+            <a:avLst/>
+          </a:prstGeom>
+          <a:noFill/>
+          <a:ln>
+            <a:solidFill>
+              <a:schemeClr val="accent1">
+                <a:lumMod val="75000"/>
+              </a:schemeClr>
+            </a:solidFill>
+          </a:ln>
+        </p:spPr>
+        <p:txBody>
+          <a:bodyPr wrap="square" rtlCol="0">
+            <a:spAutoFit/>
+          </a:bodyPr>
+          <a:lstStyle/>
+          <a:p>
+            <a:pPr algn="ctr"/>
+            <a:r>
+              <a:rPr lang="sv-SE" dirty="0" smtClean="0"/>
+              <a:t>River1</a:t>
+            </a:r>
+            <a:endParaRPr lang="en-US" dirty="0"/>
+          </a:p>
+        </p:txBody>
+      </p:sp>
+      <p:sp>
+        <p:nvSpPr>
+          <p:cNvPr id="4" name="TextBox 3"/>
+          <p:cNvSpPr txBox="1"/>
+          <p:nvPr/>
+        </p:nvSpPr>
+        <p:spPr>
+          <a:xfrm>
+            <a:off x="4913869" y="1452265"/>
+            <a:ext cx="1606379" cy="369332"/>
+          </a:xfrm>
+          <a:prstGeom prst="rect">
+            <a:avLst/>
+          </a:prstGeom>
+          <a:noFill/>
+          <a:ln>
+            <a:solidFill>
+              <a:schemeClr val="accent1">
+                <a:lumMod val="75000"/>
+              </a:schemeClr>
+            </a:solidFill>
+          </a:ln>
+        </p:spPr>
+        <p:txBody>
+          <a:bodyPr wrap="square" rtlCol="0">
+            <a:spAutoFit/>
+          </a:bodyPr>
+          <a:lstStyle/>
+          <a:p>
+            <a:pPr algn="ctr"/>
+            <a:r>
+              <a:rPr lang="sv-SE" dirty="0" smtClean="0"/>
+              <a:t>River2</a:t>
+            </a:r>
+            <a:endParaRPr lang="en-US" dirty="0"/>
+          </a:p>
+        </p:txBody>
+      </p:sp>
+      <p:sp>
+        <p:nvSpPr>
+          <p:cNvPr id="5" name="TextBox 4"/>
+          <p:cNvSpPr txBox="1"/>
+          <p:nvPr/>
+        </p:nvSpPr>
+        <p:spPr>
+          <a:xfrm>
+            <a:off x="8435544" y="1452265"/>
+            <a:ext cx="1606379" cy="369332"/>
+          </a:xfrm>
+          <a:prstGeom prst="rect">
+            <a:avLst/>
+          </a:prstGeom>
+          <a:noFill/>
+          <a:ln>
+            <a:solidFill>
+              <a:schemeClr val="accent1">
+                <a:lumMod val="75000"/>
+              </a:schemeClr>
+            </a:solidFill>
+          </a:ln>
+        </p:spPr>
+        <p:txBody>
+          <a:bodyPr wrap="square" rtlCol="0">
+            <a:spAutoFit/>
+          </a:bodyPr>
+          <a:lstStyle/>
+          <a:p>
+            <a:pPr algn="ctr"/>
+            <a:r>
+              <a:rPr lang="sv-SE" dirty="0" smtClean="0"/>
+              <a:t>River3</a:t>
+            </a:r>
+            <a:endParaRPr lang="en-US" dirty="0"/>
+          </a:p>
+        </p:txBody>
+      </p:sp>
+      <p:sp>
+        <p:nvSpPr>
+          <p:cNvPr id="7" name="TextBox 6"/>
+          <p:cNvSpPr txBox="1"/>
+          <p:nvPr/>
+        </p:nvSpPr>
+        <p:spPr>
+          <a:xfrm>
+            <a:off x="481910" y="2932673"/>
+            <a:ext cx="1210962" cy="378941"/>
+          </a:xfrm>
+          <a:prstGeom prst="rect">
+            <a:avLst/>
+          </a:prstGeom>
+          <a:noFill/>
+          <a:ln>
+            <a:solidFill>
+              <a:schemeClr val="accent1">
+                <a:lumMod val="75000"/>
+              </a:schemeClr>
+            </a:solidFill>
+          </a:ln>
+        </p:spPr>
+        <p:txBody>
+          <a:bodyPr wrap="square" rtlCol="0">
+            <a:spAutoFit/>
+          </a:bodyPr>
+          <a:lstStyle/>
+          <a:p>
+            <a:pPr algn="ctr"/>
+            <a:r>
+              <a:rPr lang="sv-SE" dirty="0" smtClean="0"/>
+              <a:t>AVG_Site1</a:t>
+            </a:r>
+            <a:endParaRPr lang="en-US" dirty="0"/>
+          </a:p>
+        </p:txBody>
+      </p:sp>
+      <p:sp>
+        <p:nvSpPr>
+          <p:cNvPr id="9" name="TextBox 8"/>
+          <p:cNvSpPr txBox="1"/>
+          <p:nvPr/>
+        </p:nvSpPr>
+        <p:spPr>
+          <a:xfrm>
+            <a:off x="3760572" y="2932673"/>
+            <a:ext cx="1210962" cy="378941"/>
+          </a:xfrm>
+          <a:prstGeom prst="rect">
+            <a:avLst/>
+          </a:prstGeom>
+          <a:noFill/>
+          <a:ln>
+            <a:solidFill>
+              <a:schemeClr val="accent1">
+                <a:lumMod val="75000"/>
+              </a:schemeClr>
+            </a:solidFill>
+          </a:ln>
+        </p:spPr>
+        <p:txBody>
+          <a:bodyPr wrap="square" rtlCol="0">
+            <a:spAutoFit/>
+          </a:bodyPr>
+          <a:lstStyle/>
+          <a:p>
+            <a:pPr algn="ctr"/>
+            <a:r>
+              <a:rPr lang="sv-SE" dirty="0" smtClean="0"/>
+              <a:t>AVG_Site3</a:t>
+            </a:r>
+            <a:endParaRPr lang="en-US" dirty="0"/>
+          </a:p>
+        </p:txBody>
+      </p:sp>
+      <p:sp>
+        <p:nvSpPr>
+          <p:cNvPr id="10" name="TextBox 9"/>
+          <p:cNvSpPr txBox="1"/>
+          <p:nvPr/>
+        </p:nvSpPr>
+        <p:spPr>
+          <a:xfrm>
+            <a:off x="32950" y="4102443"/>
+            <a:ext cx="1186249" cy="369332"/>
+          </a:xfrm>
+          <a:prstGeom prst="rect">
+            <a:avLst/>
+          </a:prstGeom>
+          <a:noFill/>
+        </p:spPr>
+        <p:txBody>
+          <a:bodyPr wrap="square" rtlCol="0">
+            <a:spAutoFit/>
+          </a:bodyPr>
+          <a:lstStyle/>
+          <a:p>
+            <a:r>
+              <a:rPr lang="sv-SE" dirty="0" smtClean="0"/>
+              <a:t>Lat_long1</a:t>
+            </a:r>
+            <a:endParaRPr lang="en-US" dirty="0"/>
+          </a:p>
+        </p:txBody>
+      </p:sp>
+      <p:sp>
+        <p:nvSpPr>
+          <p:cNvPr id="12" name="TextBox 11"/>
+          <p:cNvSpPr txBox="1"/>
+          <p:nvPr/>
+        </p:nvSpPr>
+        <p:spPr>
+          <a:xfrm>
+            <a:off x="1540473" y="4112052"/>
+            <a:ext cx="1186249" cy="369332"/>
+          </a:xfrm>
+          <a:prstGeom prst="rect">
+            <a:avLst/>
+          </a:prstGeom>
+          <a:noFill/>
+        </p:spPr>
+        <p:txBody>
+          <a:bodyPr wrap="square" rtlCol="0">
+            <a:spAutoFit/>
+          </a:bodyPr>
+          <a:lstStyle/>
+          <a:p>
+            <a:r>
+              <a:rPr lang="sv-SE" dirty="0" smtClean="0"/>
+              <a:t>Lat_long2</a:t>
+            </a:r>
+            <a:endParaRPr lang="en-US" dirty="0"/>
+          </a:p>
+        </p:txBody>
+      </p:sp>
+      <p:sp>
+        <p:nvSpPr>
+          <p:cNvPr id="13" name="TextBox 12"/>
+          <p:cNvSpPr txBox="1"/>
+          <p:nvPr/>
+        </p:nvSpPr>
+        <p:spPr>
+          <a:xfrm>
+            <a:off x="148282" y="5214551"/>
+            <a:ext cx="733167" cy="369332"/>
+          </a:xfrm>
+          <a:prstGeom prst="rect">
+            <a:avLst/>
+          </a:prstGeom>
+          <a:noFill/>
+          <a:ln>
+            <a:solidFill>
+              <a:srgbClr val="FF0000"/>
+            </a:solidFill>
+          </a:ln>
+        </p:spPr>
+        <p:txBody>
+          <a:bodyPr wrap="square" rtlCol="0">
+            <a:spAutoFit/>
+          </a:bodyPr>
+          <a:lstStyle/>
+          <a:p>
+            <a:r>
+              <a:rPr lang="sv-SE" dirty="0" smtClean="0"/>
+              <a:t>year1</a:t>
+            </a:r>
+            <a:endParaRPr lang="en-US" dirty="0"/>
+          </a:p>
+        </p:txBody>
+      </p:sp>
+      <p:sp>
+        <p:nvSpPr>
+          <p:cNvPr id="14" name="TextBox 13"/>
+          <p:cNvSpPr txBox="1"/>
+          <p:nvPr/>
+        </p:nvSpPr>
+        <p:spPr>
+          <a:xfrm>
+            <a:off x="1058562" y="5214551"/>
+            <a:ext cx="733167" cy="369332"/>
+          </a:xfrm>
+          <a:prstGeom prst="rect">
+            <a:avLst/>
+          </a:prstGeom>
+          <a:noFill/>
+          <a:ln>
+            <a:solidFill>
+              <a:srgbClr val="FF0000"/>
+            </a:solidFill>
+          </a:ln>
+        </p:spPr>
+        <p:txBody>
+          <a:bodyPr wrap="square" rtlCol="0">
+            <a:spAutoFit/>
+          </a:bodyPr>
+          <a:lstStyle/>
+          <a:p>
+            <a:r>
+              <a:rPr lang="sv-SE" dirty="0" smtClean="0"/>
+              <a:t>year2</a:t>
+            </a:r>
+            <a:endParaRPr lang="en-US" dirty="0"/>
+          </a:p>
+        </p:txBody>
+      </p:sp>
+      <p:sp>
+        <p:nvSpPr>
+          <p:cNvPr id="18" name="Rectangle 17"/>
+          <p:cNvSpPr/>
+          <p:nvPr/>
+        </p:nvSpPr>
+        <p:spPr>
+          <a:xfrm>
+            <a:off x="4913870" y="39827"/>
+            <a:ext cx="2005914" cy="733168"/>
+          </a:xfrm>
+          <a:prstGeom prst="rect">
+            <a:avLst/>
+          </a:prstGeom>
+          <a:noFill/>
+        </p:spPr>
+        <p:style>
+          <a:lnRef idx="2">
+            <a:schemeClr val="accent1">
+              <a:shade val="50000"/>
+            </a:schemeClr>
+          </a:lnRef>
+          <a:fillRef idx="1">
+            <a:schemeClr val="accent1"/>
+          </a:fillRef>
+          <a:effectRef idx="0">
+            <a:schemeClr val="accent1"/>
+          </a:effectRef>
+          <a:fontRef idx="minor">
+            <a:schemeClr val="lt1"/>
+          </a:fontRef>
+        </p:style>
+        <p:txBody>
+          <a:bodyPr rtlCol="0" anchor="ctr"/>
+          <a:lstStyle/>
+          <a:p>
+            <a:pPr algn="ctr"/>
+            <a:endParaRPr lang="en-US"/>
+          </a:p>
+        </p:txBody>
+      </p:sp>
+      <p:cxnSp>
+        <p:nvCxnSpPr>
+          <p:cNvPr id="20" name="Straight Arrow Connector 19"/>
+          <p:cNvCxnSpPr>
+            <a:stCxn id="7" idx="2"/>
+            <a:endCxn id="10" idx="0"/>
+          </p:cNvCxnSpPr>
+          <p:nvPr/>
+        </p:nvCxnSpPr>
+        <p:spPr>
+          <a:xfrm flipH="1">
+            <a:off x="626075" y="3311614"/>
+            <a:ext cx="461316" cy="790829"/>
+          </a:xfrm>
+          <a:prstGeom prst="straightConnector1">
+            <a:avLst/>
+          </a:prstGeom>
+          <a:ln>
+            <a:tailEnd type="triangle"/>
+          </a:ln>
+        </p:spPr>
+        <p:style>
+          <a:lnRef idx="1">
+            <a:schemeClr val="accent1"/>
+          </a:lnRef>
+          <a:fillRef idx="0">
+            <a:schemeClr val="accent1"/>
+          </a:fillRef>
+          <a:effectRef idx="0">
+            <a:schemeClr val="accent1"/>
+          </a:effectRef>
+          <a:fontRef idx="minor">
+            <a:schemeClr val="tx1"/>
+          </a:fontRef>
+        </p:style>
+      </p:cxnSp>
+      <p:cxnSp>
+        <p:nvCxnSpPr>
+          <p:cNvPr id="22" name="Straight Arrow Connector 21"/>
+          <p:cNvCxnSpPr>
+            <a:stCxn id="7" idx="2"/>
+          </p:cNvCxnSpPr>
+          <p:nvPr/>
+        </p:nvCxnSpPr>
+        <p:spPr>
+          <a:xfrm>
+            <a:off x="1087391" y="3311614"/>
+            <a:ext cx="539577" cy="790829"/>
+          </a:xfrm>
+          <a:prstGeom prst="straightConnector1">
+            <a:avLst/>
+          </a:prstGeom>
+          <a:ln>
+            <a:tailEnd type="triangle"/>
+          </a:ln>
+        </p:spPr>
+        <p:style>
+          <a:lnRef idx="1">
+            <a:schemeClr val="accent1"/>
+          </a:lnRef>
+          <a:fillRef idx="0">
+            <a:schemeClr val="accent1"/>
+          </a:fillRef>
+          <a:effectRef idx="0">
+            <a:schemeClr val="accent1"/>
+          </a:effectRef>
+          <a:fontRef idx="minor">
+            <a:schemeClr val="tx1"/>
+          </a:fontRef>
+        </p:style>
+      </p:cxnSp>
+      <p:cxnSp>
+        <p:nvCxnSpPr>
+          <p:cNvPr id="25" name="Straight Arrow Connector 24"/>
+          <p:cNvCxnSpPr>
+            <a:stCxn id="10" idx="2"/>
+          </p:cNvCxnSpPr>
+          <p:nvPr/>
+        </p:nvCxnSpPr>
+        <p:spPr>
+          <a:xfrm>
+            <a:off x="626075" y="4471775"/>
+            <a:ext cx="0" cy="578020"/>
+          </a:xfrm>
+          <a:prstGeom prst="straightConnector1">
+            <a:avLst/>
+          </a:prstGeom>
+          <a:ln>
+            <a:tailEnd type="triangle"/>
+          </a:ln>
+        </p:spPr>
+        <p:style>
+          <a:lnRef idx="1">
+            <a:schemeClr val="accent1"/>
+          </a:lnRef>
+          <a:fillRef idx="0">
+            <a:schemeClr val="accent1"/>
+          </a:fillRef>
+          <a:effectRef idx="0">
+            <a:schemeClr val="accent1"/>
+          </a:effectRef>
+          <a:fontRef idx="minor">
+            <a:schemeClr val="tx1"/>
+          </a:fontRef>
+        </p:style>
+      </p:cxnSp>
+      <p:cxnSp>
+        <p:nvCxnSpPr>
+          <p:cNvPr id="27" name="Straight Arrow Connector 26"/>
+          <p:cNvCxnSpPr>
+            <a:stCxn id="10" idx="2"/>
+          </p:cNvCxnSpPr>
+          <p:nvPr/>
+        </p:nvCxnSpPr>
+        <p:spPr>
+          <a:xfrm>
+            <a:off x="626075" y="4471775"/>
+            <a:ext cx="724930" cy="627447"/>
+          </a:xfrm>
+          <a:prstGeom prst="straightConnector1">
+            <a:avLst/>
+          </a:prstGeom>
+          <a:ln>
+            <a:tailEnd type="triangle"/>
+          </a:ln>
+        </p:spPr>
+        <p:style>
+          <a:lnRef idx="1">
+            <a:schemeClr val="accent1"/>
+          </a:lnRef>
+          <a:fillRef idx="0">
+            <a:schemeClr val="accent1"/>
+          </a:fillRef>
+          <a:effectRef idx="0">
+            <a:schemeClr val="accent1"/>
+          </a:effectRef>
+          <a:fontRef idx="minor">
+            <a:schemeClr val="tx1"/>
+          </a:fontRef>
+        </p:style>
+      </p:cxnSp>
+      <p:sp>
+        <p:nvSpPr>
+          <p:cNvPr id="30" name="TextBox 29"/>
+          <p:cNvSpPr txBox="1"/>
+          <p:nvPr/>
+        </p:nvSpPr>
+        <p:spPr>
+          <a:xfrm>
+            <a:off x="3921212" y="4102443"/>
+            <a:ext cx="1186249" cy="369332"/>
+          </a:xfrm>
+          <a:prstGeom prst="rect">
+            <a:avLst/>
+          </a:prstGeom>
+          <a:noFill/>
+        </p:spPr>
+        <p:txBody>
+          <a:bodyPr wrap="square" rtlCol="0">
+            <a:spAutoFit/>
+          </a:bodyPr>
+          <a:lstStyle/>
+          <a:p>
+            <a:r>
+              <a:rPr lang="sv-SE" dirty="0" smtClean="0"/>
+              <a:t>Lat_long1</a:t>
+            </a:r>
+            <a:endParaRPr lang="en-US" dirty="0"/>
+          </a:p>
+        </p:txBody>
+      </p:sp>
+      <p:sp>
+        <p:nvSpPr>
+          <p:cNvPr id="31" name="TextBox 30"/>
+          <p:cNvSpPr txBox="1"/>
+          <p:nvPr/>
+        </p:nvSpPr>
+        <p:spPr>
+          <a:xfrm>
+            <a:off x="4036544" y="5214551"/>
+            <a:ext cx="733167" cy="369332"/>
+          </a:xfrm>
+          <a:prstGeom prst="rect">
+            <a:avLst/>
+          </a:prstGeom>
+          <a:noFill/>
+          <a:ln>
+            <a:solidFill>
+              <a:srgbClr val="FF0000"/>
+            </a:solidFill>
+          </a:ln>
+        </p:spPr>
+        <p:txBody>
+          <a:bodyPr wrap="square" rtlCol="0">
+            <a:spAutoFit/>
+          </a:bodyPr>
+          <a:lstStyle/>
+          <a:p>
+            <a:r>
+              <a:rPr lang="sv-SE" dirty="0" smtClean="0"/>
+              <a:t>year1</a:t>
+            </a:r>
+            <a:endParaRPr lang="en-US" dirty="0"/>
+          </a:p>
+        </p:txBody>
+      </p:sp>
+      <p:cxnSp>
+        <p:nvCxnSpPr>
+          <p:cNvPr id="36" name="Straight Arrow Connector 35"/>
+          <p:cNvCxnSpPr/>
+          <p:nvPr/>
+        </p:nvCxnSpPr>
+        <p:spPr>
+          <a:xfrm>
+            <a:off x="4337219" y="4587104"/>
+            <a:ext cx="0" cy="627447"/>
+          </a:xfrm>
+          <a:prstGeom prst="straightConnector1">
+            <a:avLst/>
+          </a:prstGeom>
+          <a:ln>
+            <a:tailEnd type="triangle"/>
+          </a:ln>
+        </p:spPr>
+        <p:style>
+          <a:lnRef idx="1">
+            <a:schemeClr val="accent1"/>
+          </a:lnRef>
+          <a:fillRef idx="0">
+            <a:schemeClr val="accent1"/>
+          </a:fillRef>
+          <a:effectRef idx="0">
+            <a:schemeClr val="accent1"/>
+          </a:effectRef>
+          <a:fontRef idx="minor">
+            <a:schemeClr val="tx1"/>
+          </a:fontRef>
+        </p:style>
+      </p:cxnSp>
+      <p:cxnSp>
+        <p:nvCxnSpPr>
+          <p:cNvPr id="37" name="Straight Arrow Connector 36"/>
+          <p:cNvCxnSpPr/>
+          <p:nvPr/>
+        </p:nvCxnSpPr>
+        <p:spPr>
+          <a:xfrm>
+            <a:off x="4337219" y="3392619"/>
+            <a:ext cx="0" cy="627447"/>
+          </a:xfrm>
+          <a:prstGeom prst="straightConnector1">
+            <a:avLst/>
+          </a:prstGeom>
+          <a:ln>
+            <a:tailEnd type="triangle"/>
+          </a:ln>
+        </p:spPr>
+        <p:style>
+          <a:lnRef idx="1">
+            <a:schemeClr val="accent1"/>
+          </a:lnRef>
+          <a:fillRef idx="0">
+            <a:schemeClr val="accent1"/>
+          </a:fillRef>
+          <a:effectRef idx="0">
+            <a:schemeClr val="accent1"/>
+          </a:effectRef>
+          <a:fontRef idx="minor">
+            <a:schemeClr val="tx1"/>
+          </a:fontRef>
+        </p:style>
+      </p:cxnSp>
+      <p:cxnSp>
+        <p:nvCxnSpPr>
+          <p:cNvPr id="39" name="Straight Arrow Connector 38"/>
+          <p:cNvCxnSpPr>
+            <a:stCxn id="3" idx="2"/>
+          </p:cNvCxnSpPr>
+          <p:nvPr/>
+        </p:nvCxnSpPr>
+        <p:spPr>
+          <a:xfrm>
+            <a:off x="2627869" y="1821597"/>
+            <a:ext cx="98853" cy="1111076"/>
+          </a:xfrm>
+          <a:prstGeom prst="straightConnector1">
+            <a:avLst/>
+          </a:prstGeom>
+          <a:ln>
+            <a:tailEnd type="triangle"/>
+          </a:ln>
+        </p:spPr>
+        <p:style>
+          <a:lnRef idx="1">
+            <a:schemeClr val="accent1"/>
+          </a:lnRef>
+          <a:fillRef idx="0">
+            <a:schemeClr val="accent1"/>
+          </a:fillRef>
+          <a:effectRef idx="0">
+            <a:schemeClr val="accent1"/>
+          </a:effectRef>
+          <a:fontRef idx="minor">
+            <a:schemeClr val="tx1"/>
+          </a:fontRef>
+        </p:style>
+      </p:cxnSp>
+      <p:cxnSp>
+        <p:nvCxnSpPr>
+          <p:cNvPr id="41" name="Straight Arrow Connector 40"/>
+          <p:cNvCxnSpPr>
+            <a:stCxn id="3" idx="2"/>
+            <a:endCxn id="9" idx="0"/>
+          </p:cNvCxnSpPr>
+          <p:nvPr/>
+        </p:nvCxnSpPr>
+        <p:spPr>
+          <a:xfrm>
+            <a:off x="2627869" y="1821597"/>
+            <a:ext cx="1738184" cy="1111076"/>
+          </a:xfrm>
+          <a:prstGeom prst="straightConnector1">
+            <a:avLst/>
+          </a:prstGeom>
+          <a:ln>
+            <a:tailEnd type="triangle"/>
+          </a:ln>
+        </p:spPr>
+        <p:style>
+          <a:lnRef idx="1">
+            <a:schemeClr val="accent1"/>
+          </a:lnRef>
+          <a:fillRef idx="0">
+            <a:schemeClr val="accent1"/>
+          </a:fillRef>
+          <a:effectRef idx="0">
+            <a:schemeClr val="accent1"/>
+          </a:effectRef>
+          <a:fontRef idx="minor">
+            <a:schemeClr val="tx1"/>
+          </a:fontRef>
+        </p:style>
+      </p:cxnSp>
+      <p:cxnSp>
+        <p:nvCxnSpPr>
+          <p:cNvPr id="43" name="Straight Arrow Connector 42"/>
+          <p:cNvCxnSpPr>
+            <a:stCxn id="3" idx="2"/>
+            <a:endCxn id="7" idx="0"/>
+          </p:cNvCxnSpPr>
+          <p:nvPr/>
+        </p:nvCxnSpPr>
+        <p:spPr>
+          <a:xfrm flipH="1">
+            <a:off x="1087391" y="1821597"/>
+            <a:ext cx="1540478" cy="1111076"/>
+          </a:xfrm>
+          <a:prstGeom prst="straightConnector1">
+            <a:avLst/>
+          </a:prstGeom>
+          <a:ln>
+            <a:tailEnd type="triangle"/>
+          </a:ln>
+        </p:spPr>
+        <p:style>
+          <a:lnRef idx="1">
+            <a:schemeClr val="accent1"/>
+          </a:lnRef>
+          <a:fillRef idx="0">
+            <a:schemeClr val="accent1"/>
+          </a:fillRef>
+          <a:effectRef idx="0">
+            <a:schemeClr val="accent1"/>
+          </a:effectRef>
+          <a:fontRef idx="minor">
+            <a:schemeClr val="tx1"/>
+          </a:fontRef>
+        </p:style>
+      </p:cxnSp>
+      <p:cxnSp>
+        <p:nvCxnSpPr>
+          <p:cNvPr id="45" name="Straight Arrow Connector 44"/>
+          <p:cNvCxnSpPr>
+            <a:stCxn id="18" idx="2"/>
+          </p:cNvCxnSpPr>
+          <p:nvPr/>
+        </p:nvCxnSpPr>
+        <p:spPr>
+          <a:xfrm flipH="1">
+            <a:off x="5914768" y="772995"/>
+            <a:ext cx="2059" cy="677730"/>
+          </a:xfrm>
+          <a:prstGeom prst="straightConnector1">
+            <a:avLst/>
+          </a:prstGeom>
+          <a:ln>
+            <a:tailEnd type="triangle"/>
+          </a:ln>
+        </p:spPr>
+        <p:style>
+          <a:lnRef idx="1">
+            <a:schemeClr val="accent1"/>
+          </a:lnRef>
+          <a:fillRef idx="0">
+            <a:schemeClr val="accent1"/>
+          </a:fillRef>
+          <a:effectRef idx="0">
+            <a:schemeClr val="accent1"/>
+          </a:effectRef>
+          <a:fontRef idx="minor">
+            <a:schemeClr val="tx1"/>
+          </a:fontRef>
+        </p:style>
+      </p:cxnSp>
+      <p:cxnSp>
+        <p:nvCxnSpPr>
+          <p:cNvPr id="47" name="Straight Arrow Connector 46"/>
+          <p:cNvCxnSpPr>
+            <a:stCxn id="18" idx="2"/>
+            <a:endCxn id="3" idx="0"/>
+          </p:cNvCxnSpPr>
+          <p:nvPr/>
+        </p:nvCxnSpPr>
+        <p:spPr>
+          <a:xfrm flipH="1">
+            <a:off x="2627869" y="772995"/>
+            <a:ext cx="3288958" cy="679270"/>
+          </a:xfrm>
+          <a:prstGeom prst="straightConnector1">
+            <a:avLst/>
+          </a:prstGeom>
+          <a:ln>
+            <a:tailEnd type="triangle"/>
+          </a:ln>
+        </p:spPr>
+        <p:style>
+          <a:lnRef idx="1">
+            <a:schemeClr val="accent1"/>
+          </a:lnRef>
+          <a:fillRef idx="0">
+            <a:schemeClr val="accent1"/>
+          </a:fillRef>
+          <a:effectRef idx="0">
+            <a:schemeClr val="accent1"/>
+          </a:effectRef>
+          <a:fontRef idx="minor">
+            <a:schemeClr val="tx1"/>
+          </a:fontRef>
+        </p:style>
+      </p:cxnSp>
+      <p:cxnSp>
+        <p:nvCxnSpPr>
+          <p:cNvPr id="49" name="Straight Arrow Connector 48"/>
+          <p:cNvCxnSpPr>
+            <a:stCxn id="18" idx="2"/>
+            <a:endCxn id="5" idx="0"/>
+          </p:cNvCxnSpPr>
+          <p:nvPr/>
+        </p:nvCxnSpPr>
+        <p:spPr>
+          <a:xfrm>
+            <a:off x="5916827" y="772995"/>
+            <a:ext cx="3321907" cy="679270"/>
+          </a:xfrm>
+          <a:prstGeom prst="straightConnector1">
+            <a:avLst/>
+          </a:prstGeom>
+          <a:ln>
+            <a:tailEnd type="triangle"/>
+          </a:ln>
+        </p:spPr>
+        <p:style>
+          <a:lnRef idx="1">
+            <a:schemeClr val="accent1"/>
+          </a:lnRef>
+          <a:fillRef idx="0">
+            <a:schemeClr val="accent1"/>
+          </a:fillRef>
+          <a:effectRef idx="0">
+            <a:schemeClr val="accent1"/>
+          </a:effectRef>
+          <a:fontRef idx="minor">
+            <a:schemeClr val="tx1"/>
+          </a:fontRef>
+        </p:style>
+      </p:cxnSp>
+      <p:sp>
+        <p:nvSpPr>
+          <p:cNvPr id="51" name="TextBox 50"/>
+          <p:cNvSpPr txBox="1"/>
+          <p:nvPr/>
+        </p:nvSpPr>
+        <p:spPr>
+          <a:xfrm>
+            <a:off x="1886462" y="5214551"/>
+            <a:ext cx="1318058" cy="369332"/>
+          </a:xfrm>
+          <a:prstGeom prst="rect">
+            <a:avLst/>
+          </a:prstGeom>
+          <a:noFill/>
+        </p:spPr>
+        <p:txBody>
+          <a:bodyPr wrap="square" rtlCol="0">
+            <a:spAutoFit/>
+          </a:bodyPr>
+          <a:lstStyle/>
+          <a:p>
+            <a:r>
+              <a:rPr lang="sv-SE" i="1" dirty="0" smtClean="0">
+                <a:solidFill>
+                  <a:schemeClr val="accent6">
+                    <a:lumMod val="75000"/>
+                  </a:schemeClr>
+                </a:solidFill>
+              </a:rPr>
+              <a:t>n=</a:t>
+            </a:r>
+            <a:r>
+              <a:rPr lang="sv-SE" b="1" i="1" dirty="0" smtClean="0">
+                <a:solidFill>
+                  <a:schemeClr val="accent6">
+                    <a:lumMod val="75000"/>
+                  </a:schemeClr>
+                </a:solidFill>
+              </a:rPr>
+              <a:t>1,2</a:t>
+            </a:r>
+            <a:r>
+              <a:rPr lang="sv-SE" i="1" dirty="0" smtClean="0">
+                <a:solidFill>
+                  <a:schemeClr val="accent6">
+                    <a:lumMod val="75000"/>
+                  </a:schemeClr>
+                </a:solidFill>
+              </a:rPr>
+              <a:t>,3…15</a:t>
+            </a:r>
+            <a:endParaRPr lang="en-US" i="1" dirty="0">
+              <a:solidFill>
+                <a:schemeClr val="accent6">
+                  <a:lumMod val="75000"/>
+                </a:schemeClr>
+              </a:solidFill>
+            </a:endParaRPr>
+          </a:p>
+        </p:txBody>
+      </p:sp>
+      <p:sp>
+        <p:nvSpPr>
+          <p:cNvPr id="52" name="TextBox 51"/>
+          <p:cNvSpPr txBox="1"/>
+          <p:nvPr/>
+        </p:nvSpPr>
+        <p:spPr>
+          <a:xfrm>
+            <a:off x="2561968" y="4121661"/>
+            <a:ext cx="1318058" cy="369332"/>
+          </a:xfrm>
+          <a:prstGeom prst="rect">
+            <a:avLst/>
+          </a:prstGeom>
+          <a:noFill/>
+        </p:spPr>
+        <p:txBody>
+          <a:bodyPr wrap="square" rtlCol="0">
+            <a:spAutoFit/>
+          </a:bodyPr>
+          <a:lstStyle/>
+          <a:p>
+            <a:r>
+              <a:rPr lang="sv-SE" i="1" dirty="0" smtClean="0">
+                <a:solidFill>
+                  <a:schemeClr val="accent6">
+                    <a:lumMod val="75000"/>
+                  </a:schemeClr>
+                </a:solidFill>
+              </a:rPr>
+              <a:t>n=</a:t>
+            </a:r>
+            <a:r>
+              <a:rPr lang="sv-SE" b="1" i="1" dirty="0" smtClean="0">
+                <a:solidFill>
+                  <a:schemeClr val="accent6">
+                    <a:lumMod val="75000"/>
+                  </a:schemeClr>
+                </a:solidFill>
+              </a:rPr>
+              <a:t>1</a:t>
+            </a:r>
+            <a:r>
+              <a:rPr lang="sv-SE" i="1" dirty="0" smtClean="0">
+                <a:solidFill>
+                  <a:schemeClr val="accent6">
+                    <a:lumMod val="75000"/>
+                  </a:schemeClr>
+                </a:solidFill>
+              </a:rPr>
+              <a:t>,2,3</a:t>
+            </a:r>
+            <a:endParaRPr lang="en-US" i="1" dirty="0">
+              <a:solidFill>
+                <a:schemeClr val="accent6">
+                  <a:lumMod val="75000"/>
+                </a:schemeClr>
+              </a:solidFill>
+            </a:endParaRPr>
+          </a:p>
+        </p:txBody>
+      </p:sp>
+      <p:sp>
+        <p:nvSpPr>
+          <p:cNvPr id="53" name="TextBox 52"/>
+          <p:cNvSpPr txBox="1"/>
+          <p:nvPr/>
+        </p:nvSpPr>
+        <p:spPr>
+          <a:xfrm>
+            <a:off x="5115705" y="2932673"/>
+            <a:ext cx="1318058" cy="369332"/>
+          </a:xfrm>
+          <a:prstGeom prst="rect">
+            <a:avLst/>
+          </a:prstGeom>
+          <a:noFill/>
+        </p:spPr>
+        <p:txBody>
+          <a:bodyPr wrap="square" rtlCol="0">
+            <a:spAutoFit/>
+          </a:bodyPr>
+          <a:lstStyle/>
+          <a:p>
+            <a:r>
+              <a:rPr lang="sv-SE" i="1" dirty="0" smtClean="0">
+                <a:solidFill>
+                  <a:schemeClr val="accent6">
+                    <a:lumMod val="75000"/>
+                  </a:schemeClr>
+                </a:solidFill>
+              </a:rPr>
+              <a:t>n=</a:t>
+            </a:r>
+            <a:r>
+              <a:rPr lang="sv-SE" b="1" i="1" dirty="0" smtClean="0">
+                <a:solidFill>
+                  <a:schemeClr val="accent6">
+                    <a:lumMod val="75000"/>
+                  </a:schemeClr>
+                </a:solidFill>
+              </a:rPr>
+              <a:t>1</a:t>
+            </a:r>
+            <a:r>
+              <a:rPr lang="sv-SE" i="1" dirty="0" smtClean="0">
+                <a:solidFill>
+                  <a:schemeClr val="accent6">
+                    <a:lumMod val="75000"/>
+                  </a:schemeClr>
+                </a:solidFill>
+              </a:rPr>
+              <a:t>,</a:t>
+            </a:r>
+            <a:r>
+              <a:rPr lang="sv-SE" b="1" i="1" dirty="0" smtClean="0">
+                <a:solidFill>
+                  <a:schemeClr val="accent6">
+                    <a:lumMod val="75000"/>
+                  </a:schemeClr>
+                </a:solidFill>
+              </a:rPr>
+              <a:t>2,</a:t>
+            </a:r>
+            <a:r>
+              <a:rPr lang="sv-SE" i="1" dirty="0" smtClean="0">
+                <a:solidFill>
+                  <a:schemeClr val="accent6">
+                    <a:lumMod val="75000"/>
+                  </a:schemeClr>
+                </a:solidFill>
+              </a:rPr>
+              <a:t>3..5</a:t>
+            </a:r>
+            <a:endParaRPr lang="en-US" i="1" dirty="0">
+              <a:solidFill>
+                <a:schemeClr val="accent6">
+                  <a:lumMod val="75000"/>
+                </a:schemeClr>
+              </a:solidFill>
+            </a:endParaRPr>
+          </a:p>
+        </p:txBody>
+      </p:sp>
+      <p:sp>
+        <p:nvSpPr>
+          <p:cNvPr id="32" name="Rectangle 31"/>
+          <p:cNvSpPr/>
+          <p:nvPr/>
+        </p:nvSpPr>
+        <p:spPr>
+          <a:xfrm>
+            <a:off x="41359" y="3352453"/>
+            <a:ext cx="6425516" cy="3329448"/>
+          </a:xfrm>
+          <a:prstGeom prst="rect">
+            <a:avLst/>
+          </a:prstGeom>
+          <a:solidFill>
+            <a:schemeClr val="accent1">
+              <a:lumMod val="40000"/>
+              <a:lumOff val="60000"/>
+              <a:alpha val="86000"/>
+            </a:schemeClr>
+          </a:solidFill>
+          <a:ln>
+            <a:solidFill>
+              <a:schemeClr val="accent1">
+                <a:lumMod val="20000"/>
+                <a:lumOff val="80000"/>
+              </a:schemeClr>
+            </a:solidFill>
+          </a:ln>
+        </p:spPr>
+        <p:style>
+          <a:lnRef idx="2">
+            <a:schemeClr val="accent1">
+              <a:shade val="50000"/>
+            </a:schemeClr>
+          </a:lnRef>
+          <a:fillRef idx="1">
+            <a:schemeClr val="accent1"/>
+          </a:fillRef>
+          <a:effectRef idx="0">
+            <a:schemeClr val="accent1"/>
+          </a:effectRef>
+          <a:fontRef idx="minor">
+            <a:schemeClr val="lt1"/>
+          </a:fontRef>
+        </p:style>
+        <p:txBody>
+          <a:bodyPr rtlCol="0" anchor="ctr"/>
+          <a:lstStyle/>
+          <a:p>
+            <a:pPr algn="ctr"/>
+            <a:endParaRPr lang="en-US"/>
+          </a:p>
+        </p:txBody>
+      </p:sp>
+      <p:sp>
+        <p:nvSpPr>
+          <p:cNvPr id="33" name="TextBox 32"/>
+          <p:cNvSpPr txBox="1"/>
+          <p:nvPr/>
+        </p:nvSpPr>
+        <p:spPr>
+          <a:xfrm>
+            <a:off x="2121241" y="2932673"/>
+            <a:ext cx="1210962" cy="378941"/>
+          </a:xfrm>
+          <a:prstGeom prst="rect">
+            <a:avLst/>
+          </a:prstGeom>
+          <a:noFill/>
+          <a:ln>
+            <a:solidFill>
+              <a:schemeClr val="accent1">
+                <a:lumMod val="75000"/>
+              </a:schemeClr>
+            </a:solidFill>
+          </a:ln>
+        </p:spPr>
+        <p:txBody>
+          <a:bodyPr wrap="square" rtlCol="0">
+            <a:spAutoFit/>
+          </a:bodyPr>
+          <a:lstStyle/>
+          <a:p>
+            <a:pPr algn="ctr"/>
+            <a:r>
+              <a:rPr lang="sv-SE" dirty="0" smtClean="0">
+                <a:solidFill>
+                  <a:srgbClr val="FF0000"/>
+                </a:solidFill>
+              </a:rPr>
+              <a:t>AVG_NA</a:t>
+            </a:r>
+            <a:endParaRPr lang="en-US" dirty="0">
+              <a:solidFill>
+                <a:srgbClr val="FF0000"/>
+              </a:solidFill>
+            </a:endParaRPr>
+          </a:p>
+        </p:txBody>
+      </p:sp>
+    </p:spTree>
+    <p:extLst>
+      <p:ext uri="{BB962C8B-B14F-4D97-AF65-F5344CB8AC3E}">
+        <p14:creationId xmlns:p14="http://schemas.microsoft.com/office/powerpoint/2010/main" val="1619471862"/>
+      </p:ext>
+    </p:extLst>
+  </p:cSld>
+  <p:clrMapOvr>
+    <a:masterClrMapping/>
+  </p:clrMapOvr>
+</p:sld>
+</file>
+
+<file path=ppt/slides/slide30.xml><?xml version="1.0" encoding="utf-8"?>
 <p:sld xmlns:a="http://schemas.openxmlformats.org/drawingml/2006/main" xmlns:r="http://schemas.openxmlformats.org/officeDocument/2006/relationships" xmlns:p="http://schemas.openxmlformats.org/presentationml/2006/main">
   <p:cSld>
     <p:spTree>
@@ -27991,11 +30012,7 @@
               <a:pPr algn="ctr"/>
               <a:r>
                 <a:rPr lang="sv-SE" sz="2400" dirty="0" smtClean="0"/>
-                <a:t>SCULPIN </a:t>
-              </a:r>
-              <a:r>
-                <a:rPr lang="sv-SE" sz="2400" dirty="0" smtClean="0"/>
-                <a:t>FISH</a:t>
+                <a:t>SCULPIN FISH</a:t>
               </a:r>
             </a:p>
             <a:p>
@@ -28004,7 +30021,6 @@
                 <a:rPr lang="sv-SE" sz="2400" dirty="0" smtClean="0"/>
                 <a:t>ABUNDANCE</a:t>
               </a:r>
-              <a:endParaRPr lang="sv-SE" sz="2400" dirty="0" smtClean="0"/>
             </a:p>
           </p:txBody>
         </p:sp>
@@ -28538,7 +30554,6 @@
                 <a:rPr lang="sv-SE" sz="1400" dirty="0" smtClean="0"/>
                 <a:t>= 0.18</a:t>
               </a:r>
-              <a:endParaRPr lang="sv-SE" sz="1400" dirty="0" smtClean="0"/>
             </a:p>
             <a:p>
               <a:r>
@@ -28609,11 +30624,7 @@
               </a:r>
               <a:r>
                 <a:rPr lang="sv-SE" sz="1400" dirty="0" smtClean="0"/>
-                <a:t>= </a:t>
-              </a:r>
-              <a:r>
-                <a:rPr lang="sv-SE" sz="1400" dirty="0" smtClean="0"/>
-                <a:t>0.14</a:t>
+                <a:t>= 0.14</a:t>
               </a:r>
             </a:p>
             <a:p>
@@ -28631,11 +30642,7 @@
               </a:r>
               <a:r>
                 <a:rPr lang="sv-SE" sz="1400" dirty="0" smtClean="0"/>
-                <a:t>= </a:t>
-              </a:r>
-              <a:r>
-                <a:rPr lang="sv-SE" sz="1400" dirty="0" smtClean="0"/>
-                <a:t>0.52 </a:t>
+                <a:t>= 0.52 </a:t>
               </a:r>
               <a:endParaRPr lang="sv-SE" sz="1400" dirty="0"/>
             </a:p>
@@ -29004,1222 +31011,7 @@
 </p:sld>
 </file>
 
-<file path=ppt/slides/slide3.xml><?xml version="1.0" encoding="utf-8"?>
-<p:sld xmlns:a="http://schemas.openxmlformats.org/drawingml/2006/main" xmlns:r="http://schemas.openxmlformats.org/officeDocument/2006/relationships" xmlns:p="http://schemas.openxmlformats.org/presentationml/2006/main">
-  <p:cSld>
-    <p:spTree>
-      <p:nvGrpSpPr>
-        <p:cNvPr id="1" name=""/>
-        <p:cNvGrpSpPr/>
-        <p:nvPr/>
-      </p:nvGrpSpPr>
-      <p:grpSpPr>
-        <a:xfrm>
-          <a:off x="0" y="0"/>
-          <a:ext cx="0" cy="0"/>
-          <a:chOff x="0" y="0"/>
-          <a:chExt cx="0" cy="0"/>
-        </a:xfrm>
-      </p:grpSpPr>
-      <p:sp>
-        <p:nvSpPr>
-          <p:cNvPr id="2" name="TextBox 1"/>
-          <p:cNvSpPr txBox="1"/>
-          <p:nvPr/>
-        </p:nvSpPr>
-        <p:spPr>
-          <a:xfrm>
-            <a:off x="5103342" y="221745"/>
-            <a:ext cx="1606379" cy="369332"/>
-          </a:xfrm>
-          <a:prstGeom prst="rect">
-            <a:avLst/>
-          </a:prstGeom>
-          <a:noFill/>
-        </p:spPr>
-        <p:txBody>
-          <a:bodyPr wrap="square" rtlCol="0">
-            <a:spAutoFit/>
-          </a:bodyPr>
-          <a:lstStyle/>
-          <a:p>
-            <a:pPr algn="ctr"/>
-            <a:r>
-              <a:rPr lang="sv-SE" dirty="0" smtClean="0"/>
-              <a:t>Catchment</a:t>
-            </a:r>
-            <a:endParaRPr lang="en-US" dirty="0"/>
-          </a:p>
-        </p:txBody>
-      </p:sp>
-      <p:sp>
-        <p:nvSpPr>
-          <p:cNvPr id="3" name="TextBox 2"/>
-          <p:cNvSpPr txBox="1"/>
-          <p:nvPr/>
-        </p:nvSpPr>
-        <p:spPr>
-          <a:xfrm>
-            <a:off x="1824679" y="1452265"/>
-            <a:ext cx="1606379" cy="369332"/>
-          </a:xfrm>
-          <a:prstGeom prst="rect">
-            <a:avLst/>
-          </a:prstGeom>
-          <a:noFill/>
-          <a:ln>
-            <a:solidFill>
-              <a:schemeClr val="accent1">
-                <a:lumMod val="75000"/>
-              </a:schemeClr>
-            </a:solidFill>
-          </a:ln>
-        </p:spPr>
-        <p:txBody>
-          <a:bodyPr wrap="square" rtlCol="0">
-            <a:spAutoFit/>
-          </a:bodyPr>
-          <a:lstStyle/>
-          <a:p>
-            <a:pPr algn="ctr"/>
-            <a:r>
-              <a:rPr lang="sv-SE" dirty="0" smtClean="0"/>
-              <a:t>River1</a:t>
-            </a:r>
-            <a:endParaRPr lang="en-US" dirty="0"/>
-          </a:p>
-        </p:txBody>
-      </p:sp>
-      <p:sp>
-        <p:nvSpPr>
-          <p:cNvPr id="4" name="TextBox 3"/>
-          <p:cNvSpPr txBox="1"/>
-          <p:nvPr/>
-        </p:nvSpPr>
-        <p:spPr>
-          <a:xfrm>
-            <a:off x="4913869" y="1452265"/>
-            <a:ext cx="1606379" cy="369332"/>
-          </a:xfrm>
-          <a:prstGeom prst="rect">
-            <a:avLst/>
-          </a:prstGeom>
-          <a:noFill/>
-          <a:ln>
-            <a:solidFill>
-              <a:schemeClr val="accent1">
-                <a:lumMod val="75000"/>
-              </a:schemeClr>
-            </a:solidFill>
-          </a:ln>
-        </p:spPr>
-        <p:txBody>
-          <a:bodyPr wrap="square" rtlCol="0">
-            <a:spAutoFit/>
-          </a:bodyPr>
-          <a:lstStyle/>
-          <a:p>
-            <a:pPr algn="ctr"/>
-            <a:r>
-              <a:rPr lang="sv-SE" dirty="0" smtClean="0"/>
-              <a:t>River2</a:t>
-            </a:r>
-            <a:endParaRPr lang="en-US" dirty="0"/>
-          </a:p>
-        </p:txBody>
-      </p:sp>
-      <p:sp>
-        <p:nvSpPr>
-          <p:cNvPr id="5" name="TextBox 4"/>
-          <p:cNvSpPr txBox="1"/>
-          <p:nvPr/>
-        </p:nvSpPr>
-        <p:spPr>
-          <a:xfrm>
-            <a:off x="8435544" y="1452265"/>
-            <a:ext cx="1606379" cy="369332"/>
-          </a:xfrm>
-          <a:prstGeom prst="rect">
-            <a:avLst/>
-          </a:prstGeom>
-          <a:noFill/>
-          <a:ln>
-            <a:solidFill>
-              <a:schemeClr val="accent1">
-                <a:lumMod val="75000"/>
-              </a:schemeClr>
-            </a:solidFill>
-          </a:ln>
-        </p:spPr>
-        <p:txBody>
-          <a:bodyPr wrap="square" rtlCol="0">
-            <a:spAutoFit/>
-          </a:bodyPr>
-          <a:lstStyle/>
-          <a:p>
-            <a:pPr algn="ctr"/>
-            <a:r>
-              <a:rPr lang="sv-SE" dirty="0" smtClean="0"/>
-              <a:t>River3</a:t>
-            </a:r>
-            <a:endParaRPr lang="en-US" dirty="0"/>
-          </a:p>
-        </p:txBody>
-      </p:sp>
-      <p:sp>
-        <p:nvSpPr>
-          <p:cNvPr id="7" name="TextBox 6"/>
-          <p:cNvSpPr txBox="1"/>
-          <p:nvPr/>
-        </p:nvSpPr>
-        <p:spPr>
-          <a:xfrm>
-            <a:off x="481910" y="2932673"/>
-            <a:ext cx="1210962" cy="378941"/>
-          </a:xfrm>
-          <a:prstGeom prst="rect">
-            <a:avLst/>
-          </a:prstGeom>
-          <a:noFill/>
-          <a:ln>
-            <a:solidFill>
-              <a:schemeClr val="accent1">
-                <a:lumMod val="75000"/>
-              </a:schemeClr>
-            </a:solidFill>
-          </a:ln>
-        </p:spPr>
-        <p:txBody>
-          <a:bodyPr wrap="square" rtlCol="0">
-            <a:spAutoFit/>
-          </a:bodyPr>
-          <a:lstStyle/>
-          <a:p>
-            <a:pPr algn="ctr"/>
-            <a:r>
-              <a:rPr lang="sv-SE" dirty="0" smtClean="0"/>
-              <a:t>AVG_Site1</a:t>
-            </a:r>
-            <a:endParaRPr lang="en-US" dirty="0"/>
-          </a:p>
-        </p:txBody>
-      </p:sp>
-      <p:sp>
-        <p:nvSpPr>
-          <p:cNvPr id="9" name="TextBox 8"/>
-          <p:cNvSpPr txBox="1"/>
-          <p:nvPr/>
-        </p:nvSpPr>
-        <p:spPr>
-          <a:xfrm>
-            <a:off x="3760572" y="2932673"/>
-            <a:ext cx="1210962" cy="378941"/>
-          </a:xfrm>
-          <a:prstGeom prst="rect">
-            <a:avLst/>
-          </a:prstGeom>
-          <a:noFill/>
-          <a:ln>
-            <a:solidFill>
-              <a:schemeClr val="accent1">
-                <a:lumMod val="75000"/>
-              </a:schemeClr>
-            </a:solidFill>
-          </a:ln>
-        </p:spPr>
-        <p:txBody>
-          <a:bodyPr wrap="square" rtlCol="0">
-            <a:spAutoFit/>
-          </a:bodyPr>
-          <a:lstStyle/>
-          <a:p>
-            <a:pPr algn="ctr"/>
-            <a:r>
-              <a:rPr lang="sv-SE" dirty="0" smtClean="0"/>
-              <a:t>AVG_Site3</a:t>
-            </a:r>
-            <a:endParaRPr lang="en-US" dirty="0"/>
-          </a:p>
-        </p:txBody>
-      </p:sp>
-      <p:sp>
-        <p:nvSpPr>
-          <p:cNvPr id="10" name="TextBox 9"/>
-          <p:cNvSpPr txBox="1"/>
-          <p:nvPr/>
-        </p:nvSpPr>
-        <p:spPr>
-          <a:xfrm>
-            <a:off x="32950" y="4102443"/>
-            <a:ext cx="1186249" cy="369332"/>
-          </a:xfrm>
-          <a:prstGeom prst="rect">
-            <a:avLst/>
-          </a:prstGeom>
-          <a:noFill/>
-        </p:spPr>
-        <p:txBody>
-          <a:bodyPr wrap="square" rtlCol="0">
-            <a:spAutoFit/>
-          </a:bodyPr>
-          <a:lstStyle/>
-          <a:p>
-            <a:r>
-              <a:rPr lang="sv-SE" dirty="0" smtClean="0"/>
-              <a:t>Lat_long1</a:t>
-            </a:r>
-            <a:endParaRPr lang="en-US" dirty="0"/>
-          </a:p>
-        </p:txBody>
-      </p:sp>
-      <p:sp>
-        <p:nvSpPr>
-          <p:cNvPr id="12" name="TextBox 11"/>
-          <p:cNvSpPr txBox="1"/>
-          <p:nvPr/>
-        </p:nvSpPr>
-        <p:spPr>
-          <a:xfrm>
-            <a:off x="1540473" y="4112052"/>
-            <a:ext cx="1186249" cy="369332"/>
-          </a:xfrm>
-          <a:prstGeom prst="rect">
-            <a:avLst/>
-          </a:prstGeom>
-          <a:noFill/>
-        </p:spPr>
-        <p:txBody>
-          <a:bodyPr wrap="square" rtlCol="0">
-            <a:spAutoFit/>
-          </a:bodyPr>
-          <a:lstStyle/>
-          <a:p>
-            <a:r>
-              <a:rPr lang="sv-SE" dirty="0" smtClean="0"/>
-              <a:t>Lat_long2</a:t>
-            </a:r>
-            <a:endParaRPr lang="en-US" dirty="0"/>
-          </a:p>
-        </p:txBody>
-      </p:sp>
-      <p:sp>
-        <p:nvSpPr>
-          <p:cNvPr id="13" name="TextBox 12"/>
-          <p:cNvSpPr txBox="1"/>
-          <p:nvPr/>
-        </p:nvSpPr>
-        <p:spPr>
-          <a:xfrm>
-            <a:off x="148282" y="5214551"/>
-            <a:ext cx="733167" cy="369332"/>
-          </a:xfrm>
-          <a:prstGeom prst="rect">
-            <a:avLst/>
-          </a:prstGeom>
-          <a:noFill/>
-          <a:ln>
-            <a:solidFill>
-              <a:srgbClr val="FF0000"/>
-            </a:solidFill>
-          </a:ln>
-        </p:spPr>
-        <p:txBody>
-          <a:bodyPr wrap="square" rtlCol="0">
-            <a:spAutoFit/>
-          </a:bodyPr>
-          <a:lstStyle/>
-          <a:p>
-            <a:r>
-              <a:rPr lang="sv-SE" dirty="0" smtClean="0"/>
-              <a:t>year1</a:t>
-            </a:r>
-            <a:endParaRPr lang="en-US" dirty="0"/>
-          </a:p>
-        </p:txBody>
-      </p:sp>
-      <p:sp>
-        <p:nvSpPr>
-          <p:cNvPr id="14" name="TextBox 13"/>
-          <p:cNvSpPr txBox="1"/>
-          <p:nvPr/>
-        </p:nvSpPr>
-        <p:spPr>
-          <a:xfrm>
-            <a:off x="1058562" y="5214551"/>
-            <a:ext cx="733167" cy="369332"/>
-          </a:xfrm>
-          <a:prstGeom prst="rect">
-            <a:avLst/>
-          </a:prstGeom>
-          <a:noFill/>
-          <a:ln>
-            <a:solidFill>
-              <a:srgbClr val="FF0000"/>
-            </a:solidFill>
-          </a:ln>
-        </p:spPr>
-        <p:txBody>
-          <a:bodyPr wrap="square" rtlCol="0">
-            <a:spAutoFit/>
-          </a:bodyPr>
-          <a:lstStyle/>
-          <a:p>
-            <a:r>
-              <a:rPr lang="sv-SE" dirty="0" smtClean="0"/>
-              <a:t>year2</a:t>
-            </a:r>
-            <a:endParaRPr lang="en-US" dirty="0"/>
-          </a:p>
-        </p:txBody>
-      </p:sp>
-      <p:sp>
-        <p:nvSpPr>
-          <p:cNvPr id="18" name="Rectangle 17"/>
-          <p:cNvSpPr/>
-          <p:nvPr/>
-        </p:nvSpPr>
-        <p:spPr>
-          <a:xfrm>
-            <a:off x="4913870" y="39827"/>
-            <a:ext cx="2005914" cy="733168"/>
-          </a:xfrm>
-          <a:prstGeom prst="rect">
-            <a:avLst/>
-          </a:prstGeom>
-          <a:noFill/>
-        </p:spPr>
-        <p:style>
-          <a:lnRef idx="2">
-            <a:schemeClr val="accent1">
-              <a:shade val="50000"/>
-            </a:schemeClr>
-          </a:lnRef>
-          <a:fillRef idx="1">
-            <a:schemeClr val="accent1"/>
-          </a:fillRef>
-          <a:effectRef idx="0">
-            <a:schemeClr val="accent1"/>
-          </a:effectRef>
-          <a:fontRef idx="minor">
-            <a:schemeClr val="lt1"/>
-          </a:fontRef>
-        </p:style>
-        <p:txBody>
-          <a:bodyPr rtlCol="0" anchor="ctr"/>
-          <a:lstStyle/>
-          <a:p>
-            <a:pPr algn="ctr"/>
-            <a:endParaRPr lang="en-US"/>
-          </a:p>
-        </p:txBody>
-      </p:sp>
-      <p:cxnSp>
-        <p:nvCxnSpPr>
-          <p:cNvPr id="20" name="Straight Arrow Connector 19"/>
-          <p:cNvCxnSpPr>
-            <a:stCxn id="7" idx="2"/>
-            <a:endCxn id="10" idx="0"/>
-          </p:cNvCxnSpPr>
-          <p:nvPr/>
-        </p:nvCxnSpPr>
-        <p:spPr>
-          <a:xfrm flipH="1">
-            <a:off x="626075" y="3311614"/>
-            <a:ext cx="461316" cy="790829"/>
-          </a:xfrm>
-          <a:prstGeom prst="straightConnector1">
-            <a:avLst/>
-          </a:prstGeom>
-          <a:ln>
-            <a:tailEnd type="triangle"/>
-          </a:ln>
-        </p:spPr>
-        <p:style>
-          <a:lnRef idx="1">
-            <a:schemeClr val="accent1"/>
-          </a:lnRef>
-          <a:fillRef idx="0">
-            <a:schemeClr val="accent1"/>
-          </a:fillRef>
-          <a:effectRef idx="0">
-            <a:schemeClr val="accent1"/>
-          </a:effectRef>
-          <a:fontRef idx="minor">
-            <a:schemeClr val="tx1"/>
-          </a:fontRef>
-        </p:style>
-      </p:cxnSp>
-      <p:cxnSp>
-        <p:nvCxnSpPr>
-          <p:cNvPr id="22" name="Straight Arrow Connector 21"/>
-          <p:cNvCxnSpPr>
-            <a:stCxn id="7" idx="2"/>
-          </p:cNvCxnSpPr>
-          <p:nvPr/>
-        </p:nvCxnSpPr>
-        <p:spPr>
-          <a:xfrm>
-            <a:off x="1087391" y="3311614"/>
-            <a:ext cx="539577" cy="790829"/>
-          </a:xfrm>
-          <a:prstGeom prst="straightConnector1">
-            <a:avLst/>
-          </a:prstGeom>
-          <a:ln>
-            <a:tailEnd type="triangle"/>
-          </a:ln>
-        </p:spPr>
-        <p:style>
-          <a:lnRef idx="1">
-            <a:schemeClr val="accent1"/>
-          </a:lnRef>
-          <a:fillRef idx="0">
-            <a:schemeClr val="accent1"/>
-          </a:fillRef>
-          <a:effectRef idx="0">
-            <a:schemeClr val="accent1"/>
-          </a:effectRef>
-          <a:fontRef idx="minor">
-            <a:schemeClr val="tx1"/>
-          </a:fontRef>
-        </p:style>
-      </p:cxnSp>
-      <p:cxnSp>
-        <p:nvCxnSpPr>
-          <p:cNvPr id="25" name="Straight Arrow Connector 24"/>
-          <p:cNvCxnSpPr>
-            <a:stCxn id="10" idx="2"/>
-          </p:cNvCxnSpPr>
-          <p:nvPr/>
-        </p:nvCxnSpPr>
-        <p:spPr>
-          <a:xfrm>
-            <a:off x="626075" y="4471775"/>
-            <a:ext cx="0" cy="578020"/>
-          </a:xfrm>
-          <a:prstGeom prst="straightConnector1">
-            <a:avLst/>
-          </a:prstGeom>
-          <a:ln>
-            <a:tailEnd type="triangle"/>
-          </a:ln>
-        </p:spPr>
-        <p:style>
-          <a:lnRef idx="1">
-            <a:schemeClr val="accent1"/>
-          </a:lnRef>
-          <a:fillRef idx="0">
-            <a:schemeClr val="accent1"/>
-          </a:fillRef>
-          <a:effectRef idx="0">
-            <a:schemeClr val="accent1"/>
-          </a:effectRef>
-          <a:fontRef idx="minor">
-            <a:schemeClr val="tx1"/>
-          </a:fontRef>
-        </p:style>
-      </p:cxnSp>
-      <p:cxnSp>
-        <p:nvCxnSpPr>
-          <p:cNvPr id="27" name="Straight Arrow Connector 26"/>
-          <p:cNvCxnSpPr>
-            <a:stCxn id="10" idx="2"/>
-          </p:cNvCxnSpPr>
-          <p:nvPr/>
-        </p:nvCxnSpPr>
-        <p:spPr>
-          <a:xfrm>
-            <a:off x="626075" y="4471775"/>
-            <a:ext cx="724930" cy="627447"/>
-          </a:xfrm>
-          <a:prstGeom prst="straightConnector1">
-            <a:avLst/>
-          </a:prstGeom>
-          <a:ln>
-            <a:tailEnd type="triangle"/>
-          </a:ln>
-        </p:spPr>
-        <p:style>
-          <a:lnRef idx="1">
-            <a:schemeClr val="accent1"/>
-          </a:lnRef>
-          <a:fillRef idx="0">
-            <a:schemeClr val="accent1"/>
-          </a:fillRef>
-          <a:effectRef idx="0">
-            <a:schemeClr val="accent1"/>
-          </a:effectRef>
-          <a:fontRef idx="minor">
-            <a:schemeClr val="tx1"/>
-          </a:fontRef>
-        </p:style>
-      </p:cxnSp>
-      <p:sp>
-        <p:nvSpPr>
-          <p:cNvPr id="30" name="TextBox 29"/>
-          <p:cNvSpPr txBox="1"/>
-          <p:nvPr/>
-        </p:nvSpPr>
-        <p:spPr>
-          <a:xfrm>
-            <a:off x="3921212" y="4102443"/>
-            <a:ext cx="1186249" cy="369332"/>
-          </a:xfrm>
-          <a:prstGeom prst="rect">
-            <a:avLst/>
-          </a:prstGeom>
-          <a:noFill/>
-        </p:spPr>
-        <p:txBody>
-          <a:bodyPr wrap="square" rtlCol="0">
-            <a:spAutoFit/>
-          </a:bodyPr>
-          <a:lstStyle/>
-          <a:p>
-            <a:r>
-              <a:rPr lang="sv-SE" dirty="0" smtClean="0"/>
-              <a:t>Lat_long1</a:t>
-            </a:r>
-            <a:endParaRPr lang="en-US" dirty="0"/>
-          </a:p>
-        </p:txBody>
-      </p:sp>
-      <p:sp>
-        <p:nvSpPr>
-          <p:cNvPr id="31" name="TextBox 30"/>
-          <p:cNvSpPr txBox="1"/>
-          <p:nvPr/>
-        </p:nvSpPr>
-        <p:spPr>
-          <a:xfrm>
-            <a:off x="4036544" y="5214551"/>
-            <a:ext cx="733167" cy="369332"/>
-          </a:xfrm>
-          <a:prstGeom prst="rect">
-            <a:avLst/>
-          </a:prstGeom>
-          <a:noFill/>
-          <a:ln>
-            <a:solidFill>
-              <a:srgbClr val="FF0000"/>
-            </a:solidFill>
-          </a:ln>
-        </p:spPr>
-        <p:txBody>
-          <a:bodyPr wrap="square" rtlCol="0">
-            <a:spAutoFit/>
-          </a:bodyPr>
-          <a:lstStyle/>
-          <a:p>
-            <a:r>
-              <a:rPr lang="sv-SE" dirty="0" smtClean="0"/>
-              <a:t>year1</a:t>
-            </a:r>
-            <a:endParaRPr lang="en-US" dirty="0"/>
-          </a:p>
-        </p:txBody>
-      </p:sp>
-      <p:cxnSp>
-        <p:nvCxnSpPr>
-          <p:cNvPr id="36" name="Straight Arrow Connector 35"/>
-          <p:cNvCxnSpPr/>
-          <p:nvPr/>
-        </p:nvCxnSpPr>
-        <p:spPr>
-          <a:xfrm>
-            <a:off x="4337219" y="4587104"/>
-            <a:ext cx="0" cy="627447"/>
-          </a:xfrm>
-          <a:prstGeom prst="straightConnector1">
-            <a:avLst/>
-          </a:prstGeom>
-          <a:ln>
-            <a:tailEnd type="triangle"/>
-          </a:ln>
-        </p:spPr>
-        <p:style>
-          <a:lnRef idx="1">
-            <a:schemeClr val="accent1"/>
-          </a:lnRef>
-          <a:fillRef idx="0">
-            <a:schemeClr val="accent1"/>
-          </a:fillRef>
-          <a:effectRef idx="0">
-            <a:schemeClr val="accent1"/>
-          </a:effectRef>
-          <a:fontRef idx="minor">
-            <a:schemeClr val="tx1"/>
-          </a:fontRef>
-        </p:style>
-      </p:cxnSp>
-      <p:cxnSp>
-        <p:nvCxnSpPr>
-          <p:cNvPr id="37" name="Straight Arrow Connector 36"/>
-          <p:cNvCxnSpPr/>
-          <p:nvPr/>
-        </p:nvCxnSpPr>
-        <p:spPr>
-          <a:xfrm>
-            <a:off x="4337219" y="3392619"/>
-            <a:ext cx="0" cy="627447"/>
-          </a:xfrm>
-          <a:prstGeom prst="straightConnector1">
-            <a:avLst/>
-          </a:prstGeom>
-          <a:ln>
-            <a:tailEnd type="triangle"/>
-          </a:ln>
-        </p:spPr>
-        <p:style>
-          <a:lnRef idx="1">
-            <a:schemeClr val="accent1"/>
-          </a:lnRef>
-          <a:fillRef idx="0">
-            <a:schemeClr val="accent1"/>
-          </a:fillRef>
-          <a:effectRef idx="0">
-            <a:schemeClr val="accent1"/>
-          </a:effectRef>
-          <a:fontRef idx="minor">
-            <a:schemeClr val="tx1"/>
-          </a:fontRef>
-        </p:style>
-      </p:cxnSp>
-      <p:cxnSp>
-        <p:nvCxnSpPr>
-          <p:cNvPr id="39" name="Straight Arrow Connector 38"/>
-          <p:cNvCxnSpPr>
-            <a:stCxn id="3" idx="2"/>
-          </p:cNvCxnSpPr>
-          <p:nvPr/>
-        </p:nvCxnSpPr>
-        <p:spPr>
-          <a:xfrm>
-            <a:off x="2627869" y="1821597"/>
-            <a:ext cx="98853" cy="1111076"/>
-          </a:xfrm>
-          <a:prstGeom prst="straightConnector1">
-            <a:avLst/>
-          </a:prstGeom>
-          <a:ln>
-            <a:tailEnd type="triangle"/>
-          </a:ln>
-        </p:spPr>
-        <p:style>
-          <a:lnRef idx="1">
-            <a:schemeClr val="accent1"/>
-          </a:lnRef>
-          <a:fillRef idx="0">
-            <a:schemeClr val="accent1"/>
-          </a:fillRef>
-          <a:effectRef idx="0">
-            <a:schemeClr val="accent1"/>
-          </a:effectRef>
-          <a:fontRef idx="minor">
-            <a:schemeClr val="tx1"/>
-          </a:fontRef>
-        </p:style>
-      </p:cxnSp>
-      <p:cxnSp>
-        <p:nvCxnSpPr>
-          <p:cNvPr id="41" name="Straight Arrow Connector 40"/>
-          <p:cNvCxnSpPr>
-            <a:stCxn id="3" idx="2"/>
-            <a:endCxn id="9" idx="0"/>
-          </p:cNvCxnSpPr>
-          <p:nvPr/>
-        </p:nvCxnSpPr>
-        <p:spPr>
-          <a:xfrm>
-            <a:off x="2627869" y="1821597"/>
-            <a:ext cx="1738184" cy="1111076"/>
-          </a:xfrm>
-          <a:prstGeom prst="straightConnector1">
-            <a:avLst/>
-          </a:prstGeom>
-          <a:ln>
-            <a:tailEnd type="triangle"/>
-          </a:ln>
-        </p:spPr>
-        <p:style>
-          <a:lnRef idx="1">
-            <a:schemeClr val="accent1"/>
-          </a:lnRef>
-          <a:fillRef idx="0">
-            <a:schemeClr val="accent1"/>
-          </a:fillRef>
-          <a:effectRef idx="0">
-            <a:schemeClr val="accent1"/>
-          </a:effectRef>
-          <a:fontRef idx="minor">
-            <a:schemeClr val="tx1"/>
-          </a:fontRef>
-        </p:style>
-      </p:cxnSp>
-      <p:cxnSp>
-        <p:nvCxnSpPr>
-          <p:cNvPr id="43" name="Straight Arrow Connector 42"/>
-          <p:cNvCxnSpPr>
-            <a:stCxn id="3" idx="2"/>
-            <a:endCxn id="7" idx="0"/>
-          </p:cNvCxnSpPr>
-          <p:nvPr/>
-        </p:nvCxnSpPr>
-        <p:spPr>
-          <a:xfrm flipH="1">
-            <a:off x="1087391" y="1821597"/>
-            <a:ext cx="1540478" cy="1111076"/>
-          </a:xfrm>
-          <a:prstGeom prst="straightConnector1">
-            <a:avLst/>
-          </a:prstGeom>
-          <a:ln>
-            <a:tailEnd type="triangle"/>
-          </a:ln>
-        </p:spPr>
-        <p:style>
-          <a:lnRef idx="1">
-            <a:schemeClr val="accent1"/>
-          </a:lnRef>
-          <a:fillRef idx="0">
-            <a:schemeClr val="accent1"/>
-          </a:fillRef>
-          <a:effectRef idx="0">
-            <a:schemeClr val="accent1"/>
-          </a:effectRef>
-          <a:fontRef idx="minor">
-            <a:schemeClr val="tx1"/>
-          </a:fontRef>
-        </p:style>
-      </p:cxnSp>
-      <p:cxnSp>
-        <p:nvCxnSpPr>
-          <p:cNvPr id="45" name="Straight Arrow Connector 44"/>
-          <p:cNvCxnSpPr>
-            <a:stCxn id="18" idx="2"/>
-          </p:cNvCxnSpPr>
-          <p:nvPr/>
-        </p:nvCxnSpPr>
-        <p:spPr>
-          <a:xfrm flipH="1">
-            <a:off x="5914768" y="772995"/>
-            <a:ext cx="2059" cy="677730"/>
-          </a:xfrm>
-          <a:prstGeom prst="straightConnector1">
-            <a:avLst/>
-          </a:prstGeom>
-          <a:ln>
-            <a:tailEnd type="triangle"/>
-          </a:ln>
-        </p:spPr>
-        <p:style>
-          <a:lnRef idx="1">
-            <a:schemeClr val="accent1"/>
-          </a:lnRef>
-          <a:fillRef idx="0">
-            <a:schemeClr val="accent1"/>
-          </a:fillRef>
-          <a:effectRef idx="0">
-            <a:schemeClr val="accent1"/>
-          </a:effectRef>
-          <a:fontRef idx="minor">
-            <a:schemeClr val="tx1"/>
-          </a:fontRef>
-        </p:style>
-      </p:cxnSp>
-      <p:cxnSp>
-        <p:nvCxnSpPr>
-          <p:cNvPr id="47" name="Straight Arrow Connector 46"/>
-          <p:cNvCxnSpPr>
-            <a:stCxn id="18" idx="2"/>
-            <a:endCxn id="3" idx="0"/>
-          </p:cNvCxnSpPr>
-          <p:nvPr/>
-        </p:nvCxnSpPr>
-        <p:spPr>
-          <a:xfrm flipH="1">
-            <a:off x="2627869" y="772995"/>
-            <a:ext cx="3288958" cy="679270"/>
-          </a:xfrm>
-          <a:prstGeom prst="straightConnector1">
-            <a:avLst/>
-          </a:prstGeom>
-          <a:ln>
-            <a:tailEnd type="triangle"/>
-          </a:ln>
-        </p:spPr>
-        <p:style>
-          <a:lnRef idx="1">
-            <a:schemeClr val="accent1"/>
-          </a:lnRef>
-          <a:fillRef idx="0">
-            <a:schemeClr val="accent1"/>
-          </a:fillRef>
-          <a:effectRef idx="0">
-            <a:schemeClr val="accent1"/>
-          </a:effectRef>
-          <a:fontRef idx="minor">
-            <a:schemeClr val="tx1"/>
-          </a:fontRef>
-        </p:style>
-      </p:cxnSp>
-      <p:cxnSp>
-        <p:nvCxnSpPr>
-          <p:cNvPr id="49" name="Straight Arrow Connector 48"/>
-          <p:cNvCxnSpPr>
-            <a:stCxn id="18" idx="2"/>
-            <a:endCxn id="5" idx="0"/>
-          </p:cNvCxnSpPr>
-          <p:nvPr/>
-        </p:nvCxnSpPr>
-        <p:spPr>
-          <a:xfrm>
-            <a:off x="5916827" y="772995"/>
-            <a:ext cx="3321907" cy="679270"/>
-          </a:xfrm>
-          <a:prstGeom prst="straightConnector1">
-            <a:avLst/>
-          </a:prstGeom>
-          <a:ln>
-            <a:tailEnd type="triangle"/>
-          </a:ln>
-        </p:spPr>
-        <p:style>
-          <a:lnRef idx="1">
-            <a:schemeClr val="accent1"/>
-          </a:lnRef>
-          <a:fillRef idx="0">
-            <a:schemeClr val="accent1"/>
-          </a:fillRef>
-          <a:effectRef idx="0">
-            <a:schemeClr val="accent1"/>
-          </a:effectRef>
-          <a:fontRef idx="minor">
-            <a:schemeClr val="tx1"/>
-          </a:fontRef>
-        </p:style>
-      </p:cxnSp>
-      <p:sp>
-        <p:nvSpPr>
-          <p:cNvPr id="51" name="TextBox 50"/>
-          <p:cNvSpPr txBox="1"/>
-          <p:nvPr/>
-        </p:nvSpPr>
-        <p:spPr>
-          <a:xfrm>
-            <a:off x="1886462" y="5214551"/>
-            <a:ext cx="1318058" cy="369332"/>
-          </a:xfrm>
-          <a:prstGeom prst="rect">
-            <a:avLst/>
-          </a:prstGeom>
-          <a:noFill/>
-        </p:spPr>
-        <p:txBody>
-          <a:bodyPr wrap="square" rtlCol="0">
-            <a:spAutoFit/>
-          </a:bodyPr>
-          <a:lstStyle/>
-          <a:p>
-            <a:r>
-              <a:rPr lang="sv-SE" i="1" dirty="0" smtClean="0">
-                <a:solidFill>
-                  <a:schemeClr val="accent6">
-                    <a:lumMod val="75000"/>
-                  </a:schemeClr>
-                </a:solidFill>
-              </a:rPr>
-              <a:t>n=</a:t>
-            </a:r>
-            <a:r>
-              <a:rPr lang="sv-SE" b="1" i="1" dirty="0" smtClean="0">
-                <a:solidFill>
-                  <a:schemeClr val="accent6">
-                    <a:lumMod val="75000"/>
-                  </a:schemeClr>
-                </a:solidFill>
-              </a:rPr>
-              <a:t>1,2</a:t>
-            </a:r>
-            <a:r>
-              <a:rPr lang="sv-SE" i="1" dirty="0" smtClean="0">
-                <a:solidFill>
-                  <a:schemeClr val="accent6">
-                    <a:lumMod val="75000"/>
-                  </a:schemeClr>
-                </a:solidFill>
-              </a:rPr>
-              <a:t>,3…15</a:t>
-            </a:r>
-            <a:endParaRPr lang="en-US" i="1" dirty="0">
-              <a:solidFill>
-                <a:schemeClr val="accent6">
-                  <a:lumMod val="75000"/>
-                </a:schemeClr>
-              </a:solidFill>
-            </a:endParaRPr>
-          </a:p>
-        </p:txBody>
-      </p:sp>
-      <p:sp>
-        <p:nvSpPr>
-          <p:cNvPr id="52" name="TextBox 51"/>
-          <p:cNvSpPr txBox="1"/>
-          <p:nvPr/>
-        </p:nvSpPr>
-        <p:spPr>
-          <a:xfrm>
-            <a:off x="2561968" y="4121661"/>
-            <a:ext cx="1318058" cy="369332"/>
-          </a:xfrm>
-          <a:prstGeom prst="rect">
-            <a:avLst/>
-          </a:prstGeom>
-          <a:noFill/>
-        </p:spPr>
-        <p:txBody>
-          <a:bodyPr wrap="square" rtlCol="0">
-            <a:spAutoFit/>
-          </a:bodyPr>
-          <a:lstStyle/>
-          <a:p>
-            <a:r>
-              <a:rPr lang="sv-SE" i="1" dirty="0" smtClean="0">
-                <a:solidFill>
-                  <a:schemeClr val="accent6">
-                    <a:lumMod val="75000"/>
-                  </a:schemeClr>
-                </a:solidFill>
-              </a:rPr>
-              <a:t>n=</a:t>
-            </a:r>
-            <a:r>
-              <a:rPr lang="sv-SE" b="1" i="1" dirty="0" smtClean="0">
-                <a:solidFill>
-                  <a:schemeClr val="accent6">
-                    <a:lumMod val="75000"/>
-                  </a:schemeClr>
-                </a:solidFill>
-              </a:rPr>
-              <a:t>1</a:t>
-            </a:r>
-            <a:r>
-              <a:rPr lang="sv-SE" i="1" dirty="0" smtClean="0">
-                <a:solidFill>
-                  <a:schemeClr val="accent6">
-                    <a:lumMod val="75000"/>
-                  </a:schemeClr>
-                </a:solidFill>
-              </a:rPr>
-              <a:t>,2,3</a:t>
-            </a:r>
-            <a:endParaRPr lang="en-US" i="1" dirty="0">
-              <a:solidFill>
-                <a:schemeClr val="accent6">
-                  <a:lumMod val="75000"/>
-                </a:schemeClr>
-              </a:solidFill>
-            </a:endParaRPr>
-          </a:p>
-        </p:txBody>
-      </p:sp>
-      <p:sp>
-        <p:nvSpPr>
-          <p:cNvPr id="53" name="TextBox 52"/>
-          <p:cNvSpPr txBox="1"/>
-          <p:nvPr/>
-        </p:nvSpPr>
-        <p:spPr>
-          <a:xfrm>
-            <a:off x="5115705" y="2932673"/>
-            <a:ext cx="1318058" cy="369332"/>
-          </a:xfrm>
-          <a:prstGeom prst="rect">
-            <a:avLst/>
-          </a:prstGeom>
-          <a:noFill/>
-        </p:spPr>
-        <p:txBody>
-          <a:bodyPr wrap="square" rtlCol="0">
-            <a:spAutoFit/>
-          </a:bodyPr>
-          <a:lstStyle/>
-          <a:p>
-            <a:r>
-              <a:rPr lang="sv-SE" i="1" dirty="0" smtClean="0">
-                <a:solidFill>
-                  <a:schemeClr val="accent6">
-                    <a:lumMod val="75000"/>
-                  </a:schemeClr>
-                </a:solidFill>
-              </a:rPr>
-              <a:t>n=</a:t>
-            </a:r>
-            <a:r>
-              <a:rPr lang="sv-SE" b="1" i="1" dirty="0" smtClean="0">
-                <a:solidFill>
-                  <a:schemeClr val="accent6">
-                    <a:lumMod val="75000"/>
-                  </a:schemeClr>
-                </a:solidFill>
-              </a:rPr>
-              <a:t>1</a:t>
-            </a:r>
-            <a:r>
-              <a:rPr lang="sv-SE" i="1" dirty="0" smtClean="0">
-                <a:solidFill>
-                  <a:schemeClr val="accent6">
-                    <a:lumMod val="75000"/>
-                  </a:schemeClr>
-                </a:solidFill>
-              </a:rPr>
-              <a:t>,</a:t>
-            </a:r>
-            <a:r>
-              <a:rPr lang="sv-SE" b="1" i="1" dirty="0" smtClean="0">
-                <a:solidFill>
-                  <a:schemeClr val="accent6">
-                    <a:lumMod val="75000"/>
-                  </a:schemeClr>
-                </a:solidFill>
-              </a:rPr>
-              <a:t>2,</a:t>
-            </a:r>
-            <a:r>
-              <a:rPr lang="sv-SE" i="1" dirty="0" smtClean="0">
-                <a:solidFill>
-                  <a:schemeClr val="accent6">
-                    <a:lumMod val="75000"/>
-                  </a:schemeClr>
-                </a:solidFill>
-              </a:rPr>
-              <a:t>3..5</a:t>
-            </a:r>
-            <a:endParaRPr lang="en-US" i="1" dirty="0">
-              <a:solidFill>
-                <a:schemeClr val="accent6">
-                  <a:lumMod val="75000"/>
-                </a:schemeClr>
-              </a:solidFill>
-            </a:endParaRPr>
-          </a:p>
-        </p:txBody>
-      </p:sp>
-      <p:sp>
-        <p:nvSpPr>
-          <p:cNvPr id="32" name="Rectangle 31"/>
-          <p:cNvSpPr/>
-          <p:nvPr/>
-        </p:nvSpPr>
-        <p:spPr>
-          <a:xfrm>
-            <a:off x="41359" y="3352453"/>
-            <a:ext cx="6425516" cy="3329448"/>
-          </a:xfrm>
-          <a:prstGeom prst="rect">
-            <a:avLst/>
-          </a:prstGeom>
-          <a:solidFill>
-            <a:schemeClr val="accent1">
-              <a:lumMod val="40000"/>
-              <a:lumOff val="60000"/>
-              <a:alpha val="86000"/>
-            </a:schemeClr>
-          </a:solidFill>
-          <a:ln>
-            <a:solidFill>
-              <a:schemeClr val="accent1">
-                <a:lumMod val="20000"/>
-                <a:lumOff val="80000"/>
-              </a:schemeClr>
-            </a:solidFill>
-          </a:ln>
-        </p:spPr>
-        <p:style>
-          <a:lnRef idx="2">
-            <a:schemeClr val="accent1">
-              <a:shade val="50000"/>
-            </a:schemeClr>
-          </a:lnRef>
-          <a:fillRef idx="1">
-            <a:schemeClr val="accent1"/>
-          </a:fillRef>
-          <a:effectRef idx="0">
-            <a:schemeClr val="accent1"/>
-          </a:effectRef>
-          <a:fontRef idx="minor">
-            <a:schemeClr val="lt1"/>
-          </a:fontRef>
-        </p:style>
-        <p:txBody>
-          <a:bodyPr rtlCol="0" anchor="ctr"/>
-          <a:lstStyle/>
-          <a:p>
-            <a:pPr algn="ctr"/>
-            <a:endParaRPr lang="en-US"/>
-          </a:p>
-        </p:txBody>
-      </p:sp>
-      <p:sp>
-        <p:nvSpPr>
-          <p:cNvPr id="33" name="TextBox 32"/>
-          <p:cNvSpPr txBox="1"/>
-          <p:nvPr/>
-        </p:nvSpPr>
-        <p:spPr>
-          <a:xfrm>
-            <a:off x="2121241" y="2932673"/>
-            <a:ext cx="1210962" cy="378941"/>
-          </a:xfrm>
-          <a:prstGeom prst="rect">
-            <a:avLst/>
-          </a:prstGeom>
-          <a:noFill/>
-          <a:ln>
-            <a:solidFill>
-              <a:schemeClr val="accent1">
-                <a:lumMod val="75000"/>
-              </a:schemeClr>
-            </a:solidFill>
-          </a:ln>
-        </p:spPr>
-        <p:txBody>
-          <a:bodyPr wrap="square" rtlCol="0">
-            <a:spAutoFit/>
-          </a:bodyPr>
-          <a:lstStyle/>
-          <a:p>
-            <a:pPr algn="ctr"/>
-            <a:r>
-              <a:rPr lang="sv-SE" dirty="0" smtClean="0">
-                <a:solidFill>
-                  <a:srgbClr val="FF0000"/>
-                </a:solidFill>
-              </a:rPr>
-              <a:t>AVG_NA</a:t>
-            </a:r>
-            <a:endParaRPr lang="en-US" dirty="0">
-              <a:solidFill>
-                <a:srgbClr val="FF0000"/>
-              </a:solidFill>
-            </a:endParaRPr>
-          </a:p>
-        </p:txBody>
-      </p:sp>
-    </p:spTree>
-    <p:extLst>
-      <p:ext uri="{BB962C8B-B14F-4D97-AF65-F5344CB8AC3E}">
-        <p14:creationId xmlns:p14="http://schemas.microsoft.com/office/powerpoint/2010/main" val="1619471862"/>
-      </p:ext>
-    </p:extLst>
-  </p:cSld>
-  <p:clrMapOvr>
-    <a:masterClrMapping/>
-  </p:clrMapOvr>
-</p:sld>
-</file>
-
-<file path=ppt/slides/slide30.xml><?xml version="1.0" encoding="utf-8"?>
+<file path=ppt/slides/slide31.xml><?xml version="1.0" encoding="utf-8"?>
 <p:sld xmlns:a="http://schemas.openxmlformats.org/drawingml/2006/main" xmlns:r="http://schemas.openxmlformats.org/officeDocument/2006/relationships" xmlns:p="http://schemas.openxmlformats.org/presentationml/2006/main">
   <p:cSld>
     <p:spTree>
@@ -30336,7 +31128,7 @@
 </p:sld>
 </file>
 
-<file path=ppt/slides/slide31.xml><?xml version="1.0" encoding="utf-8"?>
+<file path=ppt/slides/slide32.xml><?xml version="1.0" encoding="utf-8"?>
 <p:sld xmlns:a="http://schemas.openxmlformats.org/drawingml/2006/main" xmlns:r="http://schemas.openxmlformats.org/officeDocument/2006/relationships" xmlns:p="http://schemas.openxmlformats.org/presentationml/2006/main">
   <p:cSld>
     <p:spTree>
@@ -30396,7 +31188,7 @@
 </p:sld>
 </file>
 
-<file path=ppt/slides/slide32.xml><?xml version="1.0" encoding="utf-8"?>
+<file path=ppt/slides/slide33.xml><?xml version="1.0" encoding="utf-8"?>
 <p:sld xmlns:a="http://schemas.openxmlformats.org/drawingml/2006/main" xmlns:r="http://schemas.openxmlformats.org/officeDocument/2006/relationships" xmlns:p="http://schemas.openxmlformats.org/presentationml/2006/main">
   <p:cSld>
     <p:spTree>
@@ -31948,7 +32740,7 @@
 </p:sld>
 </file>
 
-<file path=ppt/slides/slide33.xml><?xml version="1.0" encoding="utf-8"?>
+<file path=ppt/slides/slide34.xml><?xml version="1.0" encoding="utf-8"?>
 <p:sld xmlns:a="http://schemas.openxmlformats.org/drawingml/2006/main" xmlns:r="http://schemas.openxmlformats.org/officeDocument/2006/relationships" xmlns:p="http://schemas.openxmlformats.org/presentationml/2006/main">
   <p:cSld>
     <p:spTree>
@@ -32458,7 +33250,7 @@
 </p:sld>
 </file>
 
-<file path=ppt/slides/slide34.xml><?xml version="1.0" encoding="utf-8"?>
+<file path=ppt/slides/slide35.xml><?xml version="1.0" encoding="utf-8"?>
 <p:sld xmlns:a="http://schemas.openxmlformats.org/drawingml/2006/main" xmlns:r="http://schemas.openxmlformats.org/officeDocument/2006/relationships" xmlns:p="http://schemas.openxmlformats.org/presentationml/2006/main">
   <p:cSld>
     <p:spTree>
@@ -32587,7 +33379,7 @@
 </p:sld>
 </file>
 
-<file path=ppt/slides/slide35.xml><?xml version="1.0" encoding="utf-8"?>
+<file path=ppt/slides/slide36.xml><?xml version="1.0" encoding="utf-8"?>
 <p:sld xmlns:a="http://schemas.openxmlformats.org/drawingml/2006/main" xmlns:r="http://schemas.openxmlformats.org/officeDocument/2006/relationships" xmlns:p="http://schemas.openxmlformats.org/presentationml/2006/main">
   <p:cSld>
     <p:spTree>
@@ -33674,7 +34466,7 @@
 </p:sld>
 </file>
 
-<file path=ppt/slides/slide36.xml><?xml version="1.0" encoding="utf-8"?>
+<file path=ppt/slides/slide37.xml><?xml version="1.0" encoding="utf-8"?>
 <p:sld xmlns:a="http://schemas.openxmlformats.org/drawingml/2006/main" xmlns:r="http://schemas.openxmlformats.org/officeDocument/2006/relationships" xmlns:p="http://schemas.openxmlformats.org/presentationml/2006/main">
   <p:cSld>
     <p:spTree>
@@ -34112,7 +34904,7 @@
 </p:sld>
 </file>
 
-<file path=ppt/slides/slide37.xml><?xml version="1.0" encoding="utf-8"?>
+<file path=ppt/slides/slide38.xml><?xml version="1.0" encoding="utf-8"?>
 <p:sld xmlns:a="http://schemas.openxmlformats.org/drawingml/2006/main" xmlns:r="http://schemas.openxmlformats.org/officeDocument/2006/relationships" xmlns:p="http://schemas.openxmlformats.org/presentationml/2006/main">
   <p:cSld>
     <p:spTree>
@@ -35883,7 +36675,7 @@
 </p:sld>
 </file>
 
-<file path=ppt/slides/slide38.xml><?xml version="1.0" encoding="utf-8"?>
+<file path=ppt/slides/slide39.xml><?xml version="1.0" encoding="utf-8"?>
 <p:sld xmlns:a="http://schemas.openxmlformats.org/drawingml/2006/main" xmlns:r="http://schemas.openxmlformats.org/officeDocument/2006/relationships" xmlns:p="http://schemas.openxmlformats.org/presentationml/2006/main">
   <p:cSld>
     <p:spTree>
@@ -37276,962 +38068,6 @@
 </p:sld>
 </file>
 
-<file path=ppt/slides/slide39.xml><?xml version="1.0" encoding="utf-8"?>
-<p:sld xmlns:a="http://schemas.openxmlformats.org/drawingml/2006/main" xmlns:r="http://schemas.openxmlformats.org/officeDocument/2006/relationships" xmlns:p="http://schemas.openxmlformats.org/presentationml/2006/main">
-  <p:cSld>
-    <p:spTree>
-      <p:nvGrpSpPr>
-        <p:cNvPr id="1" name=""/>
-        <p:cNvGrpSpPr/>
-        <p:nvPr/>
-      </p:nvGrpSpPr>
-      <p:grpSpPr>
-        <a:xfrm>
-          <a:off x="0" y="0"/>
-          <a:ext cx="0" cy="0"/>
-          <a:chOff x="0" y="0"/>
-          <a:chExt cx="0" cy="0"/>
-        </a:xfrm>
-      </p:grpSpPr>
-      <p:sp>
-        <p:nvSpPr>
-          <p:cNvPr id="2" name="TextBox 1"/>
-          <p:cNvSpPr txBox="1"/>
-          <p:nvPr/>
-        </p:nvSpPr>
-        <p:spPr>
-          <a:xfrm>
-            <a:off x="7264111" y="78340"/>
-            <a:ext cx="4803842" cy="1200329"/>
-          </a:xfrm>
-          <a:prstGeom prst="rect">
-            <a:avLst/>
-          </a:prstGeom>
-          <a:noFill/>
-        </p:spPr>
-        <p:txBody>
-          <a:bodyPr wrap="square" rtlCol="0">
-            <a:spAutoFit/>
-          </a:bodyPr>
-          <a:lstStyle/>
-          <a:p>
-            <a:r>
-              <a:rPr lang="en-US" dirty="0"/>
-              <a:t>fish </a:t>
-            </a:r>
-            <a:r>
-              <a:rPr lang="en-US" dirty="0" err="1"/>
-              <a:t>spp</a:t>
-            </a:r>
-            <a:r>
-              <a:rPr lang="en-US" dirty="0"/>
-              <a:t> as exogenous and continuous: </a:t>
-            </a:r>
-            <a:endParaRPr lang="en-US" dirty="0" smtClean="0"/>
-          </a:p>
-          <a:p>
-            <a:endParaRPr lang="en-US" dirty="0"/>
-          </a:p>
-          <a:p>
-            <a:r>
-              <a:rPr lang="en-US" dirty="0" smtClean="0"/>
-              <a:t>Lake </a:t>
-            </a:r>
-            <a:r>
-              <a:rPr lang="en-US" dirty="0"/>
-              <a:t>and </a:t>
-            </a:r>
-            <a:r>
-              <a:rPr lang="en-US" dirty="0" err="1"/>
-              <a:t>Gedda</a:t>
-            </a:r>
-            <a:r>
-              <a:rPr lang="en-US" dirty="0"/>
-              <a:t> show negative relationships. marginal R2= 11 and 11</a:t>
-            </a:r>
-          </a:p>
-        </p:txBody>
-      </p:sp>
-      <p:sp>
-        <p:nvSpPr>
-          <p:cNvPr id="3" name="TextBox 2"/>
-          <p:cNvSpPr txBox="1"/>
-          <p:nvPr/>
-        </p:nvSpPr>
-        <p:spPr>
-          <a:xfrm>
-            <a:off x="44604" y="0"/>
-            <a:ext cx="4632424" cy="369332"/>
-          </a:xfrm>
-          <a:prstGeom prst="rect">
-            <a:avLst/>
-          </a:prstGeom>
-          <a:noFill/>
-        </p:spPr>
-        <p:txBody>
-          <a:bodyPr wrap="square" rtlCol="0">
-            <a:spAutoFit/>
-          </a:bodyPr>
-          <a:lstStyle/>
-          <a:p>
-            <a:r>
-              <a:rPr lang="sv-SE" dirty="0" smtClean="0"/>
-              <a:t>1a) FULL DATASET WITHOUT Nas (n=5263)</a:t>
-            </a:r>
-            <a:endParaRPr lang="en-US" dirty="0"/>
-          </a:p>
-        </p:txBody>
-      </p:sp>
-      <p:pic>
-        <p:nvPicPr>
-          <p:cNvPr id="4" name="Picture 3"/>
-          <p:cNvPicPr>
-            <a:picLocks noChangeAspect="1"/>
-          </p:cNvPicPr>
-          <p:nvPr/>
-        </p:nvPicPr>
-        <p:blipFill>
-          <a:blip r:embed="rId3"/>
-          <a:stretch>
-            <a:fillRect/>
-          </a:stretch>
-        </p:blipFill>
-        <p:spPr>
-          <a:xfrm>
-            <a:off x="6847672" y="1533235"/>
-            <a:ext cx="4876190" cy="4238095"/>
-          </a:xfrm>
-          <a:prstGeom prst="rect">
-            <a:avLst/>
-          </a:prstGeom>
-        </p:spPr>
-      </p:pic>
-      <p:sp>
-        <p:nvSpPr>
-          <p:cNvPr id="5" name="TextBox 4"/>
-          <p:cNvSpPr txBox="1"/>
-          <p:nvPr/>
-        </p:nvSpPr>
-        <p:spPr>
-          <a:xfrm>
-            <a:off x="138223" y="327348"/>
-            <a:ext cx="7125888" cy="6601807"/>
-          </a:xfrm>
-          <a:prstGeom prst="rect">
-            <a:avLst/>
-          </a:prstGeom>
-          <a:noFill/>
-        </p:spPr>
-        <p:txBody>
-          <a:bodyPr wrap="square" rtlCol="0">
-            <a:spAutoFit/>
-          </a:bodyPr>
-          <a:lstStyle/>
-          <a:p>
-            <a:r>
-              <a:rPr lang="en-US" sz="900" dirty="0"/>
-              <a:t>&gt; M2 = list(</a:t>
-            </a:r>
-          </a:p>
-          <a:p>
-            <a:r>
-              <a:rPr lang="en-US" sz="900" dirty="0"/>
-              <a:t>+   </a:t>
-            </a:r>
-            <a:r>
-              <a:rPr lang="en-US" sz="900" dirty="0" err="1"/>
-              <a:t>lme</a:t>
-            </a:r>
-            <a:r>
-              <a:rPr lang="en-US" sz="900" dirty="0"/>
-              <a:t>(log_OringTOT~Average_air_temperature+Distance_to_sea+Wetted_width+Av_depth+log_LWD+SUB1+Julian_date+Slope_percent</a:t>
-            </a:r>
-          </a:p>
-          <a:p>
-            <a:r>
-              <a:rPr lang="en-US" sz="900" dirty="0"/>
-              <a:t>+       +</a:t>
-            </a:r>
-            <a:r>
-              <a:rPr lang="en-US" sz="900" dirty="0" err="1"/>
-              <a:t>GEdda+Lake</a:t>
-            </a:r>
-            <a:r>
-              <a:rPr lang="en-US" sz="900" dirty="0"/>
-              <a:t>,</a:t>
-            </a:r>
-          </a:p>
-          <a:p>
-            <a:r>
-              <a:rPr lang="en-US" sz="900" dirty="0"/>
-              <a:t>+       random=~1|River_name/</a:t>
-            </a:r>
-            <a:r>
-              <a:rPr lang="en-US" sz="900" dirty="0" err="1"/>
-              <a:t>Catchment_number</a:t>
-            </a:r>
-            <a:r>
-              <a:rPr lang="en-US" sz="900" dirty="0"/>
-              <a:t>, corAR1(form=~Year),data=AV2),</a:t>
-            </a:r>
-          </a:p>
-          <a:p>
-            <a:r>
-              <a:rPr lang="en-US" sz="900" dirty="0"/>
-              <a:t>+   </a:t>
-            </a:r>
-            <a:r>
-              <a:rPr lang="en-US" sz="900" dirty="0" err="1"/>
-              <a:t>lme</a:t>
-            </a:r>
-            <a:r>
-              <a:rPr lang="en-US" sz="900" dirty="0"/>
-              <a:t>(log_LWD~Average_air_temperature+Distance_to_sea+Av_depth+Wetted_width+Year+Julian_date+Slope_percent,</a:t>
-            </a:r>
-          </a:p>
-          <a:p>
-            <a:r>
-              <a:rPr lang="en-US" sz="900" dirty="0"/>
-              <a:t>+       random=~1|River_name/</a:t>
-            </a:r>
-            <a:r>
-              <a:rPr lang="en-US" sz="900" dirty="0" err="1"/>
-              <a:t>Catchment_number</a:t>
-            </a:r>
-            <a:r>
-              <a:rPr lang="en-US" sz="900" dirty="0"/>
-              <a:t>, corAR1(form=~Year),data=AV2))</a:t>
-            </a:r>
-          </a:p>
-          <a:p>
-            <a:r>
-              <a:rPr lang="en-US" sz="900" dirty="0"/>
-              <a:t>&gt; </a:t>
-            </a:r>
-            <a:r>
-              <a:rPr lang="en-US" sz="900" dirty="0" err="1"/>
-              <a:t>sem.fit</a:t>
-            </a:r>
-            <a:r>
-              <a:rPr lang="en-US" sz="900" dirty="0"/>
-              <a:t>(M2,AV2)</a:t>
-            </a:r>
-          </a:p>
-          <a:p>
-            <a:r>
-              <a:rPr lang="en-US" sz="900" dirty="0"/>
-              <a:t>  |===============================================================================================================| 100%</a:t>
-            </a:r>
-          </a:p>
-          <a:p>
-            <a:r>
-              <a:rPr lang="en-US" sz="900" dirty="0"/>
-              <a:t>Conditional variables have been omitted from output table for clarity (or use argument conditional = T)</a:t>
-            </a:r>
-          </a:p>
-          <a:p>
-            <a:r>
-              <a:rPr lang="en-US" sz="900" dirty="0"/>
-              <a:t>$</a:t>
-            </a:r>
-            <a:r>
-              <a:rPr lang="en-US" sz="900" dirty="0" err="1"/>
-              <a:t>missing.paths</a:t>
-            </a:r>
-            <a:endParaRPr lang="en-US" sz="900" dirty="0"/>
-          </a:p>
-          <a:p>
-            <a:r>
-              <a:rPr lang="en-US" sz="900" dirty="0"/>
-              <a:t>               </a:t>
-            </a:r>
-            <a:r>
-              <a:rPr lang="en-US" sz="900" dirty="0" err="1"/>
-              <a:t>missing.path</a:t>
-            </a:r>
-            <a:r>
-              <a:rPr lang="en-US" sz="900" dirty="0"/>
-              <a:t> estimate </a:t>
-            </a:r>
-            <a:r>
-              <a:rPr lang="en-US" sz="900" dirty="0" err="1"/>
-              <a:t>std.error</a:t>
-            </a:r>
-            <a:r>
-              <a:rPr lang="en-US" sz="900" dirty="0"/>
-              <a:t>   </a:t>
-            </a:r>
-            <a:r>
-              <a:rPr lang="en-US" sz="900" dirty="0" err="1"/>
-              <a:t>df</a:t>
-            </a:r>
-            <a:r>
-              <a:rPr lang="en-US" sz="900" dirty="0"/>
-              <a:t> </a:t>
-            </a:r>
-            <a:r>
-              <a:rPr lang="en-US" sz="900" dirty="0" err="1"/>
-              <a:t>crit.value</a:t>
-            </a:r>
-            <a:r>
-              <a:rPr lang="en-US" sz="900" dirty="0"/>
-              <a:t> </a:t>
-            </a:r>
-            <a:r>
-              <a:rPr lang="en-US" sz="900" dirty="0" err="1"/>
-              <a:t>p.value</a:t>
-            </a:r>
-            <a:r>
-              <a:rPr lang="en-US" sz="900" dirty="0"/>
-              <a:t> </a:t>
-            </a:r>
-          </a:p>
-          <a:p>
-            <a:r>
-              <a:rPr lang="en-US" sz="900" dirty="0"/>
-              <a:t>1      </a:t>
-            </a:r>
-            <a:r>
-              <a:rPr lang="en-US" sz="900" dirty="0" err="1"/>
-              <a:t>log_LWD</a:t>
-            </a:r>
-            <a:r>
-              <a:rPr lang="en-US" sz="900" dirty="0"/>
-              <a:t> ~ SUB1 + ...  -0.0045    0.0132 4073    -0.3387  0.7349 </a:t>
-            </a:r>
-          </a:p>
-          <a:p>
-            <a:r>
-              <a:rPr lang="en-US" sz="900" dirty="0"/>
-              <a:t>2     </a:t>
-            </a:r>
-            <a:r>
-              <a:rPr lang="en-US" sz="900" dirty="0" err="1"/>
-              <a:t>log_LWD</a:t>
-            </a:r>
-            <a:r>
-              <a:rPr lang="en-US" sz="900" dirty="0"/>
-              <a:t> ~ </a:t>
-            </a:r>
-            <a:r>
-              <a:rPr lang="en-US" sz="900" dirty="0" err="1"/>
-              <a:t>GEdda</a:t>
-            </a:r>
-            <a:r>
-              <a:rPr lang="en-US" sz="900" dirty="0"/>
-              <a:t> + ...  -0.0131    0.0110 4073    -1.1876  0.2351 </a:t>
-            </a:r>
-          </a:p>
-          <a:p>
-            <a:r>
-              <a:rPr lang="en-US" sz="900" dirty="0"/>
-              <a:t>3      </a:t>
-            </a:r>
-            <a:r>
-              <a:rPr lang="en-US" sz="900" dirty="0" err="1"/>
-              <a:t>log_LWD</a:t>
-            </a:r>
-            <a:r>
-              <a:rPr lang="en-US" sz="900" dirty="0"/>
-              <a:t> ~ Lake + ...  -0.0062    0.0056 4073    -1.1110  0.2666 </a:t>
-            </a:r>
-          </a:p>
-          <a:p>
-            <a:r>
-              <a:rPr lang="en-US" sz="900" dirty="0"/>
-              <a:t>4 </a:t>
-            </a:r>
-            <a:r>
-              <a:rPr lang="en-US" sz="900" dirty="0" err="1"/>
-              <a:t>log_OringTOT</a:t>
-            </a:r>
-            <a:r>
-              <a:rPr lang="en-US" sz="900" dirty="0"/>
-              <a:t> ~ Year + ...   0.0038    0.0028 4070     1.3699  0.1708 </a:t>
-            </a:r>
-          </a:p>
-          <a:p>
-            <a:endParaRPr lang="en-US" sz="900" dirty="0"/>
-          </a:p>
-          <a:p>
-            <a:r>
-              <a:rPr lang="en-US" sz="900" dirty="0"/>
-              <a:t>$</a:t>
-            </a:r>
-            <a:r>
-              <a:rPr lang="en-US" sz="900" dirty="0" err="1"/>
-              <a:t>Fisher.C</a:t>
-            </a:r>
-            <a:endParaRPr lang="en-US" sz="900" dirty="0"/>
-          </a:p>
-          <a:p>
-            <a:r>
-              <a:rPr lang="en-US" sz="900" dirty="0"/>
-              <a:t>  </a:t>
-            </a:r>
-            <a:r>
-              <a:rPr lang="en-US" sz="900" dirty="0" err="1"/>
-              <a:t>fisher.c</a:t>
-            </a:r>
-            <a:r>
-              <a:rPr lang="en-US" sz="900" dirty="0"/>
-              <a:t> </a:t>
-            </a:r>
-            <a:r>
-              <a:rPr lang="en-US" sz="900" dirty="0" err="1"/>
-              <a:t>df</a:t>
-            </a:r>
-            <a:r>
-              <a:rPr lang="en-US" sz="900" dirty="0"/>
-              <a:t> </a:t>
-            </a:r>
-            <a:r>
-              <a:rPr lang="en-US" sz="900" dirty="0" err="1"/>
-              <a:t>p.value</a:t>
-            </a:r>
-            <a:endParaRPr lang="en-US" sz="900" dirty="0"/>
-          </a:p>
-          <a:p>
-            <a:r>
-              <a:rPr lang="en-US" sz="900" dirty="0"/>
-              <a:t>1     9.69  8   0.287</a:t>
-            </a:r>
-          </a:p>
-          <a:p>
-            <a:endParaRPr lang="en-US" sz="900" dirty="0"/>
-          </a:p>
-          <a:p>
-            <a:r>
-              <a:rPr lang="en-US" sz="900" dirty="0"/>
-              <a:t>$AIC</a:t>
-            </a:r>
-          </a:p>
-          <a:p>
-            <a:r>
-              <a:rPr lang="en-US" sz="900" dirty="0"/>
-              <a:t>    AIC   </a:t>
-            </a:r>
-            <a:r>
-              <a:rPr lang="en-US" sz="900" dirty="0" err="1"/>
-              <a:t>AICc</a:t>
-            </a:r>
-            <a:r>
-              <a:rPr lang="en-US" sz="900" dirty="0"/>
-              <a:t>  K    n</a:t>
-            </a:r>
-          </a:p>
-          <a:p>
-            <a:r>
-              <a:rPr lang="en-US" sz="900" dirty="0"/>
-              <a:t>1 63.69 63.979 27 5263</a:t>
-            </a:r>
-          </a:p>
-          <a:p>
-            <a:endParaRPr lang="en-US" sz="900" dirty="0"/>
-          </a:p>
-          <a:p>
-            <a:r>
-              <a:rPr lang="en-US" sz="900" dirty="0"/>
-              <a:t>&gt; </a:t>
-            </a:r>
-            <a:r>
-              <a:rPr lang="en-US" sz="900" dirty="0" err="1"/>
-              <a:t>sem.coefs</a:t>
-            </a:r>
-            <a:r>
-              <a:rPr lang="en-US" sz="900" dirty="0"/>
-              <a:t>(M2,AV2)</a:t>
-            </a:r>
-          </a:p>
-          <a:p>
-            <a:r>
-              <a:rPr lang="en-US" sz="900" dirty="0"/>
-              <a:t>       response               predictor     estimate    </a:t>
-            </a:r>
-            <a:r>
-              <a:rPr lang="en-US" sz="900" dirty="0" err="1"/>
-              <a:t>std.error</a:t>
-            </a:r>
-            <a:r>
-              <a:rPr lang="en-US" sz="900" dirty="0"/>
-              <a:t> </a:t>
-            </a:r>
-            <a:r>
-              <a:rPr lang="en-US" sz="900" dirty="0" err="1"/>
-              <a:t>p.value</a:t>
-            </a:r>
-            <a:r>
-              <a:rPr lang="en-US" sz="900" dirty="0"/>
-              <a:t>    </a:t>
-            </a:r>
-          </a:p>
-          <a:p>
-            <a:r>
-              <a:rPr lang="en-US" sz="900" dirty="0"/>
-              <a:t>1  </a:t>
-            </a:r>
-            <a:r>
-              <a:rPr lang="en-US" sz="900" dirty="0" err="1"/>
-              <a:t>log_OringTOT</a:t>
-            </a:r>
-            <a:r>
-              <a:rPr lang="en-US" sz="900" dirty="0"/>
-              <a:t>                </a:t>
-            </a:r>
-            <a:r>
-              <a:rPr lang="en-US" sz="900" dirty="0" err="1"/>
-              <a:t>Av_depth</a:t>
-            </a:r>
-            <a:r>
-              <a:rPr lang="en-US" sz="900" dirty="0"/>
-              <a:t> -2.104019123 0.1553658557  0.0000 ***</a:t>
-            </a:r>
-          </a:p>
-          <a:p>
-            <a:r>
-              <a:rPr lang="en-US" sz="900" dirty="0"/>
-              <a:t>2  </a:t>
-            </a:r>
-            <a:r>
-              <a:rPr lang="en-US" sz="900" dirty="0" err="1"/>
-              <a:t>log_OringTOT</a:t>
-            </a:r>
-            <a:r>
-              <a:rPr lang="en-US" sz="900" dirty="0"/>
-              <a:t>            </a:t>
-            </a:r>
-            <a:r>
-              <a:rPr lang="en-US" sz="900" dirty="0" err="1"/>
-              <a:t>Wetted_width</a:t>
-            </a:r>
-            <a:r>
-              <a:rPr lang="en-US" sz="900" dirty="0"/>
-              <a:t> -0.071268825 0.0077064390  0.0000 ***</a:t>
-            </a:r>
-          </a:p>
-          <a:p>
-            <a:r>
-              <a:rPr lang="en-US" sz="900" dirty="0"/>
-              <a:t>3  </a:t>
-            </a:r>
-            <a:r>
-              <a:rPr lang="en-US" sz="900" dirty="0" err="1"/>
-              <a:t>log_OringTOT</a:t>
-            </a:r>
-            <a:r>
-              <a:rPr lang="en-US" sz="900" dirty="0"/>
-              <a:t>             </a:t>
-            </a:r>
-            <a:r>
-              <a:rPr lang="en-US" sz="900" dirty="0" err="1"/>
-              <a:t>Julian_date</a:t>
-            </a:r>
-            <a:r>
-              <a:rPr lang="en-US" sz="900" dirty="0"/>
-              <a:t> -0.004188240 0.0006583019  0.0000 ***</a:t>
-            </a:r>
-          </a:p>
-          <a:p>
-            <a:r>
-              <a:rPr lang="en-US" sz="900" dirty="0"/>
-              <a:t>4  </a:t>
-            </a:r>
-            <a:r>
-              <a:rPr lang="en-US" sz="900" dirty="0" err="1"/>
-              <a:t>log_OringTOT</a:t>
-            </a:r>
-            <a:r>
-              <a:rPr lang="en-US" sz="900" dirty="0"/>
-              <a:t>                    SUB1  0.101571172 0.0199066129  0.0000 ***</a:t>
-            </a:r>
-          </a:p>
-          <a:p>
-            <a:r>
-              <a:rPr lang="en-US" sz="900" dirty="0"/>
-              <a:t>5  </a:t>
-            </a:r>
-            <a:r>
-              <a:rPr lang="en-US" sz="900" dirty="0" err="1"/>
-              <a:t>log_OringTOT</a:t>
-            </a:r>
-            <a:r>
-              <a:rPr lang="en-US" sz="900" dirty="0"/>
-              <a:t>                    Lake -0.040256787 0.0082705694  0.0000 ***</a:t>
-            </a:r>
-          </a:p>
-          <a:p>
-            <a:r>
-              <a:rPr lang="en-US" sz="900" dirty="0"/>
-              <a:t>6  </a:t>
-            </a:r>
-            <a:r>
-              <a:rPr lang="en-US" sz="900" dirty="0" err="1"/>
-              <a:t>log_OringTOT</a:t>
-            </a:r>
-            <a:r>
-              <a:rPr lang="en-US" sz="900" dirty="0"/>
-              <a:t>         </a:t>
-            </a:r>
-            <a:r>
-              <a:rPr lang="en-US" sz="900" dirty="0" err="1"/>
-              <a:t>Distance_to_sea</a:t>
-            </a:r>
-            <a:r>
-              <a:rPr lang="en-US" sz="900" dirty="0"/>
-              <a:t> -0.003216887 0.0007022876  0.0000 ***</a:t>
-            </a:r>
-          </a:p>
-          <a:p>
-            <a:r>
-              <a:rPr lang="en-US" sz="900" dirty="0"/>
-              <a:t>7  </a:t>
-            </a:r>
-            <a:r>
-              <a:rPr lang="en-US" sz="900" dirty="0" err="1"/>
-              <a:t>log_OringTOT</a:t>
-            </a:r>
-            <a:r>
-              <a:rPr lang="en-US" sz="900" dirty="0"/>
-              <a:t>                   </a:t>
-            </a:r>
-            <a:r>
-              <a:rPr lang="en-US" sz="900" dirty="0" err="1"/>
-              <a:t>GEdda</a:t>
-            </a:r>
-            <a:r>
-              <a:rPr lang="en-US" sz="900" dirty="0"/>
-              <a:t> -0.075370583 0.0169252705  0.0000 ***</a:t>
-            </a:r>
-          </a:p>
-          <a:p>
-            <a:r>
-              <a:rPr lang="en-US" sz="900" dirty="0"/>
-              <a:t>8  </a:t>
-            </a:r>
-            <a:r>
-              <a:rPr lang="en-US" sz="900" dirty="0" err="1"/>
-              <a:t>log_OringTOT</a:t>
-            </a:r>
-            <a:r>
-              <a:rPr lang="en-US" sz="900" dirty="0"/>
-              <a:t> </a:t>
-            </a:r>
-            <a:r>
-              <a:rPr lang="en-US" sz="900" dirty="0" err="1"/>
-              <a:t>Average_air_temperature</a:t>
-            </a:r>
-            <a:r>
-              <a:rPr lang="en-US" sz="900" dirty="0"/>
-              <a:t>  0.096423355 0.0219233320  0.0000 ***</a:t>
-            </a:r>
-          </a:p>
-          <a:p>
-            <a:r>
-              <a:rPr lang="en-US" sz="900" dirty="0"/>
-              <a:t>9  </a:t>
-            </a:r>
-            <a:r>
-              <a:rPr lang="en-US" sz="900" dirty="0" err="1"/>
-              <a:t>log_OringTOT</a:t>
-            </a:r>
-            <a:r>
-              <a:rPr lang="en-US" sz="900" dirty="0"/>
-              <a:t>                 </a:t>
-            </a:r>
-            <a:r>
-              <a:rPr lang="en-US" sz="900" dirty="0" err="1"/>
-              <a:t>log_LWD</a:t>
-            </a:r>
-            <a:r>
-              <a:rPr lang="en-US" sz="900" dirty="0"/>
-              <a:t>  0.085588780 0.0195752458  0.0000 ***</a:t>
-            </a:r>
-          </a:p>
-          <a:p>
-            <a:r>
-              <a:rPr lang="en-US" sz="900" dirty="0"/>
-              <a:t>10 </a:t>
-            </a:r>
-            <a:r>
-              <a:rPr lang="en-US" sz="900" dirty="0" err="1"/>
-              <a:t>log_OringTOT</a:t>
-            </a:r>
-            <a:r>
-              <a:rPr lang="en-US" sz="900" dirty="0"/>
-              <a:t>           </a:t>
-            </a:r>
-            <a:r>
-              <a:rPr lang="en-US" sz="900" dirty="0" err="1"/>
-              <a:t>Slope_percent</a:t>
-            </a:r>
-            <a:r>
-              <a:rPr lang="en-US" sz="900" dirty="0"/>
-              <a:t>  0.053750129 0.0203756264  0.0084  **</a:t>
-            </a:r>
-          </a:p>
-          <a:p>
-            <a:r>
-              <a:rPr lang="en-US" sz="900" dirty="0"/>
-              <a:t>11      </a:t>
-            </a:r>
-            <a:r>
-              <a:rPr lang="en-US" sz="900" dirty="0" err="1"/>
-              <a:t>log_LWD</a:t>
-            </a:r>
-            <a:r>
-              <a:rPr lang="en-US" sz="900" dirty="0"/>
-              <a:t>            </a:t>
-            </a:r>
-            <a:r>
-              <a:rPr lang="en-US" sz="900" dirty="0" err="1"/>
-              <a:t>Wetted_width</a:t>
-            </a:r>
-            <a:r>
-              <a:rPr lang="en-US" sz="900" dirty="0"/>
-              <a:t> -0.051306457 0.0045786817  0.0000 ***</a:t>
-            </a:r>
-          </a:p>
-          <a:p>
-            <a:r>
-              <a:rPr lang="en-US" sz="900" dirty="0"/>
-              <a:t>12      </a:t>
-            </a:r>
-            <a:r>
-              <a:rPr lang="en-US" sz="900" dirty="0" err="1"/>
-              <a:t>log_LWD</a:t>
-            </a:r>
-            <a:r>
-              <a:rPr lang="en-US" sz="900" dirty="0"/>
-              <a:t> </a:t>
-            </a:r>
-            <a:r>
-              <a:rPr lang="en-US" sz="900" dirty="0" err="1"/>
-              <a:t>Average_air_temperature</a:t>
-            </a:r>
-            <a:r>
-              <a:rPr lang="en-US" sz="900" dirty="0"/>
-              <a:t> -0.086397067 0.0109774258  0.0000 ***</a:t>
-            </a:r>
-          </a:p>
-          <a:p>
-            <a:r>
-              <a:rPr lang="en-US" sz="900" dirty="0"/>
-              <a:t>13      </a:t>
-            </a:r>
-            <a:r>
-              <a:rPr lang="en-US" sz="900" dirty="0" err="1"/>
-              <a:t>log_LWD</a:t>
-            </a:r>
-            <a:r>
-              <a:rPr lang="en-US" sz="900" dirty="0"/>
-              <a:t>                    Year  0.014690672 0.0024931123  0.0000 ***</a:t>
-            </a:r>
-          </a:p>
-          <a:p>
-            <a:r>
-              <a:rPr lang="en-US" sz="900" dirty="0"/>
-              <a:t>14      </a:t>
-            </a:r>
-            <a:r>
-              <a:rPr lang="en-US" sz="900" dirty="0" err="1"/>
-              <a:t>log_LWD</a:t>
-            </a:r>
-            <a:r>
-              <a:rPr lang="en-US" sz="900" dirty="0"/>
-              <a:t>         </a:t>
-            </a:r>
-            <a:r>
-              <a:rPr lang="en-US" sz="900" dirty="0" err="1"/>
-              <a:t>Distance_to_sea</a:t>
-            </a:r>
-            <a:r>
-              <a:rPr lang="en-US" sz="900" dirty="0"/>
-              <a:t> -0.002011219 0.0003625159  0.0000 ***</a:t>
-            </a:r>
-          </a:p>
-          <a:p>
-            <a:r>
-              <a:rPr lang="en-US" sz="900" dirty="0"/>
-              <a:t>15      </a:t>
-            </a:r>
-            <a:r>
-              <a:rPr lang="en-US" sz="900" dirty="0" err="1"/>
-              <a:t>log_LWD</a:t>
-            </a:r>
-            <a:r>
-              <a:rPr lang="en-US" sz="900" dirty="0"/>
-              <a:t>           </a:t>
-            </a:r>
-            <a:r>
-              <a:rPr lang="en-US" sz="900" dirty="0" err="1"/>
-              <a:t>Slope_percent</a:t>
-            </a:r>
-            <a:r>
-              <a:rPr lang="en-US" sz="900" dirty="0"/>
-              <a:t>  0.060812149 0.0115345003  0.0000 ***</a:t>
-            </a:r>
-          </a:p>
-          <a:p>
-            <a:r>
-              <a:rPr lang="en-US" sz="900" dirty="0"/>
-              <a:t>16      </a:t>
-            </a:r>
-            <a:r>
-              <a:rPr lang="en-US" sz="900" dirty="0" err="1"/>
-              <a:t>log_LWD</a:t>
-            </a:r>
-            <a:r>
-              <a:rPr lang="en-US" sz="900" dirty="0"/>
-              <a:t>                </a:t>
-            </a:r>
-            <a:r>
-              <a:rPr lang="en-US" sz="900" dirty="0" err="1"/>
-              <a:t>Av_depth</a:t>
-            </a:r>
-            <a:r>
-              <a:rPr lang="en-US" sz="900" dirty="0"/>
-              <a:t> -0.485894969 0.1048185319  0.0000 ***</a:t>
-            </a:r>
-          </a:p>
-          <a:p>
-            <a:r>
-              <a:rPr lang="en-US" sz="900" dirty="0"/>
-              <a:t>17      </a:t>
-            </a:r>
-            <a:r>
-              <a:rPr lang="en-US" sz="900" dirty="0" err="1"/>
-              <a:t>log_LWD</a:t>
-            </a:r>
-            <a:r>
-              <a:rPr lang="en-US" sz="900" dirty="0"/>
-              <a:t>             </a:t>
-            </a:r>
-            <a:r>
-              <a:rPr lang="en-US" sz="900" dirty="0" err="1"/>
-              <a:t>Julian_date</a:t>
-            </a:r>
-            <a:r>
-              <a:rPr lang="en-US" sz="900" dirty="0"/>
-              <a:t> -0.001054309 0.0004429863  0.0174   *</a:t>
-            </a:r>
-          </a:p>
-          <a:p>
-            <a:r>
-              <a:rPr lang="en-US" sz="900" dirty="0"/>
-              <a:t>&gt; </a:t>
-            </a:r>
-            <a:r>
-              <a:rPr lang="en-US" sz="900" dirty="0" err="1"/>
-              <a:t>sem.model.fits</a:t>
-            </a:r>
-            <a:r>
-              <a:rPr lang="en-US" sz="900" dirty="0"/>
-              <a:t>(M2)</a:t>
-            </a:r>
-          </a:p>
-          <a:p>
-            <a:r>
-              <a:rPr lang="en-US" sz="900" dirty="0"/>
-              <a:t>  Class   Family     Link    n  Marginal Conditional</a:t>
-            </a:r>
-          </a:p>
-          <a:p>
-            <a:r>
-              <a:rPr lang="en-US" sz="900" dirty="0"/>
-              <a:t>1   </a:t>
-            </a:r>
-            <a:r>
-              <a:rPr lang="en-US" sz="900" dirty="0" err="1"/>
-              <a:t>lme</a:t>
-            </a:r>
-            <a:r>
-              <a:rPr lang="en-US" sz="900" dirty="0"/>
-              <a:t> </a:t>
-            </a:r>
-            <a:r>
-              <a:rPr lang="en-US" sz="900" dirty="0" err="1"/>
-              <a:t>gaussian</a:t>
-            </a:r>
-            <a:r>
-              <a:rPr lang="en-US" sz="900" dirty="0"/>
-              <a:t> identity 5263 0.1092847   0.8005838</a:t>
-            </a:r>
-          </a:p>
-          <a:p>
-            <a:r>
-              <a:rPr lang="en-US" sz="900" dirty="0"/>
-              <a:t>2   </a:t>
-            </a:r>
-            <a:r>
-              <a:rPr lang="en-US" sz="900" dirty="0" err="1"/>
-              <a:t>lme</a:t>
-            </a:r>
-            <a:r>
-              <a:rPr lang="en-US" sz="900" dirty="0"/>
-              <a:t> </a:t>
-            </a:r>
-            <a:r>
-              <a:rPr lang="en-US" sz="900" dirty="0" err="1"/>
-              <a:t>gaussian</a:t>
-            </a:r>
-            <a:r>
-              <a:rPr lang="en-US" sz="900" dirty="0"/>
-              <a:t> identity 5263 0.1139024   0.5128521</a:t>
-            </a:r>
-          </a:p>
-        </p:txBody>
-      </p:sp>
-      <p:sp>
-        <p:nvSpPr>
-          <p:cNvPr id="6" name="TextBox 5"/>
-          <p:cNvSpPr txBox="1"/>
-          <p:nvPr/>
-        </p:nvSpPr>
-        <p:spPr>
-          <a:xfrm>
-            <a:off x="3909976" y="2115224"/>
-            <a:ext cx="3391798" cy="461665"/>
-          </a:xfrm>
-          <a:prstGeom prst="rect">
-            <a:avLst/>
-          </a:prstGeom>
-          <a:noFill/>
-        </p:spPr>
-        <p:txBody>
-          <a:bodyPr wrap="square" rtlCol="0">
-            <a:spAutoFit/>
-          </a:bodyPr>
-          <a:lstStyle/>
-          <a:p>
-            <a:r>
-              <a:rPr lang="sv-SE" sz="2400" dirty="0" smtClean="0">
-                <a:solidFill>
-                  <a:srgbClr val="FF0000"/>
-                </a:solidFill>
-              </a:rPr>
-              <a:t>Without migrating type</a:t>
-            </a:r>
-            <a:endParaRPr lang="en-US" sz="2400" dirty="0">
-              <a:solidFill>
-                <a:srgbClr val="FF0000"/>
-              </a:solidFill>
-            </a:endParaRPr>
-          </a:p>
-        </p:txBody>
-      </p:sp>
-    </p:spTree>
-    <p:extLst>
-      <p:ext uri="{BB962C8B-B14F-4D97-AF65-F5344CB8AC3E}">
-        <p14:creationId xmlns:p14="http://schemas.microsoft.com/office/powerpoint/2010/main" val="2517941707"/>
-      </p:ext>
-    </p:extLst>
-  </p:cSld>
-  <p:clrMapOvr>
-    <a:masterClrMapping/>
-  </p:clrMapOvr>
-</p:sld>
-</file>
-
 <file path=ppt/slides/slide4.xml><?xml version="1.0" encoding="utf-8"?>
 <p:sld xmlns:a="http://schemas.openxmlformats.org/drawingml/2006/main" xmlns:r="http://schemas.openxmlformats.org/officeDocument/2006/relationships" xmlns:p="http://schemas.openxmlformats.org/presentationml/2006/main">
   <p:cSld>
@@ -38641,6 +38477,962 @@
         </p:nvSpPr>
         <p:spPr>
           <a:xfrm>
+            <a:off x="7264111" y="78340"/>
+            <a:ext cx="4803842" cy="1200329"/>
+          </a:xfrm>
+          <a:prstGeom prst="rect">
+            <a:avLst/>
+          </a:prstGeom>
+          <a:noFill/>
+        </p:spPr>
+        <p:txBody>
+          <a:bodyPr wrap="square" rtlCol="0">
+            <a:spAutoFit/>
+          </a:bodyPr>
+          <a:lstStyle/>
+          <a:p>
+            <a:r>
+              <a:rPr lang="en-US" dirty="0"/>
+              <a:t>fish </a:t>
+            </a:r>
+            <a:r>
+              <a:rPr lang="en-US" dirty="0" err="1"/>
+              <a:t>spp</a:t>
+            </a:r>
+            <a:r>
+              <a:rPr lang="en-US" dirty="0"/>
+              <a:t> as exogenous and continuous: </a:t>
+            </a:r>
+            <a:endParaRPr lang="en-US" dirty="0" smtClean="0"/>
+          </a:p>
+          <a:p>
+            <a:endParaRPr lang="en-US" dirty="0"/>
+          </a:p>
+          <a:p>
+            <a:r>
+              <a:rPr lang="en-US" dirty="0" smtClean="0"/>
+              <a:t>Lake </a:t>
+            </a:r>
+            <a:r>
+              <a:rPr lang="en-US" dirty="0"/>
+              <a:t>and </a:t>
+            </a:r>
+            <a:r>
+              <a:rPr lang="en-US" dirty="0" err="1"/>
+              <a:t>Gedda</a:t>
+            </a:r>
+            <a:r>
+              <a:rPr lang="en-US" dirty="0"/>
+              <a:t> show negative relationships. marginal R2= 11 and 11</a:t>
+            </a:r>
+          </a:p>
+        </p:txBody>
+      </p:sp>
+      <p:sp>
+        <p:nvSpPr>
+          <p:cNvPr id="3" name="TextBox 2"/>
+          <p:cNvSpPr txBox="1"/>
+          <p:nvPr/>
+        </p:nvSpPr>
+        <p:spPr>
+          <a:xfrm>
+            <a:off x="44604" y="0"/>
+            <a:ext cx="4632424" cy="369332"/>
+          </a:xfrm>
+          <a:prstGeom prst="rect">
+            <a:avLst/>
+          </a:prstGeom>
+          <a:noFill/>
+        </p:spPr>
+        <p:txBody>
+          <a:bodyPr wrap="square" rtlCol="0">
+            <a:spAutoFit/>
+          </a:bodyPr>
+          <a:lstStyle/>
+          <a:p>
+            <a:r>
+              <a:rPr lang="sv-SE" dirty="0" smtClean="0"/>
+              <a:t>1a) FULL DATASET WITHOUT Nas (n=5263)</a:t>
+            </a:r>
+            <a:endParaRPr lang="en-US" dirty="0"/>
+          </a:p>
+        </p:txBody>
+      </p:sp>
+      <p:pic>
+        <p:nvPicPr>
+          <p:cNvPr id="4" name="Picture 3"/>
+          <p:cNvPicPr>
+            <a:picLocks noChangeAspect="1"/>
+          </p:cNvPicPr>
+          <p:nvPr/>
+        </p:nvPicPr>
+        <p:blipFill>
+          <a:blip r:embed="rId3"/>
+          <a:stretch>
+            <a:fillRect/>
+          </a:stretch>
+        </p:blipFill>
+        <p:spPr>
+          <a:xfrm>
+            <a:off x="6847672" y="1533235"/>
+            <a:ext cx="4876190" cy="4238095"/>
+          </a:xfrm>
+          <a:prstGeom prst="rect">
+            <a:avLst/>
+          </a:prstGeom>
+        </p:spPr>
+      </p:pic>
+      <p:sp>
+        <p:nvSpPr>
+          <p:cNvPr id="5" name="TextBox 4"/>
+          <p:cNvSpPr txBox="1"/>
+          <p:nvPr/>
+        </p:nvSpPr>
+        <p:spPr>
+          <a:xfrm>
+            <a:off x="138223" y="327348"/>
+            <a:ext cx="7125888" cy="6601807"/>
+          </a:xfrm>
+          <a:prstGeom prst="rect">
+            <a:avLst/>
+          </a:prstGeom>
+          <a:noFill/>
+        </p:spPr>
+        <p:txBody>
+          <a:bodyPr wrap="square" rtlCol="0">
+            <a:spAutoFit/>
+          </a:bodyPr>
+          <a:lstStyle/>
+          <a:p>
+            <a:r>
+              <a:rPr lang="en-US" sz="900" dirty="0"/>
+              <a:t>&gt; M2 = list(</a:t>
+            </a:r>
+          </a:p>
+          <a:p>
+            <a:r>
+              <a:rPr lang="en-US" sz="900" dirty="0"/>
+              <a:t>+   </a:t>
+            </a:r>
+            <a:r>
+              <a:rPr lang="en-US" sz="900" dirty="0" err="1"/>
+              <a:t>lme</a:t>
+            </a:r>
+            <a:r>
+              <a:rPr lang="en-US" sz="900" dirty="0"/>
+              <a:t>(log_OringTOT~Average_air_temperature+Distance_to_sea+Wetted_width+Av_depth+log_LWD+SUB1+Julian_date+Slope_percent</a:t>
+            </a:r>
+          </a:p>
+          <a:p>
+            <a:r>
+              <a:rPr lang="en-US" sz="900" dirty="0"/>
+              <a:t>+       +</a:t>
+            </a:r>
+            <a:r>
+              <a:rPr lang="en-US" sz="900" dirty="0" err="1"/>
+              <a:t>GEdda+Lake</a:t>
+            </a:r>
+            <a:r>
+              <a:rPr lang="en-US" sz="900" dirty="0"/>
+              <a:t>,</a:t>
+            </a:r>
+          </a:p>
+          <a:p>
+            <a:r>
+              <a:rPr lang="en-US" sz="900" dirty="0"/>
+              <a:t>+       random=~1|River_name/</a:t>
+            </a:r>
+            <a:r>
+              <a:rPr lang="en-US" sz="900" dirty="0" err="1"/>
+              <a:t>Catchment_number</a:t>
+            </a:r>
+            <a:r>
+              <a:rPr lang="en-US" sz="900" dirty="0"/>
+              <a:t>, corAR1(form=~Year),data=AV2),</a:t>
+            </a:r>
+          </a:p>
+          <a:p>
+            <a:r>
+              <a:rPr lang="en-US" sz="900" dirty="0"/>
+              <a:t>+   </a:t>
+            </a:r>
+            <a:r>
+              <a:rPr lang="en-US" sz="900" dirty="0" err="1"/>
+              <a:t>lme</a:t>
+            </a:r>
+            <a:r>
+              <a:rPr lang="en-US" sz="900" dirty="0"/>
+              <a:t>(log_LWD~Average_air_temperature+Distance_to_sea+Av_depth+Wetted_width+Year+Julian_date+Slope_percent,</a:t>
+            </a:r>
+          </a:p>
+          <a:p>
+            <a:r>
+              <a:rPr lang="en-US" sz="900" dirty="0"/>
+              <a:t>+       random=~1|River_name/</a:t>
+            </a:r>
+            <a:r>
+              <a:rPr lang="en-US" sz="900" dirty="0" err="1"/>
+              <a:t>Catchment_number</a:t>
+            </a:r>
+            <a:r>
+              <a:rPr lang="en-US" sz="900" dirty="0"/>
+              <a:t>, corAR1(form=~Year),data=AV2))</a:t>
+            </a:r>
+          </a:p>
+          <a:p>
+            <a:r>
+              <a:rPr lang="en-US" sz="900" dirty="0"/>
+              <a:t>&gt; </a:t>
+            </a:r>
+            <a:r>
+              <a:rPr lang="en-US" sz="900" dirty="0" err="1"/>
+              <a:t>sem.fit</a:t>
+            </a:r>
+            <a:r>
+              <a:rPr lang="en-US" sz="900" dirty="0"/>
+              <a:t>(M2,AV2)</a:t>
+            </a:r>
+          </a:p>
+          <a:p>
+            <a:r>
+              <a:rPr lang="en-US" sz="900" dirty="0"/>
+              <a:t>  |===============================================================================================================| 100%</a:t>
+            </a:r>
+          </a:p>
+          <a:p>
+            <a:r>
+              <a:rPr lang="en-US" sz="900" dirty="0"/>
+              <a:t>Conditional variables have been omitted from output table for clarity (or use argument conditional = T)</a:t>
+            </a:r>
+          </a:p>
+          <a:p>
+            <a:r>
+              <a:rPr lang="en-US" sz="900" dirty="0"/>
+              <a:t>$</a:t>
+            </a:r>
+            <a:r>
+              <a:rPr lang="en-US" sz="900" dirty="0" err="1"/>
+              <a:t>missing.paths</a:t>
+            </a:r>
+            <a:endParaRPr lang="en-US" sz="900" dirty="0"/>
+          </a:p>
+          <a:p>
+            <a:r>
+              <a:rPr lang="en-US" sz="900" dirty="0"/>
+              <a:t>               </a:t>
+            </a:r>
+            <a:r>
+              <a:rPr lang="en-US" sz="900" dirty="0" err="1"/>
+              <a:t>missing.path</a:t>
+            </a:r>
+            <a:r>
+              <a:rPr lang="en-US" sz="900" dirty="0"/>
+              <a:t> estimate </a:t>
+            </a:r>
+            <a:r>
+              <a:rPr lang="en-US" sz="900" dirty="0" err="1"/>
+              <a:t>std.error</a:t>
+            </a:r>
+            <a:r>
+              <a:rPr lang="en-US" sz="900" dirty="0"/>
+              <a:t>   </a:t>
+            </a:r>
+            <a:r>
+              <a:rPr lang="en-US" sz="900" dirty="0" err="1"/>
+              <a:t>df</a:t>
+            </a:r>
+            <a:r>
+              <a:rPr lang="en-US" sz="900" dirty="0"/>
+              <a:t> </a:t>
+            </a:r>
+            <a:r>
+              <a:rPr lang="en-US" sz="900" dirty="0" err="1"/>
+              <a:t>crit.value</a:t>
+            </a:r>
+            <a:r>
+              <a:rPr lang="en-US" sz="900" dirty="0"/>
+              <a:t> </a:t>
+            </a:r>
+            <a:r>
+              <a:rPr lang="en-US" sz="900" dirty="0" err="1"/>
+              <a:t>p.value</a:t>
+            </a:r>
+            <a:r>
+              <a:rPr lang="en-US" sz="900" dirty="0"/>
+              <a:t> </a:t>
+            </a:r>
+          </a:p>
+          <a:p>
+            <a:r>
+              <a:rPr lang="en-US" sz="900" dirty="0"/>
+              <a:t>1      </a:t>
+            </a:r>
+            <a:r>
+              <a:rPr lang="en-US" sz="900" dirty="0" err="1"/>
+              <a:t>log_LWD</a:t>
+            </a:r>
+            <a:r>
+              <a:rPr lang="en-US" sz="900" dirty="0"/>
+              <a:t> ~ SUB1 + ...  -0.0045    0.0132 4073    -0.3387  0.7349 </a:t>
+            </a:r>
+          </a:p>
+          <a:p>
+            <a:r>
+              <a:rPr lang="en-US" sz="900" dirty="0"/>
+              <a:t>2     </a:t>
+            </a:r>
+            <a:r>
+              <a:rPr lang="en-US" sz="900" dirty="0" err="1"/>
+              <a:t>log_LWD</a:t>
+            </a:r>
+            <a:r>
+              <a:rPr lang="en-US" sz="900" dirty="0"/>
+              <a:t> ~ </a:t>
+            </a:r>
+            <a:r>
+              <a:rPr lang="en-US" sz="900" dirty="0" err="1"/>
+              <a:t>GEdda</a:t>
+            </a:r>
+            <a:r>
+              <a:rPr lang="en-US" sz="900" dirty="0"/>
+              <a:t> + ...  -0.0131    0.0110 4073    -1.1876  0.2351 </a:t>
+            </a:r>
+          </a:p>
+          <a:p>
+            <a:r>
+              <a:rPr lang="en-US" sz="900" dirty="0"/>
+              <a:t>3      </a:t>
+            </a:r>
+            <a:r>
+              <a:rPr lang="en-US" sz="900" dirty="0" err="1"/>
+              <a:t>log_LWD</a:t>
+            </a:r>
+            <a:r>
+              <a:rPr lang="en-US" sz="900" dirty="0"/>
+              <a:t> ~ Lake + ...  -0.0062    0.0056 4073    -1.1110  0.2666 </a:t>
+            </a:r>
+          </a:p>
+          <a:p>
+            <a:r>
+              <a:rPr lang="en-US" sz="900" dirty="0"/>
+              <a:t>4 </a:t>
+            </a:r>
+            <a:r>
+              <a:rPr lang="en-US" sz="900" dirty="0" err="1"/>
+              <a:t>log_OringTOT</a:t>
+            </a:r>
+            <a:r>
+              <a:rPr lang="en-US" sz="900" dirty="0"/>
+              <a:t> ~ Year + ...   0.0038    0.0028 4070     1.3699  0.1708 </a:t>
+            </a:r>
+          </a:p>
+          <a:p>
+            <a:endParaRPr lang="en-US" sz="900" dirty="0"/>
+          </a:p>
+          <a:p>
+            <a:r>
+              <a:rPr lang="en-US" sz="900" dirty="0"/>
+              <a:t>$</a:t>
+            </a:r>
+            <a:r>
+              <a:rPr lang="en-US" sz="900" dirty="0" err="1"/>
+              <a:t>Fisher.C</a:t>
+            </a:r>
+            <a:endParaRPr lang="en-US" sz="900" dirty="0"/>
+          </a:p>
+          <a:p>
+            <a:r>
+              <a:rPr lang="en-US" sz="900" dirty="0"/>
+              <a:t>  </a:t>
+            </a:r>
+            <a:r>
+              <a:rPr lang="en-US" sz="900" dirty="0" err="1"/>
+              <a:t>fisher.c</a:t>
+            </a:r>
+            <a:r>
+              <a:rPr lang="en-US" sz="900" dirty="0"/>
+              <a:t> </a:t>
+            </a:r>
+            <a:r>
+              <a:rPr lang="en-US" sz="900" dirty="0" err="1"/>
+              <a:t>df</a:t>
+            </a:r>
+            <a:r>
+              <a:rPr lang="en-US" sz="900" dirty="0"/>
+              <a:t> </a:t>
+            </a:r>
+            <a:r>
+              <a:rPr lang="en-US" sz="900" dirty="0" err="1"/>
+              <a:t>p.value</a:t>
+            </a:r>
+            <a:endParaRPr lang="en-US" sz="900" dirty="0"/>
+          </a:p>
+          <a:p>
+            <a:r>
+              <a:rPr lang="en-US" sz="900" dirty="0"/>
+              <a:t>1     9.69  8   0.287</a:t>
+            </a:r>
+          </a:p>
+          <a:p>
+            <a:endParaRPr lang="en-US" sz="900" dirty="0"/>
+          </a:p>
+          <a:p>
+            <a:r>
+              <a:rPr lang="en-US" sz="900" dirty="0"/>
+              <a:t>$AIC</a:t>
+            </a:r>
+          </a:p>
+          <a:p>
+            <a:r>
+              <a:rPr lang="en-US" sz="900" dirty="0"/>
+              <a:t>    AIC   </a:t>
+            </a:r>
+            <a:r>
+              <a:rPr lang="en-US" sz="900" dirty="0" err="1"/>
+              <a:t>AICc</a:t>
+            </a:r>
+            <a:r>
+              <a:rPr lang="en-US" sz="900" dirty="0"/>
+              <a:t>  K    n</a:t>
+            </a:r>
+          </a:p>
+          <a:p>
+            <a:r>
+              <a:rPr lang="en-US" sz="900" dirty="0"/>
+              <a:t>1 63.69 63.979 27 5263</a:t>
+            </a:r>
+          </a:p>
+          <a:p>
+            <a:endParaRPr lang="en-US" sz="900" dirty="0"/>
+          </a:p>
+          <a:p>
+            <a:r>
+              <a:rPr lang="en-US" sz="900" dirty="0"/>
+              <a:t>&gt; </a:t>
+            </a:r>
+            <a:r>
+              <a:rPr lang="en-US" sz="900" dirty="0" err="1"/>
+              <a:t>sem.coefs</a:t>
+            </a:r>
+            <a:r>
+              <a:rPr lang="en-US" sz="900" dirty="0"/>
+              <a:t>(M2,AV2)</a:t>
+            </a:r>
+          </a:p>
+          <a:p>
+            <a:r>
+              <a:rPr lang="en-US" sz="900" dirty="0"/>
+              <a:t>       response               predictor     estimate    </a:t>
+            </a:r>
+            <a:r>
+              <a:rPr lang="en-US" sz="900" dirty="0" err="1"/>
+              <a:t>std.error</a:t>
+            </a:r>
+            <a:r>
+              <a:rPr lang="en-US" sz="900" dirty="0"/>
+              <a:t> </a:t>
+            </a:r>
+            <a:r>
+              <a:rPr lang="en-US" sz="900" dirty="0" err="1"/>
+              <a:t>p.value</a:t>
+            </a:r>
+            <a:r>
+              <a:rPr lang="en-US" sz="900" dirty="0"/>
+              <a:t>    </a:t>
+            </a:r>
+          </a:p>
+          <a:p>
+            <a:r>
+              <a:rPr lang="en-US" sz="900" dirty="0"/>
+              <a:t>1  </a:t>
+            </a:r>
+            <a:r>
+              <a:rPr lang="en-US" sz="900" dirty="0" err="1"/>
+              <a:t>log_OringTOT</a:t>
+            </a:r>
+            <a:r>
+              <a:rPr lang="en-US" sz="900" dirty="0"/>
+              <a:t>                </a:t>
+            </a:r>
+            <a:r>
+              <a:rPr lang="en-US" sz="900" dirty="0" err="1"/>
+              <a:t>Av_depth</a:t>
+            </a:r>
+            <a:r>
+              <a:rPr lang="en-US" sz="900" dirty="0"/>
+              <a:t> -2.104019123 0.1553658557  0.0000 ***</a:t>
+            </a:r>
+          </a:p>
+          <a:p>
+            <a:r>
+              <a:rPr lang="en-US" sz="900" dirty="0"/>
+              <a:t>2  </a:t>
+            </a:r>
+            <a:r>
+              <a:rPr lang="en-US" sz="900" dirty="0" err="1"/>
+              <a:t>log_OringTOT</a:t>
+            </a:r>
+            <a:r>
+              <a:rPr lang="en-US" sz="900" dirty="0"/>
+              <a:t>            </a:t>
+            </a:r>
+            <a:r>
+              <a:rPr lang="en-US" sz="900" dirty="0" err="1"/>
+              <a:t>Wetted_width</a:t>
+            </a:r>
+            <a:r>
+              <a:rPr lang="en-US" sz="900" dirty="0"/>
+              <a:t> -0.071268825 0.0077064390  0.0000 ***</a:t>
+            </a:r>
+          </a:p>
+          <a:p>
+            <a:r>
+              <a:rPr lang="en-US" sz="900" dirty="0"/>
+              <a:t>3  </a:t>
+            </a:r>
+            <a:r>
+              <a:rPr lang="en-US" sz="900" dirty="0" err="1"/>
+              <a:t>log_OringTOT</a:t>
+            </a:r>
+            <a:r>
+              <a:rPr lang="en-US" sz="900" dirty="0"/>
+              <a:t>             </a:t>
+            </a:r>
+            <a:r>
+              <a:rPr lang="en-US" sz="900" dirty="0" err="1"/>
+              <a:t>Julian_date</a:t>
+            </a:r>
+            <a:r>
+              <a:rPr lang="en-US" sz="900" dirty="0"/>
+              <a:t> -0.004188240 0.0006583019  0.0000 ***</a:t>
+            </a:r>
+          </a:p>
+          <a:p>
+            <a:r>
+              <a:rPr lang="en-US" sz="900" dirty="0"/>
+              <a:t>4  </a:t>
+            </a:r>
+            <a:r>
+              <a:rPr lang="en-US" sz="900" dirty="0" err="1"/>
+              <a:t>log_OringTOT</a:t>
+            </a:r>
+            <a:r>
+              <a:rPr lang="en-US" sz="900" dirty="0"/>
+              <a:t>                    SUB1  0.101571172 0.0199066129  0.0000 ***</a:t>
+            </a:r>
+          </a:p>
+          <a:p>
+            <a:r>
+              <a:rPr lang="en-US" sz="900" dirty="0"/>
+              <a:t>5  </a:t>
+            </a:r>
+            <a:r>
+              <a:rPr lang="en-US" sz="900" dirty="0" err="1"/>
+              <a:t>log_OringTOT</a:t>
+            </a:r>
+            <a:r>
+              <a:rPr lang="en-US" sz="900" dirty="0"/>
+              <a:t>                    Lake -0.040256787 0.0082705694  0.0000 ***</a:t>
+            </a:r>
+          </a:p>
+          <a:p>
+            <a:r>
+              <a:rPr lang="en-US" sz="900" dirty="0"/>
+              <a:t>6  </a:t>
+            </a:r>
+            <a:r>
+              <a:rPr lang="en-US" sz="900" dirty="0" err="1"/>
+              <a:t>log_OringTOT</a:t>
+            </a:r>
+            <a:r>
+              <a:rPr lang="en-US" sz="900" dirty="0"/>
+              <a:t>         </a:t>
+            </a:r>
+            <a:r>
+              <a:rPr lang="en-US" sz="900" dirty="0" err="1"/>
+              <a:t>Distance_to_sea</a:t>
+            </a:r>
+            <a:r>
+              <a:rPr lang="en-US" sz="900" dirty="0"/>
+              <a:t> -0.003216887 0.0007022876  0.0000 ***</a:t>
+            </a:r>
+          </a:p>
+          <a:p>
+            <a:r>
+              <a:rPr lang="en-US" sz="900" dirty="0"/>
+              <a:t>7  </a:t>
+            </a:r>
+            <a:r>
+              <a:rPr lang="en-US" sz="900" dirty="0" err="1"/>
+              <a:t>log_OringTOT</a:t>
+            </a:r>
+            <a:r>
+              <a:rPr lang="en-US" sz="900" dirty="0"/>
+              <a:t>                   </a:t>
+            </a:r>
+            <a:r>
+              <a:rPr lang="en-US" sz="900" dirty="0" err="1"/>
+              <a:t>GEdda</a:t>
+            </a:r>
+            <a:r>
+              <a:rPr lang="en-US" sz="900" dirty="0"/>
+              <a:t> -0.075370583 0.0169252705  0.0000 ***</a:t>
+            </a:r>
+          </a:p>
+          <a:p>
+            <a:r>
+              <a:rPr lang="en-US" sz="900" dirty="0"/>
+              <a:t>8  </a:t>
+            </a:r>
+            <a:r>
+              <a:rPr lang="en-US" sz="900" dirty="0" err="1"/>
+              <a:t>log_OringTOT</a:t>
+            </a:r>
+            <a:r>
+              <a:rPr lang="en-US" sz="900" dirty="0"/>
+              <a:t> </a:t>
+            </a:r>
+            <a:r>
+              <a:rPr lang="en-US" sz="900" dirty="0" err="1"/>
+              <a:t>Average_air_temperature</a:t>
+            </a:r>
+            <a:r>
+              <a:rPr lang="en-US" sz="900" dirty="0"/>
+              <a:t>  0.096423355 0.0219233320  0.0000 ***</a:t>
+            </a:r>
+          </a:p>
+          <a:p>
+            <a:r>
+              <a:rPr lang="en-US" sz="900" dirty="0"/>
+              <a:t>9  </a:t>
+            </a:r>
+            <a:r>
+              <a:rPr lang="en-US" sz="900" dirty="0" err="1"/>
+              <a:t>log_OringTOT</a:t>
+            </a:r>
+            <a:r>
+              <a:rPr lang="en-US" sz="900" dirty="0"/>
+              <a:t>                 </a:t>
+            </a:r>
+            <a:r>
+              <a:rPr lang="en-US" sz="900" dirty="0" err="1"/>
+              <a:t>log_LWD</a:t>
+            </a:r>
+            <a:r>
+              <a:rPr lang="en-US" sz="900" dirty="0"/>
+              <a:t>  0.085588780 0.0195752458  0.0000 ***</a:t>
+            </a:r>
+          </a:p>
+          <a:p>
+            <a:r>
+              <a:rPr lang="en-US" sz="900" dirty="0"/>
+              <a:t>10 </a:t>
+            </a:r>
+            <a:r>
+              <a:rPr lang="en-US" sz="900" dirty="0" err="1"/>
+              <a:t>log_OringTOT</a:t>
+            </a:r>
+            <a:r>
+              <a:rPr lang="en-US" sz="900" dirty="0"/>
+              <a:t>           </a:t>
+            </a:r>
+            <a:r>
+              <a:rPr lang="en-US" sz="900" dirty="0" err="1"/>
+              <a:t>Slope_percent</a:t>
+            </a:r>
+            <a:r>
+              <a:rPr lang="en-US" sz="900" dirty="0"/>
+              <a:t>  0.053750129 0.0203756264  0.0084  **</a:t>
+            </a:r>
+          </a:p>
+          <a:p>
+            <a:r>
+              <a:rPr lang="en-US" sz="900" dirty="0"/>
+              <a:t>11      </a:t>
+            </a:r>
+            <a:r>
+              <a:rPr lang="en-US" sz="900" dirty="0" err="1"/>
+              <a:t>log_LWD</a:t>
+            </a:r>
+            <a:r>
+              <a:rPr lang="en-US" sz="900" dirty="0"/>
+              <a:t>            </a:t>
+            </a:r>
+            <a:r>
+              <a:rPr lang="en-US" sz="900" dirty="0" err="1"/>
+              <a:t>Wetted_width</a:t>
+            </a:r>
+            <a:r>
+              <a:rPr lang="en-US" sz="900" dirty="0"/>
+              <a:t> -0.051306457 0.0045786817  0.0000 ***</a:t>
+            </a:r>
+          </a:p>
+          <a:p>
+            <a:r>
+              <a:rPr lang="en-US" sz="900" dirty="0"/>
+              <a:t>12      </a:t>
+            </a:r>
+            <a:r>
+              <a:rPr lang="en-US" sz="900" dirty="0" err="1"/>
+              <a:t>log_LWD</a:t>
+            </a:r>
+            <a:r>
+              <a:rPr lang="en-US" sz="900" dirty="0"/>
+              <a:t> </a:t>
+            </a:r>
+            <a:r>
+              <a:rPr lang="en-US" sz="900" dirty="0" err="1"/>
+              <a:t>Average_air_temperature</a:t>
+            </a:r>
+            <a:r>
+              <a:rPr lang="en-US" sz="900" dirty="0"/>
+              <a:t> -0.086397067 0.0109774258  0.0000 ***</a:t>
+            </a:r>
+          </a:p>
+          <a:p>
+            <a:r>
+              <a:rPr lang="en-US" sz="900" dirty="0"/>
+              <a:t>13      </a:t>
+            </a:r>
+            <a:r>
+              <a:rPr lang="en-US" sz="900" dirty="0" err="1"/>
+              <a:t>log_LWD</a:t>
+            </a:r>
+            <a:r>
+              <a:rPr lang="en-US" sz="900" dirty="0"/>
+              <a:t>                    Year  0.014690672 0.0024931123  0.0000 ***</a:t>
+            </a:r>
+          </a:p>
+          <a:p>
+            <a:r>
+              <a:rPr lang="en-US" sz="900" dirty="0"/>
+              <a:t>14      </a:t>
+            </a:r>
+            <a:r>
+              <a:rPr lang="en-US" sz="900" dirty="0" err="1"/>
+              <a:t>log_LWD</a:t>
+            </a:r>
+            <a:r>
+              <a:rPr lang="en-US" sz="900" dirty="0"/>
+              <a:t>         </a:t>
+            </a:r>
+            <a:r>
+              <a:rPr lang="en-US" sz="900" dirty="0" err="1"/>
+              <a:t>Distance_to_sea</a:t>
+            </a:r>
+            <a:r>
+              <a:rPr lang="en-US" sz="900" dirty="0"/>
+              <a:t> -0.002011219 0.0003625159  0.0000 ***</a:t>
+            </a:r>
+          </a:p>
+          <a:p>
+            <a:r>
+              <a:rPr lang="en-US" sz="900" dirty="0"/>
+              <a:t>15      </a:t>
+            </a:r>
+            <a:r>
+              <a:rPr lang="en-US" sz="900" dirty="0" err="1"/>
+              <a:t>log_LWD</a:t>
+            </a:r>
+            <a:r>
+              <a:rPr lang="en-US" sz="900" dirty="0"/>
+              <a:t>           </a:t>
+            </a:r>
+            <a:r>
+              <a:rPr lang="en-US" sz="900" dirty="0" err="1"/>
+              <a:t>Slope_percent</a:t>
+            </a:r>
+            <a:r>
+              <a:rPr lang="en-US" sz="900" dirty="0"/>
+              <a:t>  0.060812149 0.0115345003  0.0000 ***</a:t>
+            </a:r>
+          </a:p>
+          <a:p>
+            <a:r>
+              <a:rPr lang="en-US" sz="900" dirty="0"/>
+              <a:t>16      </a:t>
+            </a:r>
+            <a:r>
+              <a:rPr lang="en-US" sz="900" dirty="0" err="1"/>
+              <a:t>log_LWD</a:t>
+            </a:r>
+            <a:r>
+              <a:rPr lang="en-US" sz="900" dirty="0"/>
+              <a:t>                </a:t>
+            </a:r>
+            <a:r>
+              <a:rPr lang="en-US" sz="900" dirty="0" err="1"/>
+              <a:t>Av_depth</a:t>
+            </a:r>
+            <a:r>
+              <a:rPr lang="en-US" sz="900" dirty="0"/>
+              <a:t> -0.485894969 0.1048185319  0.0000 ***</a:t>
+            </a:r>
+          </a:p>
+          <a:p>
+            <a:r>
+              <a:rPr lang="en-US" sz="900" dirty="0"/>
+              <a:t>17      </a:t>
+            </a:r>
+            <a:r>
+              <a:rPr lang="en-US" sz="900" dirty="0" err="1"/>
+              <a:t>log_LWD</a:t>
+            </a:r>
+            <a:r>
+              <a:rPr lang="en-US" sz="900" dirty="0"/>
+              <a:t>             </a:t>
+            </a:r>
+            <a:r>
+              <a:rPr lang="en-US" sz="900" dirty="0" err="1"/>
+              <a:t>Julian_date</a:t>
+            </a:r>
+            <a:r>
+              <a:rPr lang="en-US" sz="900" dirty="0"/>
+              <a:t> -0.001054309 0.0004429863  0.0174   *</a:t>
+            </a:r>
+          </a:p>
+          <a:p>
+            <a:r>
+              <a:rPr lang="en-US" sz="900" dirty="0"/>
+              <a:t>&gt; </a:t>
+            </a:r>
+            <a:r>
+              <a:rPr lang="en-US" sz="900" dirty="0" err="1"/>
+              <a:t>sem.model.fits</a:t>
+            </a:r>
+            <a:r>
+              <a:rPr lang="en-US" sz="900" dirty="0"/>
+              <a:t>(M2)</a:t>
+            </a:r>
+          </a:p>
+          <a:p>
+            <a:r>
+              <a:rPr lang="en-US" sz="900" dirty="0"/>
+              <a:t>  Class   Family     Link    n  Marginal Conditional</a:t>
+            </a:r>
+          </a:p>
+          <a:p>
+            <a:r>
+              <a:rPr lang="en-US" sz="900" dirty="0"/>
+              <a:t>1   </a:t>
+            </a:r>
+            <a:r>
+              <a:rPr lang="en-US" sz="900" dirty="0" err="1"/>
+              <a:t>lme</a:t>
+            </a:r>
+            <a:r>
+              <a:rPr lang="en-US" sz="900" dirty="0"/>
+              <a:t> </a:t>
+            </a:r>
+            <a:r>
+              <a:rPr lang="en-US" sz="900" dirty="0" err="1"/>
+              <a:t>gaussian</a:t>
+            </a:r>
+            <a:r>
+              <a:rPr lang="en-US" sz="900" dirty="0"/>
+              <a:t> identity 5263 0.1092847   0.8005838</a:t>
+            </a:r>
+          </a:p>
+          <a:p>
+            <a:r>
+              <a:rPr lang="en-US" sz="900" dirty="0"/>
+              <a:t>2   </a:t>
+            </a:r>
+            <a:r>
+              <a:rPr lang="en-US" sz="900" dirty="0" err="1"/>
+              <a:t>lme</a:t>
+            </a:r>
+            <a:r>
+              <a:rPr lang="en-US" sz="900" dirty="0"/>
+              <a:t> </a:t>
+            </a:r>
+            <a:r>
+              <a:rPr lang="en-US" sz="900" dirty="0" err="1"/>
+              <a:t>gaussian</a:t>
+            </a:r>
+            <a:r>
+              <a:rPr lang="en-US" sz="900" dirty="0"/>
+              <a:t> identity 5263 0.1139024   0.5128521</a:t>
+            </a:r>
+          </a:p>
+        </p:txBody>
+      </p:sp>
+      <p:sp>
+        <p:nvSpPr>
+          <p:cNvPr id="6" name="TextBox 5"/>
+          <p:cNvSpPr txBox="1"/>
+          <p:nvPr/>
+        </p:nvSpPr>
+        <p:spPr>
+          <a:xfrm>
+            <a:off x="3909976" y="2115224"/>
+            <a:ext cx="3391798" cy="461665"/>
+          </a:xfrm>
+          <a:prstGeom prst="rect">
+            <a:avLst/>
+          </a:prstGeom>
+          <a:noFill/>
+        </p:spPr>
+        <p:txBody>
+          <a:bodyPr wrap="square" rtlCol="0">
+            <a:spAutoFit/>
+          </a:bodyPr>
+          <a:lstStyle/>
+          <a:p>
+            <a:r>
+              <a:rPr lang="sv-SE" sz="2400" dirty="0" smtClean="0">
+                <a:solidFill>
+                  <a:srgbClr val="FF0000"/>
+                </a:solidFill>
+              </a:rPr>
+              <a:t>Without migrating type</a:t>
+            </a:r>
+            <a:endParaRPr lang="en-US" sz="2400" dirty="0">
+              <a:solidFill>
+                <a:srgbClr val="FF0000"/>
+              </a:solidFill>
+            </a:endParaRPr>
+          </a:p>
+        </p:txBody>
+      </p:sp>
+    </p:spTree>
+    <p:extLst>
+      <p:ext uri="{BB962C8B-B14F-4D97-AF65-F5344CB8AC3E}">
+        <p14:creationId xmlns:p14="http://schemas.microsoft.com/office/powerpoint/2010/main" val="2517941707"/>
+      </p:ext>
+    </p:extLst>
+  </p:cSld>
+  <p:clrMapOvr>
+    <a:masterClrMapping/>
+  </p:clrMapOvr>
+</p:sld>
+</file>
+
+<file path=ppt/slides/slide41.xml><?xml version="1.0" encoding="utf-8"?>
+<p:sld xmlns:a="http://schemas.openxmlformats.org/drawingml/2006/main" xmlns:r="http://schemas.openxmlformats.org/officeDocument/2006/relationships" xmlns:p="http://schemas.openxmlformats.org/presentationml/2006/main">
+  <p:cSld>
+    <p:spTree>
+      <p:nvGrpSpPr>
+        <p:cNvPr id="1" name=""/>
+        <p:cNvGrpSpPr/>
+        <p:nvPr/>
+      </p:nvGrpSpPr>
+      <p:grpSpPr>
+        <a:xfrm>
+          <a:off x="0" y="0"/>
+          <a:ext cx="0" cy="0"/>
+          <a:chOff x="0" y="0"/>
+          <a:chExt cx="0" cy="0"/>
+        </a:xfrm>
+      </p:grpSpPr>
+      <p:sp>
+        <p:nvSpPr>
+          <p:cNvPr id="2" name="TextBox 1"/>
+          <p:cNvSpPr txBox="1"/>
+          <p:nvPr/>
+        </p:nvSpPr>
+        <p:spPr>
+          <a:xfrm>
             <a:off x="44604" y="0"/>
             <a:ext cx="4632424" cy="369332"/>
           </a:xfrm>
@@ -39086,7 +39878,7 @@
 </p:sld>
 </file>
 
-<file path=ppt/slides/slide41.xml><?xml version="1.0" encoding="utf-8"?>
+<file path=ppt/slides/slide42.xml><?xml version="1.0" encoding="utf-8"?>
 <p:sld xmlns:a="http://schemas.openxmlformats.org/drawingml/2006/main" xmlns:r="http://schemas.openxmlformats.org/officeDocument/2006/relationships" xmlns:p="http://schemas.openxmlformats.org/presentationml/2006/main">
   <p:cSld>
     <p:spTree>
@@ -39155,7 +39947,7 @@
 </p:sld>
 </file>
 
-<file path=ppt/slides/slide42.xml><?xml version="1.0" encoding="utf-8"?>
+<file path=ppt/slides/slide43.xml><?xml version="1.0" encoding="utf-8"?>
 <p:sld xmlns:a="http://schemas.openxmlformats.org/drawingml/2006/main" xmlns:r="http://schemas.openxmlformats.org/officeDocument/2006/relationships" xmlns:p="http://schemas.openxmlformats.org/presentationml/2006/main" show="0">
   <p:cSld>
     <p:spTree>
@@ -40542,7 +41334,7 @@
 </p:sld>
 </file>
 
-<file path=ppt/slides/slide43.xml><?xml version="1.0" encoding="utf-8"?>
+<file path=ppt/slides/slide44.xml><?xml version="1.0" encoding="utf-8"?>
 <p:sld xmlns:a="http://schemas.openxmlformats.org/drawingml/2006/main" xmlns:r="http://schemas.openxmlformats.org/officeDocument/2006/relationships" xmlns:p="http://schemas.openxmlformats.org/presentationml/2006/main" show="0">
   <p:cSld>
     <p:spTree>
@@ -42429,7 +43221,7 @@
 </p:sld>
 </file>
 
-<file path=ppt/slides/slide44.xml><?xml version="1.0" encoding="utf-8"?>
+<file path=ppt/slides/slide45.xml><?xml version="1.0" encoding="utf-8"?>
 <p:sld xmlns:a="http://schemas.openxmlformats.org/drawingml/2006/main" xmlns:r="http://schemas.openxmlformats.org/officeDocument/2006/relationships" xmlns:p="http://schemas.openxmlformats.org/presentationml/2006/main" show="0">
   <p:cSld>
     <p:spTree>
@@ -42733,7 +43525,7 @@
 </p:sld>
 </file>
 
-<file path=ppt/slides/slide45.xml><?xml version="1.0" encoding="utf-8"?>
+<file path=ppt/slides/slide46.xml><?xml version="1.0" encoding="utf-8"?>
 <p:sld xmlns:a="http://schemas.openxmlformats.org/drawingml/2006/main" xmlns:r="http://schemas.openxmlformats.org/officeDocument/2006/relationships" xmlns:p="http://schemas.openxmlformats.org/presentationml/2006/main" show="0">
   <p:cSld>
     <p:spTree>
@@ -42887,7 +43679,7 @@
 </p:sld>
 </file>
 
-<file path=ppt/slides/slide46.xml><?xml version="1.0" encoding="utf-8"?>
+<file path=ppt/slides/slide47.xml><?xml version="1.0" encoding="utf-8"?>
 <p:sld xmlns:a="http://schemas.openxmlformats.org/drawingml/2006/main" xmlns:r="http://schemas.openxmlformats.org/officeDocument/2006/relationships" xmlns:p="http://schemas.openxmlformats.org/presentationml/2006/main" show="0">
   <p:cSld>
     <p:spTree>
@@ -43167,7 +43959,7 @@
 </p:sld>
 </file>
 
-<file path=ppt/slides/slide47.xml><?xml version="1.0" encoding="utf-8"?>
+<file path=ppt/slides/slide48.xml><?xml version="1.0" encoding="utf-8"?>
 <p:sld xmlns:a="http://schemas.openxmlformats.org/drawingml/2006/main" xmlns:r="http://schemas.openxmlformats.org/officeDocument/2006/relationships" xmlns:p="http://schemas.openxmlformats.org/presentationml/2006/main">
   <p:cSld>
     <p:spTree>
@@ -44217,7 +45009,7 @@
 </p:sld>
 </file>
 
-<file path=ppt/slides/slide48.xml><?xml version="1.0" encoding="utf-8"?>
+<file path=ppt/slides/slide49.xml><?xml version="1.0" encoding="utf-8"?>
 <p:sld xmlns:a="http://schemas.openxmlformats.org/drawingml/2006/main" xmlns:r="http://schemas.openxmlformats.org/officeDocument/2006/relationships" xmlns:p="http://schemas.openxmlformats.org/presentationml/2006/main">
   <p:cSld>
     <p:spTree>
@@ -45177,803 +45969,6 @@
     <p:extLst>
       <p:ext uri="{BB962C8B-B14F-4D97-AF65-F5344CB8AC3E}">
         <p14:creationId xmlns:p14="http://schemas.microsoft.com/office/powerpoint/2010/main" val="2354609770"/>
-      </p:ext>
-    </p:extLst>
-  </p:cSld>
-  <p:clrMapOvr>
-    <a:masterClrMapping/>
-  </p:clrMapOvr>
-</p:sld>
-</file>
-
-<file path=ppt/slides/slide49.xml><?xml version="1.0" encoding="utf-8"?>
-<p:sld xmlns:a="http://schemas.openxmlformats.org/drawingml/2006/main" xmlns:r="http://schemas.openxmlformats.org/officeDocument/2006/relationships" xmlns:p="http://schemas.openxmlformats.org/presentationml/2006/main">
-  <p:cSld>
-    <p:spTree>
-      <p:nvGrpSpPr>
-        <p:cNvPr id="1" name=""/>
-        <p:cNvGrpSpPr/>
-        <p:nvPr/>
-      </p:nvGrpSpPr>
-      <p:grpSpPr>
-        <a:xfrm>
-          <a:off x="0" y="0"/>
-          <a:ext cx="0" cy="0"/>
-          <a:chOff x="0" y="0"/>
-          <a:chExt cx="0" cy="0"/>
-        </a:xfrm>
-      </p:grpSpPr>
-      <p:sp>
-        <p:nvSpPr>
-          <p:cNvPr id="2" name="TextBox 1"/>
-          <p:cNvSpPr txBox="1"/>
-          <p:nvPr/>
-        </p:nvSpPr>
-        <p:spPr>
-          <a:xfrm>
-            <a:off x="95693" y="610136"/>
-            <a:ext cx="11972260" cy="6247864"/>
-          </a:xfrm>
-          <a:prstGeom prst="rect">
-            <a:avLst/>
-          </a:prstGeom>
-          <a:noFill/>
-        </p:spPr>
-        <p:txBody>
-          <a:bodyPr wrap="square" rtlCol="0">
-            <a:spAutoFit/>
-          </a:bodyPr>
-          <a:lstStyle/>
-          <a:p>
-            <a:r>
-              <a:rPr lang="en-US" sz="1000" dirty="0" smtClean="0"/>
-              <a:t>&gt; </a:t>
-            </a:r>
-            <a:r>
-              <a:rPr lang="en-US" sz="1000" dirty="0"/>
-              <a:t>M2 = list(</a:t>
-            </a:r>
-          </a:p>
-          <a:p>
-            <a:r>
-              <a:rPr lang="en-US" sz="1000" dirty="0"/>
-              <a:t>+   </a:t>
-            </a:r>
-            <a:r>
-              <a:rPr lang="en-US" sz="1000" dirty="0" err="1"/>
-              <a:t>lme</a:t>
-            </a:r>
-            <a:r>
-              <a:rPr lang="en-US" sz="1000" dirty="0"/>
-              <a:t>(log(OringTOT+1)~log(LWD+1)+Av_depth+Wetted_width+Distance_to_sea+Average_air_temperature+SUB1+GEdda+Year,</a:t>
-            </a:r>
-          </a:p>
-          <a:p>
-            <a:r>
-              <a:rPr lang="en-US" sz="1000" dirty="0"/>
-              <a:t>+       random=~1|River_name/</a:t>
-            </a:r>
-            <a:r>
-              <a:rPr lang="en-US" sz="1000" dirty="0" err="1"/>
-              <a:t>Catchment_number</a:t>
-            </a:r>
-            <a:r>
-              <a:rPr lang="en-US" sz="1000" dirty="0"/>
-              <a:t>, corAR1(form=~Year),</a:t>
-            </a:r>
-            <a:r>
-              <a:rPr lang="en-US" sz="1000" dirty="0" err="1"/>
-              <a:t>na.action</a:t>
-            </a:r>
-            <a:r>
-              <a:rPr lang="en-US" sz="1000" dirty="0"/>
-              <a:t>=</a:t>
-            </a:r>
-            <a:r>
-              <a:rPr lang="en-US" sz="1000" dirty="0" err="1"/>
-              <a:t>na.omit</a:t>
-            </a:r>
-            <a:r>
-              <a:rPr lang="en-US" sz="1000" dirty="0"/>
-              <a:t>, data=AVOC),</a:t>
-            </a:r>
-          </a:p>
-          <a:p>
-            <a:r>
-              <a:rPr lang="en-US" sz="1000" dirty="0"/>
-              <a:t>+   </a:t>
-            </a:r>
-            <a:r>
-              <a:rPr lang="en-US" sz="1000" dirty="0" err="1"/>
-              <a:t>lme</a:t>
-            </a:r>
-            <a:r>
-              <a:rPr lang="en-US" sz="1000" dirty="0"/>
-              <a:t>(log(LWD+1)~Distance_to_sea+Average_air_temperature+Av_depth+Wetted_width+Year,</a:t>
-            </a:r>
-          </a:p>
-          <a:p>
-            <a:r>
-              <a:rPr lang="en-US" sz="1000" dirty="0"/>
-              <a:t>+       random=~1|River_name/</a:t>
-            </a:r>
-            <a:r>
-              <a:rPr lang="en-US" sz="1000" dirty="0" err="1"/>
-              <a:t>Catchment_number</a:t>
-            </a:r>
-            <a:r>
-              <a:rPr lang="en-US" sz="1000" dirty="0"/>
-              <a:t>, corAR1(form=~Year),</a:t>
-            </a:r>
-            <a:r>
-              <a:rPr lang="en-US" sz="1000" dirty="0" err="1"/>
-              <a:t>na.action</a:t>
-            </a:r>
-            <a:r>
-              <a:rPr lang="en-US" sz="1000" dirty="0"/>
-              <a:t>=</a:t>
-            </a:r>
-            <a:r>
-              <a:rPr lang="en-US" sz="1000" dirty="0" err="1"/>
-              <a:t>na.omit</a:t>
-            </a:r>
-            <a:r>
-              <a:rPr lang="en-US" sz="1000" dirty="0"/>
-              <a:t>, data=AVOC))</a:t>
-            </a:r>
-          </a:p>
-          <a:p>
-            <a:r>
-              <a:rPr lang="en-US" sz="1000" dirty="0"/>
-              <a:t>&gt; </a:t>
-            </a:r>
-            <a:r>
-              <a:rPr lang="en-US" sz="1000" dirty="0" err="1"/>
-              <a:t>sem.fit</a:t>
-            </a:r>
-            <a:r>
-              <a:rPr lang="en-US" sz="1000" dirty="0"/>
-              <a:t>(M2,AVOC)</a:t>
-            </a:r>
-          </a:p>
-          <a:p>
-            <a:r>
-              <a:rPr lang="en-US" sz="1000" dirty="0"/>
-              <a:t>  |===============================================================================================================| 100%</a:t>
-            </a:r>
-          </a:p>
-          <a:p>
-            <a:r>
-              <a:rPr lang="en-US" sz="1000" dirty="0"/>
-              <a:t>Conditional variables have been omitted from output table for clarity (or use argument conditional = T)</a:t>
-            </a:r>
-          </a:p>
-          <a:p>
-            <a:r>
-              <a:rPr lang="en-US" sz="1000" dirty="0"/>
-              <a:t>$</a:t>
-            </a:r>
-            <a:r>
-              <a:rPr lang="en-US" sz="1000" dirty="0" err="1"/>
-              <a:t>missing.paths</a:t>
-            </a:r>
-            <a:endParaRPr lang="en-US" sz="1000" dirty="0"/>
-          </a:p>
-          <a:p>
-            <a:r>
-              <a:rPr lang="en-US" sz="1000" dirty="0"/>
-              <a:t>              </a:t>
-            </a:r>
-            <a:r>
-              <a:rPr lang="en-US" sz="1000" dirty="0" err="1"/>
-              <a:t>missing.path</a:t>
-            </a:r>
-            <a:r>
-              <a:rPr lang="en-US" sz="1000" dirty="0"/>
-              <a:t> estimate </a:t>
-            </a:r>
-            <a:r>
-              <a:rPr lang="en-US" sz="1000" dirty="0" err="1"/>
-              <a:t>std.error</a:t>
-            </a:r>
-            <a:r>
-              <a:rPr lang="en-US" sz="1000" dirty="0"/>
-              <a:t>   </a:t>
-            </a:r>
-            <a:r>
-              <a:rPr lang="en-US" sz="1000" dirty="0" err="1"/>
-              <a:t>df</a:t>
-            </a:r>
-            <a:r>
-              <a:rPr lang="en-US" sz="1000" dirty="0"/>
-              <a:t> </a:t>
-            </a:r>
-            <a:r>
-              <a:rPr lang="en-US" sz="1000" dirty="0" err="1"/>
-              <a:t>crit.value</a:t>
-            </a:r>
-            <a:r>
-              <a:rPr lang="en-US" sz="1000" dirty="0"/>
-              <a:t> </a:t>
-            </a:r>
-            <a:r>
-              <a:rPr lang="en-US" sz="1000" dirty="0" err="1"/>
-              <a:t>p.value</a:t>
-            </a:r>
-            <a:r>
-              <a:rPr lang="en-US" sz="1000" dirty="0"/>
-              <a:t> </a:t>
-            </a:r>
-          </a:p>
-          <a:p>
-            <a:r>
-              <a:rPr lang="en-US" sz="1000" dirty="0"/>
-              <a:t>1  log(LWD+1) ~ SUB1 + ...  -0.0009    0.0122 5318    -0.0714  0.9431 </a:t>
-            </a:r>
-          </a:p>
-          <a:p>
-            <a:r>
-              <a:rPr lang="en-US" sz="1000" dirty="0"/>
-              <a:t>2 log(LWD+1) ~ </a:t>
-            </a:r>
-            <a:r>
-              <a:rPr lang="en-US" sz="1000" dirty="0" err="1"/>
-              <a:t>GEdda</a:t>
-            </a:r>
-            <a:r>
-              <a:rPr lang="en-US" sz="1000" dirty="0"/>
-              <a:t> + ...  -0.0011    0.0091 5319    -0.1185  0.9057 </a:t>
-            </a:r>
-          </a:p>
-          <a:p>
-            <a:endParaRPr lang="en-US" sz="1000" dirty="0"/>
-          </a:p>
-          <a:p>
-            <a:r>
-              <a:rPr lang="en-US" sz="1000" dirty="0"/>
-              <a:t>$</a:t>
-            </a:r>
-            <a:r>
-              <a:rPr lang="en-US" sz="1000" dirty="0" err="1"/>
-              <a:t>Fisher.C</a:t>
-            </a:r>
-            <a:endParaRPr lang="en-US" sz="1000" dirty="0"/>
-          </a:p>
-          <a:p>
-            <a:r>
-              <a:rPr lang="en-US" sz="1000" dirty="0"/>
-              <a:t>  </a:t>
-            </a:r>
-            <a:r>
-              <a:rPr lang="en-US" sz="1000" dirty="0" err="1"/>
-              <a:t>fisher.c</a:t>
-            </a:r>
-            <a:r>
-              <a:rPr lang="en-US" sz="1000" dirty="0"/>
-              <a:t> </a:t>
-            </a:r>
-            <a:r>
-              <a:rPr lang="en-US" sz="1000" dirty="0" err="1"/>
-              <a:t>df</a:t>
-            </a:r>
-            <a:r>
-              <a:rPr lang="en-US" sz="1000" dirty="0"/>
-              <a:t> </a:t>
-            </a:r>
-            <a:r>
-              <a:rPr lang="en-US" sz="1000" dirty="0" err="1"/>
-              <a:t>p.value</a:t>
-            </a:r>
-            <a:endParaRPr lang="en-US" sz="1000" dirty="0"/>
-          </a:p>
-          <a:p>
-            <a:r>
-              <a:rPr lang="en-US" sz="1000" dirty="0"/>
-              <a:t>1     0.32  4   0.989</a:t>
-            </a:r>
-          </a:p>
-          <a:p>
-            <a:endParaRPr lang="en-US" sz="1000" dirty="0"/>
-          </a:p>
-          <a:p>
-            <a:r>
-              <a:rPr lang="en-US" sz="1000" dirty="0"/>
-              <a:t>$AIC</a:t>
-            </a:r>
-          </a:p>
-          <a:p>
-            <a:r>
-              <a:rPr lang="en-US" sz="1000" dirty="0"/>
-              <a:t>    AIC   </a:t>
-            </a:r>
-            <a:r>
-              <a:rPr lang="en-US" sz="1000" dirty="0" err="1"/>
-              <a:t>AICc</a:t>
-            </a:r>
-            <a:r>
-              <a:rPr lang="en-US" sz="1000" dirty="0"/>
-              <a:t>  K    n</a:t>
-            </a:r>
-          </a:p>
-          <a:p>
-            <a:r>
-              <a:rPr lang="en-US" sz="1000" dirty="0"/>
-              <a:t>1 46.32 46.497 23 6269</a:t>
-            </a:r>
-          </a:p>
-          <a:p>
-            <a:endParaRPr lang="en-US" sz="1000" dirty="0"/>
-          </a:p>
-          <a:p>
-            <a:r>
-              <a:rPr lang="en-US" sz="1000" dirty="0"/>
-              <a:t>&gt; </a:t>
-            </a:r>
-            <a:r>
-              <a:rPr lang="en-US" sz="1000" dirty="0" err="1"/>
-              <a:t>sem.coefs</a:t>
-            </a:r>
-            <a:r>
-              <a:rPr lang="en-US" sz="1000" dirty="0"/>
-              <a:t>(M2,AVOC)</a:t>
-            </a:r>
-          </a:p>
-          <a:p>
-            <a:r>
-              <a:rPr lang="en-US" sz="1000" dirty="0"/>
-              <a:t>            response               predictor     estimate    </a:t>
-            </a:r>
-            <a:r>
-              <a:rPr lang="en-US" sz="1000" dirty="0" err="1"/>
-              <a:t>std.error</a:t>
-            </a:r>
-            <a:r>
-              <a:rPr lang="en-US" sz="1000" dirty="0"/>
-              <a:t> </a:t>
-            </a:r>
-            <a:r>
-              <a:rPr lang="en-US" sz="1000" dirty="0" err="1"/>
-              <a:t>p.value</a:t>
-            </a:r>
-            <a:r>
-              <a:rPr lang="en-US" sz="1000" dirty="0"/>
-              <a:t>    </a:t>
-            </a:r>
-          </a:p>
-          <a:p>
-            <a:r>
-              <a:rPr lang="en-US" sz="1000" dirty="0"/>
-              <a:t>1  log(</a:t>
-            </a:r>
-            <a:r>
-              <a:rPr lang="en-US" sz="1000" dirty="0" err="1"/>
-              <a:t>OringTOT</a:t>
-            </a:r>
-            <a:r>
-              <a:rPr lang="en-US" sz="1000" dirty="0"/>
-              <a:t> + 1)                </a:t>
-            </a:r>
-            <a:r>
-              <a:rPr lang="en-US" sz="1000" dirty="0" err="1"/>
-              <a:t>Av_depth</a:t>
-            </a:r>
-            <a:r>
-              <a:rPr lang="en-US" sz="1000" dirty="0"/>
-              <a:t> -2.057402647 0.1377434696  0.0000 ***</a:t>
-            </a:r>
-          </a:p>
-          <a:p>
-            <a:r>
-              <a:rPr lang="en-US" sz="1000" dirty="0"/>
-              <a:t>2  log(</a:t>
-            </a:r>
-            <a:r>
-              <a:rPr lang="en-US" sz="1000" dirty="0" err="1"/>
-              <a:t>OringTOT</a:t>
-            </a:r>
-            <a:r>
-              <a:rPr lang="en-US" sz="1000" dirty="0"/>
-              <a:t> + 1)            </a:t>
-            </a:r>
-            <a:r>
-              <a:rPr lang="en-US" sz="1000" dirty="0" err="1"/>
-              <a:t>Wetted_width</a:t>
-            </a:r>
-            <a:r>
-              <a:rPr lang="en-US" sz="1000" dirty="0"/>
-              <a:t> -0.077376786 0.0068632123  0.0000 ***</a:t>
-            </a:r>
-          </a:p>
-          <a:p>
-            <a:r>
-              <a:rPr lang="en-US" sz="1000" dirty="0"/>
-              <a:t>3  log(</a:t>
-            </a:r>
-            <a:r>
-              <a:rPr lang="en-US" sz="1000" dirty="0" err="1"/>
-              <a:t>OringTOT</a:t>
-            </a:r>
-            <a:r>
-              <a:rPr lang="en-US" sz="1000" dirty="0"/>
-              <a:t> + 1)            log(LWD + 1)  0.100691172 0.0182716077  0.0000 ***</a:t>
-            </a:r>
-          </a:p>
-          <a:p>
-            <a:r>
-              <a:rPr lang="en-US" sz="1000" dirty="0"/>
-              <a:t>4  log(</a:t>
-            </a:r>
-            <a:r>
-              <a:rPr lang="en-US" sz="1000" dirty="0" err="1"/>
-              <a:t>OringTOT</a:t>
-            </a:r>
-            <a:r>
-              <a:rPr lang="en-US" sz="1000" dirty="0"/>
-              <a:t> + 1)                    SUB1  0.082798505 0.0184212472  0.0000 ***</a:t>
-            </a:r>
-          </a:p>
-          <a:p>
-            <a:r>
-              <a:rPr lang="en-US" sz="1000" dirty="0"/>
-              <a:t>5  log(</a:t>
-            </a:r>
-            <a:r>
-              <a:rPr lang="en-US" sz="1000" dirty="0" err="1"/>
-              <a:t>OringTOT</a:t>
-            </a:r>
-            <a:r>
-              <a:rPr lang="en-US" sz="1000" dirty="0"/>
-              <a:t> + 1)                   </a:t>
-            </a:r>
-            <a:r>
-              <a:rPr lang="en-US" sz="1000" dirty="0" err="1"/>
-              <a:t>GEdda</a:t>
-            </a:r>
-            <a:r>
-              <a:rPr lang="en-US" sz="1000" dirty="0"/>
-              <a:t> -0.056961624 0.0139618628  0.0000 ***</a:t>
-            </a:r>
-          </a:p>
-          <a:p>
-            <a:r>
-              <a:rPr lang="en-US" sz="1000" dirty="0"/>
-              <a:t>6  log(</a:t>
-            </a:r>
-            <a:r>
-              <a:rPr lang="en-US" sz="1000" dirty="0" err="1"/>
-              <a:t>OringTOT</a:t>
-            </a:r>
-            <a:r>
-              <a:rPr lang="en-US" sz="1000" dirty="0"/>
-              <a:t> + 1) </a:t>
-            </a:r>
-            <a:r>
-              <a:rPr lang="en-US" sz="1000" dirty="0" err="1"/>
-              <a:t>Average_air_temperature</a:t>
-            </a:r>
-            <a:r>
-              <a:rPr lang="en-US" sz="1000" dirty="0"/>
-              <a:t>  0.088816113 0.0223717767  0.0001 ***</a:t>
-            </a:r>
-          </a:p>
-          <a:p>
-            <a:r>
-              <a:rPr lang="en-US" sz="1000" dirty="0"/>
-              <a:t>7  log(</a:t>
-            </a:r>
-            <a:r>
-              <a:rPr lang="en-US" sz="1000" dirty="0" err="1"/>
-              <a:t>OringTOT</a:t>
-            </a:r>
-            <a:r>
-              <a:rPr lang="en-US" sz="1000" dirty="0"/>
-              <a:t> + 1)         </a:t>
-            </a:r>
-            <a:r>
-              <a:rPr lang="en-US" sz="1000" dirty="0" err="1"/>
-              <a:t>Distance_to_sea</a:t>
-            </a:r>
-            <a:r>
-              <a:rPr lang="en-US" sz="1000" dirty="0"/>
-              <a:t> -0.001840282 0.0007325232  0.0120   *</a:t>
-            </a:r>
-          </a:p>
-          <a:p>
-            <a:r>
-              <a:rPr lang="en-US" sz="1000" dirty="0"/>
-              <a:t>8  log(</a:t>
-            </a:r>
-            <a:r>
-              <a:rPr lang="en-US" sz="1000" dirty="0" err="1"/>
-              <a:t>OringTOT</a:t>
-            </a:r>
-            <a:r>
-              <a:rPr lang="en-US" sz="1000" dirty="0"/>
-              <a:t> + 1)                    Year  0.005731089 0.0025765763  0.0262   *</a:t>
-            </a:r>
-          </a:p>
-          <a:p>
-            <a:r>
-              <a:rPr lang="en-US" sz="1000" dirty="0"/>
-              <a:t>9       log(LWD + 1)            </a:t>
-            </a:r>
-            <a:r>
-              <a:rPr lang="en-US" sz="1000" dirty="0" err="1"/>
-              <a:t>Wetted_width</a:t>
-            </a:r>
-            <a:r>
-              <a:rPr lang="en-US" sz="1000" dirty="0"/>
-              <a:t> -0.050528448 0.0041171600  0.0000 ***</a:t>
-            </a:r>
-          </a:p>
-          <a:p>
-            <a:r>
-              <a:rPr lang="en-US" sz="1000" dirty="0"/>
-              <a:t>10      log(LWD + 1) </a:t>
-            </a:r>
-            <a:r>
-              <a:rPr lang="en-US" sz="1000" dirty="0" err="1"/>
-              <a:t>Average_air_temperature</a:t>
-            </a:r>
-            <a:r>
-              <a:rPr lang="en-US" sz="1000" dirty="0"/>
-              <a:t> -0.096352958 0.0109143951  0.0000 ***</a:t>
-            </a:r>
-          </a:p>
-          <a:p>
-            <a:r>
-              <a:rPr lang="en-US" sz="1000" dirty="0"/>
-              <a:t>11      log(LWD + 1)         </a:t>
-            </a:r>
-            <a:r>
-              <a:rPr lang="en-US" sz="1000" dirty="0" err="1"/>
-              <a:t>Distance_to_sea</a:t>
-            </a:r>
-            <a:r>
-              <a:rPr lang="en-US" sz="1000" dirty="0"/>
-              <a:t> -0.002429383 0.0003725618  0.0000 ***</a:t>
-            </a:r>
-          </a:p>
-          <a:p>
-            <a:r>
-              <a:rPr lang="en-US" sz="1000" dirty="0"/>
-              <a:t>12      log(LWD + 1)                    Year  0.013421089 0.0023281846  0.0000 ***</a:t>
-            </a:r>
-          </a:p>
-          <a:p>
-            <a:r>
-              <a:rPr lang="en-US" sz="1000" dirty="0"/>
-              <a:t>13      log(LWD + 1)                </a:t>
-            </a:r>
-            <a:r>
-              <a:rPr lang="en-US" sz="1000" dirty="0" err="1"/>
-              <a:t>Av_depth</a:t>
-            </a:r>
-            <a:r>
-              <a:rPr lang="en-US" sz="1000" dirty="0"/>
-              <a:t> -0.490579777 0.0909760375  0.0000 ***</a:t>
-            </a:r>
-          </a:p>
-          <a:p>
-            <a:r>
-              <a:rPr lang="en-US" sz="1000" dirty="0"/>
-              <a:t>&gt; </a:t>
-            </a:r>
-            <a:r>
-              <a:rPr lang="en-US" sz="1000" dirty="0" err="1"/>
-              <a:t>sem.model.fits</a:t>
-            </a:r>
-            <a:r>
-              <a:rPr lang="en-US" sz="1000" dirty="0"/>
-              <a:t>(M2)</a:t>
-            </a:r>
-          </a:p>
-          <a:p>
-            <a:r>
-              <a:rPr lang="en-US" sz="1000" dirty="0"/>
-              <a:t>  Class   Family     Link    n  Marginal Conditional</a:t>
-            </a:r>
-          </a:p>
-          <a:p>
-            <a:r>
-              <a:rPr lang="en-US" sz="1000" dirty="0"/>
-              <a:t>1   </a:t>
-            </a:r>
-            <a:r>
-              <a:rPr lang="en-US" sz="1000" dirty="0" err="1"/>
-              <a:t>lme</a:t>
-            </a:r>
-            <a:r>
-              <a:rPr lang="en-US" sz="1000" dirty="0"/>
-              <a:t> </a:t>
-            </a:r>
-            <a:r>
-              <a:rPr lang="en-US" sz="1000" dirty="0" err="1"/>
-              <a:t>gaussian</a:t>
-            </a:r>
-            <a:r>
-              <a:rPr lang="en-US" sz="1000" dirty="0"/>
-              <a:t> identity 6269 0.1056071   0.7706319</a:t>
-            </a:r>
-          </a:p>
-          <a:p>
-            <a:r>
-              <a:rPr lang="en-US" sz="1000" dirty="0"/>
-              <a:t>2   </a:t>
-            </a:r>
-            <a:r>
-              <a:rPr lang="en-US" sz="1000" dirty="0" err="1"/>
-              <a:t>lme</a:t>
-            </a:r>
-            <a:r>
-              <a:rPr lang="en-US" sz="1000" dirty="0"/>
-              <a:t> </a:t>
-            </a:r>
-            <a:r>
-              <a:rPr lang="en-US" sz="1000" dirty="0" err="1"/>
-              <a:t>gaussian</a:t>
-            </a:r>
-            <a:r>
-              <a:rPr lang="en-US" sz="1000" dirty="0"/>
-              <a:t> identity 6270 0.1026018   0.4882388</a:t>
-            </a:r>
-          </a:p>
-        </p:txBody>
-      </p:sp>
-      <p:pic>
-        <p:nvPicPr>
-          <p:cNvPr id="3" name="Picture 2"/>
-          <p:cNvPicPr>
-            <a:picLocks noChangeAspect="1"/>
-          </p:cNvPicPr>
-          <p:nvPr/>
-        </p:nvPicPr>
-        <p:blipFill>
-          <a:blip r:embed="rId3"/>
-          <a:stretch>
-            <a:fillRect/>
-          </a:stretch>
-        </p:blipFill>
-        <p:spPr>
-          <a:xfrm>
-            <a:off x="6187765" y="1180037"/>
-            <a:ext cx="5554729" cy="4827841"/>
-          </a:xfrm>
-          <a:prstGeom prst="rect">
-            <a:avLst/>
-          </a:prstGeom>
-        </p:spPr>
-      </p:pic>
-      <p:sp>
-        <p:nvSpPr>
-          <p:cNvPr id="4" name="TextBox 3"/>
-          <p:cNvSpPr txBox="1"/>
-          <p:nvPr/>
-        </p:nvSpPr>
-        <p:spPr>
-          <a:xfrm>
-            <a:off x="95693" y="48973"/>
-            <a:ext cx="11897833" cy="369332"/>
-          </a:xfrm>
-          <a:prstGeom prst="rect">
-            <a:avLst/>
-          </a:prstGeom>
-          <a:noFill/>
-        </p:spPr>
-        <p:txBody>
-          <a:bodyPr wrap="square" rtlCol="0">
-            <a:spAutoFit/>
-          </a:bodyPr>
-          <a:lstStyle/>
-          <a:p>
-            <a:r>
-              <a:rPr lang="sv-SE" dirty="0" smtClean="0"/>
-              <a:t>2) On </a:t>
-            </a:r>
-            <a:r>
-              <a:rPr lang="sv-SE" dirty="0"/>
-              <a:t>AVOC (excluding </a:t>
-            </a:r>
-            <a:r>
-              <a:rPr lang="sv-SE" dirty="0" smtClean="0"/>
-              <a:t>rivers </a:t>
-            </a:r>
-            <a:r>
-              <a:rPr lang="sv-SE" dirty="0"/>
-              <a:t>that have been sampled only 1 year</a:t>
-            </a:r>
-            <a:r>
-              <a:rPr lang="sv-SE" dirty="0" smtClean="0"/>
-              <a:t>) without Nas (n=4942)</a:t>
-            </a:r>
-            <a:endParaRPr lang="en-US" dirty="0"/>
-          </a:p>
-        </p:txBody>
-      </p:sp>
-      <p:sp>
-        <p:nvSpPr>
-          <p:cNvPr id="5" name="5-Point Star 4"/>
-          <p:cNvSpPr/>
-          <p:nvPr/>
-        </p:nvSpPr>
-        <p:spPr>
-          <a:xfrm>
-            <a:off x="10826148" y="625101"/>
-            <a:ext cx="502064" cy="539971"/>
-          </a:xfrm>
-          <a:prstGeom prst="star5">
-            <a:avLst/>
-          </a:prstGeom>
-        </p:spPr>
-        <p:style>
-          <a:lnRef idx="2">
-            <a:schemeClr val="accent1">
-              <a:shade val="50000"/>
-            </a:schemeClr>
-          </a:lnRef>
-          <a:fillRef idx="1">
-            <a:schemeClr val="accent1"/>
-          </a:fillRef>
-          <a:effectRef idx="0">
-            <a:schemeClr val="accent1"/>
-          </a:effectRef>
-          <a:fontRef idx="minor">
-            <a:schemeClr val="lt1"/>
-          </a:fontRef>
-        </p:style>
-        <p:txBody>
-          <a:bodyPr rtlCol="0" anchor="ctr"/>
-          <a:lstStyle/>
-          <a:p>
-            <a:pPr algn="ctr"/>
-            <a:endParaRPr lang="sv-SE" dirty="0"/>
-          </a:p>
-        </p:txBody>
-      </p:sp>
-      <p:sp>
-        <p:nvSpPr>
-          <p:cNvPr id="6" name="5-Point Star 5"/>
-          <p:cNvSpPr/>
-          <p:nvPr/>
-        </p:nvSpPr>
-        <p:spPr>
-          <a:xfrm>
-            <a:off x="11491462" y="625101"/>
-            <a:ext cx="502064" cy="539971"/>
-          </a:xfrm>
-          <a:prstGeom prst="star5">
-            <a:avLst/>
-          </a:prstGeom>
-        </p:spPr>
-        <p:style>
-          <a:lnRef idx="2">
-            <a:schemeClr val="accent1">
-              <a:shade val="50000"/>
-            </a:schemeClr>
-          </a:lnRef>
-          <a:fillRef idx="1">
-            <a:schemeClr val="accent1"/>
-          </a:fillRef>
-          <a:effectRef idx="0">
-            <a:schemeClr val="accent1"/>
-          </a:effectRef>
-          <a:fontRef idx="minor">
-            <a:schemeClr val="lt1"/>
-          </a:fontRef>
-        </p:style>
-        <p:txBody>
-          <a:bodyPr rtlCol="0" anchor="ctr"/>
-          <a:lstStyle/>
-          <a:p>
-            <a:pPr algn="ctr"/>
-            <a:endParaRPr lang="sv-SE" dirty="0"/>
-          </a:p>
-        </p:txBody>
-      </p:sp>
-    </p:spTree>
-    <p:extLst>
-      <p:ext uri="{BB962C8B-B14F-4D97-AF65-F5344CB8AC3E}">
-        <p14:creationId xmlns:p14="http://schemas.microsoft.com/office/powerpoint/2010/main" val="1097380434"/>
       </p:ext>
     </p:extLst>
   </p:cSld>
@@ -46528,6 +46523,803 @@
         </p:nvSpPr>
         <p:spPr>
           <a:xfrm>
+            <a:off x="95693" y="610136"/>
+            <a:ext cx="11972260" cy="6247864"/>
+          </a:xfrm>
+          <a:prstGeom prst="rect">
+            <a:avLst/>
+          </a:prstGeom>
+          <a:noFill/>
+        </p:spPr>
+        <p:txBody>
+          <a:bodyPr wrap="square" rtlCol="0">
+            <a:spAutoFit/>
+          </a:bodyPr>
+          <a:lstStyle/>
+          <a:p>
+            <a:r>
+              <a:rPr lang="en-US" sz="1000" dirty="0" smtClean="0"/>
+              <a:t>&gt; </a:t>
+            </a:r>
+            <a:r>
+              <a:rPr lang="en-US" sz="1000" dirty="0"/>
+              <a:t>M2 = list(</a:t>
+            </a:r>
+          </a:p>
+          <a:p>
+            <a:r>
+              <a:rPr lang="en-US" sz="1000" dirty="0"/>
+              <a:t>+   </a:t>
+            </a:r>
+            <a:r>
+              <a:rPr lang="en-US" sz="1000" dirty="0" err="1"/>
+              <a:t>lme</a:t>
+            </a:r>
+            <a:r>
+              <a:rPr lang="en-US" sz="1000" dirty="0"/>
+              <a:t>(log(OringTOT+1)~log(LWD+1)+Av_depth+Wetted_width+Distance_to_sea+Average_air_temperature+SUB1+GEdda+Year,</a:t>
+            </a:r>
+          </a:p>
+          <a:p>
+            <a:r>
+              <a:rPr lang="en-US" sz="1000" dirty="0"/>
+              <a:t>+       random=~1|River_name/</a:t>
+            </a:r>
+            <a:r>
+              <a:rPr lang="en-US" sz="1000" dirty="0" err="1"/>
+              <a:t>Catchment_number</a:t>
+            </a:r>
+            <a:r>
+              <a:rPr lang="en-US" sz="1000" dirty="0"/>
+              <a:t>, corAR1(form=~Year),</a:t>
+            </a:r>
+            <a:r>
+              <a:rPr lang="en-US" sz="1000" dirty="0" err="1"/>
+              <a:t>na.action</a:t>
+            </a:r>
+            <a:r>
+              <a:rPr lang="en-US" sz="1000" dirty="0"/>
+              <a:t>=</a:t>
+            </a:r>
+            <a:r>
+              <a:rPr lang="en-US" sz="1000" dirty="0" err="1"/>
+              <a:t>na.omit</a:t>
+            </a:r>
+            <a:r>
+              <a:rPr lang="en-US" sz="1000" dirty="0"/>
+              <a:t>, data=AVOC),</a:t>
+            </a:r>
+          </a:p>
+          <a:p>
+            <a:r>
+              <a:rPr lang="en-US" sz="1000" dirty="0"/>
+              <a:t>+   </a:t>
+            </a:r>
+            <a:r>
+              <a:rPr lang="en-US" sz="1000" dirty="0" err="1"/>
+              <a:t>lme</a:t>
+            </a:r>
+            <a:r>
+              <a:rPr lang="en-US" sz="1000" dirty="0"/>
+              <a:t>(log(LWD+1)~Distance_to_sea+Average_air_temperature+Av_depth+Wetted_width+Year,</a:t>
+            </a:r>
+          </a:p>
+          <a:p>
+            <a:r>
+              <a:rPr lang="en-US" sz="1000" dirty="0"/>
+              <a:t>+       random=~1|River_name/</a:t>
+            </a:r>
+            <a:r>
+              <a:rPr lang="en-US" sz="1000" dirty="0" err="1"/>
+              <a:t>Catchment_number</a:t>
+            </a:r>
+            <a:r>
+              <a:rPr lang="en-US" sz="1000" dirty="0"/>
+              <a:t>, corAR1(form=~Year),</a:t>
+            </a:r>
+            <a:r>
+              <a:rPr lang="en-US" sz="1000" dirty="0" err="1"/>
+              <a:t>na.action</a:t>
+            </a:r>
+            <a:r>
+              <a:rPr lang="en-US" sz="1000" dirty="0"/>
+              <a:t>=</a:t>
+            </a:r>
+            <a:r>
+              <a:rPr lang="en-US" sz="1000" dirty="0" err="1"/>
+              <a:t>na.omit</a:t>
+            </a:r>
+            <a:r>
+              <a:rPr lang="en-US" sz="1000" dirty="0"/>
+              <a:t>, data=AVOC))</a:t>
+            </a:r>
+          </a:p>
+          <a:p>
+            <a:r>
+              <a:rPr lang="en-US" sz="1000" dirty="0"/>
+              <a:t>&gt; </a:t>
+            </a:r>
+            <a:r>
+              <a:rPr lang="en-US" sz="1000" dirty="0" err="1"/>
+              <a:t>sem.fit</a:t>
+            </a:r>
+            <a:r>
+              <a:rPr lang="en-US" sz="1000" dirty="0"/>
+              <a:t>(M2,AVOC)</a:t>
+            </a:r>
+          </a:p>
+          <a:p>
+            <a:r>
+              <a:rPr lang="en-US" sz="1000" dirty="0"/>
+              <a:t>  |===============================================================================================================| 100%</a:t>
+            </a:r>
+          </a:p>
+          <a:p>
+            <a:r>
+              <a:rPr lang="en-US" sz="1000" dirty="0"/>
+              <a:t>Conditional variables have been omitted from output table for clarity (or use argument conditional = T)</a:t>
+            </a:r>
+          </a:p>
+          <a:p>
+            <a:r>
+              <a:rPr lang="en-US" sz="1000" dirty="0"/>
+              <a:t>$</a:t>
+            </a:r>
+            <a:r>
+              <a:rPr lang="en-US" sz="1000" dirty="0" err="1"/>
+              <a:t>missing.paths</a:t>
+            </a:r>
+            <a:endParaRPr lang="en-US" sz="1000" dirty="0"/>
+          </a:p>
+          <a:p>
+            <a:r>
+              <a:rPr lang="en-US" sz="1000" dirty="0"/>
+              <a:t>              </a:t>
+            </a:r>
+            <a:r>
+              <a:rPr lang="en-US" sz="1000" dirty="0" err="1"/>
+              <a:t>missing.path</a:t>
+            </a:r>
+            <a:r>
+              <a:rPr lang="en-US" sz="1000" dirty="0"/>
+              <a:t> estimate </a:t>
+            </a:r>
+            <a:r>
+              <a:rPr lang="en-US" sz="1000" dirty="0" err="1"/>
+              <a:t>std.error</a:t>
+            </a:r>
+            <a:r>
+              <a:rPr lang="en-US" sz="1000" dirty="0"/>
+              <a:t>   </a:t>
+            </a:r>
+            <a:r>
+              <a:rPr lang="en-US" sz="1000" dirty="0" err="1"/>
+              <a:t>df</a:t>
+            </a:r>
+            <a:r>
+              <a:rPr lang="en-US" sz="1000" dirty="0"/>
+              <a:t> </a:t>
+            </a:r>
+            <a:r>
+              <a:rPr lang="en-US" sz="1000" dirty="0" err="1"/>
+              <a:t>crit.value</a:t>
+            </a:r>
+            <a:r>
+              <a:rPr lang="en-US" sz="1000" dirty="0"/>
+              <a:t> </a:t>
+            </a:r>
+            <a:r>
+              <a:rPr lang="en-US" sz="1000" dirty="0" err="1"/>
+              <a:t>p.value</a:t>
+            </a:r>
+            <a:r>
+              <a:rPr lang="en-US" sz="1000" dirty="0"/>
+              <a:t> </a:t>
+            </a:r>
+          </a:p>
+          <a:p>
+            <a:r>
+              <a:rPr lang="en-US" sz="1000" dirty="0"/>
+              <a:t>1  log(LWD+1) ~ SUB1 + ...  -0.0009    0.0122 5318    -0.0714  0.9431 </a:t>
+            </a:r>
+          </a:p>
+          <a:p>
+            <a:r>
+              <a:rPr lang="en-US" sz="1000" dirty="0"/>
+              <a:t>2 log(LWD+1) ~ </a:t>
+            </a:r>
+            <a:r>
+              <a:rPr lang="en-US" sz="1000" dirty="0" err="1"/>
+              <a:t>GEdda</a:t>
+            </a:r>
+            <a:r>
+              <a:rPr lang="en-US" sz="1000" dirty="0"/>
+              <a:t> + ...  -0.0011    0.0091 5319    -0.1185  0.9057 </a:t>
+            </a:r>
+          </a:p>
+          <a:p>
+            <a:endParaRPr lang="en-US" sz="1000" dirty="0"/>
+          </a:p>
+          <a:p>
+            <a:r>
+              <a:rPr lang="en-US" sz="1000" dirty="0"/>
+              <a:t>$</a:t>
+            </a:r>
+            <a:r>
+              <a:rPr lang="en-US" sz="1000" dirty="0" err="1"/>
+              <a:t>Fisher.C</a:t>
+            </a:r>
+            <a:endParaRPr lang="en-US" sz="1000" dirty="0"/>
+          </a:p>
+          <a:p>
+            <a:r>
+              <a:rPr lang="en-US" sz="1000" dirty="0"/>
+              <a:t>  </a:t>
+            </a:r>
+            <a:r>
+              <a:rPr lang="en-US" sz="1000" dirty="0" err="1"/>
+              <a:t>fisher.c</a:t>
+            </a:r>
+            <a:r>
+              <a:rPr lang="en-US" sz="1000" dirty="0"/>
+              <a:t> </a:t>
+            </a:r>
+            <a:r>
+              <a:rPr lang="en-US" sz="1000" dirty="0" err="1"/>
+              <a:t>df</a:t>
+            </a:r>
+            <a:r>
+              <a:rPr lang="en-US" sz="1000" dirty="0"/>
+              <a:t> </a:t>
+            </a:r>
+            <a:r>
+              <a:rPr lang="en-US" sz="1000" dirty="0" err="1"/>
+              <a:t>p.value</a:t>
+            </a:r>
+            <a:endParaRPr lang="en-US" sz="1000" dirty="0"/>
+          </a:p>
+          <a:p>
+            <a:r>
+              <a:rPr lang="en-US" sz="1000" dirty="0"/>
+              <a:t>1     0.32  4   0.989</a:t>
+            </a:r>
+          </a:p>
+          <a:p>
+            <a:endParaRPr lang="en-US" sz="1000" dirty="0"/>
+          </a:p>
+          <a:p>
+            <a:r>
+              <a:rPr lang="en-US" sz="1000" dirty="0"/>
+              <a:t>$AIC</a:t>
+            </a:r>
+          </a:p>
+          <a:p>
+            <a:r>
+              <a:rPr lang="en-US" sz="1000" dirty="0"/>
+              <a:t>    AIC   </a:t>
+            </a:r>
+            <a:r>
+              <a:rPr lang="en-US" sz="1000" dirty="0" err="1"/>
+              <a:t>AICc</a:t>
+            </a:r>
+            <a:r>
+              <a:rPr lang="en-US" sz="1000" dirty="0"/>
+              <a:t>  K    n</a:t>
+            </a:r>
+          </a:p>
+          <a:p>
+            <a:r>
+              <a:rPr lang="en-US" sz="1000" dirty="0"/>
+              <a:t>1 46.32 46.497 23 6269</a:t>
+            </a:r>
+          </a:p>
+          <a:p>
+            <a:endParaRPr lang="en-US" sz="1000" dirty="0"/>
+          </a:p>
+          <a:p>
+            <a:r>
+              <a:rPr lang="en-US" sz="1000" dirty="0"/>
+              <a:t>&gt; </a:t>
+            </a:r>
+            <a:r>
+              <a:rPr lang="en-US" sz="1000" dirty="0" err="1"/>
+              <a:t>sem.coefs</a:t>
+            </a:r>
+            <a:r>
+              <a:rPr lang="en-US" sz="1000" dirty="0"/>
+              <a:t>(M2,AVOC)</a:t>
+            </a:r>
+          </a:p>
+          <a:p>
+            <a:r>
+              <a:rPr lang="en-US" sz="1000" dirty="0"/>
+              <a:t>            response               predictor     estimate    </a:t>
+            </a:r>
+            <a:r>
+              <a:rPr lang="en-US" sz="1000" dirty="0" err="1"/>
+              <a:t>std.error</a:t>
+            </a:r>
+            <a:r>
+              <a:rPr lang="en-US" sz="1000" dirty="0"/>
+              <a:t> </a:t>
+            </a:r>
+            <a:r>
+              <a:rPr lang="en-US" sz="1000" dirty="0" err="1"/>
+              <a:t>p.value</a:t>
+            </a:r>
+            <a:r>
+              <a:rPr lang="en-US" sz="1000" dirty="0"/>
+              <a:t>    </a:t>
+            </a:r>
+          </a:p>
+          <a:p>
+            <a:r>
+              <a:rPr lang="en-US" sz="1000" dirty="0"/>
+              <a:t>1  log(</a:t>
+            </a:r>
+            <a:r>
+              <a:rPr lang="en-US" sz="1000" dirty="0" err="1"/>
+              <a:t>OringTOT</a:t>
+            </a:r>
+            <a:r>
+              <a:rPr lang="en-US" sz="1000" dirty="0"/>
+              <a:t> + 1)                </a:t>
+            </a:r>
+            <a:r>
+              <a:rPr lang="en-US" sz="1000" dirty="0" err="1"/>
+              <a:t>Av_depth</a:t>
+            </a:r>
+            <a:r>
+              <a:rPr lang="en-US" sz="1000" dirty="0"/>
+              <a:t> -2.057402647 0.1377434696  0.0000 ***</a:t>
+            </a:r>
+          </a:p>
+          <a:p>
+            <a:r>
+              <a:rPr lang="en-US" sz="1000" dirty="0"/>
+              <a:t>2  log(</a:t>
+            </a:r>
+            <a:r>
+              <a:rPr lang="en-US" sz="1000" dirty="0" err="1"/>
+              <a:t>OringTOT</a:t>
+            </a:r>
+            <a:r>
+              <a:rPr lang="en-US" sz="1000" dirty="0"/>
+              <a:t> + 1)            </a:t>
+            </a:r>
+            <a:r>
+              <a:rPr lang="en-US" sz="1000" dirty="0" err="1"/>
+              <a:t>Wetted_width</a:t>
+            </a:r>
+            <a:r>
+              <a:rPr lang="en-US" sz="1000" dirty="0"/>
+              <a:t> -0.077376786 0.0068632123  0.0000 ***</a:t>
+            </a:r>
+          </a:p>
+          <a:p>
+            <a:r>
+              <a:rPr lang="en-US" sz="1000" dirty="0"/>
+              <a:t>3  log(</a:t>
+            </a:r>
+            <a:r>
+              <a:rPr lang="en-US" sz="1000" dirty="0" err="1"/>
+              <a:t>OringTOT</a:t>
+            </a:r>
+            <a:r>
+              <a:rPr lang="en-US" sz="1000" dirty="0"/>
+              <a:t> + 1)            log(LWD + 1)  0.100691172 0.0182716077  0.0000 ***</a:t>
+            </a:r>
+          </a:p>
+          <a:p>
+            <a:r>
+              <a:rPr lang="en-US" sz="1000" dirty="0"/>
+              <a:t>4  log(</a:t>
+            </a:r>
+            <a:r>
+              <a:rPr lang="en-US" sz="1000" dirty="0" err="1"/>
+              <a:t>OringTOT</a:t>
+            </a:r>
+            <a:r>
+              <a:rPr lang="en-US" sz="1000" dirty="0"/>
+              <a:t> + 1)                    SUB1  0.082798505 0.0184212472  0.0000 ***</a:t>
+            </a:r>
+          </a:p>
+          <a:p>
+            <a:r>
+              <a:rPr lang="en-US" sz="1000" dirty="0"/>
+              <a:t>5  log(</a:t>
+            </a:r>
+            <a:r>
+              <a:rPr lang="en-US" sz="1000" dirty="0" err="1"/>
+              <a:t>OringTOT</a:t>
+            </a:r>
+            <a:r>
+              <a:rPr lang="en-US" sz="1000" dirty="0"/>
+              <a:t> + 1)                   </a:t>
+            </a:r>
+            <a:r>
+              <a:rPr lang="en-US" sz="1000" dirty="0" err="1"/>
+              <a:t>GEdda</a:t>
+            </a:r>
+            <a:r>
+              <a:rPr lang="en-US" sz="1000" dirty="0"/>
+              <a:t> -0.056961624 0.0139618628  0.0000 ***</a:t>
+            </a:r>
+          </a:p>
+          <a:p>
+            <a:r>
+              <a:rPr lang="en-US" sz="1000" dirty="0"/>
+              <a:t>6  log(</a:t>
+            </a:r>
+            <a:r>
+              <a:rPr lang="en-US" sz="1000" dirty="0" err="1"/>
+              <a:t>OringTOT</a:t>
+            </a:r>
+            <a:r>
+              <a:rPr lang="en-US" sz="1000" dirty="0"/>
+              <a:t> + 1) </a:t>
+            </a:r>
+            <a:r>
+              <a:rPr lang="en-US" sz="1000" dirty="0" err="1"/>
+              <a:t>Average_air_temperature</a:t>
+            </a:r>
+            <a:r>
+              <a:rPr lang="en-US" sz="1000" dirty="0"/>
+              <a:t>  0.088816113 0.0223717767  0.0001 ***</a:t>
+            </a:r>
+          </a:p>
+          <a:p>
+            <a:r>
+              <a:rPr lang="en-US" sz="1000" dirty="0"/>
+              <a:t>7  log(</a:t>
+            </a:r>
+            <a:r>
+              <a:rPr lang="en-US" sz="1000" dirty="0" err="1"/>
+              <a:t>OringTOT</a:t>
+            </a:r>
+            <a:r>
+              <a:rPr lang="en-US" sz="1000" dirty="0"/>
+              <a:t> + 1)         </a:t>
+            </a:r>
+            <a:r>
+              <a:rPr lang="en-US" sz="1000" dirty="0" err="1"/>
+              <a:t>Distance_to_sea</a:t>
+            </a:r>
+            <a:r>
+              <a:rPr lang="en-US" sz="1000" dirty="0"/>
+              <a:t> -0.001840282 0.0007325232  0.0120   *</a:t>
+            </a:r>
+          </a:p>
+          <a:p>
+            <a:r>
+              <a:rPr lang="en-US" sz="1000" dirty="0"/>
+              <a:t>8  log(</a:t>
+            </a:r>
+            <a:r>
+              <a:rPr lang="en-US" sz="1000" dirty="0" err="1"/>
+              <a:t>OringTOT</a:t>
+            </a:r>
+            <a:r>
+              <a:rPr lang="en-US" sz="1000" dirty="0"/>
+              <a:t> + 1)                    Year  0.005731089 0.0025765763  0.0262   *</a:t>
+            </a:r>
+          </a:p>
+          <a:p>
+            <a:r>
+              <a:rPr lang="en-US" sz="1000" dirty="0"/>
+              <a:t>9       log(LWD + 1)            </a:t>
+            </a:r>
+            <a:r>
+              <a:rPr lang="en-US" sz="1000" dirty="0" err="1"/>
+              <a:t>Wetted_width</a:t>
+            </a:r>
+            <a:r>
+              <a:rPr lang="en-US" sz="1000" dirty="0"/>
+              <a:t> -0.050528448 0.0041171600  0.0000 ***</a:t>
+            </a:r>
+          </a:p>
+          <a:p>
+            <a:r>
+              <a:rPr lang="en-US" sz="1000" dirty="0"/>
+              <a:t>10      log(LWD + 1) </a:t>
+            </a:r>
+            <a:r>
+              <a:rPr lang="en-US" sz="1000" dirty="0" err="1"/>
+              <a:t>Average_air_temperature</a:t>
+            </a:r>
+            <a:r>
+              <a:rPr lang="en-US" sz="1000" dirty="0"/>
+              <a:t> -0.096352958 0.0109143951  0.0000 ***</a:t>
+            </a:r>
+          </a:p>
+          <a:p>
+            <a:r>
+              <a:rPr lang="en-US" sz="1000" dirty="0"/>
+              <a:t>11      log(LWD + 1)         </a:t>
+            </a:r>
+            <a:r>
+              <a:rPr lang="en-US" sz="1000" dirty="0" err="1"/>
+              <a:t>Distance_to_sea</a:t>
+            </a:r>
+            <a:r>
+              <a:rPr lang="en-US" sz="1000" dirty="0"/>
+              <a:t> -0.002429383 0.0003725618  0.0000 ***</a:t>
+            </a:r>
+          </a:p>
+          <a:p>
+            <a:r>
+              <a:rPr lang="en-US" sz="1000" dirty="0"/>
+              <a:t>12      log(LWD + 1)                    Year  0.013421089 0.0023281846  0.0000 ***</a:t>
+            </a:r>
+          </a:p>
+          <a:p>
+            <a:r>
+              <a:rPr lang="en-US" sz="1000" dirty="0"/>
+              <a:t>13      log(LWD + 1)                </a:t>
+            </a:r>
+            <a:r>
+              <a:rPr lang="en-US" sz="1000" dirty="0" err="1"/>
+              <a:t>Av_depth</a:t>
+            </a:r>
+            <a:r>
+              <a:rPr lang="en-US" sz="1000" dirty="0"/>
+              <a:t> -0.490579777 0.0909760375  0.0000 ***</a:t>
+            </a:r>
+          </a:p>
+          <a:p>
+            <a:r>
+              <a:rPr lang="en-US" sz="1000" dirty="0"/>
+              <a:t>&gt; </a:t>
+            </a:r>
+            <a:r>
+              <a:rPr lang="en-US" sz="1000" dirty="0" err="1"/>
+              <a:t>sem.model.fits</a:t>
+            </a:r>
+            <a:r>
+              <a:rPr lang="en-US" sz="1000" dirty="0"/>
+              <a:t>(M2)</a:t>
+            </a:r>
+          </a:p>
+          <a:p>
+            <a:r>
+              <a:rPr lang="en-US" sz="1000" dirty="0"/>
+              <a:t>  Class   Family     Link    n  Marginal Conditional</a:t>
+            </a:r>
+          </a:p>
+          <a:p>
+            <a:r>
+              <a:rPr lang="en-US" sz="1000" dirty="0"/>
+              <a:t>1   </a:t>
+            </a:r>
+            <a:r>
+              <a:rPr lang="en-US" sz="1000" dirty="0" err="1"/>
+              <a:t>lme</a:t>
+            </a:r>
+            <a:r>
+              <a:rPr lang="en-US" sz="1000" dirty="0"/>
+              <a:t> </a:t>
+            </a:r>
+            <a:r>
+              <a:rPr lang="en-US" sz="1000" dirty="0" err="1"/>
+              <a:t>gaussian</a:t>
+            </a:r>
+            <a:r>
+              <a:rPr lang="en-US" sz="1000" dirty="0"/>
+              <a:t> identity 6269 0.1056071   0.7706319</a:t>
+            </a:r>
+          </a:p>
+          <a:p>
+            <a:r>
+              <a:rPr lang="en-US" sz="1000" dirty="0"/>
+              <a:t>2   </a:t>
+            </a:r>
+            <a:r>
+              <a:rPr lang="en-US" sz="1000" dirty="0" err="1"/>
+              <a:t>lme</a:t>
+            </a:r>
+            <a:r>
+              <a:rPr lang="en-US" sz="1000" dirty="0"/>
+              <a:t> </a:t>
+            </a:r>
+            <a:r>
+              <a:rPr lang="en-US" sz="1000" dirty="0" err="1"/>
+              <a:t>gaussian</a:t>
+            </a:r>
+            <a:r>
+              <a:rPr lang="en-US" sz="1000" dirty="0"/>
+              <a:t> identity 6270 0.1026018   0.4882388</a:t>
+            </a:r>
+          </a:p>
+        </p:txBody>
+      </p:sp>
+      <p:pic>
+        <p:nvPicPr>
+          <p:cNvPr id="3" name="Picture 2"/>
+          <p:cNvPicPr>
+            <a:picLocks noChangeAspect="1"/>
+          </p:cNvPicPr>
+          <p:nvPr/>
+        </p:nvPicPr>
+        <p:blipFill>
+          <a:blip r:embed="rId3"/>
+          <a:stretch>
+            <a:fillRect/>
+          </a:stretch>
+        </p:blipFill>
+        <p:spPr>
+          <a:xfrm>
+            <a:off x="6187765" y="1180037"/>
+            <a:ext cx="5554729" cy="4827841"/>
+          </a:xfrm>
+          <a:prstGeom prst="rect">
+            <a:avLst/>
+          </a:prstGeom>
+        </p:spPr>
+      </p:pic>
+      <p:sp>
+        <p:nvSpPr>
+          <p:cNvPr id="4" name="TextBox 3"/>
+          <p:cNvSpPr txBox="1"/>
+          <p:nvPr/>
+        </p:nvSpPr>
+        <p:spPr>
+          <a:xfrm>
+            <a:off x="95693" y="48973"/>
+            <a:ext cx="11897833" cy="369332"/>
+          </a:xfrm>
+          <a:prstGeom prst="rect">
+            <a:avLst/>
+          </a:prstGeom>
+          <a:noFill/>
+        </p:spPr>
+        <p:txBody>
+          <a:bodyPr wrap="square" rtlCol="0">
+            <a:spAutoFit/>
+          </a:bodyPr>
+          <a:lstStyle/>
+          <a:p>
+            <a:r>
+              <a:rPr lang="sv-SE" dirty="0" smtClean="0"/>
+              <a:t>2) On </a:t>
+            </a:r>
+            <a:r>
+              <a:rPr lang="sv-SE" dirty="0"/>
+              <a:t>AVOC (excluding </a:t>
+            </a:r>
+            <a:r>
+              <a:rPr lang="sv-SE" dirty="0" smtClean="0"/>
+              <a:t>rivers </a:t>
+            </a:r>
+            <a:r>
+              <a:rPr lang="sv-SE" dirty="0"/>
+              <a:t>that have been sampled only 1 year</a:t>
+            </a:r>
+            <a:r>
+              <a:rPr lang="sv-SE" dirty="0" smtClean="0"/>
+              <a:t>) without Nas (n=4942)</a:t>
+            </a:r>
+            <a:endParaRPr lang="en-US" dirty="0"/>
+          </a:p>
+        </p:txBody>
+      </p:sp>
+      <p:sp>
+        <p:nvSpPr>
+          <p:cNvPr id="5" name="5-Point Star 4"/>
+          <p:cNvSpPr/>
+          <p:nvPr/>
+        </p:nvSpPr>
+        <p:spPr>
+          <a:xfrm>
+            <a:off x="10826148" y="625101"/>
+            <a:ext cx="502064" cy="539971"/>
+          </a:xfrm>
+          <a:prstGeom prst="star5">
+            <a:avLst/>
+          </a:prstGeom>
+        </p:spPr>
+        <p:style>
+          <a:lnRef idx="2">
+            <a:schemeClr val="accent1">
+              <a:shade val="50000"/>
+            </a:schemeClr>
+          </a:lnRef>
+          <a:fillRef idx="1">
+            <a:schemeClr val="accent1"/>
+          </a:fillRef>
+          <a:effectRef idx="0">
+            <a:schemeClr val="accent1"/>
+          </a:effectRef>
+          <a:fontRef idx="minor">
+            <a:schemeClr val="lt1"/>
+          </a:fontRef>
+        </p:style>
+        <p:txBody>
+          <a:bodyPr rtlCol="0" anchor="ctr"/>
+          <a:lstStyle/>
+          <a:p>
+            <a:pPr algn="ctr"/>
+            <a:endParaRPr lang="sv-SE" dirty="0"/>
+          </a:p>
+        </p:txBody>
+      </p:sp>
+      <p:sp>
+        <p:nvSpPr>
+          <p:cNvPr id="6" name="5-Point Star 5"/>
+          <p:cNvSpPr/>
+          <p:nvPr/>
+        </p:nvSpPr>
+        <p:spPr>
+          <a:xfrm>
+            <a:off x="11491462" y="625101"/>
+            <a:ext cx="502064" cy="539971"/>
+          </a:xfrm>
+          <a:prstGeom prst="star5">
+            <a:avLst/>
+          </a:prstGeom>
+        </p:spPr>
+        <p:style>
+          <a:lnRef idx="2">
+            <a:schemeClr val="accent1">
+              <a:shade val="50000"/>
+            </a:schemeClr>
+          </a:lnRef>
+          <a:fillRef idx="1">
+            <a:schemeClr val="accent1"/>
+          </a:fillRef>
+          <a:effectRef idx="0">
+            <a:schemeClr val="accent1"/>
+          </a:effectRef>
+          <a:fontRef idx="minor">
+            <a:schemeClr val="lt1"/>
+          </a:fontRef>
+        </p:style>
+        <p:txBody>
+          <a:bodyPr rtlCol="0" anchor="ctr"/>
+          <a:lstStyle/>
+          <a:p>
+            <a:pPr algn="ctr"/>
+            <a:endParaRPr lang="sv-SE" dirty="0"/>
+          </a:p>
+        </p:txBody>
+      </p:sp>
+    </p:spTree>
+    <p:extLst>
+      <p:ext uri="{BB962C8B-B14F-4D97-AF65-F5344CB8AC3E}">
+        <p14:creationId xmlns:p14="http://schemas.microsoft.com/office/powerpoint/2010/main" val="1097380434"/>
+      </p:ext>
+    </p:extLst>
+  </p:cSld>
+  <p:clrMapOvr>
+    <a:masterClrMapping/>
+  </p:clrMapOvr>
+</p:sld>
+</file>
+
+<file path=ppt/slides/slide51.xml><?xml version="1.0" encoding="utf-8"?>
+<p:sld xmlns:a="http://schemas.openxmlformats.org/drawingml/2006/main" xmlns:r="http://schemas.openxmlformats.org/officeDocument/2006/relationships" xmlns:p="http://schemas.openxmlformats.org/presentationml/2006/main">
+  <p:cSld>
+    <p:spTree>
+      <p:nvGrpSpPr>
+        <p:cNvPr id="1" name=""/>
+        <p:cNvGrpSpPr/>
+        <p:nvPr/>
+      </p:nvGrpSpPr>
+      <p:grpSpPr>
+        <a:xfrm>
+          <a:off x="0" y="0"/>
+          <a:ext cx="0" cy="0"/>
+          <a:chOff x="0" y="0"/>
+          <a:chExt cx="0" cy="0"/>
+        </a:xfrm>
+      </p:grpSpPr>
+      <p:sp>
+        <p:nvSpPr>
+          <p:cNvPr id="2" name="TextBox 1"/>
+          <p:cNvSpPr txBox="1"/>
+          <p:nvPr/>
+        </p:nvSpPr>
+        <p:spPr>
+          <a:xfrm>
             <a:off x="85060" y="659219"/>
             <a:ext cx="8633638" cy="5940088"/>
           </a:xfrm>
@@ -47304,7 +48096,7 @@
 </p:sld>
 </file>
 
-<file path=ppt/slides/slide51.xml><?xml version="1.0" encoding="utf-8"?>
+<file path=ppt/slides/slide52.xml><?xml version="1.0" encoding="utf-8"?>
 <p:sld xmlns:a="http://schemas.openxmlformats.org/drawingml/2006/main" xmlns:r="http://schemas.openxmlformats.org/officeDocument/2006/relationships" xmlns:p="http://schemas.openxmlformats.org/presentationml/2006/main">
   <p:cSld>
     <p:spTree>
@@ -47737,7 +48529,7 @@
 </p:sld>
 </file>
 
-<file path=ppt/slides/slide52.xml><?xml version="1.0" encoding="utf-8"?>
+<file path=ppt/slides/slide53.xml><?xml version="1.0" encoding="utf-8"?>
 <p:sld xmlns:a="http://schemas.openxmlformats.org/drawingml/2006/main" xmlns:r="http://schemas.openxmlformats.org/officeDocument/2006/relationships" xmlns:p="http://schemas.openxmlformats.org/presentationml/2006/main">
   <p:cSld>
     <p:spTree>
@@ -48109,7 +48901,7 @@
 </p:sld>
 </file>
 
-<file path=ppt/slides/slide53.xml><?xml version="1.0" encoding="utf-8"?>
+<file path=ppt/slides/slide54.xml><?xml version="1.0" encoding="utf-8"?>
 <p:sld xmlns:a="http://schemas.openxmlformats.org/drawingml/2006/main" xmlns:r="http://schemas.openxmlformats.org/officeDocument/2006/relationships" xmlns:p="http://schemas.openxmlformats.org/presentationml/2006/main">
   <p:cSld>
     <p:spTree>
@@ -48514,7 +49306,7 @@
 </p:sld>
 </file>
 
-<file path=ppt/slides/slide54.xml><?xml version="1.0" encoding="utf-8"?>
+<file path=ppt/slides/slide55.xml><?xml version="1.0" encoding="utf-8"?>
 <p:sld xmlns:a="http://schemas.openxmlformats.org/drawingml/2006/main" xmlns:r="http://schemas.openxmlformats.org/officeDocument/2006/relationships" xmlns:p="http://schemas.openxmlformats.org/presentationml/2006/main">
   <p:cSld>
     <p:spTree>
@@ -49200,7 +49992,7 @@
 </p:sld>
 </file>
 
-<file path=ppt/slides/slide55.xml><?xml version="1.0" encoding="utf-8"?>
+<file path=ppt/slides/slide56.xml><?xml version="1.0" encoding="utf-8"?>
 <p:sld xmlns:a="http://schemas.openxmlformats.org/drawingml/2006/main" xmlns:r="http://schemas.openxmlformats.org/officeDocument/2006/relationships" xmlns:p="http://schemas.openxmlformats.org/presentationml/2006/main">
   <p:cSld>
     <p:spTree>
@@ -49261,7 +50053,7 @@
 </p:sld>
 </file>
 
-<file path=ppt/slides/slide56.xml><?xml version="1.0" encoding="utf-8"?>
+<file path=ppt/slides/slide57.xml><?xml version="1.0" encoding="utf-8"?>
 <p:sld xmlns:a="http://schemas.openxmlformats.org/drawingml/2006/main" xmlns:r="http://schemas.openxmlformats.org/officeDocument/2006/relationships" xmlns:p="http://schemas.openxmlformats.org/presentationml/2006/main">
   <p:cSld>
     <p:spTree>
@@ -49686,7 +50478,7 @@
 </p:sld>
 </file>
 
-<file path=ppt/slides/slide57.xml><?xml version="1.0" encoding="utf-8"?>
+<file path=ppt/slides/slide58.xml><?xml version="1.0" encoding="utf-8"?>
 <p:sld xmlns:a="http://schemas.openxmlformats.org/drawingml/2006/main" xmlns:r="http://schemas.openxmlformats.org/officeDocument/2006/relationships" xmlns:p="http://schemas.openxmlformats.org/presentationml/2006/main">
   <p:cSld>
     <p:spTree>
